--- a/Final_Project/FeedbackPresentation.pptx
+++ b/Final_Project/FeedbackPresentation.pptx
@@ -5,20 +5,22 @@
     <p:sldMasterId id="2147483662" r:id="rId7"/>
   </p:sldMasterIdLst>
   <p:notesMasterIdLst>
-    <p:notesMasterId r:id="rId11"/>
+    <p:notesMasterId r:id="rId13"/>
   </p:notesMasterIdLst>
   <p:handoutMasterIdLst>
-    <p:handoutMasterId r:id="rId12"/>
+    <p:handoutMasterId r:id="rId14"/>
   </p:handoutMasterIdLst>
   <p:sldIdLst>
     <p:sldId id="260" r:id="rId8"/>
     <p:sldId id="280" r:id="rId9"/>
-    <p:sldId id="281" r:id="rId10"/>
+    <p:sldId id="282" r:id="rId10"/>
+    <p:sldId id="283" r:id="rId11"/>
+    <p:sldId id="281" r:id="rId12"/>
   </p:sldIdLst>
   <p:sldSz cx="12190413" cy="6858000"/>
   <p:notesSz cx="6858000" cy="9144000"/>
   <p:custDataLst>
-    <p:tags r:id="rId13"/>
+    <p:tags r:id="rId15"/>
   </p:custDataLst>
   <p:defaultTextStyle>
     <a:defPPr>
@@ -8966,6 +8968,16 @@
             </a:pPr>
             <a:r>
               <a:rPr lang="en-AU" dirty="0"/>
+              <a:t>Understanding the Data</a:t>
+            </a:r>
+          </a:p>
+          <a:p>
+            <a:pPr marL="342900" indent="-342900">
+              <a:buFont typeface="+mj-lt"/>
+              <a:buAutoNum type="arabicPeriod"/>
+            </a:pPr>
+            <a:r>
+              <a:rPr lang="en-AU" dirty="0"/>
               <a:t>FFNN</a:t>
             </a:r>
           </a:p>
@@ -9056,6 +9068,398 @@
           <p:cNvPr id="2" name="Title 1">
             <a:extLst>
               <a:ext uri="{FF2B5EF4-FFF2-40B4-BE49-F238E27FC236}">
+                <a16:creationId xmlns:a16="http://schemas.microsoft.com/office/drawing/2014/main" id="{8CFF9C99-D02F-A665-2773-861D9B140310}"/>
+              </a:ext>
+            </a:extLst>
+          </p:cNvPr>
+          <p:cNvSpPr>
+            <a:spLocks noGrp="1"/>
+          </p:cNvSpPr>
+          <p:nvPr>
+            <p:ph type="title"/>
+          </p:nvPr>
+        </p:nvSpPr>
+        <p:spPr/>
+        <p:txBody>
+          <a:bodyPr/>
+          <a:lstStyle/>
+          <a:p>
+            <a:r>
+              <a:rPr lang="en-US" dirty="0"/>
+              <a:t>Understanding the data</a:t>
+            </a:r>
+            <a:endParaRPr lang="nl-NL" dirty="0"/>
+          </a:p>
+        </p:txBody>
+      </p:sp>
+      <p:pic>
+        <p:nvPicPr>
+          <p:cNvPr id="6" name="Content Placeholder 5" descr="A blue graph with white text&#10;&#10;Description automatically generated">
+            <a:extLst>
+              <a:ext uri="{FF2B5EF4-FFF2-40B4-BE49-F238E27FC236}">
+                <a16:creationId xmlns:a16="http://schemas.microsoft.com/office/drawing/2014/main" id="{546798AF-25A2-954C-531C-5570D01E2B1F}"/>
+              </a:ext>
+            </a:extLst>
+          </p:cNvPr>
+          <p:cNvPicPr>
+            <a:picLocks noGrp="1" noChangeAspect="1"/>
+          </p:cNvPicPr>
+          <p:nvPr>
+            <p:ph idx="1"/>
+          </p:nvPr>
+        </p:nvPicPr>
+        <p:blipFill>
+          <a:blip r:embed="rId2">
+            <a:extLst>
+              <a:ext uri="{28A0092B-C50C-407E-A947-70E740481C1C}">
+                <a14:useLocalDpi xmlns:a14="http://schemas.microsoft.com/office/drawing/2010/main" val="0"/>
+              </a:ext>
+            </a:extLst>
+          </a:blip>
+          <a:stretch>
+            <a:fillRect/>
+          </a:stretch>
+        </p:blipFill>
+        <p:spPr>
+          <a:xfrm>
+            <a:off x="7006402" y="4005063"/>
+            <a:ext cx="3553300" cy="2539377"/>
+          </a:xfrm>
+        </p:spPr>
+      </p:pic>
+      <p:sp>
+        <p:nvSpPr>
+          <p:cNvPr id="4" name="Slide Number Placeholder 3">
+            <a:extLst>
+              <a:ext uri="{FF2B5EF4-FFF2-40B4-BE49-F238E27FC236}">
+                <a16:creationId xmlns:a16="http://schemas.microsoft.com/office/drawing/2014/main" id="{B58826FE-22C3-8103-499A-C05D66B01C1B}"/>
+              </a:ext>
+            </a:extLst>
+          </p:cNvPr>
+          <p:cNvSpPr>
+            <a:spLocks noGrp="1"/>
+          </p:cNvSpPr>
+          <p:nvPr>
+            <p:ph type="sldNum" sz="quarter" idx="11"/>
+          </p:nvPr>
+        </p:nvSpPr>
+        <p:spPr/>
+        <p:txBody>
+          <a:bodyPr/>
+          <a:lstStyle/>
+          <a:p>
+            <a:fld id="{103EA872-A674-449B-A120-B97244F8E91D}" type="slidenum">
+              <a:rPr lang="en-GB" smtClean="0"/>
+              <a:pPr/>
+              <a:t>3</a:t>
+            </a:fld>
+            <a:endParaRPr lang="en-GB" dirty="0"/>
+          </a:p>
+        </p:txBody>
+      </p:sp>
+      <p:pic>
+        <p:nvPicPr>
+          <p:cNvPr id="8" name="Picture 7" descr="A graph of a wind speed&#10;&#10;Description automatically generated">
+            <a:extLst>
+              <a:ext uri="{FF2B5EF4-FFF2-40B4-BE49-F238E27FC236}">
+                <a16:creationId xmlns:a16="http://schemas.microsoft.com/office/drawing/2014/main" id="{4A861F4E-EAEF-E5FA-2AAF-4069F574DE74}"/>
+              </a:ext>
+            </a:extLst>
+          </p:cNvPr>
+          <p:cNvPicPr>
+            <a:picLocks noChangeAspect="1"/>
+          </p:cNvPicPr>
+          <p:nvPr/>
+        </p:nvPicPr>
+        <p:blipFill>
+          <a:blip r:embed="rId3">
+            <a:extLst>
+              <a:ext uri="{28A0092B-C50C-407E-A947-70E740481C1C}">
+                <a14:useLocalDpi xmlns:a14="http://schemas.microsoft.com/office/drawing/2010/main" val="0"/>
+              </a:ext>
+            </a:extLst>
+          </a:blip>
+          <a:stretch>
+            <a:fillRect/>
+          </a:stretch>
+        </p:blipFill>
+        <p:spPr>
+          <a:xfrm>
+            <a:off x="7277827" y="144019"/>
+            <a:ext cx="4662835" cy="3861045"/>
+          </a:xfrm>
+          <a:prstGeom prst="rect">
+            <a:avLst/>
+          </a:prstGeom>
+        </p:spPr>
+      </p:pic>
+      <p:pic>
+        <p:nvPicPr>
+          <p:cNvPr id="10" name="Picture 9" descr="A graph of different colored lines&#10;&#10;Description automatically generated">
+            <a:extLst>
+              <a:ext uri="{FF2B5EF4-FFF2-40B4-BE49-F238E27FC236}">
+                <a16:creationId xmlns:a16="http://schemas.microsoft.com/office/drawing/2014/main" id="{EA42BDA7-99F7-52C0-79DF-15EFC1E7E76D}"/>
+              </a:ext>
+            </a:extLst>
+          </p:cNvPr>
+          <p:cNvPicPr>
+            <a:picLocks noChangeAspect="1"/>
+          </p:cNvPicPr>
+          <p:nvPr/>
+        </p:nvPicPr>
+        <p:blipFill>
+          <a:blip r:embed="rId4">
+            <a:extLst>
+              <a:ext uri="{28A0092B-C50C-407E-A947-70E740481C1C}">
+                <a14:useLocalDpi xmlns:a14="http://schemas.microsoft.com/office/drawing/2010/main" val="0"/>
+              </a:ext>
+            </a:extLst>
+          </a:blip>
+          <a:stretch>
+            <a:fillRect/>
+          </a:stretch>
+        </p:blipFill>
+        <p:spPr>
+          <a:xfrm>
+            <a:off x="334566" y="1340768"/>
+            <a:ext cx="6640583" cy="3528392"/>
+          </a:xfrm>
+          <a:prstGeom prst="rect">
+            <a:avLst/>
+          </a:prstGeom>
+        </p:spPr>
+      </p:pic>
+    </p:spTree>
+    <p:extLst>
+      <p:ext uri="{BB962C8B-B14F-4D97-AF65-F5344CB8AC3E}">
+        <p14:creationId xmlns:p14="http://schemas.microsoft.com/office/powerpoint/2010/main" val="1736194194"/>
+      </p:ext>
+    </p:extLst>
+  </p:cSld>
+  <p:clrMapOvr>
+    <a:masterClrMapping/>
+  </p:clrMapOvr>
+</p:sld>
+</file>
+
+<file path=ppt/slides/slide4.xml><?xml version="1.0" encoding="utf-8"?>
+<p:sld xmlns:a="http://schemas.openxmlformats.org/drawingml/2006/main" xmlns:r="http://schemas.openxmlformats.org/officeDocument/2006/relationships" xmlns:p="http://schemas.openxmlformats.org/presentationml/2006/main">
+  <p:cSld>
+    <p:spTree>
+      <p:nvGrpSpPr>
+        <p:cNvPr id="1" name=""/>
+        <p:cNvGrpSpPr/>
+        <p:nvPr/>
+      </p:nvGrpSpPr>
+      <p:grpSpPr>
+        <a:xfrm>
+          <a:off x="0" y="0"/>
+          <a:ext cx="0" cy="0"/>
+          <a:chOff x="0" y="0"/>
+          <a:chExt cx="0" cy="0"/>
+        </a:xfrm>
+      </p:grpSpPr>
+      <p:sp>
+        <p:nvSpPr>
+          <p:cNvPr id="2" name="Title 1">
+            <a:extLst>
+              <a:ext uri="{FF2B5EF4-FFF2-40B4-BE49-F238E27FC236}">
+                <a16:creationId xmlns:a16="http://schemas.microsoft.com/office/drawing/2014/main" id="{8CFF9C99-D02F-A665-2773-861D9B140310}"/>
+              </a:ext>
+            </a:extLst>
+          </p:cNvPr>
+          <p:cNvSpPr>
+            <a:spLocks noGrp="1"/>
+          </p:cNvSpPr>
+          <p:nvPr>
+            <p:ph type="title"/>
+          </p:nvPr>
+        </p:nvSpPr>
+        <p:spPr/>
+        <p:txBody>
+          <a:bodyPr/>
+          <a:lstStyle/>
+          <a:p>
+            <a:r>
+              <a:rPr lang="en-US" dirty="0"/>
+              <a:t>Feed Forward Neural Network</a:t>
+            </a:r>
+            <a:endParaRPr lang="nl-NL" dirty="0"/>
+          </a:p>
+        </p:txBody>
+      </p:sp>
+      <p:pic>
+        <p:nvPicPr>
+          <p:cNvPr id="6" name="Content Placeholder 5" descr="A blue graph with white text&#10;&#10;Description automatically generated">
+            <a:extLst>
+              <a:ext uri="{FF2B5EF4-FFF2-40B4-BE49-F238E27FC236}">
+                <a16:creationId xmlns:a16="http://schemas.microsoft.com/office/drawing/2014/main" id="{546798AF-25A2-954C-531C-5570D01E2B1F}"/>
+              </a:ext>
+            </a:extLst>
+          </p:cNvPr>
+          <p:cNvPicPr>
+            <a:picLocks noGrp="1" noChangeAspect="1"/>
+          </p:cNvPicPr>
+          <p:nvPr>
+            <p:ph idx="1"/>
+          </p:nvPr>
+        </p:nvPicPr>
+        <p:blipFill>
+          <a:blip r:embed="rId2">
+            <a:extLst>
+              <a:ext uri="{28A0092B-C50C-407E-A947-70E740481C1C}">
+                <a14:useLocalDpi xmlns:a14="http://schemas.microsoft.com/office/drawing/2010/main" val="0"/>
+              </a:ext>
+            </a:extLst>
+          </a:blip>
+          <a:stretch>
+            <a:fillRect/>
+          </a:stretch>
+        </p:blipFill>
+        <p:spPr>
+          <a:xfrm>
+            <a:off x="7006402" y="4005063"/>
+            <a:ext cx="3553300" cy="2539377"/>
+          </a:xfrm>
+        </p:spPr>
+      </p:pic>
+      <p:sp>
+        <p:nvSpPr>
+          <p:cNvPr id="4" name="Slide Number Placeholder 3">
+            <a:extLst>
+              <a:ext uri="{FF2B5EF4-FFF2-40B4-BE49-F238E27FC236}">
+                <a16:creationId xmlns:a16="http://schemas.microsoft.com/office/drawing/2014/main" id="{B58826FE-22C3-8103-499A-C05D66B01C1B}"/>
+              </a:ext>
+            </a:extLst>
+          </p:cNvPr>
+          <p:cNvSpPr>
+            <a:spLocks noGrp="1"/>
+          </p:cNvSpPr>
+          <p:nvPr>
+            <p:ph type="sldNum" sz="quarter" idx="11"/>
+          </p:nvPr>
+        </p:nvSpPr>
+        <p:spPr/>
+        <p:txBody>
+          <a:bodyPr/>
+          <a:lstStyle/>
+          <a:p>
+            <a:fld id="{103EA872-A674-449B-A120-B97244F8E91D}" type="slidenum">
+              <a:rPr lang="en-GB" smtClean="0"/>
+              <a:pPr/>
+              <a:t>4</a:t>
+            </a:fld>
+            <a:endParaRPr lang="en-GB" dirty="0"/>
+          </a:p>
+        </p:txBody>
+      </p:sp>
+      <p:pic>
+        <p:nvPicPr>
+          <p:cNvPr id="8" name="Picture 7" descr="A graph of a wind speed&#10;&#10;Description automatically generated">
+            <a:extLst>
+              <a:ext uri="{FF2B5EF4-FFF2-40B4-BE49-F238E27FC236}">
+                <a16:creationId xmlns:a16="http://schemas.microsoft.com/office/drawing/2014/main" id="{4A861F4E-EAEF-E5FA-2AAF-4069F574DE74}"/>
+              </a:ext>
+            </a:extLst>
+          </p:cNvPr>
+          <p:cNvPicPr>
+            <a:picLocks noChangeAspect="1"/>
+          </p:cNvPicPr>
+          <p:nvPr/>
+        </p:nvPicPr>
+        <p:blipFill>
+          <a:blip r:embed="rId3">
+            <a:extLst>
+              <a:ext uri="{28A0092B-C50C-407E-A947-70E740481C1C}">
+                <a14:useLocalDpi xmlns:a14="http://schemas.microsoft.com/office/drawing/2010/main" val="0"/>
+              </a:ext>
+            </a:extLst>
+          </a:blip>
+          <a:stretch>
+            <a:fillRect/>
+          </a:stretch>
+        </p:blipFill>
+        <p:spPr>
+          <a:xfrm>
+            <a:off x="7277827" y="144019"/>
+            <a:ext cx="4662835" cy="3861045"/>
+          </a:xfrm>
+          <a:prstGeom prst="rect">
+            <a:avLst/>
+          </a:prstGeom>
+        </p:spPr>
+      </p:pic>
+      <p:pic>
+        <p:nvPicPr>
+          <p:cNvPr id="10" name="Picture 9" descr="A graph of different colored lines&#10;&#10;Description automatically generated">
+            <a:extLst>
+              <a:ext uri="{FF2B5EF4-FFF2-40B4-BE49-F238E27FC236}">
+                <a16:creationId xmlns:a16="http://schemas.microsoft.com/office/drawing/2014/main" id="{EA42BDA7-99F7-52C0-79DF-15EFC1E7E76D}"/>
+              </a:ext>
+            </a:extLst>
+          </p:cNvPr>
+          <p:cNvPicPr>
+            <a:picLocks noChangeAspect="1"/>
+          </p:cNvPicPr>
+          <p:nvPr/>
+        </p:nvPicPr>
+        <p:blipFill>
+          <a:blip r:embed="rId4">
+            <a:extLst>
+              <a:ext uri="{28A0092B-C50C-407E-A947-70E740481C1C}">
+                <a14:useLocalDpi xmlns:a14="http://schemas.microsoft.com/office/drawing/2010/main" val="0"/>
+              </a:ext>
+            </a:extLst>
+          </a:blip>
+          <a:stretch>
+            <a:fillRect/>
+          </a:stretch>
+        </p:blipFill>
+        <p:spPr>
+          <a:xfrm>
+            <a:off x="334566" y="1340768"/>
+            <a:ext cx="6640583" cy="3528392"/>
+          </a:xfrm>
+          <a:prstGeom prst="rect">
+            <a:avLst/>
+          </a:prstGeom>
+        </p:spPr>
+      </p:pic>
+    </p:spTree>
+    <p:extLst>
+      <p:ext uri="{BB962C8B-B14F-4D97-AF65-F5344CB8AC3E}">
+        <p14:creationId xmlns:p14="http://schemas.microsoft.com/office/powerpoint/2010/main" val="3173100887"/>
+      </p:ext>
+    </p:extLst>
+  </p:cSld>
+  <p:clrMapOvr>
+    <a:masterClrMapping/>
+  </p:clrMapOvr>
+</p:sld>
+</file>
+
+<file path=ppt/slides/slide5.xml><?xml version="1.0" encoding="utf-8"?>
+<p:sld xmlns:a="http://schemas.openxmlformats.org/drawingml/2006/main" xmlns:r="http://schemas.openxmlformats.org/officeDocument/2006/relationships" xmlns:p="http://schemas.openxmlformats.org/presentationml/2006/main">
+  <p:cSld>
+    <p:spTree>
+      <p:nvGrpSpPr>
+        <p:cNvPr id="1" name=""/>
+        <p:cNvGrpSpPr/>
+        <p:nvPr/>
+      </p:nvGrpSpPr>
+      <p:grpSpPr>
+        <a:xfrm>
+          <a:off x="0" y="0"/>
+          <a:ext cx="0" cy="0"/>
+          <a:chOff x="0" y="0"/>
+          <a:chExt cx="0" cy="0"/>
+        </a:xfrm>
+      </p:grpSpPr>
+      <p:sp>
+        <p:nvSpPr>
+          <p:cNvPr id="2" name="Title 1">
+            <a:extLst>
+              <a:ext uri="{FF2B5EF4-FFF2-40B4-BE49-F238E27FC236}">
                 <a16:creationId xmlns:a16="http://schemas.microsoft.com/office/drawing/2014/main" id="{5241E114-141C-499A-8D76-AD728009E9CF}"/>
               </a:ext>
             </a:extLst>
@@ -9172,7 +9576,7 @@
             <a:fld id="{103EA872-A674-449B-A120-B97244F8E91D}" type="slidenum">
               <a:rPr lang="en-GB" smtClean="0"/>
               <a:pPr/>
-              <a:t>3</a:t>
+              <a:t>5</a:t>
             </a:fld>
             <a:endParaRPr lang="en-GB" dirty="0"/>
           </a:p>
@@ -10133,61 +10537,61 @@
 </file>
 
 <file path=customXml/item1.xml><?xml version="1.0" encoding="utf-8"?>
+<TemplafyTemplateConfiguration><![CDATA[{"elementsMetadata":[{"type":"shape","id":"200fc201-9004-4215-ada7-b2360008bfe0","elementConfiguration":{"binding":"UserProfile.Offices.Workarea_{{DocumentLanguage}}","disableUpdates":false,"type":"text"}},{"type":"shape","id":"70d15748-2402-426d-938e-9ee9c7ffcb44","elementConfiguration":{"format":"{{DateFormats.GeneralDate}}","binding":"Form.Date","disableUpdates":false,"type":"date"}},{"type":"shape","id":"c5d933f3-13ee-4215-923c-4dec843af19c","elementConfiguration":{"binding":"Form.PresentationTitle","disableUpdates":false,"type":"text"}}],"transformationConfigurations":[{"language":"{{DocumentLanguage}}","disableUpdates":false,"type":"proofingLanguage"}],"templateName":"","templateDescription":"","enableDocumentContentUpdater":true,"version":"1.2"}]]></TemplafyTemplateConfiguration>
+</file>
+
+<file path=customXml/item2.xml><?xml version="1.0" encoding="utf-8"?>
+<TemplafySlideTemplateConfiguration><![CDATA[{"documentContentValidatorConfiguration":{"enableDocumentContentValidator":false,"documentContentValidatorVersion":0},"elementsMetadata":[],"slideId":"636957680393408390","enableDocumentContentUpdater":true,"version":"1.2"}]]></TemplafySlideTemplateConfiguration>
+</file>
+
+<file path=customXml/item3.xml><?xml version="1.0" encoding="utf-8"?>
 <TemplafySlideFormConfiguration><![CDATA[{"formFields":[],"formDataEntries":[]}]]></TemplafySlideFormConfiguration>
 </file>
 
-<file path=customXml/item2.xml><?xml version="1.0" encoding="utf-8"?>
+<file path=customXml/item4.xml><?xml version="1.0" encoding="utf-8"?>
 <TemplafySlideFormConfiguration><![CDATA[{"formFields":[],"formDataEntries":[]}]]></TemplafySlideFormConfiguration>
 </file>
 
-<file path=customXml/item3.xml><?xml version="1.0" encoding="utf-8"?>
-<TemplafySlideTemplateConfiguration><![CDATA[{"documentContentValidatorConfiguration":{"enableDocumentContentValidator":false,"documentContentValidatorVersion":0},"elementsMetadata":[],"slideId":"636957680393408390","enableDocumentContentUpdater":true,"version":"1.2"}]]></TemplafySlideTemplateConfiguration>
+<file path=customXml/item5.xml><?xml version="1.0" encoding="utf-8"?>
+<TemplafyFormConfiguration><![CDATA[{"formFields":[{"required":false,"helpTexts":{"prefix":"","postfix":""},"spacing":{},"type":"datePicker","name":"Date","label":"Date","fullyQualifiedName":"Date"},{"required":false,"placeholder":"","lines":0,"helpTexts":{"prefix":"","postfix":""},"spacing":{},"type":"textBox","name":"PresentationTitle","label":"Presentation title","fullyQualifiedName":"PresentationTitle"}],"formDataEntries":[{"name":"Date","value":"IuW0XXvkihAeaFR+oasw5g=="}]}]]></TemplafyFormConfiguration>
 </file>
 
-<file path=customXml/item4.xml><?xml version="1.0" encoding="utf-8"?>
-<TemplafyTemplateConfiguration><![CDATA[{"elementsMetadata":[{"type":"shape","id":"200fc201-9004-4215-ada7-b2360008bfe0","elementConfiguration":{"binding":"UserProfile.Offices.Workarea_{{DocumentLanguage}}","disableUpdates":false,"type":"text"}},{"type":"shape","id":"70d15748-2402-426d-938e-9ee9c7ffcb44","elementConfiguration":{"format":"{{DateFormats.GeneralDate}}","binding":"Form.Date","disableUpdates":false,"type":"date"}},{"type":"shape","id":"c5d933f3-13ee-4215-923c-4dec843af19c","elementConfiguration":{"binding":"Form.PresentationTitle","disableUpdates":false,"type":"text"}}],"transformationConfigurations":[{"language":"{{DocumentLanguage}}","disableUpdates":false,"type":"proofingLanguage"}],"templateName":"","templateDescription":"","enableDocumentContentUpdater":true,"version":"1.2"}]]></TemplafyTemplateConfiguration>
-</file>
-
-<file path=customXml/item5.xml><?xml version="1.0" encoding="utf-8"?>
+<file path=customXml/item6.xml><?xml version="1.0" encoding="utf-8"?>
 <TemplafySlideTemplateConfiguration><![CDATA[{"documentContentValidatorConfiguration":{"enableDocumentContentValidator":false,"documentContentValidatorVersion":0},"elementsMetadata":[],"slideId":"636957680393236694","enableDocumentContentUpdater":true,"version":"1.2"}]]></TemplafySlideTemplateConfiguration>
 </file>
 
-<file path=customXml/item6.xml><?xml version="1.0" encoding="utf-8"?>
-<TemplafyFormConfiguration><![CDATA[{"formFields":[{"required":false,"helpTexts":{"prefix":"","postfix":""},"spacing":{},"type":"datePicker","name":"Date","label":"Date","fullyQualifiedName":"Date"},{"required":false,"placeholder":"","lines":0,"helpTexts":{"prefix":"","postfix":""},"spacing":{},"type":"textBox","name":"PresentationTitle","label":"Presentation title","fullyQualifiedName":"PresentationTitle"}],"formDataEntries":[{"name":"Date","value":"IuW0XXvkihAeaFR+oasw5g=="}]}]]></TemplafyFormConfiguration>
+<file path=customXml/itemProps1.xml><?xml version="1.0" encoding="utf-8"?>
+<ds:datastoreItem xmlns:ds="http://schemas.openxmlformats.org/officeDocument/2006/customXml" ds:itemID="{1334258C-C3E7-4029-A615-C886A240FB15}">
+  <ds:schemaRefs/>
+</ds:datastoreItem>
 </file>
 
-<file path=customXml/itemProps1.xml><?xml version="1.0" encoding="utf-8"?>
+<file path=customXml/itemProps2.xml><?xml version="1.0" encoding="utf-8"?>
+<ds:datastoreItem xmlns:ds="http://schemas.openxmlformats.org/officeDocument/2006/customXml" ds:itemID="{6B8AD017-B053-4E30-93B9-B28A44CEC3A4}">
+  <ds:schemaRefs/>
+</ds:datastoreItem>
+</file>
+
+<file path=customXml/itemProps3.xml><?xml version="1.0" encoding="utf-8"?>
+<ds:datastoreItem xmlns:ds="http://schemas.openxmlformats.org/officeDocument/2006/customXml" ds:itemID="{1680B9DC-2D51-4402-BB2C-B8DE0C5AC522}">
+  <ds:schemaRefs/>
+</ds:datastoreItem>
+</file>
+
+<file path=customXml/itemProps4.xml><?xml version="1.0" encoding="utf-8"?>
 <ds:datastoreItem xmlns:ds="http://schemas.openxmlformats.org/officeDocument/2006/customXml" ds:itemID="{9587AFF5-BFB0-40A3-85CA-ADEED7540807}">
   <ds:schemaRefs/>
 </ds:datastoreItem>
 </file>
 
-<file path=customXml/itemProps2.xml><?xml version="1.0" encoding="utf-8"?>
-<ds:datastoreItem xmlns:ds="http://schemas.openxmlformats.org/officeDocument/2006/customXml" ds:itemID="{1680B9DC-2D51-4402-BB2C-B8DE0C5AC522}">
-  <ds:schemaRefs/>
-</ds:datastoreItem>
-</file>
-
-<file path=customXml/itemProps3.xml><?xml version="1.0" encoding="utf-8"?>
-<ds:datastoreItem xmlns:ds="http://schemas.openxmlformats.org/officeDocument/2006/customXml" ds:itemID="{6B8AD017-B053-4E30-93B9-B28A44CEC3A4}">
-  <ds:schemaRefs/>
-</ds:datastoreItem>
-</file>
-
-<file path=customXml/itemProps4.xml><?xml version="1.0" encoding="utf-8"?>
-<ds:datastoreItem xmlns:ds="http://schemas.openxmlformats.org/officeDocument/2006/customXml" ds:itemID="{1334258C-C3E7-4029-A615-C886A240FB15}">
-  <ds:schemaRefs/>
-</ds:datastoreItem>
-</file>
-
 <file path=customXml/itemProps5.xml><?xml version="1.0" encoding="utf-8"?>
-<ds:datastoreItem xmlns:ds="http://schemas.openxmlformats.org/officeDocument/2006/customXml" ds:itemID="{D27AE696-61B6-4B19-9CED-6F2A3F244FE3}">
+<ds:datastoreItem xmlns:ds="http://schemas.openxmlformats.org/officeDocument/2006/customXml" ds:itemID="{43763224-B85A-4B53-A86A-261D26A71C30}">
   <ds:schemaRefs/>
 </ds:datastoreItem>
 </file>
 
 <file path=customXml/itemProps6.xml><?xml version="1.0" encoding="utf-8"?>
-<ds:datastoreItem xmlns:ds="http://schemas.openxmlformats.org/officeDocument/2006/customXml" ds:itemID="{43763224-B85A-4B53-A86A-261D26A71C30}">
+<ds:datastoreItem xmlns:ds="http://schemas.openxmlformats.org/officeDocument/2006/customXml" ds:itemID="{D27AE696-61B6-4B19-9CED-6F2A3F244FE3}">
   <ds:schemaRefs/>
 </ds:datastoreItem>
 </file>
--- a/Final_Project/FeedbackPresentation.pptx
+++ b/Final_Project/FeedbackPresentation.pptx
@@ -5,10 +5,10 @@
     <p:sldMasterId id="2147483662" r:id="rId7"/>
   </p:sldMasterIdLst>
   <p:notesMasterIdLst>
-    <p:notesMasterId r:id="rId13"/>
+    <p:notesMasterId r:id="rId14"/>
   </p:notesMasterIdLst>
   <p:handoutMasterIdLst>
-    <p:handoutMasterId r:id="rId14"/>
+    <p:handoutMasterId r:id="rId15"/>
   </p:handoutMasterIdLst>
   <p:sldIdLst>
     <p:sldId id="260" r:id="rId8"/>
@@ -16,11 +16,12 @@
     <p:sldId id="282" r:id="rId10"/>
     <p:sldId id="283" r:id="rId11"/>
     <p:sldId id="281" r:id="rId12"/>
+    <p:sldId id="284" r:id="rId13"/>
   </p:sldIdLst>
   <p:sldSz cx="12190413" cy="6858000"/>
   <p:notesSz cx="6858000" cy="9144000"/>
   <p:custDataLst>
-    <p:tags r:id="rId15"/>
+    <p:tags r:id="rId16"/>
   </p:custDataLst>
   <p:defaultTextStyle>
     <a:defPPr>
@@ -9586,6 +9587,202 @@
     <p:extLst>
       <p:ext uri="{BB962C8B-B14F-4D97-AF65-F5344CB8AC3E}">
         <p14:creationId xmlns:p14="http://schemas.microsoft.com/office/powerpoint/2010/main" val="907238097"/>
+      </p:ext>
+    </p:extLst>
+  </p:cSld>
+  <p:clrMapOvr>
+    <a:masterClrMapping/>
+  </p:clrMapOvr>
+</p:sld>
+</file>
+
+<file path=ppt/slides/slide6.xml><?xml version="1.0" encoding="utf-8"?>
+<p:sld xmlns:a="http://schemas.openxmlformats.org/drawingml/2006/main" xmlns:r="http://schemas.openxmlformats.org/officeDocument/2006/relationships" xmlns:p="http://schemas.openxmlformats.org/presentationml/2006/main">
+  <p:cSld>
+    <p:spTree>
+      <p:nvGrpSpPr>
+        <p:cNvPr id="1" name=""/>
+        <p:cNvGrpSpPr/>
+        <p:nvPr/>
+      </p:nvGrpSpPr>
+      <p:grpSpPr>
+        <a:xfrm>
+          <a:off x="0" y="0"/>
+          <a:ext cx="0" cy="0"/>
+          <a:chOff x="0" y="0"/>
+          <a:chExt cx="0" cy="0"/>
+        </a:xfrm>
+      </p:grpSpPr>
+      <p:sp>
+        <p:nvSpPr>
+          <p:cNvPr id="2" name="Title 1">
+            <a:extLst>
+              <a:ext uri="{FF2B5EF4-FFF2-40B4-BE49-F238E27FC236}">
+                <a16:creationId xmlns:a16="http://schemas.microsoft.com/office/drawing/2014/main" id="{8CFF9C99-D02F-A665-2773-861D9B140310}"/>
+              </a:ext>
+            </a:extLst>
+          </p:cNvPr>
+          <p:cNvSpPr>
+            <a:spLocks noGrp="1"/>
+          </p:cNvSpPr>
+          <p:nvPr>
+            <p:ph type="title"/>
+          </p:nvPr>
+        </p:nvSpPr>
+        <p:spPr/>
+        <p:txBody>
+          <a:bodyPr/>
+          <a:lstStyle/>
+          <a:p>
+            <a:r>
+              <a:rPr lang="en-US" dirty="0"/>
+              <a:t>LSTM</a:t>
+            </a:r>
+            <a:endParaRPr lang="nl-NL" dirty="0"/>
+          </a:p>
+        </p:txBody>
+      </p:sp>
+      <p:pic>
+        <p:nvPicPr>
+          <p:cNvPr id="6" name="Content Placeholder 5" descr="A blue graph with white text&#10;&#10;Description automatically generated">
+            <a:extLst>
+              <a:ext uri="{FF2B5EF4-FFF2-40B4-BE49-F238E27FC236}">
+                <a16:creationId xmlns:a16="http://schemas.microsoft.com/office/drawing/2014/main" id="{546798AF-25A2-954C-531C-5570D01E2B1F}"/>
+              </a:ext>
+            </a:extLst>
+          </p:cNvPr>
+          <p:cNvPicPr>
+            <a:picLocks noGrp="1" noChangeAspect="1"/>
+          </p:cNvPicPr>
+          <p:nvPr>
+            <p:ph idx="1"/>
+          </p:nvPr>
+        </p:nvPicPr>
+        <p:blipFill>
+          <a:blip r:embed="rId2">
+            <a:extLst>
+              <a:ext uri="{28A0092B-C50C-407E-A947-70E740481C1C}">
+                <a14:useLocalDpi xmlns:a14="http://schemas.microsoft.com/office/drawing/2010/main" val="0"/>
+              </a:ext>
+            </a:extLst>
+          </a:blip>
+          <a:stretch>
+            <a:fillRect/>
+          </a:stretch>
+        </p:blipFill>
+        <p:spPr>
+          <a:xfrm>
+            <a:off x="7006402" y="4005063"/>
+            <a:ext cx="3553300" cy="2539377"/>
+          </a:xfrm>
+        </p:spPr>
+      </p:pic>
+      <p:sp>
+        <p:nvSpPr>
+          <p:cNvPr id="4" name="Slide Number Placeholder 3">
+            <a:extLst>
+              <a:ext uri="{FF2B5EF4-FFF2-40B4-BE49-F238E27FC236}">
+                <a16:creationId xmlns:a16="http://schemas.microsoft.com/office/drawing/2014/main" id="{B58826FE-22C3-8103-499A-C05D66B01C1B}"/>
+              </a:ext>
+            </a:extLst>
+          </p:cNvPr>
+          <p:cNvSpPr>
+            <a:spLocks noGrp="1"/>
+          </p:cNvSpPr>
+          <p:nvPr>
+            <p:ph type="sldNum" sz="quarter" idx="11"/>
+          </p:nvPr>
+        </p:nvSpPr>
+        <p:spPr/>
+        <p:txBody>
+          <a:bodyPr/>
+          <a:lstStyle/>
+          <a:p>
+            <a:fld id="{103EA872-A674-449B-A120-B97244F8E91D}" type="slidenum">
+              <a:rPr lang="en-GB" smtClean="0"/>
+              <a:pPr/>
+              <a:t>6</a:t>
+            </a:fld>
+            <a:endParaRPr lang="en-GB" dirty="0"/>
+          </a:p>
+        </p:txBody>
+      </p:sp>
+      <p:pic>
+        <p:nvPicPr>
+          <p:cNvPr id="8" name="Picture 7" descr="A graph of a wind speed&#10;&#10;Description automatically generated">
+            <a:extLst>
+              <a:ext uri="{FF2B5EF4-FFF2-40B4-BE49-F238E27FC236}">
+                <a16:creationId xmlns:a16="http://schemas.microsoft.com/office/drawing/2014/main" id="{4A861F4E-EAEF-E5FA-2AAF-4069F574DE74}"/>
+              </a:ext>
+            </a:extLst>
+          </p:cNvPr>
+          <p:cNvPicPr>
+            <a:picLocks noChangeAspect="1"/>
+          </p:cNvPicPr>
+          <p:nvPr/>
+        </p:nvPicPr>
+        <p:blipFill>
+          <a:blip r:embed="rId3">
+            <a:extLst>
+              <a:ext uri="{28A0092B-C50C-407E-A947-70E740481C1C}">
+                <a14:useLocalDpi xmlns:a14="http://schemas.microsoft.com/office/drawing/2010/main" val="0"/>
+              </a:ext>
+            </a:extLst>
+          </a:blip>
+          <a:stretch>
+            <a:fillRect/>
+          </a:stretch>
+        </p:blipFill>
+        <p:spPr>
+          <a:xfrm>
+            <a:off x="7277827" y="144019"/>
+            <a:ext cx="4662835" cy="3861045"/>
+          </a:xfrm>
+          <a:prstGeom prst="rect">
+            <a:avLst/>
+          </a:prstGeom>
+        </p:spPr>
+      </p:pic>
+      <p:pic>
+        <p:nvPicPr>
+          <p:cNvPr id="10" name="Picture 9" descr="A graph of different colored lines&#10;&#10;Description automatically generated">
+            <a:extLst>
+              <a:ext uri="{FF2B5EF4-FFF2-40B4-BE49-F238E27FC236}">
+                <a16:creationId xmlns:a16="http://schemas.microsoft.com/office/drawing/2014/main" id="{EA42BDA7-99F7-52C0-79DF-15EFC1E7E76D}"/>
+              </a:ext>
+            </a:extLst>
+          </p:cNvPr>
+          <p:cNvPicPr>
+            <a:picLocks noChangeAspect="1"/>
+          </p:cNvPicPr>
+          <p:nvPr/>
+        </p:nvPicPr>
+        <p:blipFill>
+          <a:blip r:embed="rId4">
+            <a:extLst>
+              <a:ext uri="{28A0092B-C50C-407E-A947-70E740481C1C}">
+                <a14:useLocalDpi xmlns:a14="http://schemas.microsoft.com/office/drawing/2010/main" val="0"/>
+              </a:ext>
+            </a:extLst>
+          </a:blip>
+          <a:stretch>
+            <a:fillRect/>
+          </a:stretch>
+        </p:blipFill>
+        <p:spPr>
+          <a:xfrm>
+            <a:off x="334566" y="1340768"/>
+            <a:ext cx="6640583" cy="3528392"/>
+          </a:xfrm>
+          <a:prstGeom prst="rect">
+            <a:avLst/>
+          </a:prstGeom>
+        </p:spPr>
+      </p:pic>
+    </p:spTree>
+    <p:extLst>
+      <p:ext uri="{BB962C8B-B14F-4D97-AF65-F5344CB8AC3E}">
+        <p14:creationId xmlns:p14="http://schemas.microsoft.com/office/powerpoint/2010/main" val="1621297515"/>
       </p:ext>
     </p:extLst>
   </p:cSld>
@@ -10537,61 +10734,61 @@
 </file>
 
 <file path=customXml/item1.xml><?xml version="1.0" encoding="utf-8"?>
+<TemplafySlideFormConfiguration><![CDATA[{"formFields":[],"formDataEntries":[]}]]></TemplafySlideFormConfiguration>
+</file>
+
+<file path=customXml/item2.xml><?xml version="1.0" encoding="utf-8"?>
+<TemplafySlideFormConfiguration><![CDATA[{"formFields":[],"formDataEntries":[]}]]></TemplafySlideFormConfiguration>
+</file>
+
+<file path=customXml/item3.xml><?xml version="1.0" encoding="utf-8"?>
+<TemplafySlideTemplateConfiguration><![CDATA[{"documentContentValidatorConfiguration":{"enableDocumentContentValidator":false,"documentContentValidatorVersion":0},"elementsMetadata":[],"slideId":"636957680393408390","enableDocumentContentUpdater":true,"version":"1.2"}]]></TemplafySlideTemplateConfiguration>
+</file>
+
+<file path=customXml/item4.xml><?xml version="1.0" encoding="utf-8"?>
 <TemplafyTemplateConfiguration><![CDATA[{"elementsMetadata":[{"type":"shape","id":"200fc201-9004-4215-ada7-b2360008bfe0","elementConfiguration":{"binding":"UserProfile.Offices.Workarea_{{DocumentLanguage}}","disableUpdates":false,"type":"text"}},{"type":"shape","id":"70d15748-2402-426d-938e-9ee9c7ffcb44","elementConfiguration":{"format":"{{DateFormats.GeneralDate}}","binding":"Form.Date","disableUpdates":false,"type":"date"}},{"type":"shape","id":"c5d933f3-13ee-4215-923c-4dec843af19c","elementConfiguration":{"binding":"Form.PresentationTitle","disableUpdates":false,"type":"text"}}],"transformationConfigurations":[{"language":"{{DocumentLanguage}}","disableUpdates":false,"type":"proofingLanguage"}],"templateName":"","templateDescription":"","enableDocumentContentUpdater":true,"version":"1.2"}]]></TemplafyTemplateConfiguration>
 </file>
 
-<file path=customXml/item2.xml><?xml version="1.0" encoding="utf-8"?>
-<TemplafySlideTemplateConfiguration><![CDATA[{"documentContentValidatorConfiguration":{"enableDocumentContentValidator":false,"documentContentValidatorVersion":0},"elementsMetadata":[],"slideId":"636957680393408390","enableDocumentContentUpdater":true,"version":"1.2"}]]></TemplafySlideTemplateConfiguration>
+<file path=customXml/item5.xml><?xml version="1.0" encoding="utf-8"?>
+<TemplafySlideTemplateConfiguration><![CDATA[{"documentContentValidatorConfiguration":{"enableDocumentContentValidator":false,"documentContentValidatorVersion":0},"elementsMetadata":[],"slideId":"636957680393236694","enableDocumentContentUpdater":true,"version":"1.2"}]]></TemplafySlideTemplateConfiguration>
 </file>
 
-<file path=customXml/item3.xml><?xml version="1.0" encoding="utf-8"?>
-<TemplafySlideFormConfiguration><![CDATA[{"formFields":[],"formDataEntries":[]}]]></TemplafySlideFormConfiguration>
-</file>
-
-<file path=customXml/item4.xml><?xml version="1.0" encoding="utf-8"?>
-<TemplafySlideFormConfiguration><![CDATA[{"formFields":[],"formDataEntries":[]}]]></TemplafySlideFormConfiguration>
-</file>
-
-<file path=customXml/item5.xml><?xml version="1.0" encoding="utf-8"?>
+<file path=customXml/item6.xml><?xml version="1.0" encoding="utf-8"?>
 <TemplafyFormConfiguration><![CDATA[{"formFields":[{"required":false,"helpTexts":{"prefix":"","postfix":""},"spacing":{},"type":"datePicker","name":"Date","label":"Date","fullyQualifiedName":"Date"},{"required":false,"placeholder":"","lines":0,"helpTexts":{"prefix":"","postfix":""},"spacing":{},"type":"textBox","name":"PresentationTitle","label":"Presentation title","fullyQualifiedName":"PresentationTitle"}],"formDataEntries":[{"name":"Date","value":"IuW0XXvkihAeaFR+oasw5g=="}]}]]></TemplafyFormConfiguration>
 </file>
 
-<file path=customXml/item6.xml><?xml version="1.0" encoding="utf-8"?>
-<TemplafySlideTemplateConfiguration><![CDATA[{"documentContentValidatorConfiguration":{"enableDocumentContentValidator":false,"documentContentValidatorVersion":0},"elementsMetadata":[],"slideId":"636957680393236694","enableDocumentContentUpdater":true,"version":"1.2"}]]></TemplafySlideTemplateConfiguration>
+<file path=customXml/itemProps1.xml><?xml version="1.0" encoding="utf-8"?>
+<ds:datastoreItem xmlns:ds="http://schemas.openxmlformats.org/officeDocument/2006/customXml" ds:itemID="{9587AFF5-BFB0-40A3-85CA-ADEED7540807}">
+  <ds:schemaRefs/>
+</ds:datastoreItem>
 </file>
 
-<file path=customXml/itemProps1.xml><?xml version="1.0" encoding="utf-8"?>
+<file path=customXml/itemProps2.xml><?xml version="1.0" encoding="utf-8"?>
+<ds:datastoreItem xmlns:ds="http://schemas.openxmlformats.org/officeDocument/2006/customXml" ds:itemID="{1680B9DC-2D51-4402-BB2C-B8DE0C5AC522}">
+  <ds:schemaRefs/>
+</ds:datastoreItem>
+</file>
+
+<file path=customXml/itemProps3.xml><?xml version="1.0" encoding="utf-8"?>
+<ds:datastoreItem xmlns:ds="http://schemas.openxmlformats.org/officeDocument/2006/customXml" ds:itemID="{6B8AD017-B053-4E30-93B9-B28A44CEC3A4}">
+  <ds:schemaRefs/>
+</ds:datastoreItem>
+</file>
+
+<file path=customXml/itemProps4.xml><?xml version="1.0" encoding="utf-8"?>
 <ds:datastoreItem xmlns:ds="http://schemas.openxmlformats.org/officeDocument/2006/customXml" ds:itemID="{1334258C-C3E7-4029-A615-C886A240FB15}">
   <ds:schemaRefs/>
 </ds:datastoreItem>
 </file>
 
-<file path=customXml/itemProps2.xml><?xml version="1.0" encoding="utf-8"?>
-<ds:datastoreItem xmlns:ds="http://schemas.openxmlformats.org/officeDocument/2006/customXml" ds:itemID="{6B8AD017-B053-4E30-93B9-B28A44CEC3A4}">
-  <ds:schemaRefs/>
-</ds:datastoreItem>
-</file>
-
-<file path=customXml/itemProps3.xml><?xml version="1.0" encoding="utf-8"?>
-<ds:datastoreItem xmlns:ds="http://schemas.openxmlformats.org/officeDocument/2006/customXml" ds:itemID="{1680B9DC-2D51-4402-BB2C-B8DE0C5AC522}">
-  <ds:schemaRefs/>
-</ds:datastoreItem>
-</file>
-
-<file path=customXml/itemProps4.xml><?xml version="1.0" encoding="utf-8"?>
-<ds:datastoreItem xmlns:ds="http://schemas.openxmlformats.org/officeDocument/2006/customXml" ds:itemID="{9587AFF5-BFB0-40A3-85CA-ADEED7540807}">
-  <ds:schemaRefs/>
-</ds:datastoreItem>
-</file>
-
 <file path=customXml/itemProps5.xml><?xml version="1.0" encoding="utf-8"?>
-<ds:datastoreItem xmlns:ds="http://schemas.openxmlformats.org/officeDocument/2006/customXml" ds:itemID="{43763224-B85A-4B53-A86A-261D26A71C30}">
+<ds:datastoreItem xmlns:ds="http://schemas.openxmlformats.org/officeDocument/2006/customXml" ds:itemID="{D27AE696-61B6-4B19-9CED-6F2A3F244FE3}">
   <ds:schemaRefs/>
 </ds:datastoreItem>
 </file>
 
 <file path=customXml/itemProps6.xml><?xml version="1.0" encoding="utf-8"?>
-<ds:datastoreItem xmlns:ds="http://schemas.openxmlformats.org/officeDocument/2006/customXml" ds:itemID="{D27AE696-61B6-4B19-9CED-6F2A3F244FE3}">
+<ds:datastoreItem xmlns:ds="http://schemas.openxmlformats.org/officeDocument/2006/customXml" ds:itemID="{43763224-B85A-4B53-A86A-261D26A71C30}">
   <ds:schemaRefs/>
 </ds:datastoreItem>
 </file>
--- a/Final_Project/FeedbackPresentation.pptx
+++ b/Final_Project/FeedbackPresentation.pptx
@@ -5,23 +5,24 @@
     <p:sldMasterId id="2147483662" r:id="rId7"/>
   </p:sldMasterIdLst>
   <p:notesMasterIdLst>
-    <p:notesMasterId r:id="rId14"/>
+    <p:notesMasterId r:id="rId15"/>
   </p:notesMasterIdLst>
   <p:handoutMasterIdLst>
-    <p:handoutMasterId r:id="rId15"/>
+    <p:handoutMasterId r:id="rId16"/>
   </p:handoutMasterIdLst>
   <p:sldIdLst>
     <p:sldId id="260" r:id="rId8"/>
     <p:sldId id="280" r:id="rId9"/>
-    <p:sldId id="282" r:id="rId10"/>
-    <p:sldId id="283" r:id="rId11"/>
-    <p:sldId id="281" r:id="rId12"/>
-    <p:sldId id="284" r:id="rId13"/>
+    <p:sldId id="286" r:id="rId10"/>
+    <p:sldId id="282" r:id="rId11"/>
+    <p:sldId id="283" r:id="rId12"/>
+    <p:sldId id="281" r:id="rId13"/>
+    <p:sldId id="285" r:id="rId14"/>
   </p:sldIdLst>
   <p:sldSz cx="12190413" cy="6858000"/>
   <p:notesSz cx="6858000" cy="9144000"/>
   <p:custDataLst>
-    <p:tags r:id="rId16"/>
+    <p:tags r:id="rId17"/>
   </p:custDataLst>
   <p:defaultTextStyle>
     <a:defPPr>
@@ -8969,6 +8970,16 @@
             </a:pPr>
             <a:r>
               <a:rPr lang="en-AU" dirty="0"/>
+              <a:t>Scope and Goals</a:t>
+            </a:r>
+          </a:p>
+          <a:p>
+            <a:pPr marL="342900" indent="-342900">
+              <a:buFont typeface="+mj-lt"/>
+              <a:buAutoNum type="arabicPeriod"/>
+            </a:pPr>
+            <a:r>
+              <a:rPr lang="en-AU" dirty="0"/>
               <a:t>Understanding the Data</a:t>
             </a:r>
           </a:p>
@@ -9048,6 +9059,120 @@
 </file>
 
 <file path=ppt/slides/slide3.xml><?xml version="1.0" encoding="utf-8"?>
+<p:sld xmlns:a="http://schemas.openxmlformats.org/drawingml/2006/main" xmlns:r="http://schemas.openxmlformats.org/officeDocument/2006/relationships" xmlns:p="http://schemas.openxmlformats.org/presentationml/2006/main">
+  <p:cSld>
+    <p:spTree>
+      <p:nvGrpSpPr>
+        <p:cNvPr id="1" name=""/>
+        <p:cNvGrpSpPr/>
+        <p:nvPr/>
+      </p:nvGrpSpPr>
+      <p:grpSpPr>
+        <a:xfrm>
+          <a:off x="0" y="0"/>
+          <a:ext cx="0" cy="0"/>
+          <a:chOff x="0" y="0"/>
+          <a:chExt cx="0" cy="0"/>
+        </a:xfrm>
+      </p:grpSpPr>
+      <p:sp>
+        <p:nvSpPr>
+          <p:cNvPr id="2" name="Title 1">
+            <a:extLst>
+              <a:ext uri="{FF2B5EF4-FFF2-40B4-BE49-F238E27FC236}">
+                <a16:creationId xmlns:a16="http://schemas.microsoft.com/office/drawing/2014/main" id="{56CD18E0-67A4-5A4D-28F2-38B67E73AAAC}"/>
+              </a:ext>
+            </a:extLst>
+          </p:cNvPr>
+          <p:cNvSpPr>
+            <a:spLocks noGrp="1"/>
+          </p:cNvSpPr>
+          <p:nvPr>
+            <p:ph type="title"/>
+          </p:nvPr>
+        </p:nvSpPr>
+        <p:spPr/>
+        <p:txBody>
+          <a:bodyPr/>
+          <a:lstStyle/>
+          <a:p>
+            <a:r>
+              <a:rPr lang="en-US" dirty="0"/>
+              <a:t>Scope and Goals</a:t>
+            </a:r>
+            <a:endParaRPr lang="nl-NL" dirty="0"/>
+          </a:p>
+        </p:txBody>
+      </p:sp>
+      <p:sp>
+        <p:nvSpPr>
+          <p:cNvPr id="3" name="Content Placeholder 2">
+            <a:extLst>
+              <a:ext uri="{FF2B5EF4-FFF2-40B4-BE49-F238E27FC236}">
+                <a16:creationId xmlns:a16="http://schemas.microsoft.com/office/drawing/2014/main" id="{EE0DBA35-11B2-3566-1341-587B6A221BF9}"/>
+              </a:ext>
+            </a:extLst>
+          </p:cNvPr>
+          <p:cNvSpPr>
+            <a:spLocks noGrp="1"/>
+          </p:cNvSpPr>
+          <p:nvPr>
+            <p:ph idx="1"/>
+          </p:nvPr>
+        </p:nvSpPr>
+        <p:spPr/>
+        <p:txBody>
+          <a:bodyPr/>
+          <a:lstStyle/>
+          <a:p>
+            <a:endParaRPr lang="nl-NL"/>
+          </a:p>
+        </p:txBody>
+      </p:sp>
+      <p:sp>
+        <p:nvSpPr>
+          <p:cNvPr id="4" name="Slide Number Placeholder 3">
+            <a:extLst>
+              <a:ext uri="{FF2B5EF4-FFF2-40B4-BE49-F238E27FC236}">
+                <a16:creationId xmlns:a16="http://schemas.microsoft.com/office/drawing/2014/main" id="{1EAC8945-CDD1-451E-C12D-19375D7A8DE7}"/>
+              </a:ext>
+            </a:extLst>
+          </p:cNvPr>
+          <p:cNvSpPr>
+            <a:spLocks noGrp="1"/>
+          </p:cNvSpPr>
+          <p:nvPr>
+            <p:ph type="sldNum" sz="quarter" idx="11"/>
+          </p:nvPr>
+        </p:nvSpPr>
+        <p:spPr/>
+        <p:txBody>
+          <a:bodyPr/>
+          <a:lstStyle/>
+          <a:p>
+            <a:fld id="{103EA872-A674-449B-A120-B97244F8E91D}" type="slidenum">
+              <a:rPr lang="en-GB" smtClean="0"/>
+              <a:pPr/>
+              <a:t>3</a:t>
+            </a:fld>
+            <a:endParaRPr lang="en-GB" dirty="0"/>
+          </a:p>
+        </p:txBody>
+      </p:sp>
+    </p:spTree>
+    <p:extLst>
+      <p:ext uri="{BB962C8B-B14F-4D97-AF65-F5344CB8AC3E}">
+        <p14:creationId xmlns:p14="http://schemas.microsoft.com/office/powerpoint/2010/main" val="2247048841"/>
+      </p:ext>
+    </p:extLst>
+  </p:cSld>
+  <p:clrMapOvr>
+    <a:masterClrMapping/>
+  </p:clrMapOvr>
+</p:sld>
+</file>
+
+<file path=ppt/slides/slide4.xml><?xml version="1.0" encoding="utf-8"?>
 <p:sld xmlns:a="http://schemas.openxmlformats.org/drawingml/2006/main" xmlns:r="http://schemas.openxmlformats.org/officeDocument/2006/relationships" xmlns:p="http://schemas.openxmlformats.org/presentationml/2006/main">
   <p:cSld>
     <p:spTree>
@@ -9152,7 +9277,7 @@
             <a:fld id="{103EA872-A674-449B-A120-B97244F8E91D}" type="slidenum">
               <a:rPr lang="en-GB" smtClean="0"/>
               <a:pPr/>
-              <a:t>3</a:t>
+              <a:t>4</a:t>
             </a:fld>
             <a:endParaRPr lang="en-GB" dirty="0"/>
           </a:p>
@@ -9243,7 +9368,7 @@
 </p:sld>
 </file>
 
-<file path=ppt/slides/slide4.xml><?xml version="1.0" encoding="utf-8"?>
+<file path=ppt/slides/slide5.xml><?xml version="1.0" encoding="utf-8"?>
 <p:sld xmlns:a="http://schemas.openxmlformats.org/drawingml/2006/main" xmlns:r="http://schemas.openxmlformats.org/officeDocument/2006/relationships" xmlns:p="http://schemas.openxmlformats.org/presentationml/2006/main">
   <p:cSld>
     <p:spTree>
@@ -9289,12 +9414,42 @@
           </a:p>
         </p:txBody>
       </p:sp>
+      <p:sp>
+        <p:nvSpPr>
+          <p:cNvPr id="4" name="Slide Number Placeholder 3">
+            <a:extLst>
+              <a:ext uri="{FF2B5EF4-FFF2-40B4-BE49-F238E27FC236}">
+                <a16:creationId xmlns:a16="http://schemas.microsoft.com/office/drawing/2014/main" id="{B58826FE-22C3-8103-499A-C05D66B01C1B}"/>
+              </a:ext>
+            </a:extLst>
+          </p:cNvPr>
+          <p:cNvSpPr>
+            <a:spLocks noGrp="1"/>
+          </p:cNvSpPr>
+          <p:nvPr>
+            <p:ph type="sldNum" sz="quarter" idx="11"/>
+          </p:nvPr>
+        </p:nvSpPr>
+        <p:spPr/>
+        <p:txBody>
+          <a:bodyPr/>
+          <a:lstStyle/>
+          <a:p>
+            <a:fld id="{103EA872-A674-449B-A120-B97244F8E91D}" type="slidenum">
+              <a:rPr lang="en-GB" smtClean="0"/>
+              <a:pPr/>
+              <a:t>5</a:t>
+            </a:fld>
+            <a:endParaRPr lang="en-GB" dirty="0"/>
+          </a:p>
+        </p:txBody>
+      </p:sp>
       <p:pic>
         <p:nvPicPr>
-          <p:cNvPr id="6" name="Content Placeholder 5" descr="A blue graph with white text&#10;&#10;Description automatically generated">
+          <p:cNvPr id="7" name="Content Placeholder 6" descr="A blue circle with white text&#10;&#10;Description automatically generated">
             <a:extLst>
               <a:ext uri="{FF2B5EF4-FFF2-40B4-BE49-F238E27FC236}">
-                <a16:creationId xmlns:a16="http://schemas.microsoft.com/office/drawing/2014/main" id="{546798AF-25A2-954C-531C-5570D01E2B1F}"/>
+                <a16:creationId xmlns:a16="http://schemas.microsoft.com/office/drawing/2014/main" id="{1668C8C7-A633-5BE7-4F89-191AEABC0EA6}"/>
               </a:ext>
             </a:extLst>
           </p:cNvPr>
@@ -9319,47 +9474,17 @@
         </p:blipFill>
         <p:spPr>
           <a:xfrm>
-            <a:off x="7006402" y="4005063"/>
-            <a:ext cx="3553300" cy="2539377"/>
+            <a:off x="6959302" y="188640"/>
+            <a:ext cx="5117460" cy="3326984"/>
           </a:xfrm>
         </p:spPr>
       </p:pic>
-      <p:sp>
-        <p:nvSpPr>
-          <p:cNvPr id="4" name="Slide Number Placeholder 3">
+      <p:pic>
+        <p:nvPicPr>
+          <p:cNvPr id="11" name="Picture 10" descr="A graph with a red line and a blue line&#10;&#10;Description automatically generated">
             <a:extLst>
               <a:ext uri="{FF2B5EF4-FFF2-40B4-BE49-F238E27FC236}">
-                <a16:creationId xmlns:a16="http://schemas.microsoft.com/office/drawing/2014/main" id="{B58826FE-22C3-8103-499A-C05D66B01C1B}"/>
-              </a:ext>
-            </a:extLst>
-          </p:cNvPr>
-          <p:cNvSpPr>
-            <a:spLocks noGrp="1"/>
-          </p:cNvSpPr>
-          <p:nvPr>
-            <p:ph type="sldNum" sz="quarter" idx="11"/>
-          </p:nvPr>
-        </p:nvSpPr>
-        <p:spPr/>
-        <p:txBody>
-          <a:bodyPr/>
-          <a:lstStyle/>
-          <a:p>
-            <a:fld id="{103EA872-A674-449B-A120-B97244F8E91D}" type="slidenum">
-              <a:rPr lang="en-GB" smtClean="0"/>
-              <a:pPr/>
-              <a:t>4</a:t>
-            </a:fld>
-            <a:endParaRPr lang="en-GB" dirty="0"/>
-          </a:p>
-        </p:txBody>
-      </p:sp>
-      <p:pic>
-        <p:nvPicPr>
-          <p:cNvPr id="8" name="Picture 7" descr="A graph of a wind speed&#10;&#10;Description automatically generated">
-            <a:extLst>
-              <a:ext uri="{FF2B5EF4-FFF2-40B4-BE49-F238E27FC236}">
-                <a16:creationId xmlns:a16="http://schemas.microsoft.com/office/drawing/2014/main" id="{4A861F4E-EAEF-E5FA-2AAF-4069F574DE74}"/>
+                <a16:creationId xmlns:a16="http://schemas.microsoft.com/office/drawing/2014/main" id="{C6466C4F-0603-165E-DE0F-161CCC0B87FE}"/>
               </a:ext>
             </a:extLst>
           </p:cNvPr>
@@ -9382,44 +9507,8 @@
         </p:blipFill>
         <p:spPr>
           <a:xfrm>
-            <a:off x="7277827" y="144019"/>
-            <a:ext cx="4662835" cy="3861045"/>
-          </a:xfrm>
-          <a:prstGeom prst="rect">
-            <a:avLst/>
-          </a:prstGeom>
-        </p:spPr>
-      </p:pic>
-      <p:pic>
-        <p:nvPicPr>
-          <p:cNvPr id="10" name="Picture 9" descr="A graph of different colored lines&#10;&#10;Description automatically generated">
-            <a:extLst>
-              <a:ext uri="{FF2B5EF4-FFF2-40B4-BE49-F238E27FC236}">
-                <a16:creationId xmlns:a16="http://schemas.microsoft.com/office/drawing/2014/main" id="{EA42BDA7-99F7-52C0-79DF-15EFC1E7E76D}"/>
-              </a:ext>
-            </a:extLst>
-          </p:cNvPr>
-          <p:cNvPicPr>
-            <a:picLocks noChangeAspect="1"/>
-          </p:cNvPicPr>
-          <p:nvPr/>
-        </p:nvPicPr>
-        <p:blipFill>
-          <a:blip r:embed="rId4">
-            <a:extLst>
-              <a:ext uri="{28A0092B-C50C-407E-A947-70E740481C1C}">
-                <a14:useLocalDpi xmlns:a14="http://schemas.microsoft.com/office/drawing/2010/main" val="0"/>
-              </a:ext>
-            </a:extLst>
-          </a:blip>
-          <a:stretch>
-            <a:fillRect/>
-          </a:stretch>
-        </p:blipFill>
-        <p:spPr>
-          <a:xfrm>
-            <a:off x="334566" y="1340768"/>
-            <a:ext cx="6640583" cy="3528392"/>
+            <a:off x="406574" y="1412776"/>
+            <a:ext cx="5015873" cy="3530159"/>
           </a:xfrm>
           <a:prstGeom prst="rect">
             <a:avLst/>
@@ -9439,7 +9528,7 @@
 </p:sld>
 </file>
 
-<file path=ppt/slides/slide5.xml><?xml version="1.0" encoding="utf-8"?>
+<file path=ppt/slides/slide6.xml><?xml version="1.0" encoding="utf-8"?>
 <p:sld xmlns:a="http://schemas.openxmlformats.org/drawingml/2006/main" xmlns:r="http://schemas.openxmlformats.org/officeDocument/2006/relationships" xmlns:p="http://schemas.openxmlformats.org/presentationml/2006/main">
   <p:cSld>
     <p:spTree>
@@ -9577,7 +9666,7 @@
             <a:fld id="{103EA872-A674-449B-A120-B97244F8E91D}" type="slidenum">
               <a:rPr lang="en-GB" smtClean="0"/>
               <a:pPr/>
-              <a:t>5</a:t>
+              <a:t>6</a:t>
             </a:fld>
             <a:endParaRPr lang="en-GB" dirty="0"/>
           </a:p>
@@ -9596,7 +9685,7 @@
 </p:sld>
 </file>
 
-<file path=ppt/slides/slide6.xml><?xml version="1.0" encoding="utf-8"?>
+<file path=ppt/slides/slide7.xml><?xml version="1.0" encoding="utf-8"?>
 <p:sld xmlns:a="http://schemas.openxmlformats.org/drawingml/2006/main" xmlns:r="http://schemas.openxmlformats.org/officeDocument/2006/relationships" xmlns:p="http://schemas.openxmlformats.org/presentationml/2006/main">
   <p:cSld>
     <p:spTree>
@@ -9642,12 +9731,42 @@
           </a:p>
         </p:txBody>
       </p:sp>
+      <p:sp>
+        <p:nvSpPr>
+          <p:cNvPr id="4" name="Slide Number Placeholder 3">
+            <a:extLst>
+              <a:ext uri="{FF2B5EF4-FFF2-40B4-BE49-F238E27FC236}">
+                <a16:creationId xmlns:a16="http://schemas.microsoft.com/office/drawing/2014/main" id="{B58826FE-22C3-8103-499A-C05D66B01C1B}"/>
+              </a:ext>
+            </a:extLst>
+          </p:cNvPr>
+          <p:cNvSpPr>
+            <a:spLocks noGrp="1"/>
+          </p:cNvSpPr>
+          <p:nvPr>
+            <p:ph type="sldNum" sz="quarter" idx="11"/>
+          </p:nvPr>
+        </p:nvSpPr>
+        <p:spPr/>
+        <p:txBody>
+          <a:bodyPr/>
+          <a:lstStyle/>
+          <a:p>
+            <a:fld id="{103EA872-A674-449B-A120-B97244F8E91D}" type="slidenum">
+              <a:rPr lang="en-GB" smtClean="0"/>
+              <a:pPr/>
+              <a:t>7</a:t>
+            </a:fld>
+            <a:endParaRPr lang="en-GB" dirty="0"/>
+          </a:p>
+        </p:txBody>
+      </p:sp>
       <p:pic>
         <p:nvPicPr>
-          <p:cNvPr id="6" name="Content Placeholder 5" descr="A blue graph with white text&#10;&#10;Description automatically generated">
+          <p:cNvPr id="6" name="Content Placeholder 5" descr="A blue dot diagram with numbers&#10;&#10;Description automatically generated">
             <a:extLst>
               <a:ext uri="{FF2B5EF4-FFF2-40B4-BE49-F238E27FC236}">
-                <a16:creationId xmlns:a16="http://schemas.microsoft.com/office/drawing/2014/main" id="{546798AF-25A2-954C-531C-5570D01E2B1F}"/>
+                <a16:creationId xmlns:a16="http://schemas.microsoft.com/office/drawing/2014/main" id="{2FBEA040-22D1-BF7F-A526-D8203BD2E9E0}"/>
               </a:ext>
             </a:extLst>
           </p:cNvPr>
@@ -9672,47 +9791,17 @@
         </p:blipFill>
         <p:spPr>
           <a:xfrm>
-            <a:off x="7006402" y="4005063"/>
-            <a:ext cx="3553300" cy="2539377"/>
+            <a:off x="6897780" y="188640"/>
+            <a:ext cx="5041270" cy="3339682"/>
           </a:xfrm>
         </p:spPr>
       </p:pic>
-      <p:sp>
-        <p:nvSpPr>
-          <p:cNvPr id="4" name="Slide Number Placeholder 3">
+      <p:pic>
+        <p:nvPicPr>
+          <p:cNvPr id="9" name="Picture 8" descr="A graph with a red line and a blue line&#10;&#10;Description automatically generated">
             <a:extLst>
               <a:ext uri="{FF2B5EF4-FFF2-40B4-BE49-F238E27FC236}">
-                <a16:creationId xmlns:a16="http://schemas.microsoft.com/office/drawing/2014/main" id="{B58826FE-22C3-8103-499A-C05D66B01C1B}"/>
-              </a:ext>
-            </a:extLst>
-          </p:cNvPr>
-          <p:cNvSpPr>
-            <a:spLocks noGrp="1"/>
-          </p:cNvSpPr>
-          <p:nvPr>
-            <p:ph type="sldNum" sz="quarter" idx="11"/>
-          </p:nvPr>
-        </p:nvSpPr>
-        <p:spPr/>
-        <p:txBody>
-          <a:bodyPr/>
-          <a:lstStyle/>
-          <a:p>
-            <a:fld id="{103EA872-A674-449B-A120-B97244F8E91D}" type="slidenum">
-              <a:rPr lang="en-GB" smtClean="0"/>
-              <a:pPr/>
-              <a:t>6</a:t>
-            </a:fld>
-            <a:endParaRPr lang="en-GB" dirty="0"/>
-          </a:p>
-        </p:txBody>
-      </p:sp>
-      <p:pic>
-        <p:nvPicPr>
-          <p:cNvPr id="8" name="Picture 7" descr="A graph of a wind speed&#10;&#10;Description automatically generated">
-            <a:extLst>
-              <a:ext uri="{FF2B5EF4-FFF2-40B4-BE49-F238E27FC236}">
-                <a16:creationId xmlns:a16="http://schemas.microsoft.com/office/drawing/2014/main" id="{4A861F4E-EAEF-E5FA-2AAF-4069F574DE74}"/>
+                <a16:creationId xmlns:a16="http://schemas.microsoft.com/office/drawing/2014/main" id="{8E154E72-8DD4-5AA7-2D03-57CA49FB1753}"/>
               </a:ext>
             </a:extLst>
           </p:cNvPr>
@@ -9735,44 +9824,8 @@
         </p:blipFill>
         <p:spPr>
           <a:xfrm>
-            <a:off x="7277827" y="144019"/>
-            <a:ext cx="4662835" cy="3861045"/>
-          </a:xfrm>
-          <a:prstGeom prst="rect">
-            <a:avLst/>
-          </a:prstGeom>
-        </p:spPr>
-      </p:pic>
-      <p:pic>
-        <p:nvPicPr>
-          <p:cNvPr id="10" name="Picture 9" descr="A graph of different colored lines&#10;&#10;Description automatically generated">
-            <a:extLst>
-              <a:ext uri="{FF2B5EF4-FFF2-40B4-BE49-F238E27FC236}">
-                <a16:creationId xmlns:a16="http://schemas.microsoft.com/office/drawing/2014/main" id="{EA42BDA7-99F7-52C0-79DF-15EFC1E7E76D}"/>
-              </a:ext>
-            </a:extLst>
-          </p:cNvPr>
-          <p:cNvPicPr>
-            <a:picLocks noChangeAspect="1"/>
-          </p:cNvPicPr>
-          <p:nvPr/>
-        </p:nvPicPr>
-        <p:blipFill>
-          <a:blip r:embed="rId4">
-            <a:extLst>
-              <a:ext uri="{28A0092B-C50C-407E-A947-70E740481C1C}">
-                <a14:useLocalDpi xmlns:a14="http://schemas.microsoft.com/office/drawing/2010/main" val="0"/>
-              </a:ext>
-            </a:extLst>
-          </a:blip>
-          <a:stretch>
-            <a:fillRect/>
-          </a:stretch>
-        </p:blipFill>
-        <p:spPr>
-          <a:xfrm>
-            <a:off x="334566" y="1340768"/>
-            <a:ext cx="6640583" cy="3528392"/>
+            <a:off x="334566" y="1268760"/>
+            <a:ext cx="5041270" cy="3530159"/>
           </a:xfrm>
           <a:prstGeom prst="rect">
             <a:avLst/>
@@ -9782,7 +9835,7 @@
     </p:spTree>
     <p:extLst>
       <p:ext uri="{BB962C8B-B14F-4D97-AF65-F5344CB8AC3E}">
-        <p14:creationId xmlns:p14="http://schemas.microsoft.com/office/powerpoint/2010/main" val="1621297515"/>
+        <p14:creationId xmlns:p14="http://schemas.microsoft.com/office/powerpoint/2010/main" val="3744028986"/>
       </p:ext>
     </p:extLst>
   </p:cSld>
@@ -10734,61 +10787,61 @@
 </file>
 
 <file path=customXml/item1.xml><?xml version="1.0" encoding="utf-8"?>
+<TemplafyTemplateConfiguration><![CDATA[{"elementsMetadata":[{"type":"shape","id":"200fc201-9004-4215-ada7-b2360008bfe0","elementConfiguration":{"binding":"UserProfile.Offices.Workarea_{{DocumentLanguage}}","disableUpdates":false,"type":"text"}},{"type":"shape","id":"70d15748-2402-426d-938e-9ee9c7ffcb44","elementConfiguration":{"format":"{{DateFormats.GeneralDate}}","binding":"Form.Date","disableUpdates":false,"type":"date"}},{"type":"shape","id":"c5d933f3-13ee-4215-923c-4dec843af19c","elementConfiguration":{"binding":"Form.PresentationTitle","disableUpdates":false,"type":"text"}}],"transformationConfigurations":[{"language":"{{DocumentLanguage}}","disableUpdates":false,"type":"proofingLanguage"}],"templateName":"","templateDescription":"","enableDocumentContentUpdater":true,"version":"1.2"}]]></TemplafyTemplateConfiguration>
+</file>
+
+<file path=customXml/item2.xml><?xml version="1.0" encoding="utf-8"?>
+<TemplafySlideTemplateConfiguration><![CDATA[{"documentContentValidatorConfiguration":{"enableDocumentContentValidator":false,"documentContentValidatorVersion":0},"elementsMetadata":[],"slideId":"636957680393408390","enableDocumentContentUpdater":true,"version":"1.2"}]]></TemplafySlideTemplateConfiguration>
+</file>
+
+<file path=customXml/item3.xml><?xml version="1.0" encoding="utf-8"?>
 <TemplafySlideFormConfiguration><![CDATA[{"formFields":[],"formDataEntries":[]}]]></TemplafySlideFormConfiguration>
 </file>
 
-<file path=customXml/item2.xml><?xml version="1.0" encoding="utf-8"?>
+<file path=customXml/item4.xml><?xml version="1.0" encoding="utf-8"?>
 <TemplafySlideFormConfiguration><![CDATA[{"formFields":[],"formDataEntries":[]}]]></TemplafySlideFormConfiguration>
 </file>
 
-<file path=customXml/item3.xml><?xml version="1.0" encoding="utf-8"?>
-<TemplafySlideTemplateConfiguration><![CDATA[{"documentContentValidatorConfiguration":{"enableDocumentContentValidator":false,"documentContentValidatorVersion":0},"elementsMetadata":[],"slideId":"636957680393408390","enableDocumentContentUpdater":true,"version":"1.2"}]]></TemplafySlideTemplateConfiguration>
+<file path=customXml/item5.xml><?xml version="1.0" encoding="utf-8"?>
+<TemplafyFormConfiguration><![CDATA[{"formFields":[{"required":false,"helpTexts":{"prefix":"","postfix":""},"spacing":{},"type":"datePicker","name":"Date","label":"Date","fullyQualifiedName":"Date"},{"required":false,"placeholder":"","lines":0,"helpTexts":{"prefix":"","postfix":""},"spacing":{},"type":"textBox","name":"PresentationTitle","label":"Presentation title","fullyQualifiedName":"PresentationTitle"}],"formDataEntries":[{"name":"Date","value":"IuW0XXvkihAeaFR+oasw5g=="}]}]]></TemplafyFormConfiguration>
 </file>
 
-<file path=customXml/item4.xml><?xml version="1.0" encoding="utf-8"?>
-<TemplafyTemplateConfiguration><![CDATA[{"elementsMetadata":[{"type":"shape","id":"200fc201-9004-4215-ada7-b2360008bfe0","elementConfiguration":{"binding":"UserProfile.Offices.Workarea_{{DocumentLanguage}}","disableUpdates":false,"type":"text"}},{"type":"shape","id":"70d15748-2402-426d-938e-9ee9c7ffcb44","elementConfiguration":{"format":"{{DateFormats.GeneralDate}}","binding":"Form.Date","disableUpdates":false,"type":"date"}},{"type":"shape","id":"c5d933f3-13ee-4215-923c-4dec843af19c","elementConfiguration":{"binding":"Form.PresentationTitle","disableUpdates":false,"type":"text"}}],"transformationConfigurations":[{"language":"{{DocumentLanguage}}","disableUpdates":false,"type":"proofingLanguage"}],"templateName":"","templateDescription":"","enableDocumentContentUpdater":true,"version":"1.2"}]]></TemplafyTemplateConfiguration>
-</file>
-
-<file path=customXml/item5.xml><?xml version="1.0" encoding="utf-8"?>
+<file path=customXml/item6.xml><?xml version="1.0" encoding="utf-8"?>
 <TemplafySlideTemplateConfiguration><![CDATA[{"documentContentValidatorConfiguration":{"enableDocumentContentValidator":false,"documentContentValidatorVersion":0},"elementsMetadata":[],"slideId":"636957680393236694","enableDocumentContentUpdater":true,"version":"1.2"}]]></TemplafySlideTemplateConfiguration>
 </file>
 
-<file path=customXml/item6.xml><?xml version="1.0" encoding="utf-8"?>
-<TemplafyFormConfiguration><![CDATA[{"formFields":[{"required":false,"helpTexts":{"prefix":"","postfix":""},"spacing":{},"type":"datePicker","name":"Date","label":"Date","fullyQualifiedName":"Date"},{"required":false,"placeholder":"","lines":0,"helpTexts":{"prefix":"","postfix":""},"spacing":{},"type":"textBox","name":"PresentationTitle","label":"Presentation title","fullyQualifiedName":"PresentationTitle"}],"formDataEntries":[{"name":"Date","value":"IuW0XXvkihAeaFR+oasw5g=="}]}]]></TemplafyFormConfiguration>
+<file path=customXml/itemProps1.xml><?xml version="1.0" encoding="utf-8"?>
+<ds:datastoreItem xmlns:ds="http://schemas.openxmlformats.org/officeDocument/2006/customXml" ds:itemID="{1334258C-C3E7-4029-A615-C886A240FB15}">
+  <ds:schemaRefs/>
+</ds:datastoreItem>
 </file>
 
-<file path=customXml/itemProps1.xml><?xml version="1.0" encoding="utf-8"?>
+<file path=customXml/itemProps2.xml><?xml version="1.0" encoding="utf-8"?>
+<ds:datastoreItem xmlns:ds="http://schemas.openxmlformats.org/officeDocument/2006/customXml" ds:itemID="{6B8AD017-B053-4E30-93B9-B28A44CEC3A4}">
+  <ds:schemaRefs/>
+</ds:datastoreItem>
+</file>
+
+<file path=customXml/itemProps3.xml><?xml version="1.0" encoding="utf-8"?>
+<ds:datastoreItem xmlns:ds="http://schemas.openxmlformats.org/officeDocument/2006/customXml" ds:itemID="{1680B9DC-2D51-4402-BB2C-B8DE0C5AC522}">
+  <ds:schemaRefs/>
+</ds:datastoreItem>
+</file>
+
+<file path=customXml/itemProps4.xml><?xml version="1.0" encoding="utf-8"?>
 <ds:datastoreItem xmlns:ds="http://schemas.openxmlformats.org/officeDocument/2006/customXml" ds:itemID="{9587AFF5-BFB0-40A3-85CA-ADEED7540807}">
   <ds:schemaRefs/>
 </ds:datastoreItem>
 </file>
 
-<file path=customXml/itemProps2.xml><?xml version="1.0" encoding="utf-8"?>
-<ds:datastoreItem xmlns:ds="http://schemas.openxmlformats.org/officeDocument/2006/customXml" ds:itemID="{1680B9DC-2D51-4402-BB2C-B8DE0C5AC522}">
-  <ds:schemaRefs/>
-</ds:datastoreItem>
-</file>
-
-<file path=customXml/itemProps3.xml><?xml version="1.0" encoding="utf-8"?>
-<ds:datastoreItem xmlns:ds="http://schemas.openxmlformats.org/officeDocument/2006/customXml" ds:itemID="{6B8AD017-B053-4E30-93B9-B28A44CEC3A4}">
-  <ds:schemaRefs/>
-</ds:datastoreItem>
-</file>
-
-<file path=customXml/itemProps4.xml><?xml version="1.0" encoding="utf-8"?>
-<ds:datastoreItem xmlns:ds="http://schemas.openxmlformats.org/officeDocument/2006/customXml" ds:itemID="{1334258C-C3E7-4029-A615-C886A240FB15}">
-  <ds:schemaRefs/>
-</ds:datastoreItem>
-</file>
-
 <file path=customXml/itemProps5.xml><?xml version="1.0" encoding="utf-8"?>
-<ds:datastoreItem xmlns:ds="http://schemas.openxmlformats.org/officeDocument/2006/customXml" ds:itemID="{D27AE696-61B6-4B19-9CED-6F2A3F244FE3}">
+<ds:datastoreItem xmlns:ds="http://schemas.openxmlformats.org/officeDocument/2006/customXml" ds:itemID="{43763224-B85A-4B53-A86A-261D26A71C30}">
   <ds:schemaRefs/>
 </ds:datastoreItem>
 </file>
 
 <file path=customXml/itemProps6.xml><?xml version="1.0" encoding="utf-8"?>
-<ds:datastoreItem xmlns:ds="http://schemas.openxmlformats.org/officeDocument/2006/customXml" ds:itemID="{43763224-B85A-4B53-A86A-261D26A71C30}">
+<ds:datastoreItem xmlns:ds="http://schemas.openxmlformats.org/officeDocument/2006/customXml" ds:itemID="{D27AE696-61B6-4B19-9CED-6F2A3F244FE3}">
   <ds:schemaRefs/>
 </ds:datastoreItem>
 </file>
--- a/Final_Project/FeedbackPresentation.pptx
+++ b/Final_Project/FeedbackPresentation.pptx
@@ -10787,11 +10787,11 @@
 </file>
 
 <file path=customXml/item1.xml><?xml version="1.0" encoding="utf-8"?>
-<TemplafyTemplateConfiguration><![CDATA[{"elementsMetadata":[{"type":"shape","id":"200fc201-9004-4215-ada7-b2360008bfe0","elementConfiguration":{"binding":"UserProfile.Offices.Workarea_{{DocumentLanguage}}","disableUpdates":false,"type":"text"}},{"type":"shape","id":"70d15748-2402-426d-938e-9ee9c7ffcb44","elementConfiguration":{"format":"{{DateFormats.GeneralDate}}","binding":"Form.Date","disableUpdates":false,"type":"date"}},{"type":"shape","id":"c5d933f3-13ee-4215-923c-4dec843af19c","elementConfiguration":{"binding":"Form.PresentationTitle","disableUpdates":false,"type":"text"}}],"transformationConfigurations":[{"language":"{{DocumentLanguage}}","disableUpdates":false,"type":"proofingLanguage"}],"templateName":"","templateDescription":"","enableDocumentContentUpdater":true,"version":"1.2"}]]></TemplafyTemplateConfiguration>
+<TemplafyFormConfiguration><![CDATA[{"formFields":[{"required":false,"helpTexts":{"prefix":"","postfix":""},"spacing":{},"type":"datePicker","name":"Date","label":"Date","fullyQualifiedName":"Date"},{"required":false,"placeholder":"","lines":0,"helpTexts":{"prefix":"","postfix":""},"spacing":{},"type":"textBox","name":"PresentationTitle","label":"Presentation title","fullyQualifiedName":"PresentationTitle"}],"formDataEntries":[{"name":"Date","value":"IuW0XXvkihAeaFR+oasw5g=="}]}]]></TemplafyFormConfiguration>
 </file>
 
 <file path=customXml/item2.xml><?xml version="1.0" encoding="utf-8"?>
-<TemplafySlideTemplateConfiguration><![CDATA[{"documentContentValidatorConfiguration":{"enableDocumentContentValidator":false,"documentContentValidatorVersion":0},"elementsMetadata":[],"slideId":"636957680393408390","enableDocumentContentUpdater":true,"version":"1.2"}]]></TemplafySlideTemplateConfiguration>
+<TemplafySlideFormConfiguration><![CDATA[{"formFields":[],"formDataEntries":[]}]]></TemplafySlideFormConfiguration>
 </file>
 
 <file path=customXml/item3.xml><?xml version="1.0" encoding="utf-8"?>
@@ -10799,11 +10799,11 @@
 </file>
 
 <file path=customXml/item4.xml><?xml version="1.0" encoding="utf-8"?>
-<TemplafySlideFormConfiguration><![CDATA[{"formFields":[],"formDataEntries":[]}]]></TemplafySlideFormConfiguration>
+<TemplafySlideTemplateConfiguration><![CDATA[{"documentContentValidatorConfiguration":{"enableDocumentContentValidator":false,"documentContentValidatorVersion":0},"elementsMetadata":[],"slideId":"636957680393408390","enableDocumentContentUpdater":true,"version":"1.2"}]]></TemplafySlideTemplateConfiguration>
 </file>
 
 <file path=customXml/item5.xml><?xml version="1.0" encoding="utf-8"?>
-<TemplafyFormConfiguration><![CDATA[{"formFields":[{"required":false,"helpTexts":{"prefix":"","postfix":""},"spacing":{},"type":"datePicker","name":"Date","label":"Date","fullyQualifiedName":"Date"},{"required":false,"placeholder":"","lines":0,"helpTexts":{"prefix":"","postfix":""},"spacing":{},"type":"textBox","name":"PresentationTitle","label":"Presentation title","fullyQualifiedName":"PresentationTitle"}],"formDataEntries":[{"name":"Date","value":"IuW0XXvkihAeaFR+oasw5g=="}]}]]></TemplafyFormConfiguration>
+<TemplafyTemplateConfiguration><![CDATA[{"elementsMetadata":[{"type":"shape","id":"200fc201-9004-4215-ada7-b2360008bfe0","elementConfiguration":{"binding":"UserProfile.Offices.Workarea_{{DocumentLanguage}}","disableUpdates":false,"type":"text"}},{"type":"shape","id":"70d15748-2402-426d-938e-9ee9c7ffcb44","elementConfiguration":{"format":"{{DateFormats.GeneralDate}}","binding":"Form.Date","disableUpdates":false,"type":"date"}},{"type":"shape","id":"c5d933f3-13ee-4215-923c-4dec843af19c","elementConfiguration":{"binding":"Form.PresentationTitle","disableUpdates":false,"type":"text"}}],"transformationConfigurations":[{"language":"{{DocumentLanguage}}","disableUpdates":false,"type":"proofingLanguage"}],"templateName":"","templateDescription":"","enableDocumentContentUpdater":true,"version":"1.2"}]]></TemplafyTemplateConfiguration>
 </file>
 
 <file path=customXml/item6.xml><?xml version="1.0" encoding="utf-8"?>
@@ -10811,13 +10811,13 @@
 </file>
 
 <file path=customXml/itemProps1.xml><?xml version="1.0" encoding="utf-8"?>
-<ds:datastoreItem xmlns:ds="http://schemas.openxmlformats.org/officeDocument/2006/customXml" ds:itemID="{1334258C-C3E7-4029-A615-C886A240FB15}">
+<ds:datastoreItem xmlns:ds="http://schemas.openxmlformats.org/officeDocument/2006/customXml" ds:itemID="{43763224-B85A-4B53-A86A-261D26A71C30}">
   <ds:schemaRefs/>
 </ds:datastoreItem>
 </file>
 
 <file path=customXml/itemProps2.xml><?xml version="1.0" encoding="utf-8"?>
-<ds:datastoreItem xmlns:ds="http://schemas.openxmlformats.org/officeDocument/2006/customXml" ds:itemID="{6B8AD017-B053-4E30-93B9-B28A44CEC3A4}">
+<ds:datastoreItem xmlns:ds="http://schemas.openxmlformats.org/officeDocument/2006/customXml" ds:itemID="{9587AFF5-BFB0-40A3-85CA-ADEED7540807}">
   <ds:schemaRefs/>
 </ds:datastoreItem>
 </file>
@@ -10829,13 +10829,13 @@
 </file>
 
 <file path=customXml/itemProps4.xml><?xml version="1.0" encoding="utf-8"?>
-<ds:datastoreItem xmlns:ds="http://schemas.openxmlformats.org/officeDocument/2006/customXml" ds:itemID="{9587AFF5-BFB0-40A3-85CA-ADEED7540807}">
+<ds:datastoreItem xmlns:ds="http://schemas.openxmlformats.org/officeDocument/2006/customXml" ds:itemID="{6B8AD017-B053-4E30-93B9-B28A44CEC3A4}">
   <ds:schemaRefs/>
 </ds:datastoreItem>
 </file>
 
 <file path=customXml/itemProps5.xml><?xml version="1.0" encoding="utf-8"?>
-<ds:datastoreItem xmlns:ds="http://schemas.openxmlformats.org/officeDocument/2006/customXml" ds:itemID="{43763224-B85A-4B53-A86A-261D26A71C30}">
+<ds:datastoreItem xmlns:ds="http://schemas.openxmlformats.org/officeDocument/2006/customXml" ds:itemID="{1334258C-C3E7-4029-A615-C886A240FB15}">
   <ds:schemaRefs/>
 </ds:datastoreItem>
 </file>

--- a/Final_Project/FeedbackPresentation.pptx
+++ b/Final_Project/FeedbackPresentation.pptx
@@ -5,10 +5,10 @@
     <p:sldMasterId id="2147483662" r:id="rId7"/>
   </p:sldMasterIdLst>
   <p:notesMasterIdLst>
-    <p:notesMasterId r:id="rId15"/>
+    <p:notesMasterId r:id="rId16"/>
   </p:notesMasterIdLst>
   <p:handoutMasterIdLst>
-    <p:handoutMasterId r:id="rId16"/>
+    <p:handoutMasterId r:id="rId17"/>
   </p:handoutMasterIdLst>
   <p:sldIdLst>
     <p:sldId id="260" r:id="rId8"/>
@@ -18,11 +18,12 @@
     <p:sldId id="283" r:id="rId12"/>
     <p:sldId id="281" r:id="rId13"/>
     <p:sldId id="285" r:id="rId14"/>
+    <p:sldId id="287" r:id="rId15"/>
   </p:sldIdLst>
   <p:sldSz cx="12190413" cy="6858000"/>
   <p:notesSz cx="6858000" cy="9144000"/>
   <p:custDataLst>
-    <p:tags r:id="rId17"/>
+    <p:tags r:id="rId18"/>
   </p:custDataLst>
   <p:defaultTextStyle>
     <a:defPPr>
@@ -9347,8 +9348,44 @@
         </p:blipFill>
         <p:spPr>
           <a:xfrm>
-            <a:off x="334566" y="1340768"/>
-            <a:ext cx="6640583" cy="3528392"/>
+            <a:off x="334567" y="1340768"/>
+            <a:ext cx="5616624" cy="2984324"/>
+          </a:xfrm>
+          <a:prstGeom prst="rect">
+            <a:avLst/>
+          </a:prstGeom>
+        </p:spPr>
+      </p:pic>
+      <p:pic>
+        <p:nvPicPr>
+          <p:cNvPr id="5" name="Picture 4" descr="A graph with blue lines&#10;&#10;Description automatically generated">
+            <a:extLst>
+              <a:ext uri="{FF2B5EF4-FFF2-40B4-BE49-F238E27FC236}">
+                <a16:creationId xmlns:a16="http://schemas.microsoft.com/office/drawing/2014/main" id="{8EB181B3-E402-57DA-BD62-CA00D962BA78}"/>
+              </a:ext>
+            </a:extLst>
+          </p:cNvPr>
+          <p:cNvPicPr>
+            <a:picLocks noChangeAspect="1"/>
+          </p:cNvPicPr>
+          <p:nvPr/>
+        </p:nvPicPr>
+        <p:blipFill>
+          <a:blip r:embed="rId5" cstate="print">
+            <a:extLst>
+              <a:ext uri="{28A0092B-C50C-407E-A947-70E740481C1C}">
+                <a14:useLocalDpi xmlns:a14="http://schemas.microsoft.com/office/drawing/2010/main" val="0"/>
+              </a:ext>
+            </a:extLst>
+          </a:blip>
+          <a:stretch>
+            <a:fillRect/>
+          </a:stretch>
+        </p:blipFill>
+        <p:spPr>
+          <a:xfrm>
+            <a:off x="2062758" y="4284956"/>
+            <a:ext cx="4295007" cy="2098951"/>
           </a:xfrm>
           <a:prstGeom prst="rect">
             <a:avLst/>
@@ -9507,8 +9544,44 @@
         </p:blipFill>
         <p:spPr>
           <a:xfrm>
-            <a:off x="406574" y="1412776"/>
-            <a:ext cx="5015873" cy="3530159"/>
+            <a:off x="6599262" y="3608911"/>
+            <a:ext cx="4166382" cy="2932289"/>
+          </a:xfrm>
+          <a:prstGeom prst="rect">
+            <a:avLst/>
+          </a:prstGeom>
+        </p:spPr>
+      </p:pic>
+      <p:pic>
+        <p:nvPicPr>
+          <p:cNvPr id="5" name="Picture 4" descr="A graph of a line&#10;&#10;Description automatically generated">
+            <a:extLst>
+              <a:ext uri="{FF2B5EF4-FFF2-40B4-BE49-F238E27FC236}">
+                <a16:creationId xmlns:a16="http://schemas.microsoft.com/office/drawing/2014/main" id="{978CBFA6-5662-9DC5-EFDB-50F88CD70E9A}"/>
+              </a:ext>
+            </a:extLst>
+          </p:cNvPr>
+          <p:cNvPicPr>
+            <a:picLocks noChangeAspect="1"/>
+          </p:cNvPicPr>
+          <p:nvPr/>
+        </p:nvPicPr>
+        <p:blipFill>
+          <a:blip r:embed="rId4">
+            <a:extLst>
+              <a:ext uri="{28A0092B-C50C-407E-A947-70E740481C1C}">
+                <a14:useLocalDpi xmlns:a14="http://schemas.microsoft.com/office/drawing/2010/main" val="0"/>
+              </a:ext>
+            </a:extLst>
+          </a:blip>
+          <a:stretch>
+            <a:fillRect/>
+          </a:stretch>
+        </p:blipFill>
+        <p:spPr>
+          <a:xfrm>
+            <a:off x="240634" y="1268759"/>
+            <a:ext cx="5782563" cy="3649047"/>
           </a:xfrm>
           <a:prstGeom prst="rect">
             <a:avLst/>
@@ -9640,6 +9713,35 @@
           <a:p>
             <a:endParaRPr lang="en-AU" dirty="0"/>
           </a:p>
+          <a:p>
+            <a:endParaRPr lang="en-AU" dirty="0"/>
+          </a:p>
+          <a:p>
+            <a:endParaRPr lang="en-AU" dirty="0"/>
+          </a:p>
+          <a:p>
+            <a:endParaRPr lang="en-AU" dirty="0"/>
+          </a:p>
+          <a:p>
+            <a:endParaRPr lang="en-AU" dirty="0"/>
+          </a:p>
+          <a:p>
+            <a:r>
+              <a:rPr lang="en-AU" dirty="0"/>
+              <a:t>Question from Lennard: </a:t>
+            </a:r>
+            <a:r>
+              <a:rPr lang="en-US" dirty="0"/>
+              <a:t>Can we just use 1 future timestep for the output predictions</a:t>
+            </a:r>
+            <a:r>
+              <a:rPr lang="en-AU" dirty="0"/>
+              <a:t>?</a:t>
+            </a:r>
+          </a:p>
+          <a:p>
+            <a:endParaRPr lang="en-AU" dirty="0"/>
+          </a:p>
         </p:txBody>
       </p:sp>
       <p:sp>
@@ -9791,7 +9893,7 @@
         </p:blipFill>
         <p:spPr>
           <a:xfrm>
-            <a:off x="6897780" y="188640"/>
+            <a:off x="6897780" y="135104"/>
             <a:ext cx="5041270" cy="3339682"/>
           </a:xfrm>
         </p:spPr>
@@ -9824,8 +9926,80 @@
         </p:blipFill>
         <p:spPr>
           <a:xfrm>
-            <a:off x="334566" y="1268760"/>
-            <a:ext cx="5041270" cy="3530159"/>
+            <a:off x="7915459" y="3670571"/>
+            <a:ext cx="3807291" cy="2666063"/>
+          </a:xfrm>
+          <a:prstGeom prst="rect">
+            <a:avLst/>
+          </a:prstGeom>
+        </p:spPr>
+      </p:pic>
+      <p:pic>
+        <p:nvPicPr>
+          <p:cNvPr id="5" name="Picture 4" descr="A graph of orange and blue lines&#10;&#10;Description automatically generated">
+            <a:extLst>
+              <a:ext uri="{FF2B5EF4-FFF2-40B4-BE49-F238E27FC236}">
+                <a16:creationId xmlns:a16="http://schemas.microsoft.com/office/drawing/2014/main" id="{2837AAF8-9F3B-AC37-64D5-F4B9FF8E2FD2}"/>
+              </a:ext>
+            </a:extLst>
+          </p:cNvPr>
+          <p:cNvPicPr>
+            <a:picLocks noChangeAspect="1"/>
+          </p:cNvPicPr>
+          <p:nvPr/>
+        </p:nvPicPr>
+        <p:blipFill>
+          <a:blip r:embed="rId4">
+            <a:extLst>
+              <a:ext uri="{28A0092B-C50C-407E-A947-70E740481C1C}">
+                <a14:useLocalDpi xmlns:a14="http://schemas.microsoft.com/office/drawing/2010/main" val="0"/>
+              </a:ext>
+            </a:extLst>
+          </a:blip>
+          <a:stretch>
+            <a:fillRect/>
+          </a:stretch>
+        </p:blipFill>
+        <p:spPr>
+          <a:xfrm>
+            <a:off x="3574926" y="643905"/>
+            <a:ext cx="3025479" cy="2000850"/>
+          </a:xfrm>
+          <a:prstGeom prst="rect">
+            <a:avLst/>
+          </a:prstGeom>
+        </p:spPr>
+      </p:pic>
+      <p:pic>
+        <p:nvPicPr>
+          <p:cNvPr id="8" name="Picture 7" descr="A graph with blue and orange lines&#10;&#10;Description automatically generated">
+            <a:extLst>
+              <a:ext uri="{FF2B5EF4-FFF2-40B4-BE49-F238E27FC236}">
+                <a16:creationId xmlns:a16="http://schemas.microsoft.com/office/drawing/2014/main" id="{39443DFC-4F9E-224C-BF7B-8036231AFDFC}"/>
+              </a:ext>
+            </a:extLst>
+          </p:cNvPr>
+          <p:cNvPicPr>
+            <a:picLocks noChangeAspect="1"/>
+          </p:cNvPicPr>
+          <p:nvPr/>
+        </p:nvPicPr>
+        <p:blipFill>
+          <a:blip r:embed="rId5">
+            <a:extLst>
+              <a:ext uri="{28A0092B-C50C-407E-A947-70E740481C1C}">
+                <a14:useLocalDpi xmlns:a14="http://schemas.microsoft.com/office/drawing/2010/main" val="0"/>
+              </a:ext>
+            </a:extLst>
+          </a:blip>
+          <a:stretch>
+            <a:fillRect/>
+          </a:stretch>
+        </p:blipFill>
+        <p:spPr>
+          <a:xfrm>
+            <a:off x="262401" y="2780928"/>
+            <a:ext cx="5477254" cy="3456384"/>
           </a:xfrm>
           <a:prstGeom prst="rect">
             <a:avLst/>
@@ -9836,6 +10010,142 @@
     <p:extLst>
       <p:ext uri="{BB962C8B-B14F-4D97-AF65-F5344CB8AC3E}">
         <p14:creationId xmlns:p14="http://schemas.microsoft.com/office/powerpoint/2010/main" val="3744028986"/>
+      </p:ext>
+    </p:extLst>
+  </p:cSld>
+  <p:clrMapOvr>
+    <a:masterClrMapping/>
+  </p:clrMapOvr>
+</p:sld>
+</file>
+
+<file path=ppt/slides/slide8.xml><?xml version="1.0" encoding="utf-8"?>
+<p:sld xmlns:a="http://schemas.openxmlformats.org/drawingml/2006/main" xmlns:r="http://schemas.openxmlformats.org/officeDocument/2006/relationships" xmlns:p="http://schemas.openxmlformats.org/presentationml/2006/main">
+  <p:cSld>
+    <p:spTree>
+      <p:nvGrpSpPr>
+        <p:cNvPr id="1" name=""/>
+        <p:cNvGrpSpPr/>
+        <p:nvPr/>
+      </p:nvGrpSpPr>
+      <p:grpSpPr>
+        <a:xfrm>
+          <a:off x="0" y="0"/>
+          <a:ext cx="0" cy="0"/>
+          <a:chOff x="0" y="0"/>
+          <a:chExt cx="0" cy="0"/>
+        </a:xfrm>
+      </p:grpSpPr>
+      <p:sp>
+        <p:nvSpPr>
+          <p:cNvPr id="2" name="Title 1">
+            <a:extLst>
+              <a:ext uri="{FF2B5EF4-FFF2-40B4-BE49-F238E27FC236}">
+                <a16:creationId xmlns:a16="http://schemas.microsoft.com/office/drawing/2014/main" id="{FF2A9201-8AEB-2221-7BE6-0A3CE043857E}"/>
+              </a:ext>
+            </a:extLst>
+          </p:cNvPr>
+          <p:cNvSpPr>
+            <a:spLocks noGrp="1"/>
+          </p:cNvSpPr>
+          <p:nvPr>
+            <p:ph type="title"/>
+          </p:nvPr>
+        </p:nvSpPr>
+        <p:spPr/>
+        <p:txBody>
+          <a:bodyPr/>
+          <a:lstStyle/>
+          <a:p>
+            <a:r>
+              <a:rPr lang="en-US" dirty="0"/>
+              <a:t>Further Plans</a:t>
+            </a:r>
+            <a:endParaRPr lang="nl-NL" dirty="0"/>
+          </a:p>
+        </p:txBody>
+      </p:sp>
+      <p:sp>
+        <p:nvSpPr>
+          <p:cNvPr id="3" name="Content Placeholder 2">
+            <a:extLst>
+              <a:ext uri="{FF2B5EF4-FFF2-40B4-BE49-F238E27FC236}">
+                <a16:creationId xmlns:a16="http://schemas.microsoft.com/office/drawing/2014/main" id="{2E73B09F-359C-8E36-45E7-4D471C43BC07}"/>
+              </a:ext>
+            </a:extLst>
+          </p:cNvPr>
+          <p:cNvSpPr>
+            <a:spLocks noGrp="1"/>
+          </p:cNvSpPr>
+          <p:nvPr>
+            <p:ph idx="1"/>
+          </p:nvPr>
+        </p:nvSpPr>
+        <p:spPr/>
+        <p:txBody>
+          <a:bodyPr/>
+          <a:lstStyle/>
+          <a:p>
+            <a:r>
+              <a:rPr lang="en-US" dirty="0"/>
+              <a:t>RNN Model</a:t>
+            </a:r>
+          </a:p>
+          <a:p>
+            <a:r>
+              <a:rPr lang="en-US" dirty="0"/>
+              <a:t>Fix problems with Multi-lagged discrete model</a:t>
+            </a:r>
+          </a:p>
+          <a:p>
+            <a:r>
+              <a:rPr lang="en-US" dirty="0"/>
+              <a:t>Improve LSTM Model</a:t>
+            </a:r>
+          </a:p>
+          <a:p>
+            <a:r>
+              <a:rPr lang="en-US" dirty="0"/>
+              <a:t>GRU Model </a:t>
+            </a:r>
+            <a:endParaRPr lang="nl-NL" dirty="0"/>
+          </a:p>
+        </p:txBody>
+      </p:sp>
+      <p:sp>
+        <p:nvSpPr>
+          <p:cNvPr id="4" name="Slide Number Placeholder 3">
+            <a:extLst>
+              <a:ext uri="{FF2B5EF4-FFF2-40B4-BE49-F238E27FC236}">
+                <a16:creationId xmlns:a16="http://schemas.microsoft.com/office/drawing/2014/main" id="{D012E3FF-1EFA-2663-6362-F070915FBAC1}"/>
+              </a:ext>
+            </a:extLst>
+          </p:cNvPr>
+          <p:cNvSpPr>
+            <a:spLocks noGrp="1"/>
+          </p:cNvSpPr>
+          <p:nvPr>
+            <p:ph type="sldNum" sz="quarter" idx="11"/>
+          </p:nvPr>
+        </p:nvSpPr>
+        <p:spPr/>
+        <p:txBody>
+          <a:bodyPr/>
+          <a:lstStyle/>
+          <a:p>
+            <a:fld id="{103EA872-A674-449B-A120-B97244F8E91D}" type="slidenum">
+              <a:rPr lang="en-GB" smtClean="0"/>
+              <a:pPr/>
+              <a:t>8</a:t>
+            </a:fld>
+            <a:endParaRPr lang="en-GB" dirty="0"/>
+          </a:p>
+        </p:txBody>
+      </p:sp>
+    </p:spTree>
+    <p:extLst>
+      <p:ext uri="{BB962C8B-B14F-4D97-AF65-F5344CB8AC3E}">
+        <p14:creationId xmlns:p14="http://schemas.microsoft.com/office/powerpoint/2010/main" val="712295626"/>
       </p:ext>
     </p:extLst>
   </p:cSld>

--- a/Final_Project/FeedbackPresentation.pptx
+++ b/Final_Project/FeedbackPresentation.pptx
@@ -9121,12 +9121,35 @@
             <p:ph idx="1"/>
           </p:nvPr>
         </p:nvSpPr>
-        <p:spPr/>
+        <p:spPr>
+          <a:xfrm>
+            <a:off x="1342678" y="1484784"/>
+            <a:ext cx="3960366" cy="3378784"/>
+          </a:xfrm>
+        </p:spPr>
         <p:txBody>
           <a:bodyPr/>
           <a:lstStyle/>
           <a:p>
-            <a:endParaRPr lang="nl-NL"/>
+            <a:r>
+              <a:rPr lang="nl-NL" dirty="0"/>
+              <a:t>Lidar data available from 2-beam and 4-beam lidars</a:t>
+            </a:r>
+          </a:p>
+          <a:p>
+            <a:r>
+              <a:rPr lang="nl-NL" dirty="0"/>
+              <a:t>Forecast structural loads using lidar data</a:t>
+            </a:r>
+          </a:p>
+          <a:p>
+            <a:r>
+              <a:rPr lang="nl-NL" dirty="0"/>
+              <a:t>Use a few modelling approaches and pick the best</a:t>
+            </a:r>
+          </a:p>
+          <a:p>
+            <a:endParaRPr lang="nl-NL" dirty="0"/>
           </a:p>
         </p:txBody>
       </p:sp>
@@ -9160,6 +9183,36 @@
           </a:p>
         </p:txBody>
       </p:sp>
+      <p:pic>
+        <p:nvPicPr>
+          <p:cNvPr id="6" name="Picture 5">
+            <a:extLst>
+              <a:ext uri="{FF2B5EF4-FFF2-40B4-BE49-F238E27FC236}">
+                <a16:creationId xmlns:a16="http://schemas.microsoft.com/office/drawing/2014/main" id="{293F08BC-C652-9AE3-1A79-97EA46BE3B4A}"/>
+              </a:ext>
+            </a:extLst>
+          </p:cNvPr>
+          <p:cNvPicPr>
+            <a:picLocks noChangeAspect="1"/>
+          </p:cNvPicPr>
+          <p:nvPr/>
+        </p:nvPicPr>
+        <p:blipFill>
+          <a:blip r:embed="rId2"/>
+          <a:stretch>
+            <a:fillRect/>
+          </a:stretch>
+        </p:blipFill>
+        <p:spPr>
+          <a:xfrm>
+            <a:off x="7247334" y="945043"/>
+            <a:ext cx="4715129" cy="4362037"/>
+          </a:xfrm>
+          <a:prstGeom prst="rect">
+            <a:avLst/>
+          </a:prstGeom>
+        </p:spPr>
+      </p:pic>
     </p:spTree>
     <p:extLst>
       <p:ext uri="{BB962C8B-B14F-4D97-AF65-F5344CB8AC3E}">
@@ -11097,11 +11150,11 @@
 </file>
 
 <file path=customXml/item1.xml><?xml version="1.0" encoding="utf-8"?>
-<TemplafyFormConfiguration><![CDATA[{"formFields":[{"required":false,"helpTexts":{"prefix":"","postfix":""},"spacing":{},"type":"datePicker","name":"Date","label":"Date","fullyQualifiedName":"Date"},{"required":false,"placeholder":"","lines":0,"helpTexts":{"prefix":"","postfix":""},"spacing":{},"type":"textBox","name":"PresentationTitle","label":"Presentation title","fullyQualifiedName":"PresentationTitle"}],"formDataEntries":[{"name":"Date","value":"IuW0XXvkihAeaFR+oasw5g=="}]}]]></TemplafyFormConfiguration>
+<TemplafyTemplateConfiguration><![CDATA[{"elementsMetadata":[{"type":"shape","id":"200fc201-9004-4215-ada7-b2360008bfe0","elementConfiguration":{"binding":"UserProfile.Offices.Workarea_{{DocumentLanguage}}","disableUpdates":false,"type":"text"}},{"type":"shape","id":"70d15748-2402-426d-938e-9ee9c7ffcb44","elementConfiguration":{"format":"{{DateFormats.GeneralDate}}","binding":"Form.Date","disableUpdates":false,"type":"date"}},{"type":"shape","id":"c5d933f3-13ee-4215-923c-4dec843af19c","elementConfiguration":{"binding":"Form.PresentationTitle","disableUpdates":false,"type":"text"}}],"transformationConfigurations":[{"language":"{{DocumentLanguage}}","disableUpdates":false,"type":"proofingLanguage"}],"templateName":"","templateDescription":"","enableDocumentContentUpdater":true,"version":"1.2"}]]></TemplafyTemplateConfiguration>
 </file>
 
 <file path=customXml/item2.xml><?xml version="1.0" encoding="utf-8"?>
-<TemplafySlideFormConfiguration><![CDATA[{"formFields":[],"formDataEntries":[]}]]></TemplafySlideFormConfiguration>
+<TemplafySlideTemplateConfiguration><![CDATA[{"documentContentValidatorConfiguration":{"enableDocumentContentValidator":false,"documentContentValidatorVersion":0},"elementsMetadata":[],"slideId":"636957680393408390","enableDocumentContentUpdater":true,"version":"1.2"}]]></TemplafySlideTemplateConfiguration>
 </file>
 
 <file path=customXml/item3.xml><?xml version="1.0" encoding="utf-8"?>
@@ -11109,11 +11162,11 @@
 </file>
 
 <file path=customXml/item4.xml><?xml version="1.0" encoding="utf-8"?>
-<TemplafySlideTemplateConfiguration><![CDATA[{"documentContentValidatorConfiguration":{"enableDocumentContentValidator":false,"documentContentValidatorVersion":0},"elementsMetadata":[],"slideId":"636957680393408390","enableDocumentContentUpdater":true,"version":"1.2"}]]></TemplafySlideTemplateConfiguration>
+<TemplafySlideFormConfiguration><![CDATA[{"formFields":[],"formDataEntries":[]}]]></TemplafySlideFormConfiguration>
 </file>
 
 <file path=customXml/item5.xml><?xml version="1.0" encoding="utf-8"?>
-<TemplafyTemplateConfiguration><![CDATA[{"elementsMetadata":[{"type":"shape","id":"200fc201-9004-4215-ada7-b2360008bfe0","elementConfiguration":{"binding":"UserProfile.Offices.Workarea_{{DocumentLanguage}}","disableUpdates":false,"type":"text"}},{"type":"shape","id":"70d15748-2402-426d-938e-9ee9c7ffcb44","elementConfiguration":{"format":"{{DateFormats.GeneralDate}}","binding":"Form.Date","disableUpdates":false,"type":"date"}},{"type":"shape","id":"c5d933f3-13ee-4215-923c-4dec843af19c","elementConfiguration":{"binding":"Form.PresentationTitle","disableUpdates":false,"type":"text"}}],"transformationConfigurations":[{"language":"{{DocumentLanguage}}","disableUpdates":false,"type":"proofingLanguage"}],"templateName":"","templateDescription":"","enableDocumentContentUpdater":true,"version":"1.2"}]]></TemplafyTemplateConfiguration>
+<TemplafyFormConfiguration><![CDATA[{"formFields":[{"required":false,"helpTexts":{"prefix":"","postfix":""},"spacing":{},"type":"datePicker","name":"Date","label":"Date","fullyQualifiedName":"Date"},{"required":false,"placeholder":"","lines":0,"helpTexts":{"prefix":"","postfix":""},"spacing":{},"type":"textBox","name":"PresentationTitle","label":"Presentation title","fullyQualifiedName":"PresentationTitle"}],"formDataEntries":[{"name":"Date","value":"IuW0XXvkihAeaFR+oasw5g=="}]}]]></TemplafyFormConfiguration>
 </file>
 
 <file path=customXml/item6.xml><?xml version="1.0" encoding="utf-8"?>
@@ -11121,13 +11174,13 @@
 </file>
 
 <file path=customXml/itemProps1.xml><?xml version="1.0" encoding="utf-8"?>
-<ds:datastoreItem xmlns:ds="http://schemas.openxmlformats.org/officeDocument/2006/customXml" ds:itemID="{43763224-B85A-4B53-A86A-261D26A71C30}">
+<ds:datastoreItem xmlns:ds="http://schemas.openxmlformats.org/officeDocument/2006/customXml" ds:itemID="{1334258C-C3E7-4029-A615-C886A240FB15}">
   <ds:schemaRefs/>
 </ds:datastoreItem>
 </file>
 
 <file path=customXml/itemProps2.xml><?xml version="1.0" encoding="utf-8"?>
-<ds:datastoreItem xmlns:ds="http://schemas.openxmlformats.org/officeDocument/2006/customXml" ds:itemID="{9587AFF5-BFB0-40A3-85CA-ADEED7540807}">
+<ds:datastoreItem xmlns:ds="http://schemas.openxmlformats.org/officeDocument/2006/customXml" ds:itemID="{6B8AD017-B053-4E30-93B9-B28A44CEC3A4}">
   <ds:schemaRefs/>
 </ds:datastoreItem>
 </file>
@@ -11139,13 +11192,13 @@
 </file>
 
 <file path=customXml/itemProps4.xml><?xml version="1.0" encoding="utf-8"?>
-<ds:datastoreItem xmlns:ds="http://schemas.openxmlformats.org/officeDocument/2006/customXml" ds:itemID="{6B8AD017-B053-4E30-93B9-B28A44CEC3A4}">
+<ds:datastoreItem xmlns:ds="http://schemas.openxmlformats.org/officeDocument/2006/customXml" ds:itemID="{9587AFF5-BFB0-40A3-85CA-ADEED7540807}">
   <ds:schemaRefs/>
 </ds:datastoreItem>
 </file>
 
 <file path=customXml/itemProps5.xml><?xml version="1.0" encoding="utf-8"?>
-<ds:datastoreItem xmlns:ds="http://schemas.openxmlformats.org/officeDocument/2006/customXml" ds:itemID="{1334258C-C3E7-4029-A615-C886A240FB15}">
+<ds:datastoreItem xmlns:ds="http://schemas.openxmlformats.org/officeDocument/2006/customXml" ds:itemID="{43763224-B85A-4B53-A86A-261D26A71C30}">
   <ds:schemaRefs/>
 </ds:datastoreItem>
 </file>

--- a/Final_Project/FeedbackPresentation.pptx
+++ b/Final_Project/FeedbackPresentation.pptx
@@ -8823,7 +8823,7 @@
           <a:p>
             <a:r>
               <a:rPr lang="en-GB" sz="4800" dirty="0"/>
-              <a:t>LiDAR Forecasting</a:t>
+              <a:t>Loads Forecasting using nacelle-based LiDAR</a:t>
             </a:r>
           </a:p>
           <a:p>
@@ -8838,16 +8838,13 @@
           <a:p>
             <a:r>
               <a:rPr lang="en-GB" dirty="0"/>
-              <a:t>Prasanna Srinivasan, </a:t>
+              <a:t>Prasanna Srinivasan, Joram de Vries, Lennard </a:t>
             </a:r>
             <a:r>
               <a:rPr lang="en-GB" dirty="0" err="1"/>
-              <a:t>Joram</a:t>
+              <a:t>Mascini</a:t>
             </a:r>
-            <a:r>
-              <a:rPr lang="en-GB" dirty="0"/>
-              <a:t> de Vries</a:t>
-            </a:r>
+            <a:endParaRPr lang="en-GB" dirty="0"/>
           </a:p>
         </p:txBody>
       </p:sp>
@@ -9046,6 +9043,768 @@
           </a:p>
         </p:txBody>
       </p:sp>
+      <p:sp>
+        <p:nvSpPr>
+          <p:cNvPr id="5" name="Oval 4">
+            <a:extLst>
+              <a:ext uri="{FF2B5EF4-FFF2-40B4-BE49-F238E27FC236}">
+                <a16:creationId xmlns:a16="http://schemas.microsoft.com/office/drawing/2014/main" id="{B9F1650B-3DCE-0D34-6493-9144C4740B8D}"/>
+              </a:ext>
+            </a:extLst>
+          </p:cNvPr>
+          <p:cNvSpPr/>
+          <p:nvPr/>
+        </p:nvSpPr>
+        <p:spPr bwMode="auto">
+          <a:xfrm>
+            <a:off x="1270670" y="5661248"/>
+            <a:ext cx="288032" cy="288032"/>
+          </a:xfrm>
+          <a:prstGeom prst="ellipse">
+            <a:avLst/>
+          </a:prstGeom>
+          <a:noFill/>
+          <a:ln w="9525" cap="flat" cmpd="sng" algn="ctr">
+            <a:solidFill>
+              <a:schemeClr val="accent1"/>
+            </a:solidFill>
+            <a:prstDash val="solid"/>
+            <a:miter lim="800000"/>
+            <a:headEnd type="none" w="med" len="med"/>
+            <a:tailEnd type="none" w="med" len="med"/>
+          </a:ln>
+          <a:effectLst/>
+        </p:spPr>
+        <p:txBody>
+          <a:bodyPr vert="horz" wrap="square" lIns="90000" tIns="46800" rIns="90000" bIns="46800" numCol="1" rtlCol="0" anchor="ctr" anchorCtr="0" compatLnSpc="1">
+            <a:prstTxWarp prst="textNoShape">
+              <a:avLst/>
+            </a:prstTxWarp>
+          </a:bodyPr>
+          <a:lstStyle/>
+          <a:p>
+            <a:pPr marL="0" marR="0" indent="0" algn="ctr" defTabSz="914400" rtl="0" eaLnBrk="1" fontAlgn="base" latinLnBrk="0" hangingPunct="1">
+              <a:lnSpc>
+                <a:spcPct val="100000"/>
+              </a:lnSpc>
+              <a:spcBef>
+                <a:spcPts val="432"/>
+              </a:spcBef>
+              <a:spcAft>
+                <a:spcPct val="0"/>
+              </a:spcAft>
+              <a:buClrTx/>
+              <a:buSzTx/>
+              <a:buFontTx/>
+              <a:buNone/>
+              <a:tabLst/>
+            </a:pPr>
+            <a:endParaRPr kumimoji="0" lang="nl-NL" sz="1600" b="0" i="0" u="none" strike="noStrike" cap="none" normalizeH="0" baseline="0" dirty="0" err="1">
+              <a:ln>
+                <a:noFill/>
+              </a:ln>
+              <a:solidFill>
+                <a:srgbClr val="FFFFFF"/>
+              </a:solidFill>
+              <a:effectLst/>
+              <a:latin typeface="+mn-lt"/>
+              <a:ea typeface="ＭＳ Ｐゴシック" pitchFamily="-80" charset="-128"/>
+            </a:endParaRPr>
+          </a:p>
+        </p:txBody>
+      </p:sp>
+      <p:sp>
+        <p:nvSpPr>
+          <p:cNvPr id="6" name="Oval 5">
+            <a:extLst>
+              <a:ext uri="{FF2B5EF4-FFF2-40B4-BE49-F238E27FC236}">
+                <a16:creationId xmlns:a16="http://schemas.microsoft.com/office/drawing/2014/main" id="{84CB461B-9781-A328-CAAA-6B6DA3C1F75B}"/>
+              </a:ext>
+            </a:extLst>
+          </p:cNvPr>
+          <p:cNvSpPr/>
+          <p:nvPr/>
+        </p:nvSpPr>
+        <p:spPr bwMode="auto">
+          <a:xfrm>
+            <a:off x="2422798" y="5661248"/>
+            <a:ext cx="288032" cy="288032"/>
+          </a:xfrm>
+          <a:prstGeom prst="ellipse">
+            <a:avLst/>
+          </a:prstGeom>
+          <a:noFill/>
+          <a:ln w="9525" cap="flat" cmpd="sng" algn="ctr">
+            <a:solidFill>
+              <a:schemeClr val="accent1"/>
+            </a:solidFill>
+            <a:prstDash val="solid"/>
+            <a:miter lim="800000"/>
+            <a:headEnd type="none" w="med" len="med"/>
+            <a:tailEnd type="none" w="med" len="med"/>
+          </a:ln>
+          <a:effectLst/>
+        </p:spPr>
+        <p:txBody>
+          <a:bodyPr vert="horz" wrap="square" lIns="90000" tIns="46800" rIns="90000" bIns="46800" numCol="1" rtlCol="0" anchor="ctr" anchorCtr="0" compatLnSpc="1">
+            <a:prstTxWarp prst="textNoShape">
+              <a:avLst/>
+            </a:prstTxWarp>
+          </a:bodyPr>
+          <a:lstStyle/>
+          <a:p>
+            <a:pPr marL="0" marR="0" indent="0" algn="ctr" defTabSz="914400" rtl="0" eaLnBrk="1" fontAlgn="base" latinLnBrk="0" hangingPunct="1">
+              <a:lnSpc>
+                <a:spcPct val="100000"/>
+              </a:lnSpc>
+              <a:spcBef>
+                <a:spcPts val="432"/>
+              </a:spcBef>
+              <a:spcAft>
+                <a:spcPct val="0"/>
+              </a:spcAft>
+              <a:buClrTx/>
+              <a:buSzTx/>
+              <a:buFontTx/>
+              <a:buNone/>
+              <a:tabLst/>
+            </a:pPr>
+            <a:endParaRPr kumimoji="0" lang="nl-NL" sz="1600" b="0" i="0" u="none" strike="noStrike" cap="none" normalizeH="0" baseline="0" dirty="0" err="1">
+              <a:ln>
+                <a:noFill/>
+              </a:ln>
+              <a:solidFill>
+                <a:srgbClr val="FFFFFF"/>
+              </a:solidFill>
+              <a:effectLst/>
+              <a:latin typeface="+mn-lt"/>
+              <a:ea typeface="ＭＳ Ｐゴシック" pitchFamily="-80" charset="-128"/>
+            </a:endParaRPr>
+          </a:p>
+        </p:txBody>
+      </p:sp>
+      <p:sp>
+        <p:nvSpPr>
+          <p:cNvPr id="7" name="Oval 6">
+            <a:extLst>
+              <a:ext uri="{FF2B5EF4-FFF2-40B4-BE49-F238E27FC236}">
+                <a16:creationId xmlns:a16="http://schemas.microsoft.com/office/drawing/2014/main" id="{D134531C-E87C-D893-CC45-401F3F3630CC}"/>
+              </a:ext>
+            </a:extLst>
+          </p:cNvPr>
+          <p:cNvSpPr/>
+          <p:nvPr/>
+        </p:nvSpPr>
+        <p:spPr bwMode="auto">
+          <a:xfrm>
+            <a:off x="3574926" y="5661248"/>
+            <a:ext cx="288032" cy="288032"/>
+          </a:xfrm>
+          <a:prstGeom prst="ellipse">
+            <a:avLst/>
+          </a:prstGeom>
+          <a:noFill/>
+          <a:ln w="9525" cap="flat" cmpd="sng" algn="ctr">
+            <a:solidFill>
+              <a:schemeClr val="accent1"/>
+            </a:solidFill>
+            <a:prstDash val="solid"/>
+            <a:miter lim="800000"/>
+            <a:headEnd type="none" w="med" len="med"/>
+            <a:tailEnd type="none" w="med" len="med"/>
+          </a:ln>
+          <a:effectLst/>
+        </p:spPr>
+        <p:txBody>
+          <a:bodyPr vert="horz" wrap="square" lIns="90000" tIns="46800" rIns="90000" bIns="46800" numCol="1" rtlCol="0" anchor="ctr" anchorCtr="0" compatLnSpc="1">
+            <a:prstTxWarp prst="textNoShape">
+              <a:avLst/>
+            </a:prstTxWarp>
+          </a:bodyPr>
+          <a:lstStyle/>
+          <a:p>
+            <a:pPr marL="0" marR="0" indent="0" algn="ctr" defTabSz="914400" rtl="0" eaLnBrk="1" fontAlgn="base" latinLnBrk="0" hangingPunct="1">
+              <a:lnSpc>
+                <a:spcPct val="100000"/>
+              </a:lnSpc>
+              <a:spcBef>
+                <a:spcPts val="432"/>
+              </a:spcBef>
+              <a:spcAft>
+                <a:spcPct val="0"/>
+              </a:spcAft>
+              <a:buClrTx/>
+              <a:buSzTx/>
+              <a:buFontTx/>
+              <a:buNone/>
+              <a:tabLst/>
+            </a:pPr>
+            <a:endParaRPr kumimoji="0" lang="nl-NL" sz="1600" b="0" i="0" u="none" strike="noStrike" cap="none" normalizeH="0" baseline="0" dirty="0" err="1">
+              <a:ln>
+                <a:noFill/>
+              </a:ln>
+              <a:solidFill>
+                <a:srgbClr val="FFFFFF"/>
+              </a:solidFill>
+              <a:effectLst/>
+              <a:latin typeface="+mn-lt"/>
+              <a:ea typeface="ＭＳ Ｐゴシック" pitchFamily="-80" charset="-128"/>
+            </a:endParaRPr>
+          </a:p>
+        </p:txBody>
+      </p:sp>
+      <p:sp>
+        <p:nvSpPr>
+          <p:cNvPr id="8" name="Oval 7">
+            <a:extLst>
+              <a:ext uri="{FF2B5EF4-FFF2-40B4-BE49-F238E27FC236}">
+                <a16:creationId xmlns:a16="http://schemas.microsoft.com/office/drawing/2014/main" id="{157253E4-7015-8368-DD68-4A188C53F393}"/>
+              </a:ext>
+            </a:extLst>
+          </p:cNvPr>
+          <p:cNvSpPr/>
+          <p:nvPr/>
+        </p:nvSpPr>
+        <p:spPr bwMode="auto">
+          <a:xfrm>
+            <a:off x="4728964" y="5662871"/>
+            <a:ext cx="288032" cy="288032"/>
+          </a:xfrm>
+          <a:prstGeom prst="ellipse">
+            <a:avLst/>
+          </a:prstGeom>
+          <a:noFill/>
+          <a:ln w="9525" cap="flat" cmpd="sng" algn="ctr">
+            <a:solidFill>
+              <a:schemeClr val="accent1"/>
+            </a:solidFill>
+            <a:prstDash val="solid"/>
+            <a:miter lim="800000"/>
+            <a:headEnd type="none" w="med" len="med"/>
+            <a:tailEnd type="none" w="med" len="med"/>
+          </a:ln>
+          <a:effectLst/>
+        </p:spPr>
+        <p:txBody>
+          <a:bodyPr vert="horz" wrap="square" lIns="90000" tIns="46800" rIns="90000" bIns="46800" numCol="1" rtlCol="0" anchor="ctr" anchorCtr="0" compatLnSpc="1">
+            <a:prstTxWarp prst="textNoShape">
+              <a:avLst/>
+            </a:prstTxWarp>
+          </a:bodyPr>
+          <a:lstStyle/>
+          <a:p>
+            <a:pPr marL="0" marR="0" indent="0" algn="ctr" defTabSz="914400" rtl="0" eaLnBrk="1" fontAlgn="base" latinLnBrk="0" hangingPunct="1">
+              <a:lnSpc>
+                <a:spcPct val="100000"/>
+              </a:lnSpc>
+              <a:spcBef>
+                <a:spcPts val="432"/>
+              </a:spcBef>
+              <a:spcAft>
+                <a:spcPct val="0"/>
+              </a:spcAft>
+              <a:buClrTx/>
+              <a:buSzTx/>
+              <a:buFontTx/>
+              <a:buNone/>
+              <a:tabLst/>
+            </a:pPr>
+            <a:endParaRPr kumimoji="0" lang="nl-NL" sz="1600" b="0" i="0" u="none" strike="noStrike" cap="none" normalizeH="0" baseline="0" dirty="0" err="1">
+              <a:ln>
+                <a:noFill/>
+              </a:ln>
+              <a:solidFill>
+                <a:srgbClr val="FFFFFF"/>
+              </a:solidFill>
+              <a:effectLst/>
+              <a:latin typeface="+mn-lt"/>
+              <a:ea typeface="ＭＳ Ｐゴシック" pitchFamily="-80" charset="-128"/>
+            </a:endParaRPr>
+          </a:p>
+        </p:txBody>
+      </p:sp>
+      <p:sp>
+        <p:nvSpPr>
+          <p:cNvPr id="9" name="Oval 8">
+            <a:extLst>
+              <a:ext uri="{FF2B5EF4-FFF2-40B4-BE49-F238E27FC236}">
+                <a16:creationId xmlns:a16="http://schemas.microsoft.com/office/drawing/2014/main" id="{B623D373-6277-DFD4-07EB-F18C820EFB6C}"/>
+              </a:ext>
+            </a:extLst>
+          </p:cNvPr>
+          <p:cNvSpPr/>
+          <p:nvPr/>
+        </p:nvSpPr>
+        <p:spPr bwMode="auto">
+          <a:xfrm>
+            <a:off x="5881092" y="5661248"/>
+            <a:ext cx="288032" cy="288032"/>
+          </a:xfrm>
+          <a:prstGeom prst="ellipse">
+            <a:avLst/>
+          </a:prstGeom>
+          <a:noFill/>
+          <a:ln w="9525" cap="flat" cmpd="sng" algn="ctr">
+            <a:solidFill>
+              <a:schemeClr val="accent1"/>
+            </a:solidFill>
+            <a:prstDash val="solid"/>
+            <a:miter lim="800000"/>
+            <a:headEnd type="none" w="med" len="med"/>
+            <a:tailEnd type="none" w="med" len="med"/>
+          </a:ln>
+          <a:effectLst/>
+        </p:spPr>
+        <p:txBody>
+          <a:bodyPr vert="horz" wrap="square" lIns="90000" tIns="46800" rIns="90000" bIns="46800" numCol="1" rtlCol="0" anchor="ctr" anchorCtr="0" compatLnSpc="1">
+            <a:prstTxWarp prst="textNoShape">
+              <a:avLst/>
+            </a:prstTxWarp>
+          </a:bodyPr>
+          <a:lstStyle/>
+          <a:p>
+            <a:pPr marL="0" marR="0" indent="0" algn="ctr" defTabSz="914400" rtl="0" eaLnBrk="1" fontAlgn="base" latinLnBrk="0" hangingPunct="1">
+              <a:lnSpc>
+                <a:spcPct val="100000"/>
+              </a:lnSpc>
+              <a:spcBef>
+                <a:spcPts val="432"/>
+              </a:spcBef>
+              <a:spcAft>
+                <a:spcPct val="0"/>
+              </a:spcAft>
+              <a:buClrTx/>
+              <a:buSzTx/>
+              <a:buFontTx/>
+              <a:buNone/>
+              <a:tabLst/>
+            </a:pPr>
+            <a:endParaRPr kumimoji="0" lang="nl-NL" sz="1600" b="0" i="0" u="none" strike="noStrike" cap="none" normalizeH="0" baseline="0" dirty="0" err="1">
+              <a:ln>
+                <a:noFill/>
+              </a:ln>
+              <a:solidFill>
+                <a:srgbClr val="FFFFFF"/>
+              </a:solidFill>
+              <a:effectLst/>
+              <a:latin typeface="+mn-lt"/>
+              <a:ea typeface="ＭＳ Ｐゴシック" pitchFamily="-80" charset="-128"/>
+            </a:endParaRPr>
+          </a:p>
+        </p:txBody>
+      </p:sp>
+      <p:sp>
+        <p:nvSpPr>
+          <p:cNvPr id="10" name="Oval 9">
+            <a:extLst>
+              <a:ext uri="{FF2B5EF4-FFF2-40B4-BE49-F238E27FC236}">
+                <a16:creationId xmlns:a16="http://schemas.microsoft.com/office/drawing/2014/main" id="{AF63DB56-AA3C-0122-DBF9-82BC34F7F5A5}"/>
+              </a:ext>
+            </a:extLst>
+          </p:cNvPr>
+          <p:cNvSpPr/>
+          <p:nvPr/>
+        </p:nvSpPr>
+        <p:spPr bwMode="auto">
+          <a:xfrm>
+            <a:off x="7033220" y="5662871"/>
+            <a:ext cx="288032" cy="288032"/>
+          </a:xfrm>
+          <a:prstGeom prst="ellipse">
+            <a:avLst/>
+          </a:prstGeom>
+          <a:noFill/>
+          <a:ln w="9525" cap="flat" cmpd="sng" algn="ctr">
+            <a:solidFill>
+              <a:schemeClr val="accent1"/>
+            </a:solidFill>
+            <a:prstDash val="solid"/>
+            <a:miter lim="800000"/>
+            <a:headEnd type="none" w="med" len="med"/>
+            <a:tailEnd type="none" w="med" len="med"/>
+          </a:ln>
+          <a:effectLst/>
+        </p:spPr>
+        <p:txBody>
+          <a:bodyPr vert="horz" wrap="square" lIns="90000" tIns="46800" rIns="90000" bIns="46800" numCol="1" rtlCol="0" anchor="ctr" anchorCtr="0" compatLnSpc="1">
+            <a:prstTxWarp prst="textNoShape">
+              <a:avLst/>
+            </a:prstTxWarp>
+          </a:bodyPr>
+          <a:lstStyle/>
+          <a:p>
+            <a:pPr marL="0" marR="0" indent="0" algn="ctr" defTabSz="914400" rtl="0" eaLnBrk="1" fontAlgn="base" latinLnBrk="0" hangingPunct="1">
+              <a:lnSpc>
+                <a:spcPct val="100000"/>
+              </a:lnSpc>
+              <a:spcBef>
+                <a:spcPts val="432"/>
+              </a:spcBef>
+              <a:spcAft>
+                <a:spcPct val="0"/>
+              </a:spcAft>
+              <a:buClrTx/>
+              <a:buSzTx/>
+              <a:buFontTx/>
+              <a:buNone/>
+              <a:tabLst/>
+            </a:pPr>
+            <a:endParaRPr kumimoji="0" lang="nl-NL" sz="1600" b="0" i="0" u="none" strike="noStrike" cap="none" normalizeH="0" baseline="0" dirty="0" err="1">
+              <a:ln>
+                <a:noFill/>
+              </a:ln>
+              <a:solidFill>
+                <a:srgbClr val="FFFFFF"/>
+              </a:solidFill>
+              <a:effectLst/>
+              <a:latin typeface="+mn-lt"/>
+              <a:ea typeface="ＭＳ Ｐゴシック" pitchFamily="-80" charset="-128"/>
+            </a:endParaRPr>
+          </a:p>
+        </p:txBody>
+      </p:sp>
+      <p:sp>
+        <p:nvSpPr>
+          <p:cNvPr id="11" name="TextBox 10">
+            <a:extLst>
+              <a:ext uri="{FF2B5EF4-FFF2-40B4-BE49-F238E27FC236}">
+                <a16:creationId xmlns:a16="http://schemas.microsoft.com/office/drawing/2014/main" id="{652FC08F-7692-A8B3-837A-8F2E15C67B2D}"/>
+              </a:ext>
+            </a:extLst>
+          </p:cNvPr>
+          <p:cNvSpPr txBox="1"/>
+          <p:nvPr/>
+        </p:nvSpPr>
+        <p:spPr>
+          <a:xfrm>
+            <a:off x="1054646" y="6075041"/>
+            <a:ext cx="720080" cy="246221"/>
+          </a:xfrm>
+          <a:prstGeom prst="rect">
+            <a:avLst/>
+          </a:prstGeom>
+          <a:noFill/>
+        </p:spPr>
+        <p:txBody>
+          <a:bodyPr wrap="square" lIns="0" tIns="0" rIns="0" bIns="0" rtlCol="0">
+            <a:spAutoFit/>
+          </a:bodyPr>
+          <a:lstStyle/>
+          <a:p>
+            <a:pPr algn="ctr">
+              <a:spcBef>
+                <a:spcPts val="432"/>
+              </a:spcBef>
+            </a:pPr>
+            <a:r>
+              <a:rPr lang="en-US" dirty="0">
+                <a:solidFill>
+                  <a:srgbClr val="990000"/>
+                </a:solidFill>
+                <a:latin typeface="+mn-lt"/>
+              </a:rPr>
+              <a:t>Scope</a:t>
+            </a:r>
+            <a:endParaRPr lang="nl-NL" dirty="0" err="1">
+              <a:solidFill>
+                <a:srgbClr val="990000"/>
+              </a:solidFill>
+              <a:latin typeface="+mn-lt"/>
+            </a:endParaRPr>
+          </a:p>
+        </p:txBody>
+      </p:sp>
+      <p:sp>
+        <p:nvSpPr>
+          <p:cNvPr id="12" name="TextBox 11">
+            <a:extLst>
+              <a:ext uri="{FF2B5EF4-FFF2-40B4-BE49-F238E27FC236}">
+                <a16:creationId xmlns:a16="http://schemas.microsoft.com/office/drawing/2014/main" id="{42B3E8E7-BF37-BB8D-86A2-B029EECBC788}"/>
+              </a:ext>
+            </a:extLst>
+          </p:cNvPr>
+          <p:cNvSpPr txBox="1"/>
+          <p:nvPr/>
+        </p:nvSpPr>
+        <p:spPr>
+          <a:xfrm>
+            <a:off x="2206774" y="6075041"/>
+            <a:ext cx="720080" cy="246221"/>
+          </a:xfrm>
+          <a:prstGeom prst="rect">
+            <a:avLst/>
+          </a:prstGeom>
+          <a:noFill/>
+        </p:spPr>
+        <p:txBody>
+          <a:bodyPr wrap="square" lIns="0" tIns="0" rIns="0" bIns="0" rtlCol="0">
+            <a:spAutoFit/>
+          </a:bodyPr>
+          <a:lstStyle/>
+          <a:p>
+            <a:pPr algn="ctr">
+              <a:spcBef>
+                <a:spcPts val="432"/>
+              </a:spcBef>
+            </a:pPr>
+            <a:r>
+              <a:rPr lang="en-US" dirty="0">
+                <a:solidFill>
+                  <a:srgbClr val="990000"/>
+                </a:solidFill>
+                <a:latin typeface="+mn-lt"/>
+              </a:rPr>
+              <a:t>Data</a:t>
+            </a:r>
+            <a:endParaRPr lang="nl-NL" dirty="0" err="1">
+              <a:solidFill>
+                <a:srgbClr val="990000"/>
+              </a:solidFill>
+              <a:latin typeface="+mn-lt"/>
+            </a:endParaRPr>
+          </a:p>
+        </p:txBody>
+      </p:sp>
+      <p:sp>
+        <p:nvSpPr>
+          <p:cNvPr id="13" name="TextBox 12">
+            <a:extLst>
+              <a:ext uri="{FF2B5EF4-FFF2-40B4-BE49-F238E27FC236}">
+                <a16:creationId xmlns:a16="http://schemas.microsoft.com/office/drawing/2014/main" id="{C7F155A8-1487-1ABD-85B6-D51CAAAFE4EC}"/>
+              </a:ext>
+            </a:extLst>
+          </p:cNvPr>
+          <p:cNvSpPr txBox="1"/>
+          <p:nvPr/>
+        </p:nvSpPr>
+        <p:spPr>
+          <a:xfrm>
+            <a:off x="3358902" y="6075040"/>
+            <a:ext cx="720080" cy="246221"/>
+          </a:xfrm>
+          <a:prstGeom prst="rect">
+            <a:avLst/>
+          </a:prstGeom>
+          <a:noFill/>
+        </p:spPr>
+        <p:txBody>
+          <a:bodyPr wrap="square" lIns="0" tIns="0" rIns="0" bIns="0" rtlCol="0">
+            <a:spAutoFit/>
+          </a:bodyPr>
+          <a:lstStyle/>
+          <a:p>
+            <a:pPr algn="ctr">
+              <a:spcBef>
+                <a:spcPts val="432"/>
+              </a:spcBef>
+            </a:pPr>
+            <a:r>
+              <a:rPr lang="en-US" dirty="0">
+                <a:solidFill>
+                  <a:srgbClr val="990000"/>
+                </a:solidFill>
+                <a:latin typeface="+mn-lt"/>
+              </a:rPr>
+              <a:t>FFNN</a:t>
+            </a:r>
+            <a:endParaRPr lang="nl-NL" dirty="0" err="1">
+              <a:solidFill>
+                <a:srgbClr val="990000"/>
+              </a:solidFill>
+              <a:latin typeface="+mn-lt"/>
+            </a:endParaRPr>
+          </a:p>
+        </p:txBody>
+      </p:sp>
+      <p:sp>
+        <p:nvSpPr>
+          <p:cNvPr id="14" name="TextBox 13">
+            <a:extLst>
+              <a:ext uri="{FF2B5EF4-FFF2-40B4-BE49-F238E27FC236}">
+                <a16:creationId xmlns:a16="http://schemas.microsoft.com/office/drawing/2014/main" id="{AAF7BE01-6A7C-9C33-4948-E32AF6F5EF6E}"/>
+              </a:ext>
+            </a:extLst>
+          </p:cNvPr>
+          <p:cNvSpPr txBox="1"/>
+          <p:nvPr/>
+        </p:nvSpPr>
+        <p:spPr>
+          <a:xfrm>
+            <a:off x="4512940" y="6075040"/>
+            <a:ext cx="720080" cy="246221"/>
+          </a:xfrm>
+          <a:prstGeom prst="rect">
+            <a:avLst/>
+          </a:prstGeom>
+          <a:noFill/>
+        </p:spPr>
+        <p:txBody>
+          <a:bodyPr wrap="square" lIns="0" tIns="0" rIns="0" bIns="0" rtlCol="0">
+            <a:spAutoFit/>
+          </a:bodyPr>
+          <a:lstStyle/>
+          <a:p>
+            <a:pPr algn="ctr">
+              <a:spcBef>
+                <a:spcPts val="432"/>
+              </a:spcBef>
+            </a:pPr>
+            <a:r>
+              <a:rPr lang="en-US" dirty="0">
+                <a:solidFill>
+                  <a:srgbClr val="990000"/>
+                </a:solidFill>
+                <a:latin typeface="+mn-lt"/>
+              </a:rPr>
+              <a:t>MLDM</a:t>
+            </a:r>
+            <a:endParaRPr lang="nl-NL" dirty="0" err="1">
+              <a:solidFill>
+                <a:srgbClr val="990000"/>
+              </a:solidFill>
+              <a:latin typeface="+mn-lt"/>
+            </a:endParaRPr>
+          </a:p>
+        </p:txBody>
+      </p:sp>
+      <p:sp>
+        <p:nvSpPr>
+          <p:cNvPr id="15" name="TextBox 14">
+            <a:extLst>
+              <a:ext uri="{FF2B5EF4-FFF2-40B4-BE49-F238E27FC236}">
+                <a16:creationId xmlns:a16="http://schemas.microsoft.com/office/drawing/2014/main" id="{A9A9398D-2D3B-FBC5-72F5-89AFDC2D043F}"/>
+              </a:ext>
+            </a:extLst>
+          </p:cNvPr>
+          <p:cNvSpPr txBox="1"/>
+          <p:nvPr/>
+        </p:nvSpPr>
+        <p:spPr>
+          <a:xfrm>
+            <a:off x="5638825" y="6075040"/>
+            <a:ext cx="720080" cy="246221"/>
+          </a:xfrm>
+          <a:prstGeom prst="rect">
+            <a:avLst/>
+          </a:prstGeom>
+          <a:noFill/>
+        </p:spPr>
+        <p:txBody>
+          <a:bodyPr wrap="square" lIns="0" tIns="0" rIns="0" bIns="0" rtlCol="0">
+            <a:spAutoFit/>
+          </a:bodyPr>
+          <a:lstStyle/>
+          <a:p>
+            <a:pPr algn="ctr">
+              <a:spcBef>
+                <a:spcPts val="432"/>
+              </a:spcBef>
+            </a:pPr>
+            <a:r>
+              <a:rPr lang="en-US" dirty="0">
+                <a:solidFill>
+                  <a:srgbClr val="990000"/>
+                </a:solidFill>
+                <a:latin typeface="+mn-lt"/>
+              </a:rPr>
+              <a:t>LSTM</a:t>
+            </a:r>
+            <a:endParaRPr lang="nl-NL" dirty="0" err="1">
+              <a:solidFill>
+                <a:srgbClr val="990000"/>
+              </a:solidFill>
+              <a:latin typeface="+mn-lt"/>
+            </a:endParaRPr>
+          </a:p>
+        </p:txBody>
+      </p:sp>
+      <p:sp>
+        <p:nvSpPr>
+          <p:cNvPr id="16" name="TextBox 15">
+            <a:extLst>
+              <a:ext uri="{FF2B5EF4-FFF2-40B4-BE49-F238E27FC236}">
+                <a16:creationId xmlns:a16="http://schemas.microsoft.com/office/drawing/2014/main" id="{53185FFD-B3FE-82A7-D6C4-5BD2DC84C6B3}"/>
+              </a:ext>
+            </a:extLst>
+          </p:cNvPr>
+          <p:cNvSpPr txBox="1"/>
+          <p:nvPr/>
+        </p:nvSpPr>
+        <p:spPr>
+          <a:xfrm>
+            <a:off x="6817196" y="6075040"/>
+            <a:ext cx="720080" cy="492443"/>
+          </a:xfrm>
+          <a:prstGeom prst="rect">
+            <a:avLst/>
+          </a:prstGeom>
+          <a:noFill/>
+        </p:spPr>
+        <p:txBody>
+          <a:bodyPr wrap="square" lIns="0" tIns="0" rIns="0" bIns="0" rtlCol="0">
+            <a:spAutoFit/>
+          </a:bodyPr>
+          <a:lstStyle/>
+          <a:p>
+            <a:pPr algn="ctr">
+              <a:spcBef>
+                <a:spcPts val="432"/>
+              </a:spcBef>
+            </a:pPr>
+            <a:r>
+              <a:rPr lang="en-US" dirty="0">
+                <a:solidFill>
+                  <a:srgbClr val="990000"/>
+                </a:solidFill>
+                <a:latin typeface="+mn-lt"/>
+              </a:rPr>
+              <a:t>Further Plans</a:t>
+            </a:r>
+            <a:endParaRPr lang="nl-NL" dirty="0" err="1">
+              <a:solidFill>
+                <a:srgbClr val="990000"/>
+              </a:solidFill>
+              <a:latin typeface="+mn-lt"/>
+            </a:endParaRPr>
+          </a:p>
+        </p:txBody>
+      </p:sp>
+      <p:pic>
+        <p:nvPicPr>
+          <p:cNvPr id="18" name="Picture 17" descr="A wind turbine with a screen&#10;&#10;Description automatically generated">
+            <a:extLst>
+              <a:ext uri="{FF2B5EF4-FFF2-40B4-BE49-F238E27FC236}">
+                <a16:creationId xmlns:a16="http://schemas.microsoft.com/office/drawing/2014/main" id="{0D5D8713-6649-9436-B53B-48D8C2C88FA8}"/>
+              </a:ext>
+            </a:extLst>
+          </p:cNvPr>
+          <p:cNvPicPr>
+            <a:picLocks noChangeAspect="1"/>
+          </p:cNvPicPr>
+          <p:nvPr/>
+        </p:nvPicPr>
+        <p:blipFill>
+          <a:blip r:embed="rId2">
+            <a:extLst>
+              <a:ext uri="{28A0092B-C50C-407E-A947-70E740481C1C}">
+                <a14:useLocalDpi xmlns:a14="http://schemas.microsoft.com/office/drawing/2010/main" val="0"/>
+              </a:ext>
+            </a:extLst>
+          </a:blip>
+          <a:stretch>
+            <a:fillRect/>
+          </a:stretch>
+        </p:blipFill>
+        <p:spPr>
+          <a:xfrm>
+            <a:off x="5649899" y="1477451"/>
+            <a:ext cx="6298770" cy="3543058"/>
+          </a:xfrm>
+          <a:prstGeom prst="rect">
+            <a:avLst/>
+          </a:prstGeom>
+        </p:spPr>
+      </p:pic>
     </p:spTree>
     <p:extLst>
       <p:ext uri="{BB962C8B-B14F-4D97-AF65-F5344CB8AC3E}">
@@ -9213,6 +9972,745 @@
           </a:prstGeom>
         </p:spPr>
       </p:pic>
+      <p:sp>
+        <p:nvSpPr>
+          <p:cNvPr id="5" name="Oval 4">
+            <a:extLst>
+              <a:ext uri="{FF2B5EF4-FFF2-40B4-BE49-F238E27FC236}">
+                <a16:creationId xmlns:a16="http://schemas.microsoft.com/office/drawing/2014/main" id="{3981AD4C-5EFA-56DB-8194-11AFC4DF642C}"/>
+              </a:ext>
+            </a:extLst>
+          </p:cNvPr>
+          <p:cNvSpPr/>
+          <p:nvPr/>
+        </p:nvSpPr>
+        <p:spPr bwMode="auto">
+          <a:xfrm>
+            <a:off x="1270670" y="5661248"/>
+            <a:ext cx="288032" cy="288032"/>
+          </a:xfrm>
+          <a:prstGeom prst="ellipse">
+            <a:avLst/>
+          </a:prstGeom>
+          <a:solidFill>
+            <a:schemeClr val="accent1"/>
+          </a:solidFill>
+          <a:ln w="9525" cap="flat" cmpd="sng" algn="ctr">
+            <a:solidFill>
+              <a:schemeClr val="accent1"/>
+            </a:solidFill>
+            <a:prstDash val="solid"/>
+            <a:miter lim="800000"/>
+            <a:headEnd type="none" w="med" len="med"/>
+            <a:tailEnd type="none" w="med" len="med"/>
+          </a:ln>
+          <a:effectLst/>
+          <a:extLst>
+            <a:ext uri="{AF507438-7753-43E0-B8FC-AC1667EBCBE1}">
+              <a14:hiddenEffects xmlns:a14="http://schemas.microsoft.com/office/drawing/2010/main">
+                <a:effectLst>
+                  <a:outerShdw dist="35921" dir="2700000" algn="ctr" rotWithShape="0">
+                    <a:schemeClr val="bg2"/>
+                  </a:outerShdw>
+                </a:effectLst>
+              </a14:hiddenEffects>
+            </a:ext>
+          </a:extLst>
+        </p:spPr>
+        <p:txBody>
+          <a:bodyPr vert="horz" wrap="square" lIns="90000" tIns="46800" rIns="90000" bIns="46800" numCol="1" rtlCol="0" anchor="ctr" anchorCtr="0" compatLnSpc="1">
+            <a:prstTxWarp prst="textNoShape">
+              <a:avLst/>
+            </a:prstTxWarp>
+          </a:bodyPr>
+          <a:lstStyle/>
+          <a:p>
+            <a:pPr marL="0" marR="0" indent="0" algn="ctr" defTabSz="914400" rtl="0" eaLnBrk="1" fontAlgn="base" latinLnBrk="0" hangingPunct="1">
+              <a:lnSpc>
+                <a:spcPct val="100000"/>
+              </a:lnSpc>
+              <a:spcBef>
+                <a:spcPts val="432"/>
+              </a:spcBef>
+              <a:spcAft>
+                <a:spcPct val="0"/>
+              </a:spcAft>
+              <a:buClrTx/>
+              <a:buSzTx/>
+              <a:buFontTx/>
+              <a:buNone/>
+              <a:tabLst/>
+            </a:pPr>
+            <a:endParaRPr kumimoji="0" lang="nl-NL" sz="1600" b="0" i="0" u="none" strike="noStrike" cap="none" normalizeH="0" baseline="0" dirty="0" err="1">
+              <a:ln>
+                <a:noFill/>
+              </a:ln>
+              <a:solidFill>
+                <a:srgbClr val="FFFFFF"/>
+              </a:solidFill>
+              <a:effectLst/>
+              <a:latin typeface="+mn-lt"/>
+              <a:ea typeface="ＭＳ Ｐゴシック" pitchFamily="-80" charset="-128"/>
+            </a:endParaRPr>
+          </a:p>
+        </p:txBody>
+      </p:sp>
+      <p:sp>
+        <p:nvSpPr>
+          <p:cNvPr id="7" name="Oval 6">
+            <a:extLst>
+              <a:ext uri="{FF2B5EF4-FFF2-40B4-BE49-F238E27FC236}">
+                <a16:creationId xmlns:a16="http://schemas.microsoft.com/office/drawing/2014/main" id="{83D5C07A-FE9B-5A3B-0876-128991FBDD20}"/>
+              </a:ext>
+            </a:extLst>
+          </p:cNvPr>
+          <p:cNvSpPr/>
+          <p:nvPr/>
+        </p:nvSpPr>
+        <p:spPr bwMode="auto">
+          <a:xfrm>
+            <a:off x="2422798" y="5661248"/>
+            <a:ext cx="288032" cy="288032"/>
+          </a:xfrm>
+          <a:prstGeom prst="ellipse">
+            <a:avLst/>
+          </a:prstGeom>
+          <a:noFill/>
+          <a:ln w="9525" cap="flat" cmpd="sng" algn="ctr">
+            <a:solidFill>
+              <a:schemeClr val="accent1"/>
+            </a:solidFill>
+            <a:prstDash val="solid"/>
+            <a:miter lim="800000"/>
+            <a:headEnd type="none" w="med" len="med"/>
+            <a:tailEnd type="none" w="med" len="med"/>
+          </a:ln>
+          <a:effectLst/>
+        </p:spPr>
+        <p:txBody>
+          <a:bodyPr vert="horz" wrap="square" lIns="90000" tIns="46800" rIns="90000" bIns="46800" numCol="1" rtlCol="0" anchor="ctr" anchorCtr="0" compatLnSpc="1">
+            <a:prstTxWarp prst="textNoShape">
+              <a:avLst/>
+            </a:prstTxWarp>
+          </a:bodyPr>
+          <a:lstStyle/>
+          <a:p>
+            <a:pPr marL="0" marR="0" indent="0" algn="ctr" defTabSz="914400" rtl="0" eaLnBrk="1" fontAlgn="base" latinLnBrk="0" hangingPunct="1">
+              <a:lnSpc>
+                <a:spcPct val="100000"/>
+              </a:lnSpc>
+              <a:spcBef>
+                <a:spcPts val="432"/>
+              </a:spcBef>
+              <a:spcAft>
+                <a:spcPct val="0"/>
+              </a:spcAft>
+              <a:buClrTx/>
+              <a:buSzTx/>
+              <a:buFontTx/>
+              <a:buNone/>
+              <a:tabLst/>
+            </a:pPr>
+            <a:endParaRPr kumimoji="0" lang="nl-NL" sz="1600" b="0" i="0" u="none" strike="noStrike" cap="none" normalizeH="0" baseline="0" dirty="0" err="1">
+              <a:ln>
+                <a:noFill/>
+              </a:ln>
+              <a:solidFill>
+                <a:srgbClr val="FFFFFF"/>
+              </a:solidFill>
+              <a:effectLst/>
+              <a:latin typeface="+mn-lt"/>
+              <a:ea typeface="ＭＳ Ｐゴシック" pitchFamily="-80" charset="-128"/>
+            </a:endParaRPr>
+          </a:p>
+        </p:txBody>
+      </p:sp>
+      <p:sp>
+        <p:nvSpPr>
+          <p:cNvPr id="8" name="Oval 7">
+            <a:extLst>
+              <a:ext uri="{FF2B5EF4-FFF2-40B4-BE49-F238E27FC236}">
+                <a16:creationId xmlns:a16="http://schemas.microsoft.com/office/drawing/2014/main" id="{3E15A698-FCB4-5389-074C-24A276B0B42A}"/>
+              </a:ext>
+            </a:extLst>
+          </p:cNvPr>
+          <p:cNvSpPr/>
+          <p:nvPr/>
+        </p:nvSpPr>
+        <p:spPr bwMode="auto">
+          <a:xfrm>
+            <a:off x="3574926" y="5661248"/>
+            <a:ext cx="288032" cy="288032"/>
+          </a:xfrm>
+          <a:prstGeom prst="ellipse">
+            <a:avLst/>
+          </a:prstGeom>
+          <a:noFill/>
+          <a:ln w="9525" cap="flat" cmpd="sng" algn="ctr">
+            <a:solidFill>
+              <a:schemeClr val="accent1"/>
+            </a:solidFill>
+            <a:prstDash val="solid"/>
+            <a:miter lim="800000"/>
+            <a:headEnd type="none" w="med" len="med"/>
+            <a:tailEnd type="none" w="med" len="med"/>
+          </a:ln>
+          <a:effectLst/>
+        </p:spPr>
+        <p:txBody>
+          <a:bodyPr vert="horz" wrap="square" lIns="90000" tIns="46800" rIns="90000" bIns="46800" numCol="1" rtlCol="0" anchor="ctr" anchorCtr="0" compatLnSpc="1">
+            <a:prstTxWarp prst="textNoShape">
+              <a:avLst/>
+            </a:prstTxWarp>
+          </a:bodyPr>
+          <a:lstStyle/>
+          <a:p>
+            <a:pPr marL="0" marR="0" indent="0" algn="ctr" defTabSz="914400" rtl="0" eaLnBrk="1" fontAlgn="base" latinLnBrk="0" hangingPunct="1">
+              <a:lnSpc>
+                <a:spcPct val="100000"/>
+              </a:lnSpc>
+              <a:spcBef>
+                <a:spcPts val="432"/>
+              </a:spcBef>
+              <a:spcAft>
+                <a:spcPct val="0"/>
+              </a:spcAft>
+              <a:buClrTx/>
+              <a:buSzTx/>
+              <a:buFontTx/>
+              <a:buNone/>
+              <a:tabLst/>
+            </a:pPr>
+            <a:endParaRPr kumimoji="0" lang="nl-NL" sz="1600" b="0" i="0" u="none" strike="noStrike" cap="none" normalizeH="0" baseline="0" dirty="0" err="1">
+              <a:ln>
+                <a:noFill/>
+              </a:ln>
+              <a:solidFill>
+                <a:srgbClr val="FFFFFF"/>
+              </a:solidFill>
+              <a:effectLst/>
+              <a:latin typeface="+mn-lt"/>
+              <a:ea typeface="ＭＳ Ｐゴシック" pitchFamily="-80" charset="-128"/>
+            </a:endParaRPr>
+          </a:p>
+        </p:txBody>
+      </p:sp>
+      <p:sp>
+        <p:nvSpPr>
+          <p:cNvPr id="9" name="Oval 8">
+            <a:extLst>
+              <a:ext uri="{FF2B5EF4-FFF2-40B4-BE49-F238E27FC236}">
+                <a16:creationId xmlns:a16="http://schemas.microsoft.com/office/drawing/2014/main" id="{3A5A313F-A85E-8D7C-56DD-1C7884C84D9B}"/>
+              </a:ext>
+            </a:extLst>
+          </p:cNvPr>
+          <p:cNvSpPr/>
+          <p:nvPr/>
+        </p:nvSpPr>
+        <p:spPr bwMode="auto">
+          <a:xfrm>
+            <a:off x="4728964" y="5662871"/>
+            <a:ext cx="288032" cy="288032"/>
+          </a:xfrm>
+          <a:prstGeom prst="ellipse">
+            <a:avLst/>
+          </a:prstGeom>
+          <a:noFill/>
+          <a:ln w="9525" cap="flat" cmpd="sng" algn="ctr">
+            <a:solidFill>
+              <a:schemeClr val="accent1"/>
+            </a:solidFill>
+            <a:prstDash val="solid"/>
+            <a:miter lim="800000"/>
+            <a:headEnd type="none" w="med" len="med"/>
+            <a:tailEnd type="none" w="med" len="med"/>
+          </a:ln>
+          <a:effectLst/>
+        </p:spPr>
+        <p:txBody>
+          <a:bodyPr vert="horz" wrap="square" lIns="90000" tIns="46800" rIns="90000" bIns="46800" numCol="1" rtlCol="0" anchor="ctr" anchorCtr="0" compatLnSpc="1">
+            <a:prstTxWarp prst="textNoShape">
+              <a:avLst/>
+            </a:prstTxWarp>
+          </a:bodyPr>
+          <a:lstStyle/>
+          <a:p>
+            <a:pPr marL="0" marR="0" indent="0" algn="ctr" defTabSz="914400" rtl="0" eaLnBrk="1" fontAlgn="base" latinLnBrk="0" hangingPunct="1">
+              <a:lnSpc>
+                <a:spcPct val="100000"/>
+              </a:lnSpc>
+              <a:spcBef>
+                <a:spcPts val="432"/>
+              </a:spcBef>
+              <a:spcAft>
+                <a:spcPct val="0"/>
+              </a:spcAft>
+              <a:buClrTx/>
+              <a:buSzTx/>
+              <a:buFontTx/>
+              <a:buNone/>
+              <a:tabLst/>
+            </a:pPr>
+            <a:endParaRPr kumimoji="0" lang="nl-NL" sz="1600" b="0" i="0" u="none" strike="noStrike" cap="none" normalizeH="0" baseline="0" dirty="0" err="1">
+              <a:ln>
+                <a:noFill/>
+              </a:ln>
+              <a:solidFill>
+                <a:srgbClr val="FFFFFF"/>
+              </a:solidFill>
+              <a:effectLst/>
+              <a:latin typeface="+mn-lt"/>
+              <a:ea typeface="ＭＳ Ｐゴシック" pitchFamily="-80" charset="-128"/>
+            </a:endParaRPr>
+          </a:p>
+        </p:txBody>
+      </p:sp>
+      <p:sp>
+        <p:nvSpPr>
+          <p:cNvPr id="10" name="Oval 9">
+            <a:extLst>
+              <a:ext uri="{FF2B5EF4-FFF2-40B4-BE49-F238E27FC236}">
+                <a16:creationId xmlns:a16="http://schemas.microsoft.com/office/drawing/2014/main" id="{D4ED356D-D4BB-C0DA-34A9-64D831FB78BD}"/>
+              </a:ext>
+            </a:extLst>
+          </p:cNvPr>
+          <p:cNvSpPr/>
+          <p:nvPr/>
+        </p:nvSpPr>
+        <p:spPr bwMode="auto">
+          <a:xfrm>
+            <a:off x="5881092" y="5661248"/>
+            <a:ext cx="288032" cy="288032"/>
+          </a:xfrm>
+          <a:prstGeom prst="ellipse">
+            <a:avLst/>
+          </a:prstGeom>
+          <a:noFill/>
+          <a:ln w="9525" cap="flat" cmpd="sng" algn="ctr">
+            <a:solidFill>
+              <a:schemeClr val="accent1"/>
+            </a:solidFill>
+            <a:prstDash val="solid"/>
+            <a:miter lim="800000"/>
+            <a:headEnd type="none" w="med" len="med"/>
+            <a:tailEnd type="none" w="med" len="med"/>
+          </a:ln>
+          <a:effectLst/>
+        </p:spPr>
+        <p:txBody>
+          <a:bodyPr vert="horz" wrap="square" lIns="90000" tIns="46800" rIns="90000" bIns="46800" numCol="1" rtlCol="0" anchor="ctr" anchorCtr="0" compatLnSpc="1">
+            <a:prstTxWarp prst="textNoShape">
+              <a:avLst/>
+            </a:prstTxWarp>
+          </a:bodyPr>
+          <a:lstStyle/>
+          <a:p>
+            <a:pPr marL="0" marR="0" indent="0" algn="ctr" defTabSz="914400" rtl="0" eaLnBrk="1" fontAlgn="base" latinLnBrk="0" hangingPunct="1">
+              <a:lnSpc>
+                <a:spcPct val="100000"/>
+              </a:lnSpc>
+              <a:spcBef>
+                <a:spcPts val="432"/>
+              </a:spcBef>
+              <a:spcAft>
+                <a:spcPct val="0"/>
+              </a:spcAft>
+              <a:buClrTx/>
+              <a:buSzTx/>
+              <a:buFontTx/>
+              <a:buNone/>
+              <a:tabLst/>
+            </a:pPr>
+            <a:endParaRPr kumimoji="0" lang="nl-NL" sz="1600" b="0" i="0" u="none" strike="noStrike" cap="none" normalizeH="0" baseline="0" dirty="0" err="1">
+              <a:ln>
+                <a:noFill/>
+              </a:ln>
+              <a:solidFill>
+                <a:srgbClr val="FFFFFF"/>
+              </a:solidFill>
+              <a:effectLst/>
+              <a:latin typeface="+mn-lt"/>
+              <a:ea typeface="ＭＳ Ｐゴシック" pitchFamily="-80" charset="-128"/>
+            </a:endParaRPr>
+          </a:p>
+        </p:txBody>
+      </p:sp>
+      <p:sp>
+        <p:nvSpPr>
+          <p:cNvPr id="11" name="Oval 10">
+            <a:extLst>
+              <a:ext uri="{FF2B5EF4-FFF2-40B4-BE49-F238E27FC236}">
+                <a16:creationId xmlns:a16="http://schemas.microsoft.com/office/drawing/2014/main" id="{E6CF2F45-D4D5-9E1C-BEE1-C9ACEA03EE6E}"/>
+              </a:ext>
+            </a:extLst>
+          </p:cNvPr>
+          <p:cNvSpPr/>
+          <p:nvPr/>
+        </p:nvSpPr>
+        <p:spPr bwMode="auto">
+          <a:xfrm>
+            <a:off x="7033220" y="5662871"/>
+            <a:ext cx="288032" cy="288032"/>
+          </a:xfrm>
+          <a:prstGeom prst="ellipse">
+            <a:avLst/>
+          </a:prstGeom>
+          <a:noFill/>
+          <a:ln w="9525" cap="flat" cmpd="sng" algn="ctr">
+            <a:solidFill>
+              <a:schemeClr val="accent1"/>
+            </a:solidFill>
+            <a:prstDash val="solid"/>
+            <a:miter lim="800000"/>
+            <a:headEnd type="none" w="med" len="med"/>
+            <a:tailEnd type="none" w="med" len="med"/>
+          </a:ln>
+          <a:effectLst/>
+        </p:spPr>
+        <p:txBody>
+          <a:bodyPr vert="horz" wrap="square" lIns="90000" tIns="46800" rIns="90000" bIns="46800" numCol="1" rtlCol="0" anchor="ctr" anchorCtr="0" compatLnSpc="1">
+            <a:prstTxWarp prst="textNoShape">
+              <a:avLst/>
+            </a:prstTxWarp>
+          </a:bodyPr>
+          <a:lstStyle/>
+          <a:p>
+            <a:pPr marL="0" marR="0" indent="0" algn="ctr" defTabSz="914400" rtl="0" eaLnBrk="1" fontAlgn="base" latinLnBrk="0" hangingPunct="1">
+              <a:lnSpc>
+                <a:spcPct val="100000"/>
+              </a:lnSpc>
+              <a:spcBef>
+                <a:spcPts val="432"/>
+              </a:spcBef>
+              <a:spcAft>
+                <a:spcPct val="0"/>
+              </a:spcAft>
+              <a:buClrTx/>
+              <a:buSzTx/>
+              <a:buFontTx/>
+              <a:buNone/>
+              <a:tabLst/>
+            </a:pPr>
+            <a:endParaRPr kumimoji="0" lang="nl-NL" sz="1600" b="0" i="0" u="none" strike="noStrike" cap="none" normalizeH="0" baseline="0" dirty="0" err="1">
+              <a:ln>
+                <a:noFill/>
+              </a:ln>
+              <a:solidFill>
+                <a:srgbClr val="FFFFFF"/>
+              </a:solidFill>
+              <a:effectLst/>
+              <a:latin typeface="+mn-lt"/>
+              <a:ea typeface="ＭＳ Ｐゴシック" pitchFamily="-80" charset="-128"/>
+            </a:endParaRPr>
+          </a:p>
+        </p:txBody>
+      </p:sp>
+      <p:sp>
+        <p:nvSpPr>
+          <p:cNvPr id="12" name="TextBox 11">
+            <a:extLst>
+              <a:ext uri="{FF2B5EF4-FFF2-40B4-BE49-F238E27FC236}">
+                <a16:creationId xmlns:a16="http://schemas.microsoft.com/office/drawing/2014/main" id="{C1261ED6-9024-A3D6-19C3-6175F6BC76EE}"/>
+              </a:ext>
+            </a:extLst>
+          </p:cNvPr>
+          <p:cNvSpPr txBox="1"/>
+          <p:nvPr/>
+        </p:nvSpPr>
+        <p:spPr>
+          <a:xfrm>
+            <a:off x="1054646" y="6075041"/>
+            <a:ext cx="720080" cy="246221"/>
+          </a:xfrm>
+          <a:prstGeom prst="rect">
+            <a:avLst/>
+          </a:prstGeom>
+          <a:noFill/>
+        </p:spPr>
+        <p:txBody>
+          <a:bodyPr wrap="square" lIns="0" tIns="0" rIns="0" bIns="0" rtlCol="0">
+            <a:spAutoFit/>
+          </a:bodyPr>
+          <a:lstStyle/>
+          <a:p>
+            <a:pPr algn="ctr">
+              <a:spcBef>
+                <a:spcPts val="432"/>
+              </a:spcBef>
+            </a:pPr>
+            <a:r>
+              <a:rPr lang="en-US" dirty="0">
+                <a:solidFill>
+                  <a:srgbClr val="990000"/>
+                </a:solidFill>
+                <a:latin typeface="+mn-lt"/>
+              </a:rPr>
+              <a:t>Scope</a:t>
+            </a:r>
+            <a:endParaRPr lang="nl-NL" dirty="0" err="1">
+              <a:solidFill>
+                <a:srgbClr val="990000"/>
+              </a:solidFill>
+              <a:latin typeface="+mn-lt"/>
+            </a:endParaRPr>
+          </a:p>
+        </p:txBody>
+      </p:sp>
+      <p:sp>
+        <p:nvSpPr>
+          <p:cNvPr id="14" name="TextBox 13">
+            <a:extLst>
+              <a:ext uri="{FF2B5EF4-FFF2-40B4-BE49-F238E27FC236}">
+                <a16:creationId xmlns:a16="http://schemas.microsoft.com/office/drawing/2014/main" id="{5435B94C-4A5A-4C58-D334-E955A6BDCDA6}"/>
+              </a:ext>
+            </a:extLst>
+          </p:cNvPr>
+          <p:cNvSpPr txBox="1"/>
+          <p:nvPr/>
+        </p:nvSpPr>
+        <p:spPr>
+          <a:xfrm>
+            <a:off x="2206774" y="6075041"/>
+            <a:ext cx="720080" cy="246221"/>
+          </a:xfrm>
+          <a:prstGeom prst="rect">
+            <a:avLst/>
+          </a:prstGeom>
+          <a:noFill/>
+        </p:spPr>
+        <p:txBody>
+          <a:bodyPr wrap="square" lIns="0" tIns="0" rIns="0" bIns="0" rtlCol="0">
+            <a:spAutoFit/>
+          </a:bodyPr>
+          <a:lstStyle/>
+          <a:p>
+            <a:pPr algn="ctr">
+              <a:spcBef>
+                <a:spcPts val="432"/>
+              </a:spcBef>
+            </a:pPr>
+            <a:r>
+              <a:rPr lang="en-US" dirty="0">
+                <a:solidFill>
+                  <a:srgbClr val="990000"/>
+                </a:solidFill>
+                <a:latin typeface="+mn-lt"/>
+              </a:rPr>
+              <a:t>Data</a:t>
+            </a:r>
+            <a:endParaRPr lang="nl-NL" dirty="0" err="1">
+              <a:solidFill>
+                <a:srgbClr val="990000"/>
+              </a:solidFill>
+              <a:latin typeface="+mn-lt"/>
+            </a:endParaRPr>
+          </a:p>
+        </p:txBody>
+      </p:sp>
+      <p:sp>
+        <p:nvSpPr>
+          <p:cNvPr id="15" name="TextBox 14">
+            <a:extLst>
+              <a:ext uri="{FF2B5EF4-FFF2-40B4-BE49-F238E27FC236}">
+                <a16:creationId xmlns:a16="http://schemas.microsoft.com/office/drawing/2014/main" id="{E8D3DCD6-F9BA-1181-DED5-91BDCFFFEF6F}"/>
+              </a:ext>
+            </a:extLst>
+          </p:cNvPr>
+          <p:cNvSpPr txBox="1"/>
+          <p:nvPr/>
+        </p:nvSpPr>
+        <p:spPr>
+          <a:xfrm>
+            <a:off x="3358902" y="6075040"/>
+            <a:ext cx="720080" cy="246221"/>
+          </a:xfrm>
+          <a:prstGeom prst="rect">
+            <a:avLst/>
+          </a:prstGeom>
+          <a:noFill/>
+        </p:spPr>
+        <p:txBody>
+          <a:bodyPr wrap="square" lIns="0" tIns="0" rIns="0" bIns="0" rtlCol="0">
+            <a:spAutoFit/>
+          </a:bodyPr>
+          <a:lstStyle/>
+          <a:p>
+            <a:pPr algn="ctr">
+              <a:spcBef>
+                <a:spcPts val="432"/>
+              </a:spcBef>
+            </a:pPr>
+            <a:r>
+              <a:rPr lang="en-US" dirty="0">
+                <a:solidFill>
+                  <a:srgbClr val="990000"/>
+                </a:solidFill>
+                <a:latin typeface="+mn-lt"/>
+              </a:rPr>
+              <a:t>FFNN</a:t>
+            </a:r>
+            <a:endParaRPr lang="nl-NL" dirty="0" err="1">
+              <a:solidFill>
+                <a:srgbClr val="990000"/>
+              </a:solidFill>
+              <a:latin typeface="+mn-lt"/>
+            </a:endParaRPr>
+          </a:p>
+        </p:txBody>
+      </p:sp>
+      <p:sp>
+        <p:nvSpPr>
+          <p:cNvPr id="16" name="TextBox 15">
+            <a:extLst>
+              <a:ext uri="{FF2B5EF4-FFF2-40B4-BE49-F238E27FC236}">
+                <a16:creationId xmlns:a16="http://schemas.microsoft.com/office/drawing/2014/main" id="{0DEB79FA-CB99-8DCB-5294-33CAC66FBA6D}"/>
+              </a:ext>
+            </a:extLst>
+          </p:cNvPr>
+          <p:cNvSpPr txBox="1"/>
+          <p:nvPr/>
+        </p:nvSpPr>
+        <p:spPr>
+          <a:xfrm>
+            <a:off x="4512940" y="6075040"/>
+            <a:ext cx="720080" cy="246221"/>
+          </a:xfrm>
+          <a:prstGeom prst="rect">
+            <a:avLst/>
+          </a:prstGeom>
+          <a:noFill/>
+        </p:spPr>
+        <p:txBody>
+          <a:bodyPr wrap="square" lIns="0" tIns="0" rIns="0" bIns="0" rtlCol="0">
+            <a:spAutoFit/>
+          </a:bodyPr>
+          <a:lstStyle/>
+          <a:p>
+            <a:pPr algn="ctr">
+              <a:spcBef>
+                <a:spcPts val="432"/>
+              </a:spcBef>
+            </a:pPr>
+            <a:r>
+              <a:rPr lang="en-US" dirty="0">
+                <a:solidFill>
+                  <a:srgbClr val="990000"/>
+                </a:solidFill>
+                <a:latin typeface="+mn-lt"/>
+              </a:rPr>
+              <a:t>MLDM</a:t>
+            </a:r>
+            <a:endParaRPr lang="nl-NL" dirty="0" err="1">
+              <a:solidFill>
+                <a:srgbClr val="990000"/>
+              </a:solidFill>
+              <a:latin typeface="+mn-lt"/>
+            </a:endParaRPr>
+          </a:p>
+        </p:txBody>
+      </p:sp>
+      <p:sp>
+        <p:nvSpPr>
+          <p:cNvPr id="17" name="TextBox 16">
+            <a:extLst>
+              <a:ext uri="{FF2B5EF4-FFF2-40B4-BE49-F238E27FC236}">
+                <a16:creationId xmlns:a16="http://schemas.microsoft.com/office/drawing/2014/main" id="{9D7C2A58-AC16-A87D-8CB7-215BCB5C90E9}"/>
+              </a:ext>
+            </a:extLst>
+          </p:cNvPr>
+          <p:cNvSpPr txBox="1"/>
+          <p:nvPr/>
+        </p:nvSpPr>
+        <p:spPr>
+          <a:xfrm>
+            <a:off x="5638825" y="6075040"/>
+            <a:ext cx="720080" cy="246221"/>
+          </a:xfrm>
+          <a:prstGeom prst="rect">
+            <a:avLst/>
+          </a:prstGeom>
+          <a:noFill/>
+        </p:spPr>
+        <p:txBody>
+          <a:bodyPr wrap="square" lIns="0" tIns="0" rIns="0" bIns="0" rtlCol="0">
+            <a:spAutoFit/>
+          </a:bodyPr>
+          <a:lstStyle/>
+          <a:p>
+            <a:pPr algn="ctr">
+              <a:spcBef>
+                <a:spcPts val="432"/>
+              </a:spcBef>
+            </a:pPr>
+            <a:r>
+              <a:rPr lang="en-US" dirty="0">
+                <a:solidFill>
+                  <a:srgbClr val="990000"/>
+                </a:solidFill>
+                <a:latin typeface="+mn-lt"/>
+              </a:rPr>
+              <a:t>LSTM</a:t>
+            </a:r>
+            <a:endParaRPr lang="nl-NL" dirty="0" err="1">
+              <a:solidFill>
+                <a:srgbClr val="990000"/>
+              </a:solidFill>
+              <a:latin typeface="+mn-lt"/>
+            </a:endParaRPr>
+          </a:p>
+        </p:txBody>
+      </p:sp>
+      <p:sp>
+        <p:nvSpPr>
+          <p:cNvPr id="18" name="TextBox 17">
+            <a:extLst>
+              <a:ext uri="{FF2B5EF4-FFF2-40B4-BE49-F238E27FC236}">
+                <a16:creationId xmlns:a16="http://schemas.microsoft.com/office/drawing/2014/main" id="{4F7B6E49-F9DB-5984-F552-035E04AD2418}"/>
+              </a:ext>
+            </a:extLst>
+          </p:cNvPr>
+          <p:cNvSpPr txBox="1"/>
+          <p:nvPr/>
+        </p:nvSpPr>
+        <p:spPr>
+          <a:xfrm>
+            <a:off x="6817196" y="6075040"/>
+            <a:ext cx="720080" cy="492443"/>
+          </a:xfrm>
+          <a:prstGeom prst="rect">
+            <a:avLst/>
+          </a:prstGeom>
+          <a:noFill/>
+        </p:spPr>
+        <p:txBody>
+          <a:bodyPr wrap="square" lIns="0" tIns="0" rIns="0" bIns="0" rtlCol="0">
+            <a:spAutoFit/>
+          </a:bodyPr>
+          <a:lstStyle/>
+          <a:p>
+            <a:pPr algn="ctr">
+              <a:spcBef>
+                <a:spcPts val="432"/>
+              </a:spcBef>
+            </a:pPr>
+            <a:r>
+              <a:rPr lang="en-US" dirty="0">
+                <a:solidFill>
+                  <a:srgbClr val="990000"/>
+                </a:solidFill>
+                <a:latin typeface="+mn-lt"/>
+              </a:rPr>
+              <a:t>Further Plans</a:t>
+            </a:r>
+            <a:endParaRPr lang="nl-NL" dirty="0" err="1">
+              <a:solidFill>
+                <a:srgbClr val="990000"/>
+              </a:solidFill>
+              <a:latin typeface="+mn-lt"/>
+            </a:endParaRPr>
+          </a:p>
+        </p:txBody>
+      </p:sp>
     </p:spTree>
     <p:extLst>
       <p:ext uri="{BB962C8B-B14F-4D97-AF65-F5344CB8AC3E}">
@@ -9302,8 +10800,8 @@
         </p:blipFill>
         <p:spPr>
           <a:xfrm>
-            <a:off x="7006402" y="4005063"/>
-            <a:ext cx="3553300" cy="2539377"/>
+            <a:off x="7165145" y="55805"/>
+            <a:ext cx="4019533" cy="2872572"/>
           </a:xfrm>
         </p:spPr>
       </p:pic>
@@ -9365,8 +10863,8 @@
         </p:blipFill>
         <p:spPr>
           <a:xfrm>
-            <a:off x="7277827" y="144019"/>
-            <a:ext cx="4662835" cy="3861045"/>
+            <a:off x="7995567" y="3060984"/>
+            <a:ext cx="4168562" cy="3451764"/>
           </a:xfrm>
           <a:prstGeom prst="rect">
             <a:avLst/>
@@ -9401,8 +10899,8 @@
         </p:blipFill>
         <p:spPr>
           <a:xfrm>
-            <a:off x="334567" y="1340768"/>
-            <a:ext cx="5616624" cy="2984324"/>
+            <a:off x="2710830" y="3069032"/>
+            <a:ext cx="4849429" cy="2576684"/>
           </a:xfrm>
           <a:prstGeom prst="rect">
             <a:avLst/>
@@ -9437,14 +10935,742 @@
         </p:blipFill>
         <p:spPr>
           <a:xfrm>
-            <a:off x="2062758" y="4284956"/>
-            <a:ext cx="4295007" cy="2098951"/>
+            <a:off x="721989" y="859641"/>
+            <a:ext cx="4511031" cy="2204521"/>
           </a:xfrm>
           <a:prstGeom prst="rect">
             <a:avLst/>
           </a:prstGeom>
         </p:spPr>
       </p:pic>
+      <p:sp>
+        <p:nvSpPr>
+          <p:cNvPr id="3" name="Oval 2">
+            <a:extLst>
+              <a:ext uri="{FF2B5EF4-FFF2-40B4-BE49-F238E27FC236}">
+                <a16:creationId xmlns:a16="http://schemas.microsoft.com/office/drawing/2014/main" id="{17978B2B-E29A-F0E4-D62F-C7D92F726143}"/>
+              </a:ext>
+            </a:extLst>
+          </p:cNvPr>
+          <p:cNvSpPr/>
+          <p:nvPr/>
+        </p:nvSpPr>
+        <p:spPr bwMode="auto">
+          <a:xfrm>
+            <a:off x="1270670" y="5661248"/>
+            <a:ext cx="288032" cy="288032"/>
+          </a:xfrm>
+          <a:prstGeom prst="ellipse">
+            <a:avLst/>
+          </a:prstGeom>
+          <a:noFill/>
+          <a:ln w="9525" cap="flat" cmpd="sng" algn="ctr">
+            <a:solidFill>
+              <a:schemeClr val="accent1"/>
+            </a:solidFill>
+            <a:prstDash val="solid"/>
+            <a:miter lim="800000"/>
+            <a:headEnd type="none" w="med" len="med"/>
+            <a:tailEnd type="none" w="med" len="med"/>
+          </a:ln>
+          <a:effectLst/>
+        </p:spPr>
+        <p:txBody>
+          <a:bodyPr vert="horz" wrap="square" lIns="90000" tIns="46800" rIns="90000" bIns="46800" numCol="1" rtlCol="0" anchor="ctr" anchorCtr="0" compatLnSpc="1">
+            <a:prstTxWarp prst="textNoShape">
+              <a:avLst/>
+            </a:prstTxWarp>
+          </a:bodyPr>
+          <a:lstStyle/>
+          <a:p>
+            <a:pPr marL="0" marR="0" indent="0" algn="ctr" defTabSz="914400" rtl="0" eaLnBrk="1" fontAlgn="base" latinLnBrk="0" hangingPunct="1">
+              <a:lnSpc>
+                <a:spcPct val="100000"/>
+              </a:lnSpc>
+              <a:spcBef>
+                <a:spcPts val="432"/>
+              </a:spcBef>
+              <a:spcAft>
+                <a:spcPct val="0"/>
+              </a:spcAft>
+              <a:buClrTx/>
+              <a:buSzTx/>
+              <a:buFontTx/>
+              <a:buNone/>
+              <a:tabLst/>
+            </a:pPr>
+            <a:endParaRPr kumimoji="0" lang="nl-NL" sz="1600" b="0" i="0" u="none" strike="noStrike" cap="none" normalizeH="0" baseline="0" dirty="0" err="1">
+              <a:ln>
+                <a:noFill/>
+              </a:ln>
+              <a:solidFill>
+                <a:srgbClr val="FFFFFF"/>
+              </a:solidFill>
+              <a:effectLst/>
+              <a:latin typeface="+mn-lt"/>
+              <a:ea typeface="ＭＳ Ｐゴシック" pitchFamily="-80" charset="-128"/>
+            </a:endParaRPr>
+          </a:p>
+        </p:txBody>
+      </p:sp>
+      <p:sp>
+        <p:nvSpPr>
+          <p:cNvPr id="7" name="Oval 6">
+            <a:extLst>
+              <a:ext uri="{FF2B5EF4-FFF2-40B4-BE49-F238E27FC236}">
+                <a16:creationId xmlns:a16="http://schemas.microsoft.com/office/drawing/2014/main" id="{2BFE719F-80E4-DDEF-F2DD-5983174AF3B0}"/>
+              </a:ext>
+            </a:extLst>
+          </p:cNvPr>
+          <p:cNvSpPr/>
+          <p:nvPr/>
+        </p:nvSpPr>
+        <p:spPr bwMode="auto">
+          <a:xfrm>
+            <a:off x="2422798" y="5661248"/>
+            <a:ext cx="288032" cy="288032"/>
+          </a:xfrm>
+          <a:prstGeom prst="ellipse">
+            <a:avLst/>
+          </a:prstGeom>
+          <a:solidFill>
+            <a:srgbClr val="990000"/>
+          </a:solidFill>
+          <a:ln w="9525" cap="flat" cmpd="sng" algn="ctr">
+            <a:solidFill>
+              <a:schemeClr val="accent1"/>
+            </a:solidFill>
+            <a:prstDash val="solid"/>
+            <a:miter lim="800000"/>
+            <a:headEnd type="none" w="med" len="med"/>
+            <a:tailEnd type="none" w="med" len="med"/>
+          </a:ln>
+          <a:effectLst/>
+        </p:spPr>
+        <p:txBody>
+          <a:bodyPr vert="horz" wrap="square" lIns="90000" tIns="46800" rIns="90000" bIns="46800" numCol="1" rtlCol="0" anchor="ctr" anchorCtr="0" compatLnSpc="1">
+            <a:prstTxWarp prst="textNoShape">
+              <a:avLst/>
+            </a:prstTxWarp>
+          </a:bodyPr>
+          <a:lstStyle/>
+          <a:p>
+            <a:pPr marL="0" marR="0" indent="0" algn="ctr" defTabSz="914400" rtl="0" eaLnBrk="1" fontAlgn="base" latinLnBrk="0" hangingPunct="1">
+              <a:lnSpc>
+                <a:spcPct val="100000"/>
+              </a:lnSpc>
+              <a:spcBef>
+                <a:spcPts val="432"/>
+              </a:spcBef>
+              <a:spcAft>
+                <a:spcPct val="0"/>
+              </a:spcAft>
+              <a:buClrTx/>
+              <a:buSzTx/>
+              <a:buFontTx/>
+              <a:buNone/>
+              <a:tabLst/>
+            </a:pPr>
+            <a:endParaRPr kumimoji="0" lang="nl-NL" sz="1600" b="0" i="0" u="none" strike="noStrike" cap="none" normalizeH="0" baseline="0" dirty="0" err="1">
+              <a:ln>
+                <a:noFill/>
+              </a:ln>
+              <a:solidFill>
+                <a:srgbClr val="FFFFFF"/>
+              </a:solidFill>
+              <a:effectLst/>
+              <a:latin typeface="+mn-lt"/>
+              <a:ea typeface="ＭＳ Ｐゴシック" pitchFamily="-80" charset="-128"/>
+            </a:endParaRPr>
+          </a:p>
+        </p:txBody>
+      </p:sp>
+      <p:sp>
+        <p:nvSpPr>
+          <p:cNvPr id="9" name="Oval 8">
+            <a:extLst>
+              <a:ext uri="{FF2B5EF4-FFF2-40B4-BE49-F238E27FC236}">
+                <a16:creationId xmlns:a16="http://schemas.microsoft.com/office/drawing/2014/main" id="{911680EF-7049-539D-19E0-34ACF0FFD8CD}"/>
+              </a:ext>
+            </a:extLst>
+          </p:cNvPr>
+          <p:cNvSpPr/>
+          <p:nvPr/>
+        </p:nvSpPr>
+        <p:spPr bwMode="auto">
+          <a:xfrm>
+            <a:off x="3574926" y="5661248"/>
+            <a:ext cx="288032" cy="288032"/>
+          </a:xfrm>
+          <a:prstGeom prst="ellipse">
+            <a:avLst/>
+          </a:prstGeom>
+          <a:noFill/>
+          <a:ln w="9525" cap="flat" cmpd="sng" algn="ctr">
+            <a:solidFill>
+              <a:schemeClr val="accent1"/>
+            </a:solidFill>
+            <a:prstDash val="solid"/>
+            <a:miter lim="800000"/>
+            <a:headEnd type="none" w="med" len="med"/>
+            <a:tailEnd type="none" w="med" len="med"/>
+          </a:ln>
+          <a:effectLst/>
+        </p:spPr>
+        <p:txBody>
+          <a:bodyPr vert="horz" wrap="square" lIns="90000" tIns="46800" rIns="90000" bIns="46800" numCol="1" rtlCol="0" anchor="ctr" anchorCtr="0" compatLnSpc="1">
+            <a:prstTxWarp prst="textNoShape">
+              <a:avLst/>
+            </a:prstTxWarp>
+          </a:bodyPr>
+          <a:lstStyle/>
+          <a:p>
+            <a:pPr marL="0" marR="0" indent="0" algn="ctr" defTabSz="914400" rtl="0" eaLnBrk="1" fontAlgn="base" latinLnBrk="0" hangingPunct="1">
+              <a:lnSpc>
+                <a:spcPct val="100000"/>
+              </a:lnSpc>
+              <a:spcBef>
+                <a:spcPts val="432"/>
+              </a:spcBef>
+              <a:spcAft>
+                <a:spcPct val="0"/>
+              </a:spcAft>
+              <a:buClrTx/>
+              <a:buSzTx/>
+              <a:buFontTx/>
+              <a:buNone/>
+              <a:tabLst/>
+            </a:pPr>
+            <a:endParaRPr kumimoji="0" lang="nl-NL" sz="1600" b="0" i="0" u="none" strike="noStrike" cap="none" normalizeH="0" baseline="0" dirty="0" err="1">
+              <a:ln>
+                <a:noFill/>
+              </a:ln>
+              <a:solidFill>
+                <a:srgbClr val="FFFFFF"/>
+              </a:solidFill>
+              <a:effectLst/>
+              <a:latin typeface="+mn-lt"/>
+              <a:ea typeface="ＭＳ Ｐゴシック" pitchFamily="-80" charset="-128"/>
+            </a:endParaRPr>
+          </a:p>
+        </p:txBody>
+      </p:sp>
+      <p:sp>
+        <p:nvSpPr>
+          <p:cNvPr id="11" name="Oval 10">
+            <a:extLst>
+              <a:ext uri="{FF2B5EF4-FFF2-40B4-BE49-F238E27FC236}">
+                <a16:creationId xmlns:a16="http://schemas.microsoft.com/office/drawing/2014/main" id="{B05D8FCF-E3CE-19A8-12CF-5C82BC2C2545}"/>
+              </a:ext>
+            </a:extLst>
+          </p:cNvPr>
+          <p:cNvSpPr/>
+          <p:nvPr/>
+        </p:nvSpPr>
+        <p:spPr bwMode="auto">
+          <a:xfrm>
+            <a:off x="4728964" y="5662871"/>
+            <a:ext cx="288032" cy="288032"/>
+          </a:xfrm>
+          <a:prstGeom prst="ellipse">
+            <a:avLst/>
+          </a:prstGeom>
+          <a:noFill/>
+          <a:ln w="9525" cap="flat" cmpd="sng" algn="ctr">
+            <a:solidFill>
+              <a:schemeClr val="accent1"/>
+            </a:solidFill>
+            <a:prstDash val="solid"/>
+            <a:miter lim="800000"/>
+            <a:headEnd type="none" w="med" len="med"/>
+            <a:tailEnd type="none" w="med" len="med"/>
+          </a:ln>
+          <a:effectLst/>
+        </p:spPr>
+        <p:txBody>
+          <a:bodyPr vert="horz" wrap="square" lIns="90000" tIns="46800" rIns="90000" bIns="46800" numCol="1" rtlCol="0" anchor="ctr" anchorCtr="0" compatLnSpc="1">
+            <a:prstTxWarp prst="textNoShape">
+              <a:avLst/>
+            </a:prstTxWarp>
+          </a:bodyPr>
+          <a:lstStyle/>
+          <a:p>
+            <a:pPr marL="0" marR="0" indent="0" algn="ctr" defTabSz="914400" rtl="0" eaLnBrk="1" fontAlgn="base" latinLnBrk="0" hangingPunct="1">
+              <a:lnSpc>
+                <a:spcPct val="100000"/>
+              </a:lnSpc>
+              <a:spcBef>
+                <a:spcPts val="432"/>
+              </a:spcBef>
+              <a:spcAft>
+                <a:spcPct val="0"/>
+              </a:spcAft>
+              <a:buClrTx/>
+              <a:buSzTx/>
+              <a:buFontTx/>
+              <a:buNone/>
+              <a:tabLst/>
+            </a:pPr>
+            <a:endParaRPr kumimoji="0" lang="nl-NL" sz="1600" b="0" i="0" u="none" strike="noStrike" cap="none" normalizeH="0" baseline="0" dirty="0" err="1">
+              <a:ln>
+                <a:noFill/>
+              </a:ln>
+              <a:solidFill>
+                <a:srgbClr val="FFFFFF"/>
+              </a:solidFill>
+              <a:effectLst/>
+              <a:latin typeface="+mn-lt"/>
+              <a:ea typeface="ＭＳ Ｐゴシック" pitchFamily="-80" charset="-128"/>
+            </a:endParaRPr>
+          </a:p>
+        </p:txBody>
+      </p:sp>
+      <p:sp>
+        <p:nvSpPr>
+          <p:cNvPr id="12" name="Oval 11">
+            <a:extLst>
+              <a:ext uri="{FF2B5EF4-FFF2-40B4-BE49-F238E27FC236}">
+                <a16:creationId xmlns:a16="http://schemas.microsoft.com/office/drawing/2014/main" id="{22FCA865-047E-F702-FD4B-4940E664525B}"/>
+              </a:ext>
+            </a:extLst>
+          </p:cNvPr>
+          <p:cNvSpPr/>
+          <p:nvPr/>
+        </p:nvSpPr>
+        <p:spPr bwMode="auto">
+          <a:xfrm>
+            <a:off x="5881092" y="5661248"/>
+            <a:ext cx="288032" cy="288032"/>
+          </a:xfrm>
+          <a:prstGeom prst="ellipse">
+            <a:avLst/>
+          </a:prstGeom>
+          <a:noFill/>
+          <a:ln w="9525" cap="flat" cmpd="sng" algn="ctr">
+            <a:solidFill>
+              <a:schemeClr val="accent1"/>
+            </a:solidFill>
+            <a:prstDash val="solid"/>
+            <a:miter lim="800000"/>
+            <a:headEnd type="none" w="med" len="med"/>
+            <a:tailEnd type="none" w="med" len="med"/>
+          </a:ln>
+          <a:effectLst/>
+        </p:spPr>
+        <p:txBody>
+          <a:bodyPr vert="horz" wrap="square" lIns="90000" tIns="46800" rIns="90000" bIns="46800" numCol="1" rtlCol="0" anchor="ctr" anchorCtr="0" compatLnSpc="1">
+            <a:prstTxWarp prst="textNoShape">
+              <a:avLst/>
+            </a:prstTxWarp>
+          </a:bodyPr>
+          <a:lstStyle/>
+          <a:p>
+            <a:pPr marL="0" marR="0" indent="0" algn="ctr" defTabSz="914400" rtl="0" eaLnBrk="1" fontAlgn="base" latinLnBrk="0" hangingPunct="1">
+              <a:lnSpc>
+                <a:spcPct val="100000"/>
+              </a:lnSpc>
+              <a:spcBef>
+                <a:spcPts val="432"/>
+              </a:spcBef>
+              <a:spcAft>
+                <a:spcPct val="0"/>
+              </a:spcAft>
+              <a:buClrTx/>
+              <a:buSzTx/>
+              <a:buFontTx/>
+              <a:buNone/>
+              <a:tabLst/>
+            </a:pPr>
+            <a:endParaRPr kumimoji="0" lang="nl-NL" sz="1600" b="0" i="0" u="none" strike="noStrike" cap="none" normalizeH="0" baseline="0" dirty="0" err="1">
+              <a:ln>
+                <a:noFill/>
+              </a:ln>
+              <a:solidFill>
+                <a:srgbClr val="FFFFFF"/>
+              </a:solidFill>
+              <a:effectLst/>
+              <a:latin typeface="+mn-lt"/>
+              <a:ea typeface="ＭＳ Ｐゴシック" pitchFamily="-80" charset="-128"/>
+            </a:endParaRPr>
+          </a:p>
+        </p:txBody>
+      </p:sp>
+      <p:sp>
+        <p:nvSpPr>
+          <p:cNvPr id="13" name="Oval 12">
+            <a:extLst>
+              <a:ext uri="{FF2B5EF4-FFF2-40B4-BE49-F238E27FC236}">
+                <a16:creationId xmlns:a16="http://schemas.microsoft.com/office/drawing/2014/main" id="{0BF49241-6B7B-9BD0-88EA-F87D17B27A6B}"/>
+              </a:ext>
+            </a:extLst>
+          </p:cNvPr>
+          <p:cNvSpPr/>
+          <p:nvPr/>
+        </p:nvSpPr>
+        <p:spPr bwMode="auto">
+          <a:xfrm>
+            <a:off x="7033220" y="5662871"/>
+            <a:ext cx="288032" cy="288032"/>
+          </a:xfrm>
+          <a:prstGeom prst="ellipse">
+            <a:avLst/>
+          </a:prstGeom>
+          <a:noFill/>
+          <a:ln w="9525" cap="flat" cmpd="sng" algn="ctr">
+            <a:solidFill>
+              <a:schemeClr val="accent1"/>
+            </a:solidFill>
+            <a:prstDash val="solid"/>
+            <a:miter lim="800000"/>
+            <a:headEnd type="none" w="med" len="med"/>
+            <a:tailEnd type="none" w="med" len="med"/>
+          </a:ln>
+          <a:effectLst/>
+        </p:spPr>
+        <p:txBody>
+          <a:bodyPr vert="horz" wrap="square" lIns="90000" tIns="46800" rIns="90000" bIns="46800" numCol="1" rtlCol="0" anchor="ctr" anchorCtr="0" compatLnSpc="1">
+            <a:prstTxWarp prst="textNoShape">
+              <a:avLst/>
+            </a:prstTxWarp>
+          </a:bodyPr>
+          <a:lstStyle/>
+          <a:p>
+            <a:pPr marL="0" marR="0" indent="0" algn="ctr" defTabSz="914400" rtl="0" eaLnBrk="1" fontAlgn="base" latinLnBrk="0" hangingPunct="1">
+              <a:lnSpc>
+                <a:spcPct val="100000"/>
+              </a:lnSpc>
+              <a:spcBef>
+                <a:spcPts val="432"/>
+              </a:spcBef>
+              <a:spcAft>
+                <a:spcPct val="0"/>
+              </a:spcAft>
+              <a:buClrTx/>
+              <a:buSzTx/>
+              <a:buFontTx/>
+              <a:buNone/>
+              <a:tabLst/>
+            </a:pPr>
+            <a:endParaRPr kumimoji="0" lang="nl-NL" sz="1600" b="0" i="0" u="none" strike="noStrike" cap="none" normalizeH="0" baseline="0" dirty="0" err="1">
+              <a:ln>
+                <a:noFill/>
+              </a:ln>
+              <a:solidFill>
+                <a:srgbClr val="FFFFFF"/>
+              </a:solidFill>
+              <a:effectLst/>
+              <a:latin typeface="+mn-lt"/>
+              <a:ea typeface="ＭＳ Ｐゴシック" pitchFamily="-80" charset="-128"/>
+            </a:endParaRPr>
+          </a:p>
+        </p:txBody>
+      </p:sp>
+      <p:sp>
+        <p:nvSpPr>
+          <p:cNvPr id="14" name="TextBox 13">
+            <a:extLst>
+              <a:ext uri="{FF2B5EF4-FFF2-40B4-BE49-F238E27FC236}">
+                <a16:creationId xmlns:a16="http://schemas.microsoft.com/office/drawing/2014/main" id="{D05A7D33-B2DB-EEAC-F784-654073945E96}"/>
+              </a:ext>
+            </a:extLst>
+          </p:cNvPr>
+          <p:cNvSpPr txBox="1"/>
+          <p:nvPr/>
+        </p:nvSpPr>
+        <p:spPr>
+          <a:xfrm>
+            <a:off x="1054646" y="6075041"/>
+            <a:ext cx="720080" cy="246221"/>
+          </a:xfrm>
+          <a:prstGeom prst="rect">
+            <a:avLst/>
+          </a:prstGeom>
+          <a:noFill/>
+        </p:spPr>
+        <p:txBody>
+          <a:bodyPr wrap="square" lIns="0" tIns="0" rIns="0" bIns="0" rtlCol="0">
+            <a:spAutoFit/>
+          </a:bodyPr>
+          <a:lstStyle/>
+          <a:p>
+            <a:pPr algn="ctr">
+              <a:spcBef>
+                <a:spcPts val="432"/>
+              </a:spcBef>
+            </a:pPr>
+            <a:r>
+              <a:rPr lang="en-US" dirty="0">
+                <a:solidFill>
+                  <a:srgbClr val="990000"/>
+                </a:solidFill>
+                <a:latin typeface="+mn-lt"/>
+              </a:rPr>
+              <a:t>Scope</a:t>
+            </a:r>
+            <a:endParaRPr lang="nl-NL" dirty="0" err="1">
+              <a:solidFill>
+                <a:srgbClr val="990000"/>
+              </a:solidFill>
+              <a:latin typeface="+mn-lt"/>
+            </a:endParaRPr>
+          </a:p>
+        </p:txBody>
+      </p:sp>
+      <p:sp>
+        <p:nvSpPr>
+          <p:cNvPr id="15" name="TextBox 14">
+            <a:extLst>
+              <a:ext uri="{FF2B5EF4-FFF2-40B4-BE49-F238E27FC236}">
+                <a16:creationId xmlns:a16="http://schemas.microsoft.com/office/drawing/2014/main" id="{EE5F2507-81BD-65B8-FE05-6E86DFC5CB78}"/>
+              </a:ext>
+            </a:extLst>
+          </p:cNvPr>
+          <p:cNvSpPr txBox="1"/>
+          <p:nvPr/>
+        </p:nvSpPr>
+        <p:spPr>
+          <a:xfrm>
+            <a:off x="2206774" y="6075041"/>
+            <a:ext cx="720080" cy="246221"/>
+          </a:xfrm>
+          <a:prstGeom prst="rect">
+            <a:avLst/>
+          </a:prstGeom>
+          <a:noFill/>
+        </p:spPr>
+        <p:txBody>
+          <a:bodyPr wrap="square" lIns="0" tIns="0" rIns="0" bIns="0" rtlCol="0">
+            <a:spAutoFit/>
+          </a:bodyPr>
+          <a:lstStyle/>
+          <a:p>
+            <a:pPr algn="ctr">
+              <a:spcBef>
+                <a:spcPts val="432"/>
+              </a:spcBef>
+            </a:pPr>
+            <a:r>
+              <a:rPr lang="en-US" dirty="0">
+                <a:solidFill>
+                  <a:srgbClr val="990000"/>
+                </a:solidFill>
+                <a:latin typeface="+mn-lt"/>
+              </a:rPr>
+              <a:t>Data</a:t>
+            </a:r>
+            <a:endParaRPr lang="nl-NL" dirty="0" err="1">
+              <a:solidFill>
+                <a:srgbClr val="990000"/>
+              </a:solidFill>
+              <a:latin typeface="+mn-lt"/>
+            </a:endParaRPr>
+          </a:p>
+        </p:txBody>
+      </p:sp>
+      <p:sp>
+        <p:nvSpPr>
+          <p:cNvPr id="16" name="TextBox 15">
+            <a:extLst>
+              <a:ext uri="{FF2B5EF4-FFF2-40B4-BE49-F238E27FC236}">
+                <a16:creationId xmlns:a16="http://schemas.microsoft.com/office/drawing/2014/main" id="{902F75CF-4555-E2DB-7519-E33FF4670C70}"/>
+              </a:ext>
+            </a:extLst>
+          </p:cNvPr>
+          <p:cNvSpPr txBox="1"/>
+          <p:nvPr/>
+        </p:nvSpPr>
+        <p:spPr>
+          <a:xfrm>
+            <a:off x="3358902" y="6075040"/>
+            <a:ext cx="720080" cy="246221"/>
+          </a:xfrm>
+          <a:prstGeom prst="rect">
+            <a:avLst/>
+          </a:prstGeom>
+          <a:noFill/>
+        </p:spPr>
+        <p:txBody>
+          <a:bodyPr wrap="square" lIns="0" tIns="0" rIns="0" bIns="0" rtlCol="0">
+            <a:spAutoFit/>
+          </a:bodyPr>
+          <a:lstStyle/>
+          <a:p>
+            <a:pPr algn="ctr">
+              <a:spcBef>
+                <a:spcPts val="432"/>
+              </a:spcBef>
+            </a:pPr>
+            <a:r>
+              <a:rPr lang="en-US" dirty="0">
+                <a:solidFill>
+                  <a:srgbClr val="990000"/>
+                </a:solidFill>
+                <a:latin typeface="+mn-lt"/>
+              </a:rPr>
+              <a:t>FFNN</a:t>
+            </a:r>
+            <a:endParaRPr lang="nl-NL" dirty="0" err="1">
+              <a:solidFill>
+                <a:srgbClr val="990000"/>
+              </a:solidFill>
+              <a:latin typeface="+mn-lt"/>
+            </a:endParaRPr>
+          </a:p>
+        </p:txBody>
+      </p:sp>
+      <p:sp>
+        <p:nvSpPr>
+          <p:cNvPr id="17" name="TextBox 16">
+            <a:extLst>
+              <a:ext uri="{FF2B5EF4-FFF2-40B4-BE49-F238E27FC236}">
+                <a16:creationId xmlns:a16="http://schemas.microsoft.com/office/drawing/2014/main" id="{3C0BFFEC-6A3F-D6C9-9FD7-542FD36AB121}"/>
+              </a:ext>
+            </a:extLst>
+          </p:cNvPr>
+          <p:cNvSpPr txBox="1"/>
+          <p:nvPr/>
+        </p:nvSpPr>
+        <p:spPr>
+          <a:xfrm>
+            <a:off x="4512940" y="6075040"/>
+            <a:ext cx="720080" cy="246221"/>
+          </a:xfrm>
+          <a:prstGeom prst="rect">
+            <a:avLst/>
+          </a:prstGeom>
+          <a:noFill/>
+        </p:spPr>
+        <p:txBody>
+          <a:bodyPr wrap="square" lIns="0" tIns="0" rIns="0" bIns="0" rtlCol="0">
+            <a:spAutoFit/>
+          </a:bodyPr>
+          <a:lstStyle/>
+          <a:p>
+            <a:pPr algn="ctr">
+              <a:spcBef>
+                <a:spcPts val="432"/>
+              </a:spcBef>
+            </a:pPr>
+            <a:r>
+              <a:rPr lang="en-US" dirty="0">
+                <a:solidFill>
+                  <a:srgbClr val="990000"/>
+                </a:solidFill>
+                <a:latin typeface="+mn-lt"/>
+              </a:rPr>
+              <a:t>MLDM</a:t>
+            </a:r>
+            <a:endParaRPr lang="nl-NL" dirty="0" err="1">
+              <a:solidFill>
+                <a:srgbClr val="990000"/>
+              </a:solidFill>
+              <a:latin typeface="+mn-lt"/>
+            </a:endParaRPr>
+          </a:p>
+        </p:txBody>
+      </p:sp>
+      <p:sp>
+        <p:nvSpPr>
+          <p:cNvPr id="18" name="TextBox 17">
+            <a:extLst>
+              <a:ext uri="{FF2B5EF4-FFF2-40B4-BE49-F238E27FC236}">
+                <a16:creationId xmlns:a16="http://schemas.microsoft.com/office/drawing/2014/main" id="{ACA8C759-532A-4892-3582-F30722B60E08}"/>
+              </a:ext>
+            </a:extLst>
+          </p:cNvPr>
+          <p:cNvSpPr txBox="1"/>
+          <p:nvPr/>
+        </p:nvSpPr>
+        <p:spPr>
+          <a:xfrm>
+            <a:off x="5638825" y="6075040"/>
+            <a:ext cx="720080" cy="246221"/>
+          </a:xfrm>
+          <a:prstGeom prst="rect">
+            <a:avLst/>
+          </a:prstGeom>
+          <a:noFill/>
+        </p:spPr>
+        <p:txBody>
+          <a:bodyPr wrap="square" lIns="0" tIns="0" rIns="0" bIns="0" rtlCol="0">
+            <a:spAutoFit/>
+          </a:bodyPr>
+          <a:lstStyle/>
+          <a:p>
+            <a:pPr algn="ctr">
+              <a:spcBef>
+                <a:spcPts val="432"/>
+              </a:spcBef>
+            </a:pPr>
+            <a:r>
+              <a:rPr lang="en-US" dirty="0">
+                <a:solidFill>
+                  <a:srgbClr val="990000"/>
+                </a:solidFill>
+                <a:latin typeface="+mn-lt"/>
+              </a:rPr>
+              <a:t>LSTM</a:t>
+            </a:r>
+            <a:endParaRPr lang="nl-NL" dirty="0" err="1">
+              <a:solidFill>
+                <a:srgbClr val="990000"/>
+              </a:solidFill>
+              <a:latin typeface="+mn-lt"/>
+            </a:endParaRPr>
+          </a:p>
+        </p:txBody>
+      </p:sp>
+      <p:sp>
+        <p:nvSpPr>
+          <p:cNvPr id="19" name="TextBox 18">
+            <a:extLst>
+              <a:ext uri="{FF2B5EF4-FFF2-40B4-BE49-F238E27FC236}">
+                <a16:creationId xmlns:a16="http://schemas.microsoft.com/office/drawing/2014/main" id="{FFDFBF4E-AA1E-5145-ED6F-B3BAA93702F8}"/>
+              </a:ext>
+            </a:extLst>
+          </p:cNvPr>
+          <p:cNvSpPr txBox="1"/>
+          <p:nvPr/>
+        </p:nvSpPr>
+        <p:spPr>
+          <a:xfrm>
+            <a:off x="6817196" y="6075040"/>
+            <a:ext cx="720080" cy="492443"/>
+          </a:xfrm>
+          <a:prstGeom prst="rect">
+            <a:avLst/>
+          </a:prstGeom>
+          <a:noFill/>
+        </p:spPr>
+        <p:txBody>
+          <a:bodyPr wrap="square" lIns="0" tIns="0" rIns="0" bIns="0" rtlCol="0">
+            <a:spAutoFit/>
+          </a:bodyPr>
+          <a:lstStyle/>
+          <a:p>
+            <a:pPr algn="ctr">
+              <a:spcBef>
+                <a:spcPts val="432"/>
+              </a:spcBef>
+            </a:pPr>
+            <a:r>
+              <a:rPr lang="en-US" dirty="0">
+                <a:solidFill>
+                  <a:srgbClr val="990000"/>
+                </a:solidFill>
+                <a:latin typeface="+mn-lt"/>
+              </a:rPr>
+              <a:t>Further Plans</a:t>
+            </a:r>
+            <a:endParaRPr lang="nl-NL" dirty="0" err="1">
+              <a:solidFill>
+                <a:srgbClr val="990000"/>
+              </a:solidFill>
+              <a:latin typeface="+mn-lt"/>
+            </a:endParaRPr>
+          </a:p>
+        </p:txBody>
+      </p:sp>
     </p:spTree>
     <p:extLst>
       <p:ext uri="{BB962C8B-B14F-4D97-AF65-F5344CB8AC3E}">
@@ -9597,7 +11823,7 @@
         </p:blipFill>
         <p:spPr>
           <a:xfrm>
-            <a:off x="6599262" y="3608911"/>
+            <a:off x="7359995" y="3506867"/>
             <a:ext cx="4166382" cy="2932289"/>
           </a:xfrm>
           <a:prstGeom prst="rect">
@@ -9641,6 +11867,734 @@
           </a:prstGeom>
         </p:spPr>
       </p:pic>
+      <p:sp>
+        <p:nvSpPr>
+          <p:cNvPr id="3" name="Oval 2">
+            <a:extLst>
+              <a:ext uri="{FF2B5EF4-FFF2-40B4-BE49-F238E27FC236}">
+                <a16:creationId xmlns:a16="http://schemas.microsoft.com/office/drawing/2014/main" id="{A96E7AB0-9D22-3AA8-A3E3-B423A90AA276}"/>
+              </a:ext>
+            </a:extLst>
+          </p:cNvPr>
+          <p:cNvSpPr/>
+          <p:nvPr/>
+        </p:nvSpPr>
+        <p:spPr bwMode="auto">
+          <a:xfrm>
+            <a:off x="1270670" y="5661248"/>
+            <a:ext cx="288032" cy="288032"/>
+          </a:xfrm>
+          <a:prstGeom prst="ellipse">
+            <a:avLst/>
+          </a:prstGeom>
+          <a:noFill/>
+          <a:ln w="9525" cap="flat" cmpd="sng" algn="ctr">
+            <a:solidFill>
+              <a:schemeClr val="accent1"/>
+            </a:solidFill>
+            <a:prstDash val="solid"/>
+            <a:miter lim="800000"/>
+            <a:headEnd type="none" w="med" len="med"/>
+            <a:tailEnd type="none" w="med" len="med"/>
+          </a:ln>
+          <a:effectLst/>
+        </p:spPr>
+        <p:txBody>
+          <a:bodyPr vert="horz" wrap="square" lIns="90000" tIns="46800" rIns="90000" bIns="46800" numCol="1" rtlCol="0" anchor="ctr" anchorCtr="0" compatLnSpc="1">
+            <a:prstTxWarp prst="textNoShape">
+              <a:avLst/>
+            </a:prstTxWarp>
+          </a:bodyPr>
+          <a:lstStyle/>
+          <a:p>
+            <a:pPr marL="0" marR="0" indent="0" algn="ctr" defTabSz="914400" rtl="0" eaLnBrk="1" fontAlgn="base" latinLnBrk="0" hangingPunct="1">
+              <a:lnSpc>
+                <a:spcPct val="100000"/>
+              </a:lnSpc>
+              <a:spcBef>
+                <a:spcPts val="432"/>
+              </a:spcBef>
+              <a:spcAft>
+                <a:spcPct val="0"/>
+              </a:spcAft>
+              <a:buClrTx/>
+              <a:buSzTx/>
+              <a:buFontTx/>
+              <a:buNone/>
+              <a:tabLst/>
+            </a:pPr>
+            <a:endParaRPr kumimoji="0" lang="nl-NL" sz="1600" b="0" i="0" u="none" strike="noStrike" cap="none" normalizeH="0" baseline="0" dirty="0" err="1">
+              <a:ln>
+                <a:noFill/>
+              </a:ln>
+              <a:solidFill>
+                <a:srgbClr val="FFFFFF"/>
+              </a:solidFill>
+              <a:effectLst/>
+              <a:latin typeface="+mn-lt"/>
+              <a:ea typeface="ＭＳ Ｐゴシック" pitchFamily="-80" charset="-128"/>
+            </a:endParaRPr>
+          </a:p>
+        </p:txBody>
+      </p:sp>
+      <p:sp>
+        <p:nvSpPr>
+          <p:cNvPr id="6" name="Oval 5">
+            <a:extLst>
+              <a:ext uri="{FF2B5EF4-FFF2-40B4-BE49-F238E27FC236}">
+                <a16:creationId xmlns:a16="http://schemas.microsoft.com/office/drawing/2014/main" id="{8521DB35-4ED7-CCE7-D1A6-D7696C1E3E3C}"/>
+              </a:ext>
+            </a:extLst>
+          </p:cNvPr>
+          <p:cNvSpPr/>
+          <p:nvPr/>
+        </p:nvSpPr>
+        <p:spPr bwMode="auto">
+          <a:xfrm>
+            <a:off x="2422798" y="5661248"/>
+            <a:ext cx="288032" cy="288032"/>
+          </a:xfrm>
+          <a:prstGeom prst="ellipse">
+            <a:avLst/>
+          </a:prstGeom>
+          <a:noFill/>
+          <a:ln w="9525" cap="flat" cmpd="sng" algn="ctr">
+            <a:solidFill>
+              <a:schemeClr val="accent1"/>
+            </a:solidFill>
+            <a:prstDash val="solid"/>
+            <a:miter lim="800000"/>
+            <a:headEnd type="none" w="med" len="med"/>
+            <a:tailEnd type="none" w="med" len="med"/>
+          </a:ln>
+          <a:effectLst/>
+        </p:spPr>
+        <p:txBody>
+          <a:bodyPr vert="horz" wrap="square" lIns="90000" tIns="46800" rIns="90000" bIns="46800" numCol="1" rtlCol="0" anchor="ctr" anchorCtr="0" compatLnSpc="1">
+            <a:prstTxWarp prst="textNoShape">
+              <a:avLst/>
+            </a:prstTxWarp>
+          </a:bodyPr>
+          <a:lstStyle/>
+          <a:p>
+            <a:pPr marL="0" marR="0" indent="0" algn="ctr" defTabSz="914400" rtl="0" eaLnBrk="1" fontAlgn="base" latinLnBrk="0" hangingPunct="1">
+              <a:lnSpc>
+                <a:spcPct val="100000"/>
+              </a:lnSpc>
+              <a:spcBef>
+                <a:spcPts val="432"/>
+              </a:spcBef>
+              <a:spcAft>
+                <a:spcPct val="0"/>
+              </a:spcAft>
+              <a:buClrTx/>
+              <a:buSzTx/>
+              <a:buFontTx/>
+              <a:buNone/>
+              <a:tabLst/>
+            </a:pPr>
+            <a:endParaRPr kumimoji="0" lang="nl-NL" sz="1600" b="0" i="0" u="none" strike="noStrike" cap="none" normalizeH="0" baseline="0" dirty="0" err="1">
+              <a:ln>
+                <a:noFill/>
+              </a:ln>
+              <a:solidFill>
+                <a:srgbClr val="FFFFFF"/>
+              </a:solidFill>
+              <a:effectLst/>
+              <a:latin typeface="+mn-lt"/>
+              <a:ea typeface="ＭＳ Ｐゴシック" pitchFamily="-80" charset="-128"/>
+            </a:endParaRPr>
+          </a:p>
+        </p:txBody>
+      </p:sp>
+      <p:sp>
+        <p:nvSpPr>
+          <p:cNvPr id="8" name="Oval 7">
+            <a:extLst>
+              <a:ext uri="{FF2B5EF4-FFF2-40B4-BE49-F238E27FC236}">
+                <a16:creationId xmlns:a16="http://schemas.microsoft.com/office/drawing/2014/main" id="{7CF12460-665D-C26D-B29A-FC6745F31226}"/>
+              </a:ext>
+            </a:extLst>
+          </p:cNvPr>
+          <p:cNvSpPr/>
+          <p:nvPr/>
+        </p:nvSpPr>
+        <p:spPr bwMode="auto">
+          <a:xfrm>
+            <a:off x="3574926" y="5661248"/>
+            <a:ext cx="288032" cy="288032"/>
+          </a:xfrm>
+          <a:prstGeom prst="ellipse">
+            <a:avLst/>
+          </a:prstGeom>
+          <a:solidFill>
+            <a:srgbClr val="990000"/>
+          </a:solidFill>
+          <a:ln w="9525" cap="flat" cmpd="sng" algn="ctr">
+            <a:solidFill>
+              <a:schemeClr val="accent1"/>
+            </a:solidFill>
+            <a:prstDash val="solid"/>
+            <a:miter lim="800000"/>
+            <a:headEnd type="none" w="med" len="med"/>
+            <a:tailEnd type="none" w="med" len="med"/>
+          </a:ln>
+          <a:effectLst/>
+        </p:spPr>
+        <p:txBody>
+          <a:bodyPr vert="horz" wrap="square" lIns="90000" tIns="46800" rIns="90000" bIns="46800" numCol="1" rtlCol="0" anchor="ctr" anchorCtr="0" compatLnSpc="1">
+            <a:prstTxWarp prst="textNoShape">
+              <a:avLst/>
+            </a:prstTxWarp>
+          </a:bodyPr>
+          <a:lstStyle/>
+          <a:p>
+            <a:pPr marL="0" marR="0" indent="0" algn="ctr" defTabSz="914400" rtl="0" eaLnBrk="1" fontAlgn="base" latinLnBrk="0" hangingPunct="1">
+              <a:lnSpc>
+                <a:spcPct val="100000"/>
+              </a:lnSpc>
+              <a:spcBef>
+                <a:spcPts val="432"/>
+              </a:spcBef>
+              <a:spcAft>
+                <a:spcPct val="0"/>
+              </a:spcAft>
+              <a:buClrTx/>
+              <a:buSzTx/>
+              <a:buFontTx/>
+              <a:buNone/>
+              <a:tabLst/>
+            </a:pPr>
+            <a:endParaRPr kumimoji="0" lang="nl-NL" sz="1600" b="0" i="0" u="none" strike="noStrike" cap="none" normalizeH="0" baseline="0" dirty="0" err="1">
+              <a:ln>
+                <a:noFill/>
+              </a:ln>
+              <a:solidFill>
+                <a:srgbClr val="FFFFFF"/>
+              </a:solidFill>
+              <a:effectLst/>
+              <a:latin typeface="+mn-lt"/>
+              <a:ea typeface="ＭＳ Ｐゴシック" pitchFamily="-80" charset="-128"/>
+            </a:endParaRPr>
+          </a:p>
+        </p:txBody>
+      </p:sp>
+      <p:sp>
+        <p:nvSpPr>
+          <p:cNvPr id="9" name="Oval 8">
+            <a:extLst>
+              <a:ext uri="{FF2B5EF4-FFF2-40B4-BE49-F238E27FC236}">
+                <a16:creationId xmlns:a16="http://schemas.microsoft.com/office/drawing/2014/main" id="{FEE2B377-821B-3197-60E4-55A99F2655DA}"/>
+              </a:ext>
+            </a:extLst>
+          </p:cNvPr>
+          <p:cNvSpPr/>
+          <p:nvPr/>
+        </p:nvSpPr>
+        <p:spPr bwMode="auto">
+          <a:xfrm>
+            <a:off x="4728964" y="5662871"/>
+            <a:ext cx="288032" cy="288032"/>
+          </a:xfrm>
+          <a:prstGeom prst="ellipse">
+            <a:avLst/>
+          </a:prstGeom>
+          <a:noFill/>
+          <a:ln w="9525" cap="flat" cmpd="sng" algn="ctr">
+            <a:solidFill>
+              <a:schemeClr val="accent1"/>
+            </a:solidFill>
+            <a:prstDash val="solid"/>
+            <a:miter lim="800000"/>
+            <a:headEnd type="none" w="med" len="med"/>
+            <a:tailEnd type="none" w="med" len="med"/>
+          </a:ln>
+          <a:effectLst/>
+        </p:spPr>
+        <p:txBody>
+          <a:bodyPr vert="horz" wrap="square" lIns="90000" tIns="46800" rIns="90000" bIns="46800" numCol="1" rtlCol="0" anchor="ctr" anchorCtr="0" compatLnSpc="1">
+            <a:prstTxWarp prst="textNoShape">
+              <a:avLst/>
+            </a:prstTxWarp>
+          </a:bodyPr>
+          <a:lstStyle/>
+          <a:p>
+            <a:pPr marL="0" marR="0" indent="0" algn="ctr" defTabSz="914400" rtl="0" eaLnBrk="1" fontAlgn="base" latinLnBrk="0" hangingPunct="1">
+              <a:lnSpc>
+                <a:spcPct val="100000"/>
+              </a:lnSpc>
+              <a:spcBef>
+                <a:spcPts val="432"/>
+              </a:spcBef>
+              <a:spcAft>
+                <a:spcPct val="0"/>
+              </a:spcAft>
+              <a:buClrTx/>
+              <a:buSzTx/>
+              <a:buFontTx/>
+              <a:buNone/>
+              <a:tabLst/>
+            </a:pPr>
+            <a:endParaRPr kumimoji="0" lang="nl-NL" sz="1600" b="0" i="0" u="none" strike="noStrike" cap="none" normalizeH="0" baseline="0" dirty="0" err="1">
+              <a:ln>
+                <a:noFill/>
+              </a:ln>
+              <a:solidFill>
+                <a:srgbClr val="FFFFFF"/>
+              </a:solidFill>
+              <a:effectLst/>
+              <a:latin typeface="+mn-lt"/>
+              <a:ea typeface="ＭＳ Ｐゴシック" pitchFamily="-80" charset="-128"/>
+            </a:endParaRPr>
+          </a:p>
+        </p:txBody>
+      </p:sp>
+      <p:sp>
+        <p:nvSpPr>
+          <p:cNvPr id="10" name="Oval 9">
+            <a:extLst>
+              <a:ext uri="{FF2B5EF4-FFF2-40B4-BE49-F238E27FC236}">
+                <a16:creationId xmlns:a16="http://schemas.microsoft.com/office/drawing/2014/main" id="{57E42465-C05C-627A-DAA2-A4C677844CDB}"/>
+              </a:ext>
+            </a:extLst>
+          </p:cNvPr>
+          <p:cNvSpPr/>
+          <p:nvPr/>
+        </p:nvSpPr>
+        <p:spPr bwMode="auto">
+          <a:xfrm>
+            <a:off x="5881092" y="5661248"/>
+            <a:ext cx="288032" cy="288032"/>
+          </a:xfrm>
+          <a:prstGeom prst="ellipse">
+            <a:avLst/>
+          </a:prstGeom>
+          <a:noFill/>
+          <a:ln w="9525" cap="flat" cmpd="sng" algn="ctr">
+            <a:solidFill>
+              <a:schemeClr val="accent1"/>
+            </a:solidFill>
+            <a:prstDash val="solid"/>
+            <a:miter lim="800000"/>
+            <a:headEnd type="none" w="med" len="med"/>
+            <a:tailEnd type="none" w="med" len="med"/>
+          </a:ln>
+          <a:effectLst/>
+        </p:spPr>
+        <p:txBody>
+          <a:bodyPr vert="horz" wrap="square" lIns="90000" tIns="46800" rIns="90000" bIns="46800" numCol="1" rtlCol="0" anchor="ctr" anchorCtr="0" compatLnSpc="1">
+            <a:prstTxWarp prst="textNoShape">
+              <a:avLst/>
+            </a:prstTxWarp>
+          </a:bodyPr>
+          <a:lstStyle/>
+          <a:p>
+            <a:pPr marL="0" marR="0" indent="0" algn="ctr" defTabSz="914400" rtl="0" eaLnBrk="1" fontAlgn="base" latinLnBrk="0" hangingPunct="1">
+              <a:lnSpc>
+                <a:spcPct val="100000"/>
+              </a:lnSpc>
+              <a:spcBef>
+                <a:spcPts val="432"/>
+              </a:spcBef>
+              <a:spcAft>
+                <a:spcPct val="0"/>
+              </a:spcAft>
+              <a:buClrTx/>
+              <a:buSzTx/>
+              <a:buFontTx/>
+              <a:buNone/>
+              <a:tabLst/>
+            </a:pPr>
+            <a:endParaRPr kumimoji="0" lang="nl-NL" sz="1600" b="0" i="0" u="none" strike="noStrike" cap="none" normalizeH="0" baseline="0" dirty="0" err="1">
+              <a:ln>
+                <a:noFill/>
+              </a:ln>
+              <a:solidFill>
+                <a:srgbClr val="FFFFFF"/>
+              </a:solidFill>
+              <a:effectLst/>
+              <a:latin typeface="+mn-lt"/>
+              <a:ea typeface="ＭＳ Ｐゴシック" pitchFamily="-80" charset="-128"/>
+            </a:endParaRPr>
+          </a:p>
+        </p:txBody>
+      </p:sp>
+      <p:sp>
+        <p:nvSpPr>
+          <p:cNvPr id="12" name="Oval 11">
+            <a:extLst>
+              <a:ext uri="{FF2B5EF4-FFF2-40B4-BE49-F238E27FC236}">
+                <a16:creationId xmlns:a16="http://schemas.microsoft.com/office/drawing/2014/main" id="{298CE199-D5FA-1735-D10B-2CA392C542DF}"/>
+              </a:ext>
+            </a:extLst>
+          </p:cNvPr>
+          <p:cNvSpPr/>
+          <p:nvPr/>
+        </p:nvSpPr>
+        <p:spPr bwMode="auto">
+          <a:xfrm>
+            <a:off x="7033220" y="5662871"/>
+            <a:ext cx="288032" cy="288032"/>
+          </a:xfrm>
+          <a:prstGeom prst="ellipse">
+            <a:avLst/>
+          </a:prstGeom>
+          <a:noFill/>
+          <a:ln w="9525" cap="flat" cmpd="sng" algn="ctr">
+            <a:solidFill>
+              <a:schemeClr val="accent1"/>
+            </a:solidFill>
+            <a:prstDash val="solid"/>
+            <a:miter lim="800000"/>
+            <a:headEnd type="none" w="med" len="med"/>
+            <a:tailEnd type="none" w="med" len="med"/>
+          </a:ln>
+          <a:effectLst/>
+        </p:spPr>
+        <p:txBody>
+          <a:bodyPr vert="horz" wrap="square" lIns="90000" tIns="46800" rIns="90000" bIns="46800" numCol="1" rtlCol="0" anchor="ctr" anchorCtr="0" compatLnSpc="1">
+            <a:prstTxWarp prst="textNoShape">
+              <a:avLst/>
+            </a:prstTxWarp>
+          </a:bodyPr>
+          <a:lstStyle/>
+          <a:p>
+            <a:pPr marL="0" marR="0" indent="0" algn="ctr" defTabSz="914400" rtl="0" eaLnBrk="1" fontAlgn="base" latinLnBrk="0" hangingPunct="1">
+              <a:lnSpc>
+                <a:spcPct val="100000"/>
+              </a:lnSpc>
+              <a:spcBef>
+                <a:spcPts val="432"/>
+              </a:spcBef>
+              <a:spcAft>
+                <a:spcPct val="0"/>
+              </a:spcAft>
+              <a:buClrTx/>
+              <a:buSzTx/>
+              <a:buFontTx/>
+              <a:buNone/>
+              <a:tabLst/>
+            </a:pPr>
+            <a:endParaRPr kumimoji="0" lang="nl-NL" sz="1600" b="0" i="0" u="none" strike="noStrike" cap="none" normalizeH="0" baseline="0" dirty="0" err="1">
+              <a:ln>
+                <a:noFill/>
+              </a:ln>
+              <a:solidFill>
+                <a:srgbClr val="FFFFFF"/>
+              </a:solidFill>
+              <a:effectLst/>
+              <a:latin typeface="+mn-lt"/>
+              <a:ea typeface="ＭＳ Ｐゴシック" pitchFamily="-80" charset="-128"/>
+            </a:endParaRPr>
+          </a:p>
+        </p:txBody>
+      </p:sp>
+      <p:sp>
+        <p:nvSpPr>
+          <p:cNvPr id="13" name="TextBox 12">
+            <a:extLst>
+              <a:ext uri="{FF2B5EF4-FFF2-40B4-BE49-F238E27FC236}">
+                <a16:creationId xmlns:a16="http://schemas.microsoft.com/office/drawing/2014/main" id="{363B2F3C-3EC3-6A6B-D561-221AE3D85088}"/>
+              </a:ext>
+            </a:extLst>
+          </p:cNvPr>
+          <p:cNvSpPr txBox="1"/>
+          <p:nvPr/>
+        </p:nvSpPr>
+        <p:spPr>
+          <a:xfrm>
+            <a:off x="1054646" y="6075041"/>
+            <a:ext cx="720080" cy="246221"/>
+          </a:xfrm>
+          <a:prstGeom prst="rect">
+            <a:avLst/>
+          </a:prstGeom>
+          <a:noFill/>
+        </p:spPr>
+        <p:txBody>
+          <a:bodyPr wrap="square" lIns="0" tIns="0" rIns="0" bIns="0" rtlCol="0">
+            <a:spAutoFit/>
+          </a:bodyPr>
+          <a:lstStyle/>
+          <a:p>
+            <a:pPr algn="ctr">
+              <a:spcBef>
+                <a:spcPts val="432"/>
+              </a:spcBef>
+            </a:pPr>
+            <a:r>
+              <a:rPr lang="en-US" dirty="0">
+                <a:solidFill>
+                  <a:srgbClr val="990000"/>
+                </a:solidFill>
+                <a:latin typeface="+mn-lt"/>
+              </a:rPr>
+              <a:t>Scope</a:t>
+            </a:r>
+            <a:endParaRPr lang="nl-NL" dirty="0" err="1">
+              <a:solidFill>
+                <a:srgbClr val="990000"/>
+              </a:solidFill>
+              <a:latin typeface="+mn-lt"/>
+            </a:endParaRPr>
+          </a:p>
+        </p:txBody>
+      </p:sp>
+      <p:sp>
+        <p:nvSpPr>
+          <p:cNvPr id="14" name="TextBox 13">
+            <a:extLst>
+              <a:ext uri="{FF2B5EF4-FFF2-40B4-BE49-F238E27FC236}">
+                <a16:creationId xmlns:a16="http://schemas.microsoft.com/office/drawing/2014/main" id="{AA875649-3972-CDF7-E039-8420370BA651}"/>
+              </a:ext>
+            </a:extLst>
+          </p:cNvPr>
+          <p:cNvSpPr txBox="1"/>
+          <p:nvPr/>
+        </p:nvSpPr>
+        <p:spPr>
+          <a:xfrm>
+            <a:off x="2206774" y="6075041"/>
+            <a:ext cx="720080" cy="246221"/>
+          </a:xfrm>
+          <a:prstGeom prst="rect">
+            <a:avLst/>
+          </a:prstGeom>
+          <a:noFill/>
+        </p:spPr>
+        <p:txBody>
+          <a:bodyPr wrap="square" lIns="0" tIns="0" rIns="0" bIns="0" rtlCol="0">
+            <a:spAutoFit/>
+          </a:bodyPr>
+          <a:lstStyle/>
+          <a:p>
+            <a:pPr algn="ctr">
+              <a:spcBef>
+                <a:spcPts val="432"/>
+              </a:spcBef>
+            </a:pPr>
+            <a:r>
+              <a:rPr lang="en-US" dirty="0">
+                <a:solidFill>
+                  <a:srgbClr val="990000"/>
+                </a:solidFill>
+                <a:latin typeface="+mn-lt"/>
+              </a:rPr>
+              <a:t>Data</a:t>
+            </a:r>
+            <a:endParaRPr lang="nl-NL" dirty="0" err="1">
+              <a:solidFill>
+                <a:srgbClr val="990000"/>
+              </a:solidFill>
+              <a:latin typeface="+mn-lt"/>
+            </a:endParaRPr>
+          </a:p>
+        </p:txBody>
+      </p:sp>
+      <p:sp>
+        <p:nvSpPr>
+          <p:cNvPr id="15" name="TextBox 14">
+            <a:extLst>
+              <a:ext uri="{FF2B5EF4-FFF2-40B4-BE49-F238E27FC236}">
+                <a16:creationId xmlns:a16="http://schemas.microsoft.com/office/drawing/2014/main" id="{7D3CF538-81CA-96E2-D188-A1247C82DDB9}"/>
+              </a:ext>
+            </a:extLst>
+          </p:cNvPr>
+          <p:cNvSpPr txBox="1"/>
+          <p:nvPr/>
+        </p:nvSpPr>
+        <p:spPr>
+          <a:xfrm>
+            <a:off x="3358902" y="6075040"/>
+            <a:ext cx="720080" cy="246221"/>
+          </a:xfrm>
+          <a:prstGeom prst="rect">
+            <a:avLst/>
+          </a:prstGeom>
+          <a:noFill/>
+        </p:spPr>
+        <p:txBody>
+          <a:bodyPr wrap="square" lIns="0" tIns="0" rIns="0" bIns="0" rtlCol="0">
+            <a:spAutoFit/>
+          </a:bodyPr>
+          <a:lstStyle/>
+          <a:p>
+            <a:pPr algn="ctr">
+              <a:spcBef>
+                <a:spcPts val="432"/>
+              </a:spcBef>
+            </a:pPr>
+            <a:r>
+              <a:rPr lang="en-US" dirty="0">
+                <a:solidFill>
+                  <a:srgbClr val="990000"/>
+                </a:solidFill>
+                <a:latin typeface="+mn-lt"/>
+              </a:rPr>
+              <a:t>FFNN</a:t>
+            </a:r>
+            <a:endParaRPr lang="nl-NL" dirty="0" err="1">
+              <a:solidFill>
+                <a:srgbClr val="990000"/>
+              </a:solidFill>
+              <a:latin typeface="+mn-lt"/>
+            </a:endParaRPr>
+          </a:p>
+        </p:txBody>
+      </p:sp>
+      <p:sp>
+        <p:nvSpPr>
+          <p:cNvPr id="16" name="TextBox 15">
+            <a:extLst>
+              <a:ext uri="{FF2B5EF4-FFF2-40B4-BE49-F238E27FC236}">
+                <a16:creationId xmlns:a16="http://schemas.microsoft.com/office/drawing/2014/main" id="{1B1673EB-08DB-8628-C310-CB479D96A776}"/>
+              </a:ext>
+            </a:extLst>
+          </p:cNvPr>
+          <p:cNvSpPr txBox="1"/>
+          <p:nvPr/>
+        </p:nvSpPr>
+        <p:spPr>
+          <a:xfrm>
+            <a:off x="4512940" y="6075040"/>
+            <a:ext cx="720080" cy="246221"/>
+          </a:xfrm>
+          <a:prstGeom prst="rect">
+            <a:avLst/>
+          </a:prstGeom>
+          <a:noFill/>
+        </p:spPr>
+        <p:txBody>
+          <a:bodyPr wrap="square" lIns="0" tIns="0" rIns="0" bIns="0" rtlCol="0">
+            <a:spAutoFit/>
+          </a:bodyPr>
+          <a:lstStyle/>
+          <a:p>
+            <a:pPr algn="ctr">
+              <a:spcBef>
+                <a:spcPts val="432"/>
+              </a:spcBef>
+            </a:pPr>
+            <a:r>
+              <a:rPr lang="en-US" dirty="0">
+                <a:solidFill>
+                  <a:srgbClr val="990000"/>
+                </a:solidFill>
+                <a:latin typeface="+mn-lt"/>
+              </a:rPr>
+              <a:t>MLDM</a:t>
+            </a:r>
+            <a:endParaRPr lang="nl-NL" dirty="0" err="1">
+              <a:solidFill>
+                <a:srgbClr val="990000"/>
+              </a:solidFill>
+              <a:latin typeface="+mn-lt"/>
+            </a:endParaRPr>
+          </a:p>
+        </p:txBody>
+      </p:sp>
+      <p:sp>
+        <p:nvSpPr>
+          <p:cNvPr id="17" name="TextBox 16">
+            <a:extLst>
+              <a:ext uri="{FF2B5EF4-FFF2-40B4-BE49-F238E27FC236}">
+                <a16:creationId xmlns:a16="http://schemas.microsoft.com/office/drawing/2014/main" id="{637D7D33-671C-63C3-81B9-341E2A6FD8BC}"/>
+              </a:ext>
+            </a:extLst>
+          </p:cNvPr>
+          <p:cNvSpPr txBox="1"/>
+          <p:nvPr/>
+        </p:nvSpPr>
+        <p:spPr>
+          <a:xfrm>
+            <a:off x="5638825" y="6075040"/>
+            <a:ext cx="720080" cy="246221"/>
+          </a:xfrm>
+          <a:prstGeom prst="rect">
+            <a:avLst/>
+          </a:prstGeom>
+          <a:noFill/>
+        </p:spPr>
+        <p:txBody>
+          <a:bodyPr wrap="square" lIns="0" tIns="0" rIns="0" bIns="0" rtlCol="0">
+            <a:spAutoFit/>
+          </a:bodyPr>
+          <a:lstStyle/>
+          <a:p>
+            <a:pPr algn="ctr">
+              <a:spcBef>
+                <a:spcPts val="432"/>
+              </a:spcBef>
+            </a:pPr>
+            <a:r>
+              <a:rPr lang="en-US" dirty="0">
+                <a:solidFill>
+                  <a:srgbClr val="990000"/>
+                </a:solidFill>
+                <a:latin typeface="+mn-lt"/>
+              </a:rPr>
+              <a:t>LSTM</a:t>
+            </a:r>
+            <a:endParaRPr lang="nl-NL" dirty="0" err="1">
+              <a:solidFill>
+                <a:srgbClr val="990000"/>
+              </a:solidFill>
+              <a:latin typeface="+mn-lt"/>
+            </a:endParaRPr>
+          </a:p>
+        </p:txBody>
+      </p:sp>
+      <p:sp>
+        <p:nvSpPr>
+          <p:cNvPr id="18" name="TextBox 17">
+            <a:extLst>
+              <a:ext uri="{FF2B5EF4-FFF2-40B4-BE49-F238E27FC236}">
+                <a16:creationId xmlns:a16="http://schemas.microsoft.com/office/drawing/2014/main" id="{02A66749-E3BC-8D58-3947-ACD80CB36568}"/>
+              </a:ext>
+            </a:extLst>
+          </p:cNvPr>
+          <p:cNvSpPr txBox="1"/>
+          <p:nvPr/>
+        </p:nvSpPr>
+        <p:spPr>
+          <a:xfrm>
+            <a:off x="6817196" y="6075040"/>
+            <a:ext cx="720080" cy="492443"/>
+          </a:xfrm>
+          <a:prstGeom prst="rect">
+            <a:avLst/>
+          </a:prstGeom>
+          <a:noFill/>
+        </p:spPr>
+        <p:txBody>
+          <a:bodyPr wrap="square" lIns="0" tIns="0" rIns="0" bIns="0" rtlCol="0">
+            <a:spAutoFit/>
+          </a:bodyPr>
+          <a:lstStyle/>
+          <a:p>
+            <a:pPr algn="ctr">
+              <a:spcBef>
+                <a:spcPts val="432"/>
+              </a:spcBef>
+            </a:pPr>
+            <a:r>
+              <a:rPr lang="en-US" dirty="0">
+                <a:solidFill>
+                  <a:srgbClr val="990000"/>
+                </a:solidFill>
+                <a:latin typeface="+mn-lt"/>
+              </a:rPr>
+              <a:t>Further Plans</a:t>
+            </a:r>
+            <a:endParaRPr lang="nl-NL" dirty="0" err="1">
+              <a:solidFill>
+                <a:srgbClr val="990000"/>
+              </a:solidFill>
+              <a:latin typeface="+mn-lt"/>
+            </a:endParaRPr>
+          </a:p>
+        </p:txBody>
+      </p:sp>
     </p:spTree>
     <p:extLst>
       <p:ext uri="{BB962C8B-B14F-4D97-AF65-F5344CB8AC3E}">
@@ -9715,7 +12669,12 @@
             <p:ph idx="1"/>
           </p:nvPr>
         </p:nvSpPr>
-        <p:spPr/>
+        <p:spPr>
+          <a:xfrm>
+            <a:off x="666212" y="1364643"/>
+            <a:ext cx="9312374" cy="4545578"/>
+          </a:xfrm>
+        </p:spPr>
         <p:txBody>
           <a:bodyPr/>
           <a:lstStyle/>
@@ -9754,7 +12713,16 @@
             </a:r>
             <a:r>
               <a:rPr lang="en-AU" dirty="0"/>
-              <a:t> wasn’t working well, but tanh also not very successful</a:t>
+              <a:t> wasn’t working well</a:t>
+            </a:r>
+          </a:p>
+          <a:p>
+            <a:pPr marL="0" indent="0">
+              <a:buNone/>
+            </a:pPr>
+            <a:r>
+              <a:rPr lang="en-AU" dirty="0"/>
+              <a:t>	but tanh also not very successful</a:t>
             </a:r>
           </a:p>
           <a:p>
@@ -9770,18 +12738,24 @@
             <a:endParaRPr lang="en-AU" dirty="0"/>
           </a:p>
           <a:p>
-            <a:endParaRPr lang="en-AU" dirty="0"/>
-          </a:p>
-          <a:p>
-            <a:endParaRPr lang="en-AU" dirty="0"/>
-          </a:p>
-          <a:p>
+            <a:pPr marL="0" indent="0">
+              <a:buNone/>
+            </a:pPr>
             <a:endParaRPr lang="en-AU" dirty="0"/>
           </a:p>
           <a:p>
             <a:r>
               <a:rPr lang="en-AU" dirty="0"/>
               <a:t>Question from Lennard: </a:t>
+            </a:r>
+          </a:p>
+          <a:p>
+            <a:pPr marL="0" indent="0">
+              <a:buNone/>
+            </a:pPr>
+            <a:r>
+              <a:rPr lang="en-AU" dirty="0"/>
+              <a:t>	</a:t>
             </a:r>
             <a:r>
               <a:rPr lang="en-US" dirty="0"/>
@@ -9827,6 +12801,806 @@
           </a:p>
         </p:txBody>
       </p:sp>
+      <p:sp>
+        <p:nvSpPr>
+          <p:cNvPr id="5" name="Oval 4">
+            <a:extLst>
+              <a:ext uri="{FF2B5EF4-FFF2-40B4-BE49-F238E27FC236}">
+                <a16:creationId xmlns:a16="http://schemas.microsoft.com/office/drawing/2014/main" id="{46E2332F-033D-FE7B-A44E-C2B990923DD5}"/>
+              </a:ext>
+            </a:extLst>
+          </p:cNvPr>
+          <p:cNvSpPr/>
+          <p:nvPr/>
+        </p:nvSpPr>
+        <p:spPr bwMode="auto">
+          <a:xfrm>
+            <a:off x="1270670" y="5661248"/>
+            <a:ext cx="288032" cy="288032"/>
+          </a:xfrm>
+          <a:prstGeom prst="ellipse">
+            <a:avLst/>
+          </a:prstGeom>
+          <a:noFill/>
+          <a:ln w="9525" cap="flat" cmpd="sng" algn="ctr">
+            <a:solidFill>
+              <a:schemeClr val="accent1"/>
+            </a:solidFill>
+            <a:prstDash val="solid"/>
+            <a:miter lim="800000"/>
+            <a:headEnd type="none" w="med" len="med"/>
+            <a:tailEnd type="none" w="med" len="med"/>
+          </a:ln>
+          <a:effectLst/>
+        </p:spPr>
+        <p:txBody>
+          <a:bodyPr vert="horz" wrap="square" lIns="90000" tIns="46800" rIns="90000" bIns="46800" numCol="1" rtlCol="0" anchor="ctr" anchorCtr="0" compatLnSpc="1">
+            <a:prstTxWarp prst="textNoShape">
+              <a:avLst/>
+            </a:prstTxWarp>
+          </a:bodyPr>
+          <a:lstStyle/>
+          <a:p>
+            <a:pPr marL="0" marR="0" indent="0" algn="ctr" defTabSz="914400" rtl="0" eaLnBrk="1" fontAlgn="base" latinLnBrk="0" hangingPunct="1">
+              <a:lnSpc>
+                <a:spcPct val="100000"/>
+              </a:lnSpc>
+              <a:spcBef>
+                <a:spcPts val="432"/>
+              </a:spcBef>
+              <a:spcAft>
+                <a:spcPct val="0"/>
+              </a:spcAft>
+              <a:buClrTx/>
+              <a:buSzTx/>
+              <a:buFontTx/>
+              <a:buNone/>
+              <a:tabLst/>
+            </a:pPr>
+            <a:endParaRPr kumimoji="0" lang="nl-NL" sz="1600" b="0" i="0" u="none" strike="noStrike" cap="none" normalizeH="0" baseline="0" dirty="0" err="1">
+              <a:ln>
+                <a:noFill/>
+              </a:ln>
+              <a:solidFill>
+                <a:srgbClr val="FFFFFF"/>
+              </a:solidFill>
+              <a:effectLst/>
+              <a:latin typeface="+mn-lt"/>
+              <a:ea typeface="ＭＳ Ｐゴシック" pitchFamily="-80" charset="-128"/>
+            </a:endParaRPr>
+          </a:p>
+        </p:txBody>
+      </p:sp>
+      <p:sp>
+        <p:nvSpPr>
+          <p:cNvPr id="6" name="Oval 5">
+            <a:extLst>
+              <a:ext uri="{FF2B5EF4-FFF2-40B4-BE49-F238E27FC236}">
+                <a16:creationId xmlns:a16="http://schemas.microsoft.com/office/drawing/2014/main" id="{128DEAE8-143C-8DBA-111B-8DD95A35A2E1}"/>
+              </a:ext>
+            </a:extLst>
+          </p:cNvPr>
+          <p:cNvSpPr/>
+          <p:nvPr/>
+        </p:nvSpPr>
+        <p:spPr bwMode="auto">
+          <a:xfrm>
+            <a:off x="2422798" y="5661248"/>
+            <a:ext cx="288032" cy="288032"/>
+          </a:xfrm>
+          <a:prstGeom prst="ellipse">
+            <a:avLst/>
+          </a:prstGeom>
+          <a:noFill/>
+          <a:ln w="9525" cap="flat" cmpd="sng" algn="ctr">
+            <a:solidFill>
+              <a:schemeClr val="accent1"/>
+            </a:solidFill>
+            <a:prstDash val="solid"/>
+            <a:miter lim="800000"/>
+            <a:headEnd type="none" w="med" len="med"/>
+            <a:tailEnd type="none" w="med" len="med"/>
+          </a:ln>
+          <a:effectLst/>
+        </p:spPr>
+        <p:txBody>
+          <a:bodyPr vert="horz" wrap="square" lIns="90000" tIns="46800" rIns="90000" bIns="46800" numCol="1" rtlCol="0" anchor="ctr" anchorCtr="0" compatLnSpc="1">
+            <a:prstTxWarp prst="textNoShape">
+              <a:avLst/>
+            </a:prstTxWarp>
+          </a:bodyPr>
+          <a:lstStyle/>
+          <a:p>
+            <a:pPr marL="0" marR="0" indent="0" algn="ctr" defTabSz="914400" rtl="0" eaLnBrk="1" fontAlgn="base" latinLnBrk="0" hangingPunct="1">
+              <a:lnSpc>
+                <a:spcPct val="100000"/>
+              </a:lnSpc>
+              <a:spcBef>
+                <a:spcPts val="432"/>
+              </a:spcBef>
+              <a:spcAft>
+                <a:spcPct val="0"/>
+              </a:spcAft>
+              <a:buClrTx/>
+              <a:buSzTx/>
+              <a:buFontTx/>
+              <a:buNone/>
+              <a:tabLst/>
+            </a:pPr>
+            <a:endParaRPr kumimoji="0" lang="nl-NL" sz="1600" b="0" i="0" u="none" strike="noStrike" cap="none" normalizeH="0" baseline="0" dirty="0" err="1">
+              <a:ln>
+                <a:noFill/>
+              </a:ln>
+              <a:solidFill>
+                <a:srgbClr val="FFFFFF"/>
+              </a:solidFill>
+              <a:effectLst/>
+              <a:latin typeface="+mn-lt"/>
+              <a:ea typeface="ＭＳ Ｐゴシック" pitchFamily="-80" charset="-128"/>
+            </a:endParaRPr>
+          </a:p>
+        </p:txBody>
+      </p:sp>
+      <p:sp>
+        <p:nvSpPr>
+          <p:cNvPr id="7" name="Oval 6">
+            <a:extLst>
+              <a:ext uri="{FF2B5EF4-FFF2-40B4-BE49-F238E27FC236}">
+                <a16:creationId xmlns:a16="http://schemas.microsoft.com/office/drawing/2014/main" id="{DE319D75-BDF8-1618-596A-ADCE4B9E0D40}"/>
+              </a:ext>
+            </a:extLst>
+          </p:cNvPr>
+          <p:cNvSpPr/>
+          <p:nvPr/>
+        </p:nvSpPr>
+        <p:spPr bwMode="auto">
+          <a:xfrm>
+            <a:off x="3574926" y="5661248"/>
+            <a:ext cx="288032" cy="288032"/>
+          </a:xfrm>
+          <a:prstGeom prst="ellipse">
+            <a:avLst/>
+          </a:prstGeom>
+          <a:noFill/>
+          <a:ln w="9525" cap="flat" cmpd="sng" algn="ctr">
+            <a:solidFill>
+              <a:schemeClr val="accent1"/>
+            </a:solidFill>
+            <a:prstDash val="solid"/>
+            <a:miter lim="800000"/>
+            <a:headEnd type="none" w="med" len="med"/>
+            <a:tailEnd type="none" w="med" len="med"/>
+          </a:ln>
+          <a:effectLst/>
+        </p:spPr>
+        <p:txBody>
+          <a:bodyPr vert="horz" wrap="square" lIns="90000" tIns="46800" rIns="90000" bIns="46800" numCol="1" rtlCol="0" anchor="ctr" anchorCtr="0" compatLnSpc="1">
+            <a:prstTxWarp prst="textNoShape">
+              <a:avLst/>
+            </a:prstTxWarp>
+          </a:bodyPr>
+          <a:lstStyle/>
+          <a:p>
+            <a:pPr marL="0" marR="0" indent="0" algn="ctr" defTabSz="914400" rtl="0" eaLnBrk="1" fontAlgn="base" latinLnBrk="0" hangingPunct="1">
+              <a:lnSpc>
+                <a:spcPct val="100000"/>
+              </a:lnSpc>
+              <a:spcBef>
+                <a:spcPts val="432"/>
+              </a:spcBef>
+              <a:spcAft>
+                <a:spcPct val="0"/>
+              </a:spcAft>
+              <a:buClrTx/>
+              <a:buSzTx/>
+              <a:buFontTx/>
+              <a:buNone/>
+              <a:tabLst/>
+            </a:pPr>
+            <a:endParaRPr kumimoji="0" lang="nl-NL" sz="1600" b="0" i="0" u="none" strike="noStrike" cap="none" normalizeH="0" baseline="0" dirty="0" err="1">
+              <a:ln>
+                <a:noFill/>
+              </a:ln>
+              <a:solidFill>
+                <a:srgbClr val="FFFFFF"/>
+              </a:solidFill>
+              <a:effectLst/>
+              <a:latin typeface="+mn-lt"/>
+              <a:ea typeface="ＭＳ Ｐゴシック" pitchFamily="-80" charset="-128"/>
+            </a:endParaRPr>
+          </a:p>
+        </p:txBody>
+      </p:sp>
+      <p:sp>
+        <p:nvSpPr>
+          <p:cNvPr id="8" name="Oval 7">
+            <a:extLst>
+              <a:ext uri="{FF2B5EF4-FFF2-40B4-BE49-F238E27FC236}">
+                <a16:creationId xmlns:a16="http://schemas.microsoft.com/office/drawing/2014/main" id="{F7082C7B-B0CF-A37F-9B7F-C0B759FB9DFE}"/>
+              </a:ext>
+            </a:extLst>
+          </p:cNvPr>
+          <p:cNvSpPr/>
+          <p:nvPr/>
+        </p:nvSpPr>
+        <p:spPr bwMode="auto">
+          <a:xfrm>
+            <a:off x="4728964" y="5662871"/>
+            <a:ext cx="288032" cy="288032"/>
+          </a:xfrm>
+          <a:prstGeom prst="ellipse">
+            <a:avLst/>
+          </a:prstGeom>
+          <a:solidFill>
+            <a:srgbClr val="990000"/>
+          </a:solidFill>
+          <a:ln w="9525" cap="flat" cmpd="sng" algn="ctr">
+            <a:solidFill>
+              <a:schemeClr val="accent1"/>
+            </a:solidFill>
+            <a:prstDash val="solid"/>
+            <a:miter lim="800000"/>
+            <a:headEnd type="none" w="med" len="med"/>
+            <a:tailEnd type="none" w="med" len="med"/>
+          </a:ln>
+          <a:effectLst/>
+        </p:spPr>
+        <p:txBody>
+          <a:bodyPr vert="horz" wrap="square" lIns="90000" tIns="46800" rIns="90000" bIns="46800" numCol="1" rtlCol="0" anchor="ctr" anchorCtr="0" compatLnSpc="1">
+            <a:prstTxWarp prst="textNoShape">
+              <a:avLst/>
+            </a:prstTxWarp>
+          </a:bodyPr>
+          <a:lstStyle/>
+          <a:p>
+            <a:pPr marL="0" marR="0" indent="0" algn="ctr" defTabSz="914400" rtl="0" eaLnBrk="1" fontAlgn="base" latinLnBrk="0" hangingPunct="1">
+              <a:lnSpc>
+                <a:spcPct val="100000"/>
+              </a:lnSpc>
+              <a:spcBef>
+                <a:spcPts val="432"/>
+              </a:spcBef>
+              <a:spcAft>
+                <a:spcPct val="0"/>
+              </a:spcAft>
+              <a:buClrTx/>
+              <a:buSzTx/>
+              <a:buFontTx/>
+              <a:buNone/>
+              <a:tabLst/>
+            </a:pPr>
+            <a:endParaRPr kumimoji="0" lang="nl-NL" sz="1600" b="0" i="0" u="none" strike="noStrike" cap="none" normalizeH="0" baseline="0" dirty="0" err="1">
+              <a:ln>
+                <a:noFill/>
+              </a:ln>
+              <a:solidFill>
+                <a:srgbClr val="FFFFFF"/>
+              </a:solidFill>
+              <a:effectLst/>
+              <a:latin typeface="+mn-lt"/>
+              <a:ea typeface="ＭＳ Ｐゴシック" pitchFamily="-80" charset="-128"/>
+            </a:endParaRPr>
+          </a:p>
+        </p:txBody>
+      </p:sp>
+      <p:sp>
+        <p:nvSpPr>
+          <p:cNvPr id="9" name="Oval 8">
+            <a:extLst>
+              <a:ext uri="{FF2B5EF4-FFF2-40B4-BE49-F238E27FC236}">
+                <a16:creationId xmlns:a16="http://schemas.microsoft.com/office/drawing/2014/main" id="{26C1A05D-CAD4-1427-1E1C-E2EE93E1811F}"/>
+              </a:ext>
+            </a:extLst>
+          </p:cNvPr>
+          <p:cNvSpPr/>
+          <p:nvPr/>
+        </p:nvSpPr>
+        <p:spPr bwMode="auto">
+          <a:xfrm>
+            <a:off x="5881092" y="5661248"/>
+            <a:ext cx="288032" cy="288032"/>
+          </a:xfrm>
+          <a:prstGeom prst="ellipse">
+            <a:avLst/>
+          </a:prstGeom>
+          <a:noFill/>
+          <a:ln w="9525" cap="flat" cmpd="sng" algn="ctr">
+            <a:solidFill>
+              <a:schemeClr val="accent1"/>
+            </a:solidFill>
+            <a:prstDash val="solid"/>
+            <a:miter lim="800000"/>
+            <a:headEnd type="none" w="med" len="med"/>
+            <a:tailEnd type="none" w="med" len="med"/>
+          </a:ln>
+          <a:effectLst/>
+        </p:spPr>
+        <p:txBody>
+          <a:bodyPr vert="horz" wrap="square" lIns="90000" tIns="46800" rIns="90000" bIns="46800" numCol="1" rtlCol="0" anchor="ctr" anchorCtr="0" compatLnSpc="1">
+            <a:prstTxWarp prst="textNoShape">
+              <a:avLst/>
+            </a:prstTxWarp>
+          </a:bodyPr>
+          <a:lstStyle/>
+          <a:p>
+            <a:pPr marL="0" marR="0" indent="0" algn="ctr" defTabSz="914400" rtl="0" eaLnBrk="1" fontAlgn="base" latinLnBrk="0" hangingPunct="1">
+              <a:lnSpc>
+                <a:spcPct val="100000"/>
+              </a:lnSpc>
+              <a:spcBef>
+                <a:spcPts val="432"/>
+              </a:spcBef>
+              <a:spcAft>
+                <a:spcPct val="0"/>
+              </a:spcAft>
+              <a:buClrTx/>
+              <a:buSzTx/>
+              <a:buFontTx/>
+              <a:buNone/>
+              <a:tabLst/>
+            </a:pPr>
+            <a:endParaRPr kumimoji="0" lang="nl-NL" sz="1600" b="0" i="0" u="none" strike="noStrike" cap="none" normalizeH="0" baseline="0" dirty="0" err="1">
+              <a:ln>
+                <a:noFill/>
+              </a:ln>
+              <a:solidFill>
+                <a:srgbClr val="FFFFFF"/>
+              </a:solidFill>
+              <a:effectLst/>
+              <a:latin typeface="+mn-lt"/>
+              <a:ea typeface="ＭＳ Ｐゴシック" pitchFamily="-80" charset="-128"/>
+            </a:endParaRPr>
+          </a:p>
+        </p:txBody>
+      </p:sp>
+      <p:sp>
+        <p:nvSpPr>
+          <p:cNvPr id="10" name="Oval 9">
+            <a:extLst>
+              <a:ext uri="{FF2B5EF4-FFF2-40B4-BE49-F238E27FC236}">
+                <a16:creationId xmlns:a16="http://schemas.microsoft.com/office/drawing/2014/main" id="{538D80DE-F65D-1B83-75ED-F7CC016AB5BC}"/>
+              </a:ext>
+            </a:extLst>
+          </p:cNvPr>
+          <p:cNvSpPr/>
+          <p:nvPr/>
+        </p:nvSpPr>
+        <p:spPr bwMode="auto">
+          <a:xfrm>
+            <a:off x="7033220" y="5662871"/>
+            <a:ext cx="288032" cy="288032"/>
+          </a:xfrm>
+          <a:prstGeom prst="ellipse">
+            <a:avLst/>
+          </a:prstGeom>
+          <a:noFill/>
+          <a:ln w="9525" cap="flat" cmpd="sng" algn="ctr">
+            <a:solidFill>
+              <a:schemeClr val="accent1"/>
+            </a:solidFill>
+            <a:prstDash val="solid"/>
+            <a:miter lim="800000"/>
+            <a:headEnd type="none" w="med" len="med"/>
+            <a:tailEnd type="none" w="med" len="med"/>
+          </a:ln>
+          <a:effectLst/>
+        </p:spPr>
+        <p:txBody>
+          <a:bodyPr vert="horz" wrap="square" lIns="90000" tIns="46800" rIns="90000" bIns="46800" numCol="1" rtlCol="0" anchor="ctr" anchorCtr="0" compatLnSpc="1">
+            <a:prstTxWarp prst="textNoShape">
+              <a:avLst/>
+            </a:prstTxWarp>
+          </a:bodyPr>
+          <a:lstStyle/>
+          <a:p>
+            <a:pPr marL="0" marR="0" indent="0" algn="ctr" defTabSz="914400" rtl="0" eaLnBrk="1" fontAlgn="base" latinLnBrk="0" hangingPunct="1">
+              <a:lnSpc>
+                <a:spcPct val="100000"/>
+              </a:lnSpc>
+              <a:spcBef>
+                <a:spcPts val="432"/>
+              </a:spcBef>
+              <a:spcAft>
+                <a:spcPct val="0"/>
+              </a:spcAft>
+              <a:buClrTx/>
+              <a:buSzTx/>
+              <a:buFontTx/>
+              <a:buNone/>
+              <a:tabLst/>
+            </a:pPr>
+            <a:endParaRPr kumimoji="0" lang="nl-NL" sz="1600" b="0" i="0" u="none" strike="noStrike" cap="none" normalizeH="0" baseline="0" dirty="0" err="1">
+              <a:ln>
+                <a:noFill/>
+              </a:ln>
+              <a:solidFill>
+                <a:srgbClr val="FFFFFF"/>
+              </a:solidFill>
+              <a:effectLst/>
+              <a:latin typeface="+mn-lt"/>
+              <a:ea typeface="ＭＳ Ｐゴシック" pitchFamily="-80" charset="-128"/>
+            </a:endParaRPr>
+          </a:p>
+        </p:txBody>
+      </p:sp>
+      <p:sp>
+        <p:nvSpPr>
+          <p:cNvPr id="11" name="TextBox 10">
+            <a:extLst>
+              <a:ext uri="{FF2B5EF4-FFF2-40B4-BE49-F238E27FC236}">
+                <a16:creationId xmlns:a16="http://schemas.microsoft.com/office/drawing/2014/main" id="{4366A537-8878-D0E2-3FCD-9FB3DA79233A}"/>
+              </a:ext>
+            </a:extLst>
+          </p:cNvPr>
+          <p:cNvSpPr txBox="1"/>
+          <p:nvPr/>
+        </p:nvSpPr>
+        <p:spPr>
+          <a:xfrm>
+            <a:off x="1054646" y="6075041"/>
+            <a:ext cx="720080" cy="246221"/>
+          </a:xfrm>
+          <a:prstGeom prst="rect">
+            <a:avLst/>
+          </a:prstGeom>
+          <a:noFill/>
+        </p:spPr>
+        <p:txBody>
+          <a:bodyPr wrap="square" lIns="0" tIns="0" rIns="0" bIns="0" rtlCol="0">
+            <a:spAutoFit/>
+          </a:bodyPr>
+          <a:lstStyle/>
+          <a:p>
+            <a:pPr algn="ctr">
+              <a:spcBef>
+                <a:spcPts val="432"/>
+              </a:spcBef>
+            </a:pPr>
+            <a:r>
+              <a:rPr lang="en-US" dirty="0">
+                <a:solidFill>
+                  <a:srgbClr val="990000"/>
+                </a:solidFill>
+                <a:latin typeface="+mn-lt"/>
+              </a:rPr>
+              <a:t>Scope</a:t>
+            </a:r>
+            <a:endParaRPr lang="nl-NL" dirty="0" err="1">
+              <a:solidFill>
+                <a:srgbClr val="990000"/>
+              </a:solidFill>
+              <a:latin typeface="+mn-lt"/>
+            </a:endParaRPr>
+          </a:p>
+        </p:txBody>
+      </p:sp>
+      <p:sp>
+        <p:nvSpPr>
+          <p:cNvPr id="12" name="TextBox 11">
+            <a:extLst>
+              <a:ext uri="{FF2B5EF4-FFF2-40B4-BE49-F238E27FC236}">
+                <a16:creationId xmlns:a16="http://schemas.microsoft.com/office/drawing/2014/main" id="{E9A7E8F6-DAAB-DA77-E27B-5327D5183F6C}"/>
+              </a:ext>
+            </a:extLst>
+          </p:cNvPr>
+          <p:cNvSpPr txBox="1"/>
+          <p:nvPr/>
+        </p:nvSpPr>
+        <p:spPr>
+          <a:xfrm>
+            <a:off x="2206774" y="6075041"/>
+            <a:ext cx="720080" cy="246221"/>
+          </a:xfrm>
+          <a:prstGeom prst="rect">
+            <a:avLst/>
+          </a:prstGeom>
+          <a:noFill/>
+        </p:spPr>
+        <p:txBody>
+          <a:bodyPr wrap="square" lIns="0" tIns="0" rIns="0" bIns="0" rtlCol="0">
+            <a:spAutoFit/>
+          </a:bodyPr>
+          <a:lstStyle/>
+          <a:p>
+            <a:pPr algn="ctr">
+              <a:spcBef>
+                <a:spcPts val="432"/>
+              </a:spcBef>
+            </a:pPr>
+            <a:r>
+              <a:rPr lang="en-US" dirty="0">
+                <a:solidFill>
+                  <a:srgbClr val="990000"/>
+                </a:solidFill>
+                <a:latin typeface="+mn-lt"/>
+              </a:rPr>
+              <a:t>Data</a:t>
+            </a:r>
+            <a:endParaRPr lang="nl-NL" dirty="0" err="1">
+              <a:solidFill>
+                <a:srgbClr val="990000"/>
+              </a:solidFill>
+              <a:latin typeface="+mn-lt"/>
+            </a:endParaRPr>
+          </a:p>
+        </p:txBody>
+      </p:sp>
+      <p:sp>
+        <p:nvSpPr>
+          <p:cNvPr id="13" name="TextBox 12">
+            <a:extLst>
+              <a:ext uri="{FF2B5EF4-FFF2-40B4-BE49-F238E27FC236}">
+                <a16:creationId xmlns:a16="http://schemas.microsoft.com/office/drawing/2014/main" id="{BA6B7760-40E1-B986-D3B5-E5D2350D6410}"/>
+              </a:ext>
+            </a:extLst>
+          </p:cNvPr>
+          <p:cNvSpPr txBox="1"/>
+          <p:nvPr/>
+        </p:nvSpPr>
+        <p:spPr>
+          <a:xfrm>
+            <a:off x="3358902" y="6075040"/>
+            <a:ext cx="720080" cy="246221"/>
+          </a:xfrm>
+          <a:prstGeom prst="rect">
+            <a:avLst/>
+          </a:prstGeom>
+          <a:noFill/>
+        </p:spPr>
+        <p:txBody>
+          <a:bodyPr wrap="square" lIns="0" tIns="0" rIns="0" bIns="0" rtlCol="0">
+            <a:spAutoFit/>
+          </a:bodyPr>
+          <a:lstStyle/>
+          <a:p>
+            <a:pPr algn="ctr">
+              <a:spcBef>
+                <a:spcPts val="432"/>
+              </a:spcBef>
+            </a:pPr>
+            <a:r>
+              <a:rPr lang="en-US" dirty="0">
+                <a:solidFill>
+                  <a:srgbClr val="990000"/>
+                </a:solidFill>
+                <a:latin typeface="+mn-lt"/>
+              </a:rPr>
+              <a:t>FFNN</a:t>
+            </a:r>
+            <a:endParaRPr lang="nl-NL" dirty="0" err="1">
+              <a:solidFill>
+                <a:srgbClr val="990000"/>
+              </a:solidFill>
+              <a:latin typeface="+mn-lt"/>
+            </a:endParaRPr>
+          </a:p>
+        </p:txBody>
+      </p:sp>
+      <p:sp>
+        <p:nvSpPr>
+          <p:cNvPr id="14" name="TextBox 13">
+            <a:extLst>
+              <a:ext uri="{FF2B5EF4-FFF2-40B4-BE49-F238E27FC236}">
+                <a16:creationId xmlns:a16="http://schemas.microsoft.com/office/drawing/2014/main" id="{56BA0212-6D3B-0F34-6E4A-6B77602708D6}"/>
+              </a:ext>
+            </a:extLst>
+          </p:cNvPr>
+          <p:cNvSpPr txBox="1"/>
+          <p:nvPr/>
+        </p:nvSpPr>
+        <p:spPr>
+          <a:xfrm>
+            <a:off x="4512940" y="6075040"/>
+            <a:ext cx="720080" cy="246221"/>
+          </a:xfrm>
+          <a:prstGeom prst="rect">
+            <a:avLst/>
+          </a:prstGeom>
+          <a:noFill/>
+        </p:spPr>
+        <p:txBody>
+          <a:bodyPr wrap="square" lIns="0" tIns="0" rIns="0" bIns="0" rtlCol="0">
+            <a:spAutoFit/>
+          </a:bodyPr>
+          <a:lstStyle/>
+          <a:p>
+            <a:pPr algn="ctr">
+              <a:spcBef>
+                <a:spcPts val="432"/>
+              </a:spcBef>
+            </a:pPr>
+            <a:r>
+              <a:rPr lang="en-US" dirty="0">
+                <a:solidFill>
+                  <a:srgbClr val="990000"/>
+                </a:solidFill>
+                <a:latin typeface="+mn-lt"/>
+              </a:rPr>
+              <a:t>MLDM</a:t>
+            </a:r>
+            <a:endParaRPr lang="nl-NL" dirty="0" err="1">
+              <a:solidFill>
+                <a:srgbClr val="990000"/>
+              </a:solidFill>
+              <a:latin typeface="+mn-lt"/>
+            </a:endParaRPr>
+          </a:p>
+        </p:txBody>
+      </p:sp>
+      <p:sp>
+        <p:nvSpPr>
+          <p:cNvPr id="15" name="TextBox 14">
+            <a:extLst>
+              <a:ext uri="{FF2B5EF4-FFF2-40B4-BE49-F238E27FC236}">
+                <a16:creationId xmlns:a16="http://schemas.microsoft.com/office/drawing/2014/main" id="{67157EFD-1A32-F905-FD79-46DCB81D21D8}"/>
+              </a:ext>
+            </a:extLst>
+          </p:cNvPr>
+          <p:cNvSpPr txBox="1"/>
+          <p:nvPr/>
+        </p:nvSpPr>
+        <p:spPr>
+          <a:xfrm>
+            <a:off x="5638825" y="6075040"/>
+            <a:ext cx="720080" cy="246221"/>
+          </a:xfrm>
+          <a:prstGeom prst="rect">
+            <a:avLst/>
+          </a:prstGeom>
+          <a:noFill/>
+        </p:spPr>
+        <p:txBody>
+          <a:bodyPr wrap="square" lIns="0" tIns="0" rIns="0" bIns="0" rtlCol="0">
+            <a:spAutoFit/>
+          </a:bodyPr>
+          <a:lstStyle/>
+          <a:p>
+            <a:pPr algn="ctr">
+              <a:spcBef>
+                <a:spcPts val="432"/>
+              </a:spcBef>
+            </a:pPr>
+            <a:r>
+              <a:rPr lang="en-US" dirty="0">
+                <a:solidFill>
+                  <a:srgbClr val="990000"/>
+                </a:solidFill>
+                <a:latin typeface="+mn-lt"/>
+              </a:rPr>
+              <a:t>LSTM</a:t>
+            </a:r>
+            <a:endParaRPr lang="nl-NL" dirty="0" err="1">
+              <a:solidFill>
+                <a:srgbClr val="990000"/>
+              </a:solidFill>
+              <a:latin typeface="+mn-lt"/>
+            </a:endParaRPr>
+          </a:p>
+        </p:txBody>
+      </p:sp>
+      <p:sp>
+        <p:nvSpPr>
+          <p:cNvPr id="16" name="TextBox 15">
+            <a:extLst>
+              <a:ext uri="{FF2B5EF4-FFF2-40B4-BE49-F238E27FC236}">
+                <a16:creationId xmlns:a16="http://schemas.microsoft.com/office/drawing/2014/main" id="{970EA3EC-D1A5-D192-8E7D-7F740EF992F4}"/>
+              </a:ext>
+            </a:extLst>
+          </p:cNvPr>
+          <p:cNvSpPr txBox="1"/>
+          <p:nvPr/>
+        </p:nvSpPr>
+        <p:spPr>
+          <a:xfrm>
+            <a:off x="6817196" y="6075040"/>
+            <a:ext cx="720080" cy="492443"/>
+          </a:xfrm>
+          <a:prstGeom prst="rect">
+            <a:avLst/>
+          </a:prstGeom>
+          <a:noFill/>
+        </p:spPr>
+        <p:txBody>
+          <a:bodyPr wrap="square" lIns="0" tIns="0" rIns="0" bIns="0" rtlCol="0">
+            <a:spAutoFit/>
+          </a:bodyPr>
+          <a:lstStyle/>
+          <a:p>
+            <a:pPr algn="ctr">
+              <a:spcBef>
+                <a:spcPts val="432"/>
+              </a:spcBef>
+            </a:pPr>
+            <a:r>
+              <a:rPr lang="en-US" dirty="0">
+                <a:solidFill>
+                  <a:srgbClr val="990000"/>
+                </a:solidFill>
+                <a:latin typeface="+mn-lt"/>
+              </a:rPr>
+              <a:t>Further Plans</a:t>
+            </a:r>
+            <a:endParaRPr lang="nl-NL" dirty="0" err="1">
+              <a:solidFill>
+                <a:srgbClr val="990000"/>
+              </a:solidFill>
+              <a:latin typeface="+mn-lt"/>
+            </a:endParaRPr>
+          </a:p>
+        </p:txBody>
+      </p:sp>
+      <p:pic>
+        <p:nvPicPr>
+          <p:cNvPr id="18" name="Picture 17" descr="A graph of blue and orange dots&#10;&#10;Description automatically generated">
+            <a:extLst>
+              <a:ext uri="{FF2B5EF4-FFF2-40B4-BE49-F238E27FC236}">
+                <a16:creationId xmlns:a16="http://schemas.microsoft.com/office/drawing/2014/main" id="{1AB9A9EB-BA12-F0ED-24FF-E32FFFA858BF}"/>
+              </a:ext>
+            </a:extLst>
+          </p:cNvPr>
+          <p:cNvPicPr>
+            <a:picLocks noChangeAspect="1"/>
+          </p:cNvPicPr>
+          <p:nvPr/>
+        </p:nvPicPr>
+        <p:blipFill>
+          <a:blip r:embed="rId2">
+            <a:extLst>
+              <a:ext uri="{28A0092B-C50C-407E-A947-70E740481C1C}">
+                <a14:useLocalDpi xmlns:a14="http://schemas.microsoft.com/office/drawing/2010/main" val="0"/>
+              </a:ext>
+            </a:extLst>
+          </a:blip>
+          <a:stretch>
+            <a:fillRect/>
+          </a:stretch>
+        </p:blipFill>
+        <p:spPr>
+          <a:xfrm>
+            <a:off x="7897288" y="3384616"/>
+            <a:ext cx="4041762" cy="2617120"/>
+          </a:xfrm>
+          <a:prstGeom prst="rect">
+            <a:avLst/>
+          </a:prstGeom>
+        </p:spPr>
+      </p:pic>
+      <p:pic>
+        <p:nvPicPr>
+          <p:cNvPr id="20" name="Picture 19" descr="A graph of a line&#10;&#10;Description automatically generated">
+            <a:extLst>
+              <a:ext uri="{FF2B5EF4-FFF2-40B4-BE49-F238E27FC236}">
+                <a16:creationId xmlns:a16="http://schemas.microsoft.com/office/drawing/2014/main" id="{2F3D5504-6813-72B3-447B-034DA5AF35FC}"/>
+              </a:ext>
+            </a:extLst>
+          </p:cNvPr>
+          <p:cNvPicPr>
+            <a:picLocks noChangeAspect="1"/>
+          </p:cNvPicPr>
+          <p:nvPr/>
+        </p:nvPicPr>
+        <p:blipFill>
+          <a:blip r:embed="rId3">
+            <a:extLst>
+              <a:ext uri="{28A0092B-C50C-407E-A947-70E740481C1C}">
+                <a14:useLocalDpi xmlns:a14="http://schemas.microsoft.com/office/drawing/2010/main" val="0"/>
+              </a:ext>
+            </a:extLst>
+          </a:blip>
+          <a:stretch>
+            <a:fillRect/>
+          </a:stretch>
+        </p:blipFill>
+        <p:spPr>
+          <a:xfrm>
+            <a:off x="7177236" y="193097"/>
+            <a:ext cx="4990476" cy="3174603"/>
+          </a:xfrm>
+          <a:prstGeom prst="rect">
+            <a:avLst/>
+          </a:prstGeom>
+        </p:spPr>
+      </p:pic>
     </p:spTree>
     <p:extLst>
       <p:ext uri="{BB962C8B-B14F-4D97-AF65-F5344CB8AC3E}">
@@ -10051,14 +13825,742 @@
         </p:blipFill>
         <p:spPr>
           <a:xfrm>
-            <a:off x="262401" y="2780928"/>
-            <a:ext cx="5477254" cy="3456384"/>
+            <a:off x="228443" y="2593276"/>
+            <a:ext cx="4894792" cy="3088825"/>
           </a:xfrm>
           <a:prstGeom prst="rect">
             <a:avLst/>
           </a:prstGeom>
         </p:spPr>
       </p:pic>
+      <p:sp>
+        <p:nvSpPr>
+          <p:cNvPr id="3" name="Oval 2">
+            <a:extLst>
+              <a:ext uri="{FF2B5EF4-FFF2-40B4-BE49-F238E27FC236}">
+                <a16:creationId xmlns:a16="http://schemas.microsoft.com/office/drawing/2014/main" id="{4ABE9C35-30C3-1132-B2FB-5B02930A6975}"/>
+              </a:ext>
+            </a:extLst>
+          </p:cNvPr>
+          <p:cNvSpPr/>
+          <p:nvPr/>
+        </p:nvSpPr>
+        <p:spPr bwMode="auto">
+          <a:xfrm>
+            <a:off x="1270670" y="5661248"/>
+            <a:ext cx="288032" cy="288032"/>
+          </a:xfrm>
+          <a:prstGeom prst="ellipse">
+            <a:avLst/>
+          </a:prstGeom>
+          <a:noFill/>
+          <a:ln w="9525" cap="flat" cmpd="sng" algn="ctr">
+            <a:solidFill>
+              <a:schemeClr val="accent1"/>
+            </a:solidFill>
+            <a:prstDash val="solid"/>
+            <a:miter lim="800000"/>
+            <a:headEnd type="none" w="med" len="med"/>
+            <a:tailEnd type="none" w="med" len="med"/>
+          </a:ln>
+          <a:effectLst/>
+        </p:spPr>
+        <p:txBody>
+          <a:bodyPr vert="horz" wrap="square" lIns="90000" tIns="46800" rIns="90000" bIns="46800" numCol="1" rtlCol="0" anchor="ctr" anchorCtr="0" compatLnSpc="1">
+            <a:prstTxWarp prst="textNoShape">
+              <a:avLst/>
+            </a:prstTxWarp>
+          </a:bodyPr>
+          <a:lstStyle/>
+          <a:p>
+            <a:pPr marL="0" marR="0" indent="0" algn="ctr" defTabSz="914400" rtl="0" eaLnBrk="1" fontAlgn="base" latinLnBrk="0" hangingPunct="1">
+              <a:lnSpc>
+                <a:spcPct val="100000"/>
+              </a:lnSpc>
+              <a:spcBef>
+                <a:spcPts val="432"/>
+              </a:spcBef>
+              <a:spcAft>
+                <a:spcPct val="0"/>
+              </a:spcAft>
+              <a:buClrTx/>
+              <a:buSzTx/>
+              <a:buFontTx/>
+              <a:buNone/>
+              <a:tabLst/>
+            </a:pPr>
+            <a:endParaRPr kumimoji="0" lang="nl-NL" sz="1600" b="0" i="0" u="none" strike="noStrike" cap="none" normalizeH="0" baseline="0" dirty="0" err="1">
+              <a:ln>
+                <a:noFill/>
+              </a:ln>
+              <a:solidFill>
+                <a:srgbClr val="FFFFFF"/>
+              </a:solidFill>
+              <a:effectLst/>
+              <a:latin typeface="+mn-lt"/>
+              <a:ea typeface="ＭＳ Ｐゴシック" pitchFamily="-80" charset="-128"/>
+            </a:endParaRPr>
+          </a:p>
+        </p:txBody>
+      </p:sp>
+      <p:sp>
+        <p:nvSpPr>
+          <p:cNvPr id="7" name="Oval 6">
+            <a:extLst>
+              <a:ext uri="{FF2B5EF4-FFF2-40B4-BE49-F238E27FC236}">
+                <a16:creationId xmlns:a16="http://schemas.microsoft.com/office/drawing/2014/main" id="{3B59BB84-3F24-70A0-18DC-17F06F4D251D}"/>
+              </a:ext>
+            </a:extLst>
+          </p:cNvPr>
+          <p:cNvSpPr/>
+          <p:nvPr/>
+        </p:nvSpPr>
+        <p:spPr bwMode="auto">
+          <a:xfrm>
+            <a:off x="2422798" y="5661248"/>
+            <a:ext cx="288032" cy="288032"/>
+          </a:xfrm>
+          <a:prstGeom prst="ellipse">
+            <a:avLst/>
+          </a:prstGeom>
+          <a:noFill/>
+          <a:ln w="9525" cap="flat" cmpd="sng" algn="ctr">
+            <a:solidFill>
+              <a:schemeClr val="accent1"/>
+            </a:solidFill>
+            <a:prstDash val="solid"/>
+            <a:miter lim="800000"/>
+            <a:headEnd type="none" w="med" len="med"/>
+            <a:tailEnd type="none" w="med" len="med"/>
+          </a:ln>
+          <a:effectLst/>
+        </p:spPr>
+        <p:txBody>
+          <a:bodyPr vert="horz" wrap="square" lIns="90000" tIns="46800" rIns="90000" bIns="46800" numCol="1" rtlCol="0" anchor="ctr" anchorCtr="0" compatLnSpc="1">
+            <a:prstTxWarp prst="textNoShape">
+              <a:avLst/>
+            </a:prstTxWarp>
+          </a:bodyPr>
+          <a:lstStyle/>
+          <a:p>
+            <a:pPr marL="0" marR="0" indent="0" algn="ctr" defTabSz="914400" rtl="0" eaLnBrk="1" fontAlgn="base" latinLnBrk="0" hangingPunct="1">
+              <a:lnSpc>
+                <a:spcPct val="100000"/>
+              </a:lnSpc>
+              <a:spcBef>
+                <a:spcPts val="432"/>
+              </a:spcBef>
+              <a:spcAft>
+                <a:spcPct val="0"/>
+              </a:spcAft>
+              <a:buClrTx/>
+              <a:buSzTx/>
+              <a:buFontTx/>
+              <a:buNone/>
+              <a:tabLst/>
+            </a:pPr>
+            <a:endParaRPr kumimoji="0" lang="nl-NL" sz="1600" b="0" i="0" u="none" strike="noStrike" cap="none" normalizeH="0" baseline="0" dirty="0" err="1">
+              <a:ln>
+                <a:noFill/>
+              </a:ln>
+              <a:solidFill>
+                <a:srgbClr val="FFFFFF"/>
+              </a:solidFill>
+              <a:effectLst/>
+              <a:latin typeface="+mn-lt"/>
+              <a:ea typeface="ＭＳ Ｐゴシック" pitchFamily="-80" charset="-128"/>
+            </a:endParaRPr>
+          </a:p>
+        </p:txBody>
+      </p:sp>
+      <p:sp>
+        <p:nvSpPr>
+          <p:cNvPr id="10" name="Oval 9">
+            <a:extLst>
+              <a:ext uri="{FF2B5EF4-FFF2-40B4-BE49-F238E27FC236}">
+                <a16:creationId xmlns:a16="http://schemas.microsoft.com/office/drawing/2014/main" id="{EBEB9B04-7D90-3052-3BC9-DEB419227BC9}"/>
+              </a:ext>
+            </a:extLst>
+          </p:cNvPr>
+          <p:cNvSpPr/>
+          <p:nvPr/>
+        </p:nvSpPr>
+        <p:spPr bwMode="auto">
+          <a:xfrm>
+            <a:off x="3574926" y="5661248"/>
+            <a:ext cx="288032" cy="288032"/>
+          </a:xfrm>
+          <a:prstGeom prst="ellipse">
+            <a:avLst/>
+          </a:prstGeom>
+          <a:noFill/>
+          <a:ln w="9525" cap="flat" cmpd="sng" algn="ctr">
+            <a:solidFill>
+              <a:schemeClr val="accent1"/>
+            </a:solidFill>
+            <a:prstDash val="solid"/>
+            <a:miter lim="800000"/>
+            <a:headEnd type="none" w="med" len="med"/>
+            <a:tailEnd type="none" w="med" len="med"/>
+          </a:ln>
+          <a:effectLst/>
+        </p:spPr>
+        <p:txBody>
+          <a:bodyPr vert="horz" wrap="square" lIns="90000" tIns="46800" rIns="90000" bIns="46800" numCol="1" rtlCol="0" anchor="ctr" anchorCtr="0" compatLnSpc="1">
+            <a:prstTxWarp prst="textNoShape">
+              <a:avLst/>
+            </a:prstTxWarp>
+          </a:bodyPr>
+          <a:lstStyle/>
+          <a:p>
+            <a:pPr marL="0" marR="0" indent="0" algn="ctr" defTabSz="914400" rtl="0" eaLnBrk="1" fontAlgn="base" latinLnBrk="0" hangingPunct="1">
+              <a:lnSpc>
+                <a:spcPct val="100000"/>
+              </a:lnSpc>
+              <a:spcBef>
+                <a:spcPts val="432"/>
+              </a:spcBef>
+              <a:spcAft>
+                <a:spcPct val="0"/>
+              </a:spcAft>
+              <a:buClrTx/>
+              <a:buSzTx/>
+              <a:buFontTx/>
+              <a:buNone/>
+              <a:tabLst/>
+            </a:pPr>
+            <a:endParaRPr kumimoji="0" lang="nl-NL" sz="1600" b="0" i="0" u="none" strike="noStrike" cap="none" normalizeH="0" baseline="0" dirty="0" err="1">
+              <a:ln>
+                <a:noFill/>
+              </a:ln>
+              <a:solidFill>
+                <a:srgbClr val="FFFFFF"/>
+              </a:solidFill>
+              <a:effectLst/>
+              <a:latin typeface="+mn-lt"/>
+              <a:ea typeface="ＭＳ Ｐゴシック" pitchFamily="-80" charset="-128"/>
+            </a:endParaRPr>
+          </a:p>
+        </p:txBody>
+      </p:sp>
+      <p:sp>
+        <p:nvSpPr>
+          <p:cNvPr id="11" name="Oval 10">
+            <a:extLst>
+              <a:ext uri="{FF2B5EF4-FFF2-40B4-BE49-F238E27FC236}">
+                <a16:creationId xmlns:a16="http://schemas.microsoft.com/office/drawing/2014/main" id="{F819C6EE-0165-0F76-D72D-2B76A667D2B4}"/>
+              </a:ext>
+            </a:extLst>
+          </p:cNvPr>
+          <p:cNvSpPr/>
+          <p:nvPr/>
+        </p:nvSpPr>
+        <p:spPr bwMode="auto">
+          <a:xfrm>
+            <a:off x="4728964" y="5662871"/>
+            <a:ext cx="288032" cy="288032"/>
+          </a:xfrm>
+          <a:prstGeom prst="ellipse">
+            <a:avLst/>
+          </a:prstGeom>
+          <a:noFill/>
+          <a:ln w="9525" cap="flat" cmpd="sng" algn="ctr">
+            <a:solidFill>
+              <a:schemeClr val="accent1"/>
+            </a:solidFill>
+            <a:prstDash val="solid"/>
+            <a:miter lim="800000"/>
+            <a:headEnd type="none" w="med" len="med"/>
+            <a:tailEnd type="none" w="med" len="med"/>
+          </a:ln>
+          <a:effectLst/>
+        </p:spPr>
+        <p:txBody>
+          <a:bodyPr vert="horz" wrap="square" lIns="90000" tIns="46800" rIns="90000" bIns="46800" numCol="1" rtlCol="0" anchor="ctr" anchorCtr="0" compatLnSpc="1">
+            <a:prstTxWarp prst="textNoShape">
+              <a:avLst/>
+            </a:prstTxWarp>
+          </a:bodyPr>
+          <a:lstStyle/>
+          <a:p>
+            <a:pPr marL="0" marR="0" indent="0" algn="ctr" defTabSz="914400" rtl="0" eaLnBrk="1" fontAlgn="base" latinLnBrk="0" hangingPunct="1">
+              <a:lnSpc>
+                <a:spcPct val="100000"/>
+              </a:lnSpc>
+              <a:spcBef>
+                <a:spcPts val="432"/>
+              </a:spcBef>
+              <a:spcAft>
+                <a:spcPct val="0"/>
+              </a:spcAft>
+              <a:buClrTx/>
+              <a:buSzTx/>
+              <a:buFontTx/>
+              <a:buNone/>
+              <a:tabLst/>
+            </a:pPr>
+            <a:endParaRPr kumimoji="0" lang="nl-NL" sz="1600" b="0" i="0" u="none" strike="noStrike" cap="none" normalizeH="0" baseline="0" dirty="0" err="1">
+              <a:ln>
+                <a:noFill/>
+              </a:ln>
+              <a:solidFill>
+                <a:srgbClr val="FFFFFF"/>
+              </a:solidFill>
+              <a:effectLst/>
+              <a:latin typeface="+mn-lt"/>
+              <a:ea typeface="ＭＳ Ｐゴシック" pitchFamily="-80" charset="-128"/>
+            </a:endParaRPr>
+          </a:p>
+        </p:txBody>
+      </p:sp>
+      <p:sp>
+        <p:nvSpPr>
+          <p:cNvPr id="12" name="Oval 11">
+            <a:extLst>
+              <a:ext uri="{FF2B5EF4-FFF2-40B4-BE49-F238E27FC236}">
+                <a16:creationId xmlns:a16="http://schemas.microsoft.com/office/drawing/2014/main" id="{56053BA1-AAB3-267D-3D46-7610576ADB85}"/>
+              </a:ext>
+            </a:extLst>
+          </p:cNvPr>
+          <p:cNvSpPr/>
+          <p:nvPr/>
+        </p:nvSpPr>
+        <p:spPr bwMode="auto">
+          <a:xfrm>
+            <a:off x="5881092" y="5661248"/>
+            <a:ext cx="288032" cy="288032"/>
+          </a:xfrm>
+          <a:prstGeom prst="ellipse">
+            <a:avLst/>
+          </a:prstGeom>
+          <a:solidFill>
+            <a:srgbClr val="990000"/>
+          </a:solidFill>
+          <a:ln w="9525" cap="flat" cmpd="sng" algn="ctr">
+            <a:solidFill>
+              <a:schemeClr val="accent1"/>
+            </a:solidFill>
+            <a:prstDash val="solid"/>
+            <a:miter lim="800000"/>
+            <a:headEnd type="none" w="med" len="med"/>
+            <a:tailEnd type="none" w="med" len="med"/>
+          </a:ln>
+          <a:effectLst/>
+        </p:spPr>
+        <p:txBody>
+          <a:bodyPr vert="horz" wrap="square" lIns="90000" tIns="46800" rIns="90000" bIns="46800" numCol="1" rtlCol="0" anchor="ctr" anchorCtr="0" compatLnSpc="1">
+            <a:prstTxWarp prst="textNoShape">
+              <a:avLst/>
+            </a:prstTxWarp>
+          </a:bodyPr>
+          <a:lstStyle/>
+          <a:p>
+            <a:pPr marL="0" marR="0" indent="0" algn="ctr" defTabSz="914400" rtl="0" eaLnBrk="1" fontAlgn="base" latinLnBrk="0" hangingPunct="1">
+              <a:lnSpc>
+                <a:spcPct val="100000"/>
+              </a:lnSpc>
+              <a:spcBef>
+                <a:spcPts val="432"/>
+              </a:spcBef>
+              <a:spcAft>
+                <a:spcPct val="0"/>
+              </a:spcAft>
+              <a:buClrTx/>
+              <a:buSzTx/>
+              <a:buFontTx/>
+              <a:buNone/>
+              <a:tabLst/>
+            </a:pPr>
+            <a:endParaRPr kumimoji="0" lang="nl-NL" sz="1600" b="0" i="0" u="none" strike="noStrike" cap="none" normalizeH="0" baseline="0" dirty="0" err="1">
+              <a:ln>
+                <a:noFill/>
+              </a:ln>
+              <a:solidFill>
+                <a:srgbClr val="FFFFFF"/>
+              </a:solidFill>
+              <a:effectLst/>
+              <a:latin typeface="+mn-lt"/>
+              <a:ea typeface="ＭＳ Ｐゴシック" pitchFamily="-80" charset="-128"/>
+            </a:endParaRPr>
+          </a:p>
+        </p:txBody>
+      </p:sp>
+      <p:sp>
+        <p:nvSpPr>
+          <p:cNvPr id="13" name="Oval 12">
+            <a:extLst>
+              <a:ext uri="{FF2B5EF4-FFF2-40B4-BE49-F238E27FC236}">
+                <a16:creationId xmlns:a16="http://schemas.microsoft.com/office/drawing/2014/main" id="{5C6A1BF2-FD3F-0EDD-F38D-2CB607D6088A}"/>
+              </a:ext>
+            </a:extLst>
+          </p:cNvPr>
+          <p:cNvSpPr/>
+          <p:nvPr/>
+        </p:nvSpPr>
+        <p:spPr bwMode="auto">
+          <a:xfrm>
+            <a:off x="7033220" y="5662871"/>
+            <a:ext cx="288032" cy="288032"/>
+          </a:xfrm>
+          <a:prstGeom prst="ellipse">
+            <a:avLst/>
+          </a:prstGeom>
+          <a:noFill/>
+          <a:ln w="9525" cap="flat" cmpd="sng" algn="ctr">
+            <a:solidFill>
+              <a:schemeClr val="accent1"/>
+            </a:solidFill>
+            <a:prstDash val="solid"/>
+            <a:miter lim="800000"/>
+            <a:headEnd type="none" w="med" len="med"/>
+            <a:tailEnd type="none" w="med" len="med"/>
+          </a:ln>
+          <a:effectLst/>
+        </p:spPr>
+        <p:txBody>
+          <a:bodyPr vert="horz" wrap="square" lIns="90000" tIns="46800" rIns="90000" bIns="46800" numCol="1" rtlCol="0" anchor="ctr" anchorCtr="0" compatLnSpc="1">
+            <a:prstTxWarp prst="textNoShape">
+              <a:avLst/>
+            </a:prstTxWarp>
+          </a:bodyPr>
+          <a:lstStyle/>
+          <a:p>
+            <a:pPr marL="0" marR="0" indent="0" algn="ctr" defTabSz="914400" rtl="0" eaLnBrk="1" fontAlgn="base" latinLnBrk="0" hangingPunct="1">
+              <a:lnSpc>
+                <a:spcPct val="100000"/>
+              </a:lnSpc>
+              <a:spcBef>
+                <a:spcPts val="432"/>
+              </a:spcBef>
+              <a:spcAft>
+                <a:spcPct val="0"/>
+              </a:spcAft>
+              <a:buClrTx/>
+              <a:buSzTx/>
+              <a:buFontTx/>
+              <a:buNone/>
+              <a:tabLst/>
+            </a:pPr>
+            <a:endParaRPr kumimoji="0" lang="nl-NL" sz="1600" b="0" i="0" u="none" strike="noStrike" cap="none" normalizeH="0" baseline="0" dirty="0" err="1">
+              <a:ln>
+                <a:noFill/>
+              </a:ln>
+              <a:solidFill>
+                <a:srgbClr val="FFFFFF"/>
+              </a:solidFill>
+              <a:effectLst/>
+              <a:latin typeface="+mn-lt"/>
+              <a:ea typeface="ＭＳ Ｐゴシック" pitchFamily="-80" charset="-128"/>
+            </a:endParaRPr>
+          </a:p>
+        </p:txBody>
+      </p:sp>
+      <p:sp>
+        <p:nvSpPr>
+          <p:cNvPr id="14" name="TextBox 13">
+            <a:extLst>
+              <a:ext uri="{FF2B5EF4-FFF2-40B4-BE49-F238E27FC236}">
+                <a16:creationId xmlns:a16="http://schemas.microsoft.com/office/drawing/2014/main" id="{E7D7344E-2377-51EA-873C-FE0826C0A55F}"/>
+              </a:ext>
+            </a:extLst>
+          </p:cNvPr>
+          <p:cNvSpPr txBox="1"/>
+          <p:nvPr/>
+        </p:nvSpPr>
+        <p:spPr>
+          <a:xfrm>
+            <a:off x="1054646" y="6075041"/>
+            <a:ext cx="720080" cy="246221"/>
+          </a:xfrm>
+          <a:prstGeom prst="rect">
+            <a:avLst/>
+          </a:prstGeom>
+          <a:noFill/>
+        </p:spPr>
+        <p:txBody>
+          <a:bodyPr wrap="square" lIns="0" tIns="0" rIns="0" bIns="0" rtlCol="0">
+            <a:spAutoFit/>
+          </a:bodyPr>
+          <a:lstStyle/>
+          <a:p>
+            <a:pPr algn="ctr">
+              <a:spcBef>
+                <a:spcPts val="432"/>
+              </a:spcBef>
+            </a:pPr>
+            <a:r>
+              <a:rPr lang="en-US" dirty="0">
+                <a:solidFill>
+                  <a:srgbClr val="990000"/>
+                </a:solidFill>
+                <a:latin typeface="+mn-lt"/>
+              </a:rPr>
+              <a:t>Scope</a:t>
+            </a:r>
+            <a:endParaRPr lang="nl-NL" dirty="0" err="1">
+              <a:solidFill>
+                <a:srgbClr val="990000"/>
+              </a:solidFill>
+              <a:latin typeface="+mn-lt"/>
+            </a:endParaRPr>
+          </a:p>
+        </p:txBody>
+      </p:sp>
+      <p:sp>
+        <p:nvSpPr>
+          <p:cNvPr id="15" name="TextBox 14">
+            <a:extLst>
+              <a:ext uri="{FF2B5EF4-FFF2-40B4-BE49-F238E27FC236}">
+                <a16:creationId xmlns:a16="http://schemas.microsoft.com/office/drawing/2014/main" id="{5541955C-5D1B-1FA6-849A-1454FBEC5C26}"/>
+              </a:ext>
+            </a:extLst>
+          </p:cNvPr>
+          <p:cNvSpPr txBox="1"/>
+          <p:nvPr/>
+        </p:nvSpPr>
+        <p:spPr>
+          <a:xfrm>
+            <a:off x="2206774" y="6075041"/>
+            <a:ext cx="720080" cy="246221"/>
+          </a:xfrm>
+          <a:prstGeom prst="rect">
+            <a:avLst/>
+          </a:prstGeom>
+          <a:noFill/>
+        </p:spPr>
+        <p:txBody>
+          <a:bodyPr wrap="square" lIns="0" tIns="0" rIns="0" bIns="0" rtlCol="0">
+            <a:spAutoFit/>
+          </a:bodyPr>
+          <a:lstStyle/>
+          <a:p>
+            <a:pPr algn="ctr">
+              <a:spcBef>
+                <a:spcPts val="432"/>
+              </a:spcBef>
+            </a:pPr>
+            <a:r>
+              <a:rPr lang="en-US" dirty="0">
+                <a:solidFill>
+                  <a:srgbClr val="990000"/>
+                </a:solidFill>
+                <a:latin typeface="+mn-lt"/>
+              </a:rPr>
+              <a:t>Data</a:t>
+            </a:r>
+            <a:endParaRPr lang="nl-NL" dirty="0" err="1">
+              <a:solidFill>
+                <a:srgbClr val="990000"/>
+              </a:solidFill>
+              <a:latin typeface="+mn-lt"/>
+            </a:endParaRPr>
+          </a:p>
+        </p:txBody>
+      </p:sp>
+      <p:sp>
+        <p:nvSpPr>
+          <p:cNvPr id="16" name="TextBox 15">
+            <a:extLst>
+              <a:ext uri="{FF2B5EF4-FFF2-40B4-BE49-F238E27FC236}">
+                <a16:creationId xmlns:a16="http://schemas.microsoft.com/office/drawing/2014/main" id="{4994C42F-E969-BD95-543D-66225CD821C8}"/>
+              </a:ext>
+            </a:extLst>
+          </p:cNvPr>
+          <p:cNvSpPr txBox="1"/>
+          <p:nvPr/>
+        </p:nvSpPr>
+        <p:spPr>
+          <a:xfrm>
+            <a:off x="3358902" y="6075040"/>
+            <a:ext cx="720080" cy="246221"/>
+          </a:xfrm>
+          <a:prstGeom prst="rect">
+            <a:avLst/>
+          </a:prstGeom>
+          <a:noFill/>
+        </p:spPr>
+        <p:txBody>
+          <a:bodyPr wrap="square" lIns="0" tIns="0" rIns="0" bIns="0" rtlCol="0">
+            <a:spAutoFit/>
+          </a:bodyPr>
+          <a:lstStyle/>
+          <a:p>
+            <a:pPr algn="ctr">
+              <a:spcBef>
+                <a:spcPts val="432"/>
+              </a:spcBef>
+            </a:pPr>
+            <a:r>
+              <a:rPr lang="en-US" dirty="0">
+                <a:solidFill>
+                  <a:srgbClr val="990000"/>
+                </a:solidFill>
+                <a:latin typeface="+mn-lt"/>
+              </a:rPr>
+              <a:t>FFNN</a:t>
+            </a:r>
+            <a:endParaRPr lang="nl-NL" dirty="0" err="1">
+              <a:solidFill>
+                <a:srgbClr val="990000"/>
+              </a:solidFill>
+              <a:latin typeface="+mn-lt"/>
+            </a:endParaRPr>
+          </a:p>
+        </p:txBody>
+      </p:sp>
+      <p:sp>
+        <p:nvSpPr>
+          <p:cNvPr id="17" name="TextBox 16">
+            <a:extLst>
+              <a:ext uri="{FF2B5EF4-FFF2-40B4-BE49-F238E27FC236}">
+                <a16:creationId xmlns:a16="http://schemas.microsoft.com/office/drawing/2014/main" id="{AB5662D0-BA25-3D8C-9A03-33DBEBB09B6C}"/>
+              </a:ext>
+            </a:extLst>
+          </p:cNvPr>
+          <p:cNvSpPr txBox="1"/>
+          <p:nvPr/>
+        </p:nvSpPr>
+        <p:spPr>
+          <a:xfrm>
+            <a:off x="4512940" y="6075040"/>
+            <a:ext cx="720080" cy="246221"/>
+          </a:xfrm>
+          <a:prstGeom prst="rect">
+            <a:avLst/>
+          </a:prstGeom>
+          <a:noFill/>
+        </p:spPr>
+        <p:txBody>
+          <a:bodyPr wrap="square" lIns="0" tIns="0" rIns="0" bIns="0" rtlCol="0">
+            <a:spAutoFit/>
+          </a:bodyPr>
+          <a:lstStyle/>
+          <a:p>
+            <a:pPr algn="ctr">
+              <a:spcBef>
+                <a:spcPts val="432"/>
+              </a:spcBef>
+            </a:pPr>
+            <a:r>
+              <a:rPr lang="en-US" dirty="0">
+                <a:solidFill>
+                  <a:srgbClr val="990000"/>
+                </a:solidFill>
+                <a:latin typeface="+mn-lt"/>
+              </a:rPr>
+              <a:t>MLDM</a:t>
+            </a:r>
+            <a:endParaRPr lang="nl-NL" dirty="0" err="1">
+              <a:solidFill>
+                <a:srgbClr val="990000"/>
+              </a:solidFill>
+              <a:latin typeface="+mn-lt"/>
+            </a:endParaRPr>
+          </a:p>
+        </p:txBody>
+      </p:sp>
+      <p:sp>
+        <p:nvSpPr>
+          <p:cNvPr id="18" name="TextBox 17">
+            <a:extLst>
+              <a:ext uri="{FF2B5EF4-FFF2-40B4-BE49-F238E27FC236}">
+                <a16:creationId xmlns:a16="http://schemas.microsoft.com/office/drawing/2014/main" id="{F7C01F00-13CD-7916-EE07-A8D873FF265E}"/>
+              </a:ext>
+            </a:extLst>
+          </p:cNvPr>
+          <p:cNvSpPr txBox="1"/>
+          <p:nvPr/>
+        </p:nvSpPr>
+        <p:spPr>
+          <a:xfrm>
+            <a:off x="5638825" y="6075040"/>
+            <a:ext cx="720080" cy="246221"/>
+          </a:xfrm>
+          <a:prstGeom prst="rect">
+            <a:avLst/>
+          </a:prstGeom>
+          <a:noFill/>
+        </p:spPr>
+        <p:txBody>
+          <a:bodyPr wrap="square" lIns="0" tIns="0" rIns="0" bIns="0" rtlCol="0">
+            <a:spAutoFit/>
+          </a:bodyPr>
+          <a:lstStyle/>
+          <a:p>
+            <a:pPr algn="ctr">
+              <a:spcBef>
+                <a:spcPts val="432"/>
+              </a:spcBef>
+            </a:pPr>
+            <a:r>
+              <a:rPr lang="en-US" dirty="0">
+                <a:solidFill>
+                  <a:srgbClr val="990000"/>
+                </a:solidFill>
+                <a:latin typeface="+mn-lt"/>
+              </a:rPr>
+              <a:t>LSTM</a:t>
+            </a:r>
+            <a:endParaRPr lang="nl-NL" dirty="0" err="1">
+              <a:solidFill>
+                <a:srgbClr val="990000"/>
+              </a:solidFill>
+              <a:latin typeface="+mn-lt"/>
+            </a:endParaRPr>
+          </a:p>
+        </p:txBody>
+      </p:sp>
+      <p:sp>
+        <p:nvSpPr>
+          <p:cNvPr id="19" name="TextBox 18">
+            <a:extLst>
+              <a:ext uri="{FF2B5EF4-FFF2-40B4-BE49-F238E27FC236}">
+                <a16:creationId xmlns:a16="http://schemas.microsoft.com/office/drawing/2014/main" id="{E330CAF3-9B33-94CC-0764-368A8BDEF7E4}"/>
+              </a:ext>
+            </a:extLst>
+          </p:cNvPr>
+          <p:cNvSpPr txBox="1"/>
+          <p:nvPr/>
+        </p:nvSpPr>
+        <p:spPr>
+          <a:xfrm>
+            <a:off x="6817196" y="6075040"/>
+            <a:ext cx="720080" cy="492443"/>
+          </a:xfrm>
+          <a:prstGeom prst="rect">
+            <a:avLst/>
+          </a:prstGeom>
+          <a:noFill/>
+        </p:spPr>
+        <p:txBody>
+          <a:bodyPr wrap="square" lIns="0" tIns="0" rIns="0" bIns="0" rtlCol="0">
+            <a:spAutoFit/>
+          </a:bodyPr>
+          <a:lstStyle/>
+          <a:p>
+            <a:pPr algn="ctr">
+              <a:spcBef>
+                <a:spcPts val="432"/>
+              </a:spcBef>
+            </a:pPr>
+            <a:r>
+              <a:rPr lang="en-US" dirty="0">
+                <a:solidFill>
+                  <a:srgbClr val="990000"/>
+                </a:solidFill>
+                <a:latin typeface="+mn-lt"/>
+              </a:rPr>
+              <a:t>Further Plans</a:t>
+            </a:r>
+            <a:endParaRPr lang="nl-NL" dirty="0" err="1">
+              <a:solidFill>
+                <a:srgbClr val="990000"/>
+              </a:solidFill>
+              <a:latin typeface="+mn-lt"/>
+            </a:endParaRPr>
+          </a:p>
+        </p:txBody>
+      </p:sp>
     </p:spTree>
     <p:extLst>
       <p:ext uri="{BB962C8B-B14F-4D97-AF65-F5344CB8AC3E}">
@@ -10159,7 +14661,13 @@
           <a:p>
             <a:r>
               <a:rPr lang="en-US" dirty="0"/>
-              <a:t>GRU Model </a:t>
+              <a:t>GRU Model</a:t>
+            </a:r>
+          </a:p>
+          <a:p>
+            <a:r>
+              <a:rPr lang="en-US" dirty="0"/>
+              <a:t>Compare the 2 Beam LiDAR with 4 Beam LiDAR </a:t>
             </a:r>
             <a:endParaRPr lang="nl-NL" dirty="0"/>
           </a:p>
@@ -10192,6 +14700,734 @@
               <a:t>8</a:t>
             </a:fld>
             <a:endParaRPr lang="en-GB" dirty="0"/>
+          </a:p>
+        </p:txBody>
+      </p:sp>
+      <p:sp>
+        <p:nvSpPr>
+          <p:cNvPr id="5" name="Oval 4">
+            <a:extLst>
+              <a:ext uri="{FF2B5EF4-FFF2-40B4-BE49-F238E27FC236}">
+                <a16:creationId xmlns:a16="http://schemas.microsoft.com/office/drawing/2014/main" id="{AC690B20-0265-7045-3A68-1F6DE9E8E273}"/>
+              </a:ext>
+            </a:extLst>
+          </p:cNvPr>
+          <p:cNvSpPr/>
+          <p:nvPr/>
+        </p:nvSpPr>
+        <p:spPr bwMode="auto">
+          <a:xfrm>
+            <a:off x="1270670" y="5661248"/>
+            <a:ext cx="288032" cy="288032"/>
+          </a:xfrm>
+          <a:prstGeom prst="ellipse">
+            <a:avLst/>
+          </a:prstGeom>
+          <a:noFill/>
+          <a:ln w="9525" cap="flat" cmpd="sng" algn="ctr">
+            <a:solidFill>
+              <a:schemeClr val="accent1"/>
+            </a:solidFill>
+            <a:prstDash val="solid"/>
+            <a:miter lim="800000"/>
+            <a:headEnd type="none" w="med" len="med"/>
+            <a:tailEnd type="none" w="med" len="med"/>
+          </a:ln>
+          <a:effectLst/>
+        </p:spPr>
+        <p:txBody>
+          <a:bodyPr vert="horz" wrap="square" lIns="90000" tIns="46800" rIns="90000" bIns="46800" numCol="1" rtlCol="0" anchor="ctr" anchorCtr="0" compatLnSpc="1">
+            <a:prstTxWarp prst="textNoShape">
+              <a:avLst/>
+            </a:prstTxWarp>
+          </a:bodyPr>
+          <a:lstStyle/>
+          <a:p>
+            <a:pPr marL="0" marR="0" indent="0" algn="ctr" defTabSz="914400" rtl="0" eaLnBrk="1" fontAlgn="base" latinLnBrk="0" hangingPunct="1">
+              <a:lnSpc>
+                <a:spcPct val="100000"/>
+              </a:lnSpc>
+              <a:spcBef>
+                <a:spcPts val="432"/>
+              </a:spcBef>
+              <a:spcAft>
+                <a:spcPct val="0"/>
+              </a:spcAft>
+              <a:buClrTx/>
+              <a:buSzTx/>
+              <a:buFontTx/>
+              <a:buNone/>
+              <a:tabLst/>
+            </a:pPr>
+            <a:endParaRPr kumimoji="0" lang="nl-NL" sz="1600" b="0" i="0" u="none" strike="noStrike" cap="none" normalizeH="0" baseline="0" dirty="0" err="1">
+              <a:ln>
+                <a:noFill/>
+              </a:ln>
+              <a:solidFill>
+                <a:srgbClr val="FFFFFF"/>
+              </a:solidFill>
+              <a:effectLst/>
+              <a:latin typeface="+mn-lt"/>
+              <a:ea typeface="ＭＳ Ｐゴシック" pitchFamily="-80" charset="-128"/>
+            </a:endParaRPr>
+          </a:p>
+        </p:txBody>
+      </p:sp>
+      <p:sp>
+        <p:nvSpPr>
+          <p:cNvPr id="6" name="Oval 5">
+            <a:extLst>
+              <a:ext uri="{FF2B5EF4-FFF2-40B4-BE49-F238E27FC236}">
+                <a16:creationId xmlns:a16="http://schemas.microsoft.com/office/drawing/2014/main" id="{4E120DE8-311E-AA26-4C71-034B823BBE62}"/>
+              </a:ext>
+            </a:extLst>
+          </p:cNvPr>
+          <p:cNvSpPr/>
+          <p:nvPr/>
+        </p:nvSpPr>
+        <p:spPr bwMode="auto">
+          <a:xfrm>
+            <a:off x="2422798" y="5661248"/>
+            <a:ext cx="288032" cy="288032"/>
+          </a:xfrm>
+          <a:prstGeom prst="ellipse">
+            <a:avLst/>
+          </a:prstGeom>
+          <a:noFill/>
+          <a:ln w="9525" cap="flat" cmpd="sng" algn="ctr">
+            <a:solidFill>
+              <a:schemeClr val="accent1"/>
+            </a:solidFill>
+            <a:prstDash val="solid"/>
+            <a:miter lim="800000"/>
+            <a:headEnd type="none" w="med" len="med"/>
+            <a:tailEnd type="none" w="med" len="med"/>
+          </a:ln>
+          <a:effectLst/>
+        </p:spPr>
+        <p:txBody>
+          <a:bodyPr vert="horz" wrap="square" lIns="90000" tIns="46800" rIns="90000" bIns="46800" numCol="1" rtlCol="0" anchor="ctr" anchorCtr="0" compatLnSpc="1">
+            <a:prstTxWarp prst="textNoShape">
+              <a:avLst/>
+            </a:prstTxWarp>
+          </a:bodyPr>
+          <a:lstStyle/>
+          <a:p>
+            <a:pPr marL="0" marR="0" indent="0" algn="ctr" defTabSz="914400" rtl="0" eaLnBrk="1" fontAlgn="base" latinLnBrk="0" hangingPunct="1">
+              <a:lnSpc>
+                <a:spcPct val="100000"/>
+              </a:lnSpc>
+              <a:spcBef>
+                <a:spcPts val="432"/>
+              </a:spcBef>
+              <a:spcAft>
+                <a:spcPct val="0"/>
+              </a:spcAft>
+              <a:buClrTx/>
+              <a:buSzTx/>
+              <a:buFontTx/>
+              <a:buNone/>
+              <a:tabLst/>
+            </a:pPr>
+            <a:endParaRPr kumimoji="0" lang="nl-NL" sz="1600" b="0" i="0" u="none" strike="noStrike" cap="none" normalizeH="0" baseline="0" dirty="0" err="1">
+              <a:ln>
+                <a:noFill/>
+              </a:ln>
+              <a:solidFill>
+                <a:srgbClr val="FFFFFF"/>
+              </a:solidFill>
+              <a:effectLst/>
+              <a:latin typeface="+mn-lt"/>
+              <a:ea typeface="ＭＳ Ｐゴシック" pitchFamily="-80" charset="-128"/>
+            </a:endParaRPr>
+          </a:p>
+        </p:txBody>
+      </p:sp>
+      <p:sp>
+        <p:nvSpPr>
+          <p:cNvPr id="7" name="Oval 6">
+            <a:extLst>
+              <a:ext uri="{FF2B5EF4-FFF2-40B4-BE49-F238E27FC236}">
+                <a16:creationId xmlns:a16="http://schemas.microsoft.com/office/drawing/2014/main" id="{65306B24-82E5-688F-A167-CC0B10D3AA91}"/>
+              </a:ext>
+            </a:extLst>
+          </p:cNvPr>
+          <p:cNvSpPr/>
+          <p:nvPr/>
+        </p:nvSpPr>
+        <p:spPr bwMode="auto">
+          <a:xfrm>
+            <a:off x="3574926" y="5661248"/>
+            <a:ext cx="288032" cy="288032"/>
+          </a:xfrm>
+          <a:prstGeom prst="ellipse">
+            <a:avLst/>
+          </a:prstGeom>
+          <a:noFill/>
+          <a:ln w="9525" cap="flat" cmpd="sng" algn="ctr">
+            <a:solidFill>
+              <a:schemeClr val="accent1"/>
+            </a:solidFill>
+            <a:prstDash val="solid"/>
+            <a:miter lim="800000"/>
+            <a:headEnd type="none" w="med" len="med"/>
+            <a:tailEnd type="none" w="med" len="med"/>
+          </a:ln>
+          <a:effectLst/>
+        </p:spPr>
+        <p:txBody>
+          <a:bodyPr vert="horz" wrap="square" lIns="90000" tIns="46800" rIns="90000" bIns="46800" numCol="1" rtlCol="0" anchor="ctr" anchorCtr="0" compatLnSpc="1">
+            <a:prstTxWarp prst="textNoShape">
+              <a:avLst/>
+            </a:prstTxWarp>
+          </a:bodyPr>
+          <a:lstStyle/>
+          <a:p>
+            <a:pPr marL="0" marR="0" indent="0" algn="ctr" defTabSz="914400" rtl="0" eaLnBrk="1" fontAlgn="base" latinLnBrk="0" hangingPunct="1">
+              <a:lnSpc>
+                <a:spcPct val="100000"/>
+              </a:lnSpc>
+              <a:spcBef>
+                <a:spcPts val="432"/>
+              </a:spcBef>
+              <a:spcAft>
+                <a:spcPct val="0"/>
+              </a:spcAft>
+              <a:buClrTx/>
+              <a:buSzTx/>
+              <a:buFontTx/>
+              <a:buNone/>
+              <a:tabLst/>
+            </a:pPr>
+            <a:endParaRPr kumimoji="0" lang="nl-NL" sz="1600" b="0" i="0" u="none" strike="noStrike" cap="none" normalizeH="0" baseline="0" dirty="0" err="1">
+              <a:ln>
+                <a:noFill/>
+              </a:ln>
+              <a:solidFill>
+                <a:srgbClr val="FFFFFF"/>
+              </a:solidFill>
+              <a:effectLst/>
+              <a:latin typeface="+mn-lt"/>
+              <a:ea typeface="ＭＳ Ｐゴシック" pitchFamily="-80" charset="-128"/>
+            </a:endParaRPr>
+          </a:p>
+        </p:txBody>
+      </p:sp>
+      <p:sp>
+        <p:nvSpPr>
+          <p:cNvPr id="8" name="Oval 7">
+            <a:extLst>
+              <a:ext uri="{FF2B5EF4-FFF2-40B4-BE49-F238E27FC236}">
+                <a16:creationId xmlns:a16="http://schemas.microsoft.com/office/drawing/2014/main" id="{8010D9BA-097D-E43F-6770-3260F4C9A1D9}"/>
+              </a:ext>
+            </a:extLst>
+          </p:cNvPr>
+          <p:cNvSpPr/>
+          <p:nvPr/>
+        </p:nvSpPr>
+        <p:spPr bwMode="auto">
+          <a:xfrm>
+            <a:off x="4728964" y="5662871"/>
+            <a:ext cx="288032" cy="288032"/>
+          </a:xfrm>
+          <a:prstGeom prst="ellipse">
+            <a:avLst/>
+          </a:prstGeom>
+          <a:noFill/>
+          <a:ln w="9525" cap="flat" cmpd="sng" algn="ctr">
+            <a:solidFill>
+              <a:schemeClr val="accent1"/>
+            </a:solidFill>
+            <a:prstDash val="solid"/>
+            <a:miter lim="800000"/>
+            <a:headEnd type="none" w="med" len="med"/>
+            <a:tailEnd type="none" w="med" len="med"/>
+          </a:ln>
+          <a:effectLst/>
+        </p:spPr>
+        <p:txBody>
+          <a:bodyPr vert="horz" wrap="square" lIns="90000" tIns="46800" rIns="90000" bIns="46800" numCol="1" rtlCol="0" anchor="ctr" anchorCtr="0" compatLnSpc="1">
+            <a:prstTxWarp prst="textNoShape">
+              <a:avLst/>
+            </a:prstTxWarp>
+          </a:bodyPr>
+          <a:lstStyle/>
+          <a:p>
+            <a:pPr marL="0" marR="0" indent="0" algn="ctr" defTabSz="914400" rtl="0" eaLnBrk="1" fontAlgn="base" latinLnBrk="0" hangingPunct="1">
+              <a:lnSpc>
+                <a:spcPct val="100000"/>
+              </a:lnSpc>
+              <a:spcBef>
+                <a:spcPts val="432"/>
+              </a:spcBef>
+              <a:spcAft>
+                <a:spcPct val="0"/>
+              </a:spcAft>
+              <a:buClrTx/>
+              <a:buSzTx/>
+              <a:buFontTx/>
+              <a:buNone/>
+              <a:tabLst/>
+            </a:pPr>
+            <a:endParaRPr kumimoji="0" lang="nl-NL" sz="1600" b="0" i="0" u="none" strike="noStrike" cap="none" normalizeH="0" baseline="0" dirty="0" err="1">
+              <a:ln>
+                <a:noFill/>
+              </a:ln>
+              <a:solidFill>
+                <a:srgbClr val="FFFFFF"/>
+              </a:solidFill>
+              <a:effectLst/>
+              <a:latin typeface="+mn-lt"/>
+              <a:ea typeface="ＭＳ Ｐゴシック" pitchFamily="-80" charset="-128"/>
+            </a:endParaRPr>
+          </a:p>
+        </p:txBody>
+      </p:sp>
+      <p:sp>
+        <p:nvSpPr>
+          <p:cNvPr id="9" name="Oval 8">
+            <a:extLst>
+              <a:ext uri="{FF2B5EF4-FFF2-40B4-BE49-F238E27FC236}">
+                <a16:creationId xmlns:a16="http://schemas.microsoft.com/office/drawing/2014/main" id="{583D7217-43BF-144D-EAE9-C8EB568999D7}"/>
+              </a:ext>
+            </a:extLst>
+          </p:cNvPr>
+          <p:cNvSpPr/>
+          <p:nvPr/>
+        </p:nvSpPr>
+        <p:spPr bwMode="auto">
+          <a:xfrm>
+            <a:off x="5881092" y="5661248"/>
+            <a:ext cx="288032" cy="288032"/>
+          </a:xfrm>
+          <a:prstGeom prst="ellipse">
+            <a:avLst/>
+          </a:prstGeom>
+          <a:noFill/>
+          <a:ln w="9525" cap="flat" cmpd="sng" algn="ctr">
+            <a:solidFill>
+              <a:schemeClr val="accent1"/>
+            </a:solidFill>
+            <a:prstDash val="solid"/>
+            <a:miter lim="800000"/>
+            <a:headEnd type="none" w="med" len="med"/>
+            <a:tailEnd type="none" w="med" len="med"/>
+          </a:ln>
+          <a:effectLst/>
+        </p:spPr>
+        <p:txBody>
+          <a:bodyPr vert="horz" wrap="square" lIns="90000" tIns="46800" rIns="90000" bIns="46800" numCol="1" rtlCol="0" anchor="ctr" anchorCtr="0" compatLnSpc="1">
+            <a:prstTxWarp prst="textNoShape">
+              <a:avLst/>
+            </a:prstTxWarp>
+          </a:bodyPr>
+          <a:lstStyle/>
+          <a:p>
+            <a:pPr marL="0" marR="0" indent="0" algn="ctr" defTabSz="914400" rtl="0" eaLnBrk="1" fontAlgn="base" latinLnBrk="0" hangingPunct="1">
+              <a:lnSpc>
+                <a:spcPct val="100000"/>
+              </a:lnSpc>
+              <a:spcBef>
+                <a:spcPts val="432"/>
+              </a:spcBef>
+              <a:spcAft>
+                <a:spcPct val="0"/>
+              </a:spcAft>
+              <a:buClrTx/>
+              <a:buSzTx/>
+              <a:buFontTx/>
+              <a:buNone/>
+              <a:tabLst/>
+            </a:pPr>
+            <a:endParaRPr kumimoji="0" lang="nl-NL" sz="1600" b="0" i="0" u="none" strike="noStrike" cap="none" normalizeH="0" baseline="0" dirty="0" err="1">
+              <a:ln>
+                <a:noFill/>
+              </a:ln>
+              <a:solidFill>
+                <a:srgbClr val="FFFFFF"/>
+              </a:solidFill>
+              <a:effectLst/>
+              <a:latin typeface="+mn-lt"/>
+              <a:ea typeface="ＭＳ Ｐゴシック" pitchFamily="-80" charset="-128"/>
+            </a:endParaRPr>
+          </a:p>
+        </p:txBody>
+      </p:sp>
+      <p:sp>
+        <p:nvSpPr>
+          <p:cNvPr id="10" name="Oval 9">
+            <a:extLst>
+              <a:ext uri="{FF2B5EF4-FFF2-40B4-BE49-F238E27FC236}">
+                <a16:creationId xmlns:a16="http://schemas.microsoft.com/office/drawing/2014/main" id="{0F1943C5-5577-3B5F-AD3B-58175A3E6518}"/>
+              </a:ext>
+            </a:extLst>
+          </p:cNvPr>
+          <p:cNvSpPr/>
+          <p:nvPr/>
+        </p:nvSpPr>
+        <p:spPr bwMode="auto">
+          <a:xfrm>
+            <a:off x="7033220" y="5662871"/>
+            <a:ext cx="288032" cy="288032"/>
+          </a:xfrm>
+          <a:prstGeom prst="ellipse">
+            <a:avLst/>
+          </a:prstGeom>
+          <a:solidFill>
+            <a:srgbClr val="990000"/>
+          </a:solidFill>
+          <a:ln w="9525" cap="flat" cmpd="sng" algn="ctr">
+            <a:solidFill>
+              <a:schemeClr val="accent1"/>
+            </a:solidFill>
+            <a:prstDash val="solid"/>
+            <a:miter lim="800000"/>
+            <a:headEnd type="none" w="med" len="med"/>
+            <a:tailEnd type="none" w="med" len="med"/>
+          </a:ln>
+          <a:effectLst/>
+        </p:spPr>
+        <p:txBody>
+          <a:bodyPr vert="horz" wrap="square" lIns="90000" tIns="46800" rIns="90000" bIns="46800" numCol="1" rtlCol="0" anchor="ctr" anchorCtr="0" compatLnSpc="1">
+            <a:prstTxWarp prst="textNoShape">
+              <a:avLst/>
+            </a:prstTxWarp>
+          </a:bodyPr>
+          <a:lstStyle/>
+          <a:p>
+            <a:pPr marL="0" marR="0" indent="0" algn="ctr" defTabSz="914400" rtl="0" eaLnBrk="1" fontAlgn="base" latinLnBrk="0" hangingPunct="1">
+              <a:lnSpc>
+                <a:spcPct val="100000"/>
+              </a:lnSpc>
+              <a:spcBef>
+                <a:spcPts val="432"/>
+              </a:spcBef>
+              <a:spcAft>
+                <a:spcPct val="0"/>
+              </a:spcAft>
+              <a:buClrTx/>
+              <a:buSzTx/>
+              <a:buFontTx/>
+              <a:buNone/>
+              <a:tabLst/>
+            </a:pPr>
+            <a:endParaRPr kumimoji="0" lang="nl-NL" sz="1600" b="0" i="0" u="none" strike="noStrike" cap="none" normalizeH="0" baseline="0" dirty="0" err="1">
+              <a:ln>
+                <a:noFill/>
+              </a:ln>
+              <a:solidFill>
+                <a:srgbClr val="FFFFFF"/>
+              </a:solidFill>
+              <a:effectLst/>
+              <a:latin typeface="+mn-lt"/>
+              <a:ea typeface="ＭＳ Ｐゴシック" pitchFamily="-80" charset="-128"/>
+            </a:endParaRPr>
+          </a:p>
+        </p:txBody>
+      </p:sp>
+      <p:sp>
+        <p:nvSpPr>
+          <p:cNvPr id="11" name="TextBox 10">
+            <a:extLst>
+              <a:ext uri="{FF2B5EF4-FFF2-40B4-BE49-F238E27FC236}">
+                <a16:creationId xmlns:a16="http://schemas.microsoft.com/office/drawing/2014/main" id="{F62FCE6B-79E2-7897-EF13-0CE7F3FDADFD}"/>
+              </a:ext>
+            </a:extLst>
+          </p:cNvPr>
+          <p:cNvSpPr txBox="1"/>
+          <p:nvPr/>
+        </p:nvSpPr>
+        <p:spPr>
+          <a:xfrm>
+            <a:off x="1054646" y="6075041"/>
+            <a:ext cx="720080" cy="246221"/>
+          </a:xfrm>
+          <a:prstGeom prst="rect">
+            <a:avLst/>
+          </a:prstGeom>
+          <a:noFill/>
+        </p:spPr>
+        <p:txBody>
+          <a:bodyPr wrap="square" lIns="0" tIns="0" rIns="0" bIns="0" rtlCol="0">
+            <a:spAutoFit/>
+          </a:bodyPr>
+          <a:lstStyle/>
+          <a:p>
+            <a:pPr algn="ctr">
+              <a:spcBef>
+                <a:spcPts val="432"/>
+              </a:spcBef>
+            </a:pPr>
+            <a:r>
+              <a:rPr lang="en-US" dirty="0">
+                <a:solidFill>
+                  <a:srgbClr val="990000"/>
+                </a:solidFill>
+                <a:latin typeface="+mn-lt"/>
+              </a:rPr>
+              <a:t>Scope</a:t>
+            </a:r>
+            <a:endParaRPr lang="nl-NL" dirty="0" err="1">
+              <a:solidFill>
+                <a:srgbClr val="990000"/>
+              </a:solidFill>
+              <a:latin typeface="+mn-lt"/>
+            </a:endParaRPr>
+          </a:p>
+        </p:txBody>
+      </p:sp>
+      <p:sp>
+        <p:nvSpPr>
+          <p:cNvPr id="12" name="TextBox 11">
+            <a:extLst>
+              <a:ext uri="{FF2B5EF4-FFF2-40B4-BE49-F238E27FC236}">
+                <a16:creationId xmlns:a16="http://schemas.microsoft.com/office/drawing/2014/main" id="{9F07F663-2E0F-D8EA-7732-B2F5722669D3}"/>
+              </a:ext>
+            </a:extLst>
+          </p:cNvPr>
+          <p:cNvSpPr txBox="1"/>
+          <p:nvPr/>
+        </p:nvSpPr>
+        <p:spPr>
+          <a:xfrm>
+            <a:off x="2206774" y="6075041"/>
+            <a:ext cx="720080" cy="246221"/>
+          </a:xfrm>
+          <a:prstGeom prst="rect">
+            <a:avLst/>
+          </a:prstGeom>
+          <a:noFill/>
+        </p:spPr>
+        <p:txBody>
+          <a:bodyPr wrap="square" lIns="0" tIns="0" rIns="0" bIns="0" rtlCol="0">
+            <a:spAutoFit/>
+          </a:bodyPr>
+          <a:lstStyle/>
+          <a:p>
+            <a:pPr algn="ctr">
+              <a:spcBef>
+                <a:spcPts val="432"/>
+              </a:spcBef>
+            </a:pPr>
+            <a:r>
+              <a:rPr lang="en-US" dirty="0">
+                <a:solidFill>
+                  <a:srgbClr val="990000"/>
+                </a:solidFill>
+                <a:latin typeface="+mn-lt"/>
+              </a:rPr>
+              <a:t>Data</a:t>
+            </a:r>
+            <a:endParaRPr lang="nl-NL" dirty="0" err="1">
+              <a:solidFill>
+                <a:srgbClr val="990000"/>
+              </a:solidFill>
+              <a:latin typeface="+mn-lt"/>
+            </a:endParaRPr>
+          </a:p>
+        </p:txBody>
+      </p:sp>
+      <p:sp>
+        <p:nvSpPr>
+          <p:cNvPr id="13" name="TextBox 12">
+            <a:extLst>
+              <a:ext uri="{FF2B5EF4-FFF2-40B4-BE49-F238E27FC236}">
+                <a16:creationId xmlns:a16="http://schemas.microsoft.com/office/drawing/2014/main" id="{2428103D-4D54-3FF4-044D-BF13465826C9}"/>
+              </a:ext>
+            </a:extLst>
+          </p:cNvPr>
+          <p:cNvSpPr txBox="1"/>
+          <p:nvPr/>
+        </p:nvSpPr>
+        <p:spPr>
+          <a:xfrm>
+            <a:off x="3358902" y="6075040"/>
+            <a:ext cx="720080" cy="246221"/>
+          </a:xfrm>
+          <a:prstGeom prst="rect">
+            <a:avLst/>
+          </a:prstGeom>
+          <a:noFill/>
+        </p:spPr>
+        <p:txBody>
+          <a:bodyPr wrap="square" lIns="0" tIns="0" rIns="0" bIns="0" rtlCol="0">
+            <a:spAutoFit/>
+          </a:bodyPr>
+          <a:lstStyle/>
+          <a:p>
+            <a:pPr algn="ctr">
+              <a:spcBef>
+                <a:spcPts val="432"/>
+              </a:spcBef>
+            </a:pPr>
+            <a:r>
+              <a:rPr lang="en-US" dirty="0">
+                <a:solidFill>
+                  <a:srgbClr val="990000"/>
+                </a:solidFill>
+                <a:latin typeface="+mn-lt"/>
+              </a:rPr>
+              <a:t>FFNN</a:t>
+            </a:r>
+            <a:endParaRPr lang="nl-NL" dirty="0" err="1">
+              <a:solidFill>
+                <a:srgbClr val="990000"/>
+              </a:solidFill>
+              <a:latin typeface="+mn-lt"/>
+            </a:endParaRPr>
+          </a:p>
+        </p:txBody>
+      </p:sp>
+      <p:sp>
+        <p:nvSpPr>
+          <p:cNvPr id="14" name="TextBox 13">
+            <a:extLst>
+              <a:ext uri="{FF2B5EF4-FFF2-40B4-BE49-F238E27FC236}">
+                <a16:creationId xmlns:a16="http://schemas.microsoft.com/office/drawing/2014/main" id="{44A844B2-6C24-5151-B319-B276F6FC8074}"/>
+              </a:ext>
+            </a:extLst>
+          </p:cNvPr>
+          <p:cNvSpPr txBox="1"/>
+          <p:nvPr/>
+        </p:nvSpPr>
+        <p:spPr>
+          <a:xfrm>
+            <a:off x="4512940" y="6075040"/>
+            <a:ext cx="720080" cy="246221"/>
+          </a:xfrm>
+          <a:prstGeom prst="rect">
+            <a:avLst/>
+          </a:prstGeom>
+          <a:noFill/>
+        </p:spPr>
+        <p:txBody>
+          <a:bodyPr wrap="square" lIns="0" tIns="0" rIns="0" bIns="0" rtlCol="0">
+            <a:spAutoFit/>
+          </a:bodyPr>
+          <a:lstStyle/>
+          <a:p>
+            <a:pPr algn="ctr">
+              <a:spcBef>
+                <a:spcPts val="432"/>
+              </a:spcBef>
+            </a:pPr>
+            <a:r>
+              <a:rPr lang="en-US" dirty="0">
+                <a:solidFill>
+                  <a:srgbClr val="990000"/>
+                </a:solidFill>
+                <a:latin typeface="+mn-lt"/>
+              </a:rPr>
+              <a:t>MLDM</a:t>
+            </a:r>
+            <a:endParaRPr lang="nl-NL" dirty="0" err="1">
+              <a:solidFill>
+                <a:srgbClr val="990000"/>
+              </a:solidFill>
+              <a:latin typeface="+mn-lt"/>
+            </a:endParaRPr>
+          </a:p>
+        </p:txBody>
+      </p:sp>
+      <p:sp>
+        <p:nvSpPr>
+          <p:cNvPr id="15" name="TextBox 14">
+            <a:extLst>
+              <a:ext uri="{FF2B5EF4-FFF2-40B4-BE49-F238E27FC236}">
+                <a16:creationId xmlns:a16="http://schemas.microsoft.com/office/drawing/2014/main" id="{3E23A9BF-894E-AADB-DDB5-29256B8B3B2D}"/>
+              </a:ext>
+            </a:extLst>
+          </p:cNvPr>
+          <p:cNvSpPr txBox="1"/>
+          <p:nvPr/>
+        </p:nvSpPr>
+        <p:spPr>
+          <a:xfrm>
+            <a:off x="5638825" y="6075040"/>
+            <a:ext cx="720080" cy="246221"/>
+          </a:xfrm>
+          <a:prstGeom prst="rect">
+            <a:avLst/>
+          </a:prstGeom>
+          <a:noFill/>
+        </p:spPr>
+        <p:txBody>
+          <a:bodyPr wrap="square" lIns="0" tIns="0" rIns="0" bIns="0" rtlCol="0">
+            <a:spAutoFit/>
+          </a:bodyPr>
+          <a:lstStyle/>
+          <a:p>
+            <a:pPr algn="ctr">
+              <a:spcBef>
+                <a:spcPts val="432"/>
+              </a:spcBef>
+            </a:pPr>
+            <a:r>
+              <a:rPr lang="en-US" dirty="0">
+                <a:solidFill>
+                  <a:srgbClr val="990000"/>
+                </a:solidFill>
+                <a:latin typeface="+mn-lt"/>
+              </a:rPr>
+              <a:t>LSTM</a:t>
+            </a:r>
+            <a:endParaRPr lang="nl-NL" dirty="0" err="1">
+              <a:solidFill>
+                <a:srgbClr val="990000"/>
+              </a:solidFill>
+              <a:latin typeface="+mn-lt"/>
+            </a:endParaRPr>
+          </a:p>
+        </p:txBody>
+      </p:sp>
+      <p:sp>
+        <p:nvSpPr>
+          <p:cNvPr id="16" name="TextBox 15">
+            <a:extLst>
+              <a:ext uri="{FF2B5EF4-FFF2-40B4-BE49-F238E27FC236}">
+                <a16:creationId xmlns:a16="http://schemas.microsoft.com/office/drawing/2014/main" id="{FF732777-4BA8-BCB8-5C90-71F252BCC4C0}"/>
+              </a:ext>
+            </a:extLst>
+          </p:cNvPr>
+          <p:cNvSpPr txBox="1"/>
+          <p:nvPr/>
+        </p:nvSpPr>
+        <p:spPr>
+          <a:xfrm>
+            <a:off x="6817196" y="6075040"/>
+            <a:ext cx="720080" cy="492443"/>
+          </a:xfrm>
+          <a:prstGeom prst="rect">
+            <a:avLst/>
+          </a:prstGeom>
+          <a:noFill/>
+        </p:spPr>
+        <p:txBody>
+          <a:bodyPr wrap="square" lIns="0" tIns="0" rIns="0" bIns="0" rtlCol="0">
+            <a:spAutoFit/>
+          </a:bodyPr>
+          <a:lstStyle/>
+          <a:p>
+            <a:pPr algn="ctr">
+              <a:spcBef>
+                <a:spcPts val="432"/>
+              </a:spcBef>
+            </a:pPr>
+            <a:r>
+              <a:rPr lang="en-US" dirty="0">
+                <a:solidFill>
+                  <a:srgbClr val="990000"/>
+                </a:solidFill>
+                <a:latin typeface="+mn-lt"/>
+              </a:rPr>
+              <a:t>Further Plans</a:t>
+            </a:r>
+            <a:endParaRPr lang="nl-NL" dirty="0" err="1">
+              <a:solidFill>
+                <a:srgbClr val="990000"/>
+              </a:solidFill>
+              <a:latin typeface="+mn-lt"/>
+            </a:endParaRPr>
           </a:p>
         </p:txBody>
       </p:sp>
@@ -11150,11 +16386,11 @@
 </file>
 
 <file path=customXml/item1.xml><?xml version="1.0" encoding="utf-8"?>
-<TemplafyTemplateConfiguration><![CDATA[{"elementsMetadata":[{"type":"shape","id":"200fc201-9004-4215-ada7-b2360008bfe0","elementConfiguration":{"binding":"UserProfile.Offices.Workarea_{{DocumentLanguage}}","disableUpdates":false,"type":"text"}},{"type":"shape","id":"70d15748-2402-426d-938e-9ee9c7ffcb44","elementConfiguration":{"format":"{{DateFormats.GeneralDate}}","binding":"Form.Date","disableUpdates":false,"type":"date"}},{"type":"shape","id":"c5d933f3-13ee-4215-923c-4dec843af19c","elementConfiguration":{"binding":"Form.PresentationTitle","disableUpdates":false,"type":"text"}}],"transformationConfigurations":[{"language":"{{DocumentLanguage}}","disableUpdates":false,"type":"proofingLanguage"}],"templateName":"","templateDescription":"","enableDocumentContentUpdater":true,"version":"1.2"}]]></TemplafyTemplateConfiguration>
+<TemplafyFormConfiguration><![CDATA[{"formFields":[{"required":false,"helpTexts":{"prefix":"","postfix":""},"spacing":{},"type":"datePicker","name":"Date","label":"Date","fullyQualifiedName":"Date"},{"required":false,"placeholder":"","lines":0,"helpTexts":{"prefix":"","postfix":""},"spacing":{},"type":"textBox","name":"PresentationTitle","label":"Presentation title","fullyQualifiedName":"PresentationTitle"}],"formDataEntries":[{"name":"Date","value":"IuW0XXvkihAeaFR+oasw5g=="}]}]]></TemplafyFormConfiguration>
 </file>
 
 <file path=customXml/item2.xml><?xml version="1.0" encoding="utf-8"?>
-<TemplafySlideTemplateConfiguration><![CDATA[{"documentContentValidatorConfiguration":{"enableDocumentContentValidator":false,"documentContentValidatorVersion":0},"elementsMetadata":[],"slideId":"636957680393408390","enableDocumentContentUpdater":true,"version":"1.2"}]]></TemplafySlideTemplateConfiguration>
+<TemplafySlideFormConfiguration><![CDATA[{"formFields":[],"formDataEntries":[]}]]></TemplafySlideFormConfiguration>
 </file>
 
 <file path=customXml/item3.xml><?xml version="1.0" encoding="utf-8"?>
@@ -11162,11 +16398,11 @@
 </file>
 
 <file path=customXml/item4.xml><?xml version="1.0" encoding="utf-8"?>
-<TemplafySlideFormConfiguration><![CDATA[{"formFields":[],"formDataEntries":[]}]]></TemplafySlideFormConfiguration>
+<TemplafySlideTemplateConfiguration><![CDATA[{"documentContentValidatorConfiguration":{"enableDocumentContentValidator":false,"documentContentValidatorVersion":0},"elementsMetadata":[],"slideId":"636957680393408390","enableDocumentContentUpdater":true,"version":"1.2"}]]></TemplafySlideTemplateConfiguration>
 </file>
 
 <file path=customXml/item5.xml><?xml version="1.0" encoding="utf-8"?>
-<TemplafyFormConfiguration><![CDATA[{"formFields":[{"required":false,"helpTexts":{"prefix":"","postfix":""},"spacing":{},"type":"datePicker","name":"Date","label":"Date","fullyQualifiedName":"Date"},{"required":false,"placeholder":"","lines":0,"helpTexts":{"prefix":"","postfix":""},"spacing":{},"type":"textBox","name":"PresentationTitle","label":"Presentation title","fullyQualifiedName":"PresentationTitle"}],"formDataEntries":[{"name":"Date","value":"IuW0XXvkihAeaFR+oasw5g=="}]}]]></TemplafyFormConfiguration>
+<TemplafyTemplateConfiguration><![CDATA[{"elementsMetadata":[{"type":"shape","id":"200fc201-9004-4215-ada7-b2360008bfe0","elementConfiguration":{"binding":"UserProfile.Offices.Workarea_{{DocumentLanguage}}","disableUpdates":false,"type":"text"}},{"type":"shape","id":"70d15748-2402-426d-938e-9ee9c7ffcb44","elementConfiguration":{"format":"{{DateFormats.GeneralDate}}","binding":"Form.Date","disableUpdates":false,"type":"date"}},{"type":"shape","id":"c5d933f3-13ee-4215-923c-4dec843af19c","elementConfiguration":{"binding":"Form.PresentationTitle","disableUpdates":false,"type":"text"}}],"transformationConfigurations":[{"language":"{{DocumentLanguage}}","disableUpdates":false,"type":"proofingLanguage"}],"templateName":"","templateDescription":"","enableDocumentContentUpdater":true,"version":"1.2"}]]></TemplafyTemplateConfiguration>
 </file>
 
 <file path=customXml/item6.xml><?xml version="1.0" encoding="utf-8"?>
@@ -11174,13 +16410,13 @@
 </file>
 
 <file path=customXml/itemProps1.xml><?xml version="1.0" encoding="utf-8"?>
-<ds:datastoreItem xmlns:ds="http://schemas.openxmlformats.org/officeDocument/2006/customXml" ds:itemID="{1334258C-C3E7-4029-A615-C886A240FB15}">
+<ds:datastoreItem xmlns:ds="http://schemas.openxmlformats.org/officeDocument/2006/customXml" ds:itemID="{43763224-B85A-4B53-A86A-261D26A71C30}">
   <ds:schemaRefs/>
 </ds:datastoreItem>
 </file>
 
 <file path=customXml/itemProps2.xml><?xml version="1.0" encoding="utf-8"?>
-<ds:datastoreItem xmlns:ds="http://schemas.openxmlformats.org/officeDocument/2006/customXml" ds:itemID="{6B8AD017-B053-4E30-93B9-B28A44CEC3A4}">
+<ds:datastoreItem xmlns:ds="http://schemas.openxmlformats.org/officeDocument/2006/customXml" ds:itemID="{9587AFF5-BFB0-40A3-85CA-ADEED7540807}">
   <ds:schemaRefs/>
 </ds:datastoreItem>
 </file>
@@ -11192,13 +16428,13 @@
 </file>
 
 <file path=customXml/itemProps4.xml><?xml version="1.0" encoding="utf-8"?>
-<ds:datastoreItem xmlns:ds="http://schemas.openxmlformats.org/officeDocument/2006/customXml" ds:itemID="{9587AFF5-BFB0-40A3-85CA-ADEED7540807}">
+<ds:datastoreItem xmlns:ds="http://schemas.openxmlformats.org/officeDocument/2006/customXml" ds:itemID="{6B8AD017-B053-4E30-93B9-B28A44CEC3A4}">
   <ds:schemaRefs/>
 </ds:datastoreItem>
 </file>
 
 <file path=customXml/itemProps5.xml><?xml version="1.0" encoding="utf-8"?>
-<ds:datastoreItem xmlns:ds="http://schemas.openxmlformats.org/officeDocument/2006/customXml" ds:itemID="{43763224-B85A-4B53-A86A-261D26A71C30}">
+<ds:datastoreItem xmlns:ds="http://schemas.openxmlformats.org/officeDocument/2006/customXml" ds:itemID="{1334258C-C3E7-4029-A615-C886A240FB15}">
   <ds:schemaRefs/>
 </ds:datastoreItem>
 </file>

--- a/Final_Project/FeedbackPresentation.pptx
+++ b/Final_Project/FeedbackPresentation.pptx
@@ -5,25 +5,26 @@
     <p:sldMasterId id="2147483662" r:id="rId7"/>
   </p:sldMasterIdLst>
   <p:notesMasterIdLst>
-    <p:notesMasterId r:id="rId16"/>
+    <p:notesMasterId r:id="rId17"/>
   </p:notesMasterIdLst>
   <p:handoutMasterIdLst>
-    <p:handoutMasterId r:id="rId17"/>
+    <p:handoutMasterId r:id="rId18"/>
   </p:handoutMasterIdLst>
   <p:sldIdLst>
     <p:sldId id="260" r:id="rId8"/>
     <p:sldId id="280" r:id="rId9"/>
     <p:sldId id="286" r:id="rId10"/>
     <p:sldId id="282" r:id="rId11"/>
-    <p:sldId id="283" r:id="rId12"/>
-    <p:sldId id="281" r:id="rId13"/>
-    <p:sldId id="285" r:id="rId14"/>
-    <p:sldId id="287" r:id="rId15"/>
+    <p:sldId id="288" r:id="rId12"/>
+    <p:sldId id="283" r:id="rId13"/>
+    <p:sldId id="281" r:id="rId14"/>
+    <p:sldId id="285" r:id="rId15"/>
+    <p:sldId id="287" r:id="rId16"/>
   </p:sldIdLst>
   <p:sldSz cx="12190413" cy="6858000"/>
   <p:notesSz cx="6858000" cy="9144000"/>
   <p:custDataLst>
-    <p:tags r:id="rId18"/>
+    <p:tags r:id="rId19"/>
   </p:custDataLst>
   <p:defaultTextStyle>
     <a:defPPr>
@@ -8823,7 +8824,7 @@
           <a:p>
             <a:r>
               <a:rPr lang="en-GB" sz="4800" dirty="0"/>
-              <a:t>Loads Forecasting using nacelle-based LiDAR</a:t>
+              <a:t>Loads and Power Forecasting using Nacelle-Based LiDAR</a:t>
             </a:r>
           </a:p>
           <a:p>
@@ -11724,7 +11725,7 @@
           <a:p>
             <a:r>
               <a:rPr lang="en-US" dirty="0"/>
-              <a:t>Feed Forward Neural Network</a:t>
+              <a:t>Understanding data correlation</a:t>
             </a:r>
             <a:endParaRPr lang="nl-NL" dirty="0"/>
           </a:p>
@@ -11760,119 +11761,12 @@
           </a:p>
         </p:txBody>
       </p:sp>
-      <p:pic>
-        <p:nvPicPr>
-          <p:cNvPr id="7" name="Content Placeholder 6" descr="A blue circle with white text&#10;&#10;Description automatically generated">
-            <a:extLst>
-              <a:ext uri="{FF2B5EF4-FFF2-40B4-BE49-F238E27FC236}">
-                <a16:creationId xmlns:a16="http://schemas.microsoft.com/office/drawing/2014/main" id="{1668C8C7-A633-5BE7-4F89-191AEABC0EA6}"/>
-              </a:ext>
-            </a:extLst>
-          </p:cNvPr>
-          <p:cNvPicPr>
-            <a:picLocks noGrp="1" noChangeAspect="1"/>
-          </p:cNvPicPr>
-          <p:nvPr>
-            <p:ph idx="1"/>
-          </p:nvPr>
-        </p:nvPicPr>
-        <p:blipFill>
-          <a:blip r:embed="rId2">
-            <a:extLst>
-              <a:ext uri="{28A0092B-C50C-407E-A947-70E740481C1C}">
-                <a14:useLocalDpi xmlns:a14="http://schemas.microsoft.com/office/drawing/2010/main" val="0"/>
-              </a:ext>
-            </a:extLst>
-          </a:blip>
-          <a:stretch>
-            <a:fillRect/>
-          </a:stretch>
-        </p:blipFill>
-        <p:spPr>
-          <a:xfrm>
-            <a:off x="6959302" y="188640"/>
-            <a:ext cx="5117460" cy="3326984"/>
-          </a:xfrm>
-        </p:spPr>
-      </p:pic>
-      <p:pic>
-        <p:nvPicPr>
-          <p:cNvPr id="11" name="Picture 10" descr="A graph with a red line and a blue line&#10;&#10;Description automatically generated">
-            <a:extLst>
-              <a:ext uri="{FF2B5EF4-FFF2-40B4-BE49-F238E27FC236}">
-                <a16:creationId xmlns:a16="http://schemas.microsoft.com/office/drawing/2014/main" id="{C6466C4F-0603-165E-DE0F-161CCC0B87FE}"/>
-              </a:ext>
-            </a:extLst>
-          </p:cNvPr>
-          <p:cNvPicPr>
-            <a:picLocks noChangeAspect="1"/>
-          </p:cNvPicPr>
-          <p:nvPr/>
-        </p:nvPicPr>
-        <p:blipFill>
-          <a:blip r:embed="rId3">
-            <a:extLst>
-              <a:ext uri="{28A0092B-C50C-407E-A947-70E740481C1C}">
-                <a14:useLocalDpi xmlns:a14="http://schemas.microsoft.com/office/drawing/2010/main" val="0"/>
-              </a:ext>
-            </a:extLst>
-          </a:blip>
-          <a:stretch>
-            <a:fillRect/>
-          </a:stretch>
-        </p:blipFill>
-        <p:spPr>
-          <a:xfrm>
-            <a:off x="7359995" y="3506867"/>
-            <a:ext cx="4166382" cy="2932289"/>
-          </a:xfrm>
-          <a:prstGeom prst="rect">
-            <a:avLst/>
-          </a:prstGeom>
-        </p:spPr>
-      </p:pic>
-      <p:pic>
-        <p:nvPicPr>
-          <p:cNvPr id="5" name="Picture 4" descr="A graph of a line&#10;&#10;Description automatically generated">
-            <a:extLst>
-              <a:ext uri="{FF2B5EF4-FFF2-40B4-BE49-F238E27FC236}">
-                <a16:creationId xmlns:a16="http://schemas.microsoft.com/office/drawing/2014/main" id="{978CBFA6-5662-9DC5-EFDB-50F88CD70E9A}"/>
-              </a:ext>
-            </a:extLst>
-          </p:cNvPr>
-          <p:cNvPicPr>
-            <a:picLocks noChangeAspect="1"/>
-          </p:cNvPicPr>
-          <p:nvPr/>
-        </p:nvPicPr>
-        <p:blipFill>
-          <a:blip r:embed="rId4">
-            <a:extLst>
-              <a:ext uri="{28A0092B-C50C-407E-A947-70E740481C1C}">
-                <a14:useLocalDpi xmlns:a14="http://schemas.microsoft.com/office/drawing/2010/main" val="0"/>
-              </a:ext>
-            </a:extLst>
-          </a:blip>
-          <a:stretch>
-            <a:fillRect/>
-          </a:stretch>
-        </p:blipFill>
-        <p:spPr>
-          <a:xfrm>
-            <a:off x="240634" y="1268759"/>
-            <a:ext cx="5782563" cy="3649047"/>
-          </a:xfrm>
-          <a:prstGeom prst="rect">
-            <a:avLst/>
-          </a:prstGeom>
-        </p:spPr>
-      </p:pic>
       <p:sp>
         <p:nvSpPr>
           <p:cNvPr id="3" name="Oval 2">
             <a:extLst>
               <a:ext uri="{FF2B5EF4-FFF2-40B4-BE49-F238E27FC236}">
-                <a16:creationId xmlns:a16="http://schemas.microsoft.com/office/drawing/2014/main" id="{A96E7AB0-9D22-3AA8-A3E3-B423A90AA276}"/>
+                <a16:creationId xmlns:a16="http://schemas.microsoft.com/office/drawing/2014/main" id="{17978B2B-E29A-F0E4-D62F-C7D92F726143}"/>
               </a:ext>
             </a:extLst>
           </p:cNvPr>
@@ -11939,10 +11833,10 @@
       </p:sp>
       <p:sp>
         <p:nvSpPr>
-          <p:cNvPr id="6" name="Oval 5">
-            <a:extLst>
-              <a:ext uri="{FF2B5EF4-FFF2-40B4-BE49-F238E27FC236}">
-                <a16:creationId xmlns:a16="http://schemas.microsoft.com/office/drawing/2014/main" id="{8521DB35-4ED7-CCE7-D1A6-D7696C1E3E3C}"/>
+          <p:cNvPr id="7" name="Oval 6">
+            <a:extLst>
+              <a:ext uri="{FF2B5EF4-FFF2-40B4-BE49-F238E27FC236}">
+                <a16:creationId xmlns:a16="http://schemas.microsoft.com/office/drawing/2014/main" id="{2BFE719F-80E4-DDEF-F2DD-5983174AF3B0}"/>
               </a:ext>
             </a:extLst>
           </p:cNvPr>
@@ -11957,7 +11851,9 @@
           <a:prstGeom prst="ellipse">
             <a:avLst/>
           </a:prstGeom>
-          <a:noFill/>
+          <a:solidFill>
+            <a:srgbClr val="990000"/>
+          </a:solidFill>
           <a:ln w="9525" cap="flat" cmpd="sng" algn="ctr">
             <a:solidFill>
               <a:schemeClr val="accent1"/>
@@ -12009,10 +11905,10 @@
       </p:sp>
       <p:sp>
         <p:nvSpPr>
-          <p:cNvPr id="8" name="Oval 7">
-            <a:extLst>
-              <a:ext uri="{FF2B5EF4-FFF2-40B4-BE49-F238E27FC236}">
-                <a16:creationId xmlns:a16="http://schemas.microsoft.com/office/drawing/2014/main" id="{7CF12460-665D-C26D-B29A-FC6745F31226}"/>
+          <p:cNvPr id="9" name="Oval 8">
+            <a:extLst>
+              <a:ext uri="{FF2B5EF4-FFF2-40B4-BE49-F238E27FC236}">
+                <a16:creationId xmlns:a16="http://schemas.microsoft.com/office/drawing/2014/main" id="{911680EF-7049-539D-19E0-34ACF0FFD8CD}"/>
               </a:ext>
             </a:extLst>
           </p:cNvPr>
@@ -12027,9 +11923,7 @@
           <a:prstGeom prst="ellipse">
             <a:avLst/>
           </a:prstGeom>
-          <a:solidFill>
-            <a:srgbClr val="990000"/>
-          </a:solidFill>
+          <a:noFill/>
           <a:ln w="9525" cap="flat" cmpd="sng" algn="ctr">
             <a:solidFill>
               <a:schemeClr val="accent1"/>
@@ -12081,10 +11975,10 @@
       </p:sp>
       <p:sp>
         <p:nvSpPr>
-          <p:cNvPr id="9" name="Oval 8">
-            <a:extLst>
-              <a:ext uri="{FF2B5EF4-FFF2-40B4-BE49-F238E27FC236}">
-                <a16:creationId xmlns:a16="http://schemas.microsoft.com/office/drawing/2014/main" id="{FEE2B377-821B-3197-60E4-55A99F2655DA}"/>
+          <p:cNvPr id="11" name="Oval 10">
+            <a:extLst>
+              <a:ext uri="{FF2B5EF4-FFF2-40B4-BE49-F238E27FC236}">
+                <a16:creationId xmlns:a16="http://schemas.microsoft.com/office/drawing/2014/main" id="{B05D8FCF-E3CE-19A8-12CF-5C82BC2C2545}"/>
               </a:ext>
             </a:extLst>
           </p:cNvPr>
@@ -12151,10 +12045,10 @@
       </p:sp>
       <p:sp>
         <p:nvSpPr>
-          <p:cNvPr id="10" name="Oval 9">
-            <a:extLst>
-              <a:ext uri="{FF2B5EF4-FFF2-40B4-BE49-F238E27FC236}">
-                <a16:creationId xmlns:a16="http://schemas.microsoft.com/office/drawing/2014/main" id="{57E42465-C05C-627A-DAA2-A4C677844CDB}"/>
+          <p:cNvPr id="12" name="Oval 11">
+            <a:extLst>
+              <a:ext uri="{FF2B5EF4-FFF2-40B4-BE49-F238E27FC236}">
+                <a16:creationId xmlns:a16="http://schemas.microsoft.com/office/drawing/2014/main" id="{22FCA865-047E-F702-FD4B-4940E664525B}"/>
               </a:ext>
             </a:extLst>
           </p:cNvPr>
@@ -12221,10 +12115,10 @@
       </p:sp>
       <p:sp>
         <p:nvSpPr>
-          <p:cNvPr id="12" name="Oval 11">
-            <a:extLst>
-              <a:ext uri="{FF2B5EF4-FFF2-40B4-BE49-F238E27FC236}">
-                <a16:creationId xmlns:a16="http://schemas.microsoft.com/office/drawing/2014/main" id="{298CE199-D5FA-1735-D10B-2CA392C542DF}"/>
+          <p:cNvPr id="13" name="Oval 12">
+            <a:extLst>
+              <a:ext uri="{FF2B5EF4-FFF2-40B4-BE49-F238E27FC236}">
+                <a16:creationId xmlns:a16="http://schemas.microsoft.com/office/drawing/2014/main" id="{0BF49241-6B7B-9BD0-88EA-F87D17B27A6B}"/>
               </a:ext>
             </a:extLst>
           </p:cNvPr>
@@ -12291,10 +12185,10 @@
       </p:sp>
       <p:sp>
         <p:nvSpPr>
-          <p:cNvPr id="13" name="TextBox 12">
-            <a:extLst>
-              <a:ext uri="{FF2B5EF4-FFF2-40B4-BE49-F238E27FC236}">
-                <a16:creationId xmlns:a16="http://schemas.microsoft.com/office/drawing/2014/main" id="{363B2F3C-3EC3-6A6B-D561-221AE3D85088}"/>
+          <p:cNvPr id="14" name="TextBox 13">
+            <a:extLst>
+              <a:ext uri="{FF2B5EF4-FFF2-40B4-BE49-F238E27FC236}">
+                <a16:creationId xmlns:a16="http://schemas.microsoft.com/office/drawing/2014/main" id="{D05A7D33-B2DB-EEAC-F784-654073945E96}"/>
               </a:ext>
             </a:extLst>
           </p:cNvPr>
@@ -12342,10 +12236,10 @@
       </p:sp>
       <p:sp>
         <p:nvSpPr>
-          <p:cNvPr id="14" name="TextBox 13">
-            <a:extLst>
-              <a:ext uri="{FF2B5EF4-FFF2-40B4-BE49-F238E27FC236}">
-                <a16:creationId xmlns:a16="http://schemas.microsoft.com/office/drawing/2014/main" id="{AA875649-3972-CDF7-E039-8420370BA651}"/>
+          <p:cNvPr id="15" name="TextBox 14">
+            <a:extLst>
+              <a:ext uri="{FF2B5EF4-FFF2-40B4-BE49-F238E27FC236}">
+                <a16:creationId xmlns:a16="http://schemas.microsoft.com/office/drawing/2014/main" id="{EE5F2507-81BD-65B8-FE05-6E86DFC5CB78}"/>
               </a:ext>
             </a:extLst>
           </p:cNvPr>
@@ -12393,10 +12287,10 @@
       </p:sp>
       <p:sp>
         <p:nvSpPr>
-          <p:cNvPr id="15" name="TextBox 14">
-            <a:extLst>
-              <a:ext uri="{FF2B5EF4-FFF2-40B4-BE49-F238E27FC236}">
-                <a16:creationId xmlns:a16="http://schemas.microsoft.com/office/drawing/2014/main" id="{7D3CF538-81CA-96E2-D188-A1247C82DDB9}"/>
+          <p:cNvPr id="16" name="TextBox 15">
+            <a:extLst>
+              <a:ext uri="{FF2B5EF4-FFF2-40B4-BE49-F238E27FC236}">
+                <a16:creationId xmlns:a16="http://schemas.microsoft.com/office/drawing/2014/main" id="{902F75CF-4555-E2DB-7519-E33FF4670C70}"/>
               </a:ext>
             </a:extLst>
           </p:cNvPr>
@@ -12444,10 +12338,10 @@
       </p:sp>
       <p:sp>
         <p:nvSpPr>
-          <p:cNvPr id="16" name="TextBox 15">
-            <a:extLst>
-              <a:ext uri="{FF2B5EF4-FFF2-40B4-BE49-F238E27FC236}">
-                <a16:creationId xmlns:a16="http://schemas.microsoft.com/office/drawing/2014/main" id="{1B1673EB-08DB-8628-C310-CB479D96A776}"/>
+          <p:cNvPr id="17" name="TextBox 16">
+            <a:extLst>
+              <a:ext uri="{FF2B5EF4-FFF2-40B4-BE49-F238E27FC236}">
+                <a16:creationId xmlns:a16="http://schemas.microsoft.com/office/drawing/2014/main" id="{3C0BFFEC-6A3F-D6C9-9FD7-542FD36AB121}"/>
               </a:ext>
             </a:extLst>
           </p:cNvPr>
@@ -12495,10 +12389,10 @@
       </p:sp>
       <p:sp>
         <p:nvSpPr>
-          <p:cNvPr id="17" name="TextBox 16">
-            <a:extLst>
-              <a:ext uri="{FF2B5EF4-FFF2-40B4-BE49-F238E27FC236}">
-                <a16:creationId xmlns:a16="http://schemas.microsoft.com/office/drawing/2014/main" id="{637D7D33-671C-63C3-81B9-341E2A6FD8BC}"/>
+          <p:cNvPr id="18" name="TextBox 17">
+            <a:extLst>
+              <a:ext uri="{FF2B5EF4-FFF2-40B4-BE49-F238E27FC236}">
+                <a16:creationId xmlns:a16="http://schemas.microsoft.com/office/drawing/2014/main" id="{ACA8C759-532A-4892-3582-F30722B60E08}"/>
               </a:ext>
             </a:extLst>
           </p:cNvPr>
@@ -12546,10 +12440,10 @@
       </p:sp>
       <p:sp>
         <p:nvSpPr>
-          <p:cNvPr id="18" name="TextBox 17">
-            <a:extLst>
-              <a:ext uri="{FF2B5EF4-FFF2-40B4-BE49-F238E27FC236}">
-                <a16:creationId xmlns:a16="http://schemas.microsoft.com/office/drawing/2014/main" id="{02A66749-E3BC-8D58-3947-ACD80CB36568}"/>
+          <p:cNvPr id="19" name="TextBox 18">
+            <a:extLst>
+              <a:ext uri="{FF2B5EF4-FFF2-40B4-BE49-F238E27FC236}">
+                <a16:creationId xmlns:a16="http://schemas.microsoft.com/office/drawing/2014/main" id="{FFDFBF4E-AA1E-5145-ED6F-B3BAA93702F8}"/>
               </a:ext>
             </a:extLst>
           </p:cNvPr>
@@ -12595,10 +12489,81 @@
           </a:p>
         </p:txBody>
       </p:sp>
+      <p:pic>
+        <p:nvPicPr>
+          <p:cNvPr id="22" name="Content Placeholder 21" descr="A screenshot of a graph&#10;&#10;Description automatically generated">
+            <a:extLst>
+              <a:ext uri="{FF2B5EF4-FFF2-40B4-BE49-F238E27FC236}">
+                <a16:creationId xmlns:a16="http://schemas.microsoft.com/office/drawing/2014/main" id="{3CE53A2B-1A67-FB7B-5B4F-BEBF8691852A}"/>
+              </a:ext>
+            </a:extLst>
+          </p:cNvPr>
+          <p:cNvPicPr>
+            <a:picLocks noGrp="1" noChangeAspect="1"/>
+          </p:cNvPicPr>
+          <p:nvPr>
+            <p:ph idx="1"/>
+          </p:nvPr>
+        </p:nvPicPr>
+        <p:blipFill>
+          <a:blip r:embed="rId2">
+            <a:extLst>
+              <a:ext uri="{28A0092B-C50C-407E-A947-70E740481C1C}">
+                <a14:useLocalDpi xmlns:a14="http://schemas.microsoft.com/office/drawing/2010/main" val="0"/>
+              </a:ext>
+            </a:extLst>
+          </a:blip>
+          <a:stretch>
+            <a:fillRect/>
+          </a:stretch>
+        </p:blipFill>
+        <p:spPr>
+          <a:xfrm>
+            <a:off x="6970498" y="692696"/>
+            <a:ext cx="4968552" cy="4968552"/>
+          </a:xfrm>
+        </p:spPr>
+      </p:pic>
+      <p:pic>
+        <p:nvPicPr>
+          <p:cNvPr id="24" name="Picture 23" descr="A chart of a diagram&#10;&#10;Description automatically generated with medium confidence">
+            <a:extLst>
+              <a:ext uri="{FF2B5EF4-FFF2-40B4-BE49-F238E27FC236}">
+                <a16:creationId xmlns:a16="http://schemas.microsoft.com/office/drawing/2014/main" id="{0B1FA845-320F-F1C9-2AC7-9A5AE4313E15}"/>
+              </a:ext>
+            </a:extLst>
+          </p:cNvPr>
+          <p:cNvPicPr>
+            <a:picLocks noChangeAspect="1"/>
+          </p:cNvPicPr>
+          <p:nvPr/>
+        </p:nvPicPr>
+        <p:blipFill>
+          <a:blip r:embed="rId3">
+            <a:extLst>
+              <a:ext uri="{28A0092B-C50C-407E-A947-70E740481C1C}">
+                <a14:useLocalDpi xmlns:a14="http://schemas.microsoft.com/office/drawing/2010/main" val="0"/>
+              </a:ext>
+            </a:extLst>
+          </a:blip>
+          <a:stretch>
+            <a:fillRect/>
+          </a:stretch>
+        </p:blipFill>
+        <p:spPr>
+          <a:xfrm>
+            <a:off x="1155948" y="907097"/>
+            <a:ext cx="4725144" cy="4725144"/>
+          </a:xfrm>
+          <a:prstGeom prst="rect">
+            <a:avLst/>
+          </a:prstGeom>
+        </p:spPr>
+      </p:pic>
     </p:spTree>
     <p:extLst>
       <p:ext uri="{BB962C8B-B14F-4D97-AF65-F5344CB8AC3E}">
-        <p14:creationId xmlns:p14="http://schemas.microsoft.com/office/powerpoint/2010/main" val="3173100887"/>
+        <p14:creationId xmlns:p14="http://schemas.microsoft.com/office/powerpoint/2010/main" val="1866519356"/>
       </p:ext>
     </p:extLst>
   </p:cSld>
@@ -12630,6 +12595,930 @@
           <p:cNvPr id="2" name="Title 1">
             <a:extLst>
               <a:ext uri="{FF2B5EF4-FFF2-40B4-BE49-F238E27FC236}">
+                <a16:creationId xmlns:a16="http://schemas.microsoft.com/office/drawing/2014/main" id="{8CFF9C99-D02F-A665-2773-861D9B140310}"/>
+              </a:ext>
+            </a:extLst>
+          </p:cNvPr>
+          <p:cNvSpPr>
+            <a:spLocks noGrp="1"/>
+          </p:cNvSpPr>
+          <p:nvPr>
+            <p:ph type="title"/>
+          </p:nvPr>
+        </p:nvSpPr>
+        <p:spPr/>
+        <p:txBody>
+          <a:bodyPr/>
+          <a:lstStyle/>
+          <a:p>
+            <a:r>
+              <a:rPr lang="en-US" dirty="0"/>
+              <a:t>Feed Forward Neural Network</a:t>
+            </a:r>
+            <a:endParaRPr lang="nl-NL" dirty="0"/>
+          </a:p>
+        </p:txBody>
+      </p:sp>
+      <p:sp>
+        <p:nvSpPr>
+          <p:cNvPr id="4" name="Slide Number Placeholder 3">
+            <a:extLst>
+              <a:ext uri="{FF2B5EF4-FFF2-40B4-BE49-F238E27FC236}">
+                <a16:creationId xmlns:a16="http://schemas.microsoft.com/office/drawing/2014/main" id="{B58826FE-22C3-8103-499A-C05D66B01C1B}"/>
+              </a:ext>
+            </a:extLst>
+          </p:cNvPr>
+          <p:cNvSpPr>
+            <a:spLocks noGrp="1"/>
+          </p:cNvSpPr>
+          <p:nvPr>
+            <p:ph type="sldNum" sz="quarter" idx="11"/>
+          </p:nvPr>
+        </p:nvSpPr>
+        <p:spPr/>
+        <p:txBody>
+          <a:bodyPr/>
+          <a:lstStyle/>
+          <a:p>
+            <a:fld id="{103EA872-A674-449B-A120-B97244F8E91D}" type="slidenum">
+              <a:rPr lang="en-GB" smtClean="0"/>
+              <a:pPr/>
+              <a:t>6</a:t>
+            </a:fld>
+            <a:endParaRPr lang="en-GB" dirty="0"/>
+          </a:p>
+        </p:txBody>
+      </p:sp>
+      <p:pic>
+        <p:nvPicPr>
+          <p:cNvPr id="7" name="Content Placeholder 6" descr="A blue circle with white text&#10;&#10;Description automatically generated">
+            <a:extLst>
+              <a:ext uri="{FF2B5EF4-FFF2-40B4-BE49-F238E27FC236}">
+                <a16:creationId xmlns:a16="http://schemas.microsoft.com/office/drawing/2014/main" id="{1668C8C7-A633-5BE7-4F89-191AEABC0EA6}"/>
+              </a:ext>
+            </a:extLst>
+          </p:cNvPr>
+          <p:cNvPicPr>
+            <a:picLocks noGrp="1" noChangeAspect="1"/>
+          </p:cNvPicPr>
+          <p:nvPr>
+            <p:ph idx="1"/>
+          </p:nvPr>
+        </p:nvPicPr>
+        <p:blipFill>
+          <a:blip r:embed="rId2">
+            <a:extLst>
+              <a:ext uri="{28A0092B-C50C-407E-A947-70E740481C1C}">
+                <a14:useLocalDpi xmlns:a14="http://schemas.microsoft.com/office/drawing/2010/main" val="0"/>
+              </a:ext>
+            </a:extLst>
+          </a:blip>
+          <a:stretch>
+            <a:fillRect/>
+          </a:stretch>
+        </p:blipFill>
+        <p:spPr>
+          <a:xfrm>
+            <a:off x="6959302" y="188640"/>
+            <a:ext cx="5117460" cy="3326984"/>
+          </a:xfrm>
+        </p:spPr>
+      </p:pic>
+      <p:pic>
+        <p:nvPicPr>
+          <p:cNvPr id="11" name="Picture 10" descr="A graph with a red line and a blue line&#10;&#10;Description automatically generated">
+            <a:extLst>
+              <a:ext uri="{FF2B5EF4-FFF2-40B4-BE49-F238E27FC236}">
+                <a16:creationId xmlns:a16="http://schemas.microsoft.com/office/drawing/2014/main" id="{C6466C4F-0603-165E-DE0F-161CCC0B87FE}"/>
+              </a:ext>
+            </a:extLst>
+          </p:cNvPr>
+          <p:cNvPicPr>
+            <a:picLocks noChangeAspect="1"/>
+          </p:cNvPicPr>
+          <p:nvPr/>
+        </p:nvPicPr>
+        <p:blipFill>
+          <a:blip r:embed="rId3">
+            <a:extLst>
+              <a:ext uri="{28A0092B-C50C-407E-A947-70E740481C1C}">
+                <a14:useLocalDpi xmlns:a14="http://schemas.microsoft.com/office/drawing/2010/main" val="0"/>
+              </a:ext>
+            </a:extLst>
+          </a:blip>
+          <a:stretch>
+            <a:fillRect/>
+          </a:stretch>
+        </p:blipFill>
+        <p:spPr>
+          <a:xfrm>
+            <a:off x="7359995" y="3506867"/>
+            <a:ext cx="4166382" cy="2932289"/>
+          </a:xfrm>
+          <a:prstGeom prst="rect">
+            <a:avLst/>
+          </a:prstGeom>
+        </p:spPr>
+      </p:pic>
+      <p:pic>
+        <p:nvPicPr>
+          <p:cNvPr id="5" name="Picture 4" descr="A graph of a line&#10;&#10;Description automatically generated">
+            <a:extLst>
+              <a:ext uri="{FF2B5EF4-FFF2-40B4-BE49-F238E27FC236}">
+                <a16:creationId xmlns:a16="http://schemas.microsoft.com/office/drawing/2014/main" id="{978CBFA6-5662-9DC5-EFDB-50F88CD70E9A}"/>
+              </a:ext>
+            </a:extLst>
+          </p:cNvPr>
+          <p:cNvPicPr>
+            <a:picLocks noChangeAspect="1"/>
+          </p:cNvPicPr>
+          <p:nvPr/>
+        </p:nvPicPr>
+        <p:blipFill>
+          <a:blip r:embed="rId4">
+            <a:extLst>
+              <a:ext uri="{28A0092B-C50C-407E-A947-70E740481C1C}">
+                <a14:useLocalDpi xmlns:a14="http://schemas.microsoft.com/office/drawing/2010/main" val="0"/>
+              </a:ext>
+            </a:extLst>
+          </a:blip>
+          <a:stretch>
+            <a:fillRect/>
+          </a:stretch>
+        </p:blipFill>
+        <p:spPr>
+          <a:xfrm>
+            <a:off x="240634" y="1268759"/>
+            <a:ext cx="5782563" cy="3649047"/>
+          </a:xfrm>
+          <a:prstGeom prst="rect">
+            <a:avLst/>
+          </a:prstGeom>
+        </p:spPr>
+      </p:pic>
+      <p:sp>
+        <p:nvSpPr>
+          <p:cNvPr id="3" name="Oval 2">
+            <a:extLst>
+              <a:ext uri="{FF2B5EF4-FFF2-40B4-BE49-F238E27FC236}">
+                <a16:creationId xmlns:a16="http://schemas.microsoft.com/office/drawing/2014/main" id="{A96E7AB0-9D22-3AA8-A3E3-B423A90AA276}"/>
+              </a:ext>
+            </a:extLst>
+          </p:cNvPr>
+          <p:cNvSpPr/>
+          <p:nvPr/>
+        </p:nvSpPr>
+        <p:spPr bwMode="auto">
+          <a:xfrm>
+            <a:off x="1270670" y="5661248"/>
+            <a:ext cx="288032" cy="288032"/>
+          </a:xfrm>
+          <a:prstGeom prst="ellipse">
+            <a:avLst/>
+          </a:prstGeom>
+          <a:noFill/>
+          <a:ln w="9525" cap="flat" cmpd="sng" algn="ctr">
+            <a:solidFill>
+              <a:schemeClr val="accent1"/>
+            </a:solidFill>
+            <a:prstDash val="solid"/>
+            <a:miter lim="800000"/>
+            <a:headEnd type="none" w="med" len="med"/>
+            <a:tailEnd type="none" w="med" len="med"/>
+          </a:ln>
+          <a:effectLst/>
+        </p:spPr>
+        <p:txBody>
+          <a:bodyPr vert="horz" wrap="square" lIns="90000" tIns="46800" rIns="90000" bIns="46800" numCol="1" rtlCol="0" anchor="ctr" anchorCtr="0" compatLnSpc="1">
+            <a:prstTxWarp prst="textNoShape">
+              <a:avLst/>
+            </a:prstTxWarp>
+          </a:bodyPr>
+          <a:lstStyle/>
+          <a:p>
+            <a:pPr marL="0" marR="0" indent="0" algn="ctr" defTabSz="914400" rtl="0" eaLnBrk="1" fontAlgn="base" latinLnBrk="0" hangingPunct="1">
+              <a:lnSpc>
+                <a:spcPct val="100000"/>
+              </a:lnSpc>
+              <a:spcBef>
+                <a:spcPts val="432"/>
+              </a:spcBef>
+              <a:spcAft>
+                <a:spcPct val="0"/>
+              </a:spcAft>
+              <a:buClrTx/>
+              <a:buSzTx/>
+              <a:buFontTx/>
+              <a:buNone/>
+              <a:tabLst/>
+            </a:pPr>
+            <a:endParaRPr kumimoji="0" lang="nl-NL" sz="1600" b="0" i="0" u="none" strike="noStrike" cap="none" normalizeH="0" baseline="0" dirty="0" err="1">
+              <a:ln>
+                <a:noFill/>
+              </a:ln>
+              <a:solidFill>
+                <a:srgbClr val="FFFFFF"/>
+              </a:solidFill>
+              <a:effectLst/>
+              <a:latin typeface="+mn-lt"/>
+              <a:ea typeface="ＭＳ Ｐゴシック" pitchFamily="-80" charset="-128"/>
+            </a:endParaRPr>
+          </a:p>
+        </p:txBody>
+      </p:sp>
+      <p:sp>
+        <p:nvSpPr>
+          <p:cNvPr id="6" name="Oval 5">
+            <a:extLst>
+              <a:ext uri="{FF2B5EF4-FFF2-40B4-BE49-F238E27FC236}">
+                <a16:creationId xmlns:a16="http://schemas.microsoft.com/office/drawing/2014/main" id="{8521DB35-4ED7-CCE7-D1A6-D7696C1E3E3C}"/>
+              </a:ext>
+            </a:extLst>
+          </p:cNvPr>
+          <p:cNvSpPr/>
+          <p:nvPr/>
+        </p:nvSpPr>
+        <p:spPr bwMode="auto">
+          <a:xfrm>
+            <a:off x="2422798" y="5661248"/>
+            <a:ext cx="288032" cy="288032"/>
+          </a:xfrm>
+          <a:prstGeom prst="ellipse">
+            <a:avLst/>
+          </a:prstGeom>
+          <a:noFill/>
+          <a:ln w="9525" cap="flat" cmpd="sng" algn="ctr">
+            <a:solidFill>
+              <a:schemeClr val="accent1"/>
+            </a:solidFill>
+            <a:prstDash val="solid"/>
+            <a:miter lim="800000"/>
+            <a:headEnd type="none" w="med" len="med"/>
+            <a:tailEnd type="none" w="med" len="med"/>
+          </a:ln>
+          <a:effectLst/>
+        </p:spPr>
+        <p:txBody>
+          <a:bodyPr vert="horz" wrap="square" lIns="90000" tIns="46800" rIns="90000" bIns="46800" numCol="1" rtlCol="0" anchor="ctr" anchorCtr="0" compatLnSpc="1">
+            <a:prstTxWarp prst="textNoShape">
+              <a:avLst/>
+            </a:prstTxWarp>
+          </a:bodyPr>
+          <a:lstStyle/>
+          <a:p>
+            <a:pPr marL="0" marR="0" indent="0" algn="ctr" defTabSz="914400" rtl="0" eaLnBrk="1" fontAlgn="base" latinLnBrk="0" hangingPunct="1">
+              <a:lnSpc>
+                <a:spcPct val="100000"/>
+              </a:lnSpc>
+              <a:spcBef>
+                <a:spcPts val="432"/>
+              </a:spcBef>
+              <a:spcAft>
+                <a:spcPct val="0"/>
+              </a:spcAft>
+              <a:buClrTx/>
+              <a:buSzTx/>
+              <a:buFontTx/>
+              <a:buNone/>
+              <a:tabLst/>
+            </a:pPr>
+            <a:endParaRPr kumimoji="0" lang="nl-NL" sz="1600" b="0" i="0" u="none" strike="noStrike" cap="none" normalizeH="0" baseline="0" dirty="0" err="1">
+              <a:ln>
+                <a:noFill/>
+              </a:ln>
+              <a:solidFill>
+                <a:srgbClr val="FFFFFF"/>
+              </a:solidFill>
+              <a:effectLst/>
+              <a:latin typeface="+mn-lt"/>
+              <a:ea typeface="ＭＳ Ｐゴシック" pitchFamily="-80" charset="-128"/>
+            </a:endParaRPr>
+          </a:p>
+        </p:txBody>
+      </p:sp>
+      <p:sp>
+        <p:nvSpPr>
+          <p:cNvPr id="8" name="Oval 7">
+            <a:extLst>
+              <a:ext uri="{FF2B5EF4-FFF2-40B4-BE49-F238E27FC236}">
+                <a16:creationId xmlns:a16="http://schemas.microsoft.com/office/drawing/2014/main" id="{7CF12460-665D-C26D-B29A-FC6745F31226}"/>
+              </a:ext>
+            </a:extLst>
+          </p:cNvPr>
+          <p:cNvSpPr/>
+          <p:nvPr/>
+        </p:nvSpPr>
+        <p:spPr bwMode="auto">
+          <a:xfrm>
+            <a:off x="3574926" y="5661248"/>
+            <a:ext cx="288032" cy="288032"/>
+          </a:xfrm>
+          <a:prstGeom prst="ellipse">
+            <a:avLst/>
+          </a:prstGeom>
+          <a:solidFill>
+            <a:srgbClr val="990000"/>
+          </a:solidFill>
+          <a:ln w="9525" cap="flat" cmpd="sng" algn="ctr">
+            <a:solidFill>
+              <a:schemeClr val="accent1"/>
+            </a:solidFill>
+            <a:prstDash val="solid"/>
+            <a:miter lim="800000"/>
+            <a:headEnd type="none" w="med" len="med"/>
+            <a:tailEnd type="none" w="med" len="med"/>
+          </a:ln>
+          <a:effectLst/>
+        </p:spPr>
+        <p:txBody>
+          <a:bodyPr vert="horz" wrap="square" lIns="90000" tIns="46800" rIns="90000" bIns="46800" numCol="1" rtlCol="0" anchor="ctr" anchorCtr="0" compatLnSpc="1">
+            <a:prstTxWarp prst="textNoShape">
+              <a:avLst/>
+            </a:prstTxWarp>
+          </a:bodyPr>
+          <a:lstStyle/>
+          <a:p>
+            <a:pPr marL="0" marR="0" indent="0" algn="ctr" defTabSz="914400" rtl="0" eaLnBrk="1" fontAlgn="base" latinLnBrk="0" hangingPunct="1">
+              <a:lnSpc>
+                <a:spcPct val="100000"/>
+              </a:lnSpc>
+              <a:spcBef>
+                <a:spcPts val="432"/>
+              </a:spcBef>
+              <a:spcAft>
+                <a:spcPct val="0"/>
+              </a:spcAft>
+              <a:buClrTx/>
+              <a:buSzTx/>
+              <a:buFontTx/>
+              <a:buNone/>
+              <a:tabLst/>
+            </a:pPr>
+            <a:endParaRPr kumimoji="0" lang="nl-NL" sz="1600" b="0" i="0" u="none" strike="noStrike" cap="none" normalizeH="0" baseline="0" dirty="0" err="1">
+              <a:ln>
+                <a:noFill/>
+              </a:ln>
+              <a:solidFill>
+                <a:srgbClr val="FFFFFF"/>
+              </a:solidFill>
+              <a:effectLst/>
+              <a:latin typeface="+mn-lt"/>
+              <a:ea typeface="ＭＳ Ｐゴシック" pitchFamily="-80" charset="-128"/>
+            </a:endParaRPr>
+          </a:p>
+        </p:txBody>
+      </p:sp>
+      <p:sp>
+        <p:nvSpPr>
+          <p:cNvPr id="9" name="Oval 8">
+            <a:extLst>
+              <a:ext uri="{FF2B5EF4-FFF2-40B4-BE49-F238E27FC236}">
+                <a16:creationId xmlns:a16="http://schemas.microsoft.com/office/drawing/2014/main" id="{FEE2B377-821B-3197-60E4-55A99F2655DA}"/>
+              </a:ext>
+            </a:extLst>
+          </p:cNvPr>
+          <p:cNvSpPr/>
+          <p:nvPr/>
+        </p:nvSpPr>
+        <p:spPr bwMode="auto">
+          <a:xfrm>
+            <a:off x="4728964" y="5662871"/>
+            <a:ext cx="288032" cy="288032"/>
+          </a:xfrm>
+          <a:prstGeom prst="ellipse">
+            <a:avLst/>
+          </a:prstGeom>
+          <a:noFill/>
+          <a:ln w="9525" cap="flat" cmpd="sng" algn="ctr">
+            <a:solidFill>
+              <a:schemeClr val="accent1"/>
+            </a:solidFill>
+            <a:prstDash val="solid"/>
+            <a:miter lim="800000"/>
+            <a:headEnd type="none" w="med" len="med"/>
+            <a:tailEnd type="none" w="med" len="med"/>
+          </a:ln>
+          <a:effectLst/>
+        </p:spPr>
+        <p:txBody>
+          <a:bodyPr vert="horz" wrap="square" lIns="90000" tIns="46800" rIns="90000" bIns="46800" numCol="1" rtlCol="0" anchor="ctr" anchorCtr="0" compatLnSpc="1">
+            <a:prstTxWarp prst="textNoShape">
+              <a:avLst/>
+            </a:prstTxWarp>
+          </a:bodyPr>
+          <a:lstStyle/>
+          <a:p>
+            <a:pPr marL="0" marR="0" indent="0" algn="ctr" defTabSz="914400" rtl="0" eaLnBrk="1" fontAlgn="base" latinLnBrk="0" hangingPunct="1">
+              <a:lnSpc>
+                <a:spcPct val="100000"/>
+              </a:lnSpc>
+              <a:spcBef>
+                <a:spcPts val="432"/>
+              </a:spcBef>
+              <a:spcAft>
+                <a:spcPct val="0"/>
+              </a:spcAft>
+              <a:buClrTx/>
+              <a:buSzTx/>
+              <a:buFontTx/>
+              <a:buNone/>
+              <a:tabLst/>
+            </a:pPr>
+            <a:endParaRPr kumimoji="0" lang="nl-NL" sz="1600" b="0" i="0" u="none" strike="noStrike" cap="none" normalizeH="0" baseline="0" dirty="0" err="1">
+              <a:ln>
+                <a:noFill/>
+              </a:ln>
+              <a:solidFill>
+                <a:srgbClr val="FFFFFF"/>
+              </a:solidFill>
+              <a:effectLst/>
+              <a:latin typeface="+mn-lt"/>
+              <a:ea typeface="ＭＳ Ｐゴシック" pitchFamily="-80" charset="-128"/>
+            </a:endParaRPr>
+          </a:p>
+        </p:txBody>
+      </p:sp>
+      <p:sp>
+        <p:nvSpPr>
+          <p:cNvPr id="10" name="Oval 9">
+            <a:extLst>
+              <a:ext uri="{FF2B5EF4-FFF2-40B4-BE49-F238E27FC236}">
+                <a16:creationId xmlns:a16="http://schemas.microsoft.com/office/drawing/2014/main" id="{57E42465-C05C-627A-DAA2-A4C677844CDB}"/>
+              </a:ext>
+            </a:extLst>
+          </p:cNvPr>
+          <p:cNvSpPr/>
+          <p:nvPr/>
+        </p:nvSpPr>
+        <p:spPr bwMode="auto">
+          <a:xfrm>
+            <a:off x="5881092" y="5661248"/>
+            <a:ext cx="288032" cy="288032"/>
+          </a:xfrm>
+          <a:prstGeom prst="ellipse">
+            <a:avLst/>
+          </a:prstGeom>
+          <a:noFill/>
+          <a:ln w="9525" cap="flat" cmpd="sng" algn="ctr">
+            <a:solidFill>
+              <a:schemeClr val="accent1"/>
+            </a:solidFill>
+            <a:prstDash val="solid"/>
+            <a:miter lim="800000"/>
+            <a:headEnd type="none" w="med" len="med"/>
+            <a:tailEnd type="none" w="med" len="med"/>
+          </a:ln>
+          <a:effectLst/>
+        </p:spPr>
+        <p:txBody>
+          <a:bodyPr vert="horz" wrap="square" lIns="90000" tIns="46800" rIns="90000" bIns="46800" numCol="1" rtlCol="0" anchor="ctr" anchorCtr="0" compatLnSpc="1">
+            <a:prstTxWarp prst="textNoShape">
+              <a:avLst/>
+            </a:prstTxWarp>
+          </a:bodyPr>
+          <a:lstStyle/>
+          <a:p>
+            <a:pPr marL="0" marR="0" indent="0" algn="ctr" defTabSz="914400" rtl="0" eaLnBrk="1" fontAlgn="base" latinLnBrk="0" hangingPunct="1">
+              <a:lnSpc>
+                <a:spcPct val="100000"/>
+              </a:lnSpc>
+              <a:spcBef>
+                <a:spcPts val="432"/>
+              </a:spcBef>
+              <a:spcAft>
+                <a:spcPct val="0"/>
+              </a:spcAft>
+              <a:buClrTx/>
+              <a:buSzTx/>
+              <a:buFontTx/>
+              <a:buNone/>
+              <a:tabLst/>
+            </a:pPr>
+            <a:endParaRPr kumimoji="0" lang="nl-NL" sz="1600" b="0" i="0" u="none" strike="noStrike" cap="none" normalizeH="0" baseline="0" dirty="0" err="1">
+              <a:ln>
+                <a:noFill/>
+              </a:ln>
+              <a:solidFill>
+                <a:srgbClr val="FFFFFF"/>
+              </a:solidFill>
+              <a:effectLst/>
+              <a:latin typeface="+mn-lt"/>
+              <a:ea typeface="ＭＳ Ｐゴシック" pitchFamily="-80" charset="-128"/>
+            </a:endParaRPr>
+          </a:p>
+        </p:txBody>
+      </p:sp>
+      <p:sp>
+        <p:nvSpPr>
+          <p:cNvPr id="12" name="Oval 11">
+            <a:extLst>
+              <a:ext uri="{FF2B5EF4-FFF2-40B4-BE49-F238E27FC236}">
+                <a16:creationId xmlns:a16="http://schemas.microsoft.com/office/drawing/2014/main" id="{298CE199-D5FA-1735-D10B-2CA392C542DF}"/>
+              </a:ext>
+            </a:extLst>
+          </p:cNvPr>
+          <p:cNvSpPr/>
+          <p:nvPr/>
+        </p:nvSpPr>
+        <p:spPr bwMode="auto">
+          <a:xfrm>
+            <a:off x="7033220" y="5662871"/>
+            <a:ext cx="288032" cy="288032"/>
+          </a:xfrm>
+          <a:prstGeom prst="ellipse">
+            <a:avLst/>
+          </a:prstGeom>
+          <a:noFill/>
+          <a:ln w="9525" cap="flat" cmpd="sng" algn="ctr">
+            <a:solidFill>
+              <a:schemeClr val="accent1"/>
+            </a:solidFill>
+            <a:prstDash val="solid"/>
+            <a:miter lim="800000"/>
+            <a:headEnd type="none" w="med" len="med"/>
+            <a:tailEnd type="none" w="med" len="med"/>
+          </a:ln>
+          <a:effectLst/>
+        </p:spPr>
+        <p:txBody>
+          <a:bodyPr vert="horz" wrap="square" lIns="90000" tIns="46800" rIns="90000" bIns="46800" numCol="1" rtlCol="0" anchor="ctr" anchorCtr="0" compatLnSpc="1">
+            <a:prstTxWarp prst="textNoShape">
+              <a:avLst/>
+            </a:prstTxWarp>
+          </a:bodyPr>
+          <a:lstStyle/>
+          <a:p>
+            <a:pPr marL="0" marR="0" indent="0" algn="ctr" defTabSz="914400" rtl="0" eaLnBrk="1" fontAlgn="base" latinLnBrk="0" hangingPunct="1">
+              <a:lnSpc>
+                <a:spcPct val="100000"/>
+              </a:lnSpc>
+              <a:spcBef>
+                <a:spcPts val="432"/>
+              </a:spcBef>
+              <a:spcAft>
+                <a:spcPct val="0"/>
+              </a:spcAft>
+              <a:buClrTx/>
+              <a:buSzTx/>
+              <a:buFontTx/>
+              <a:buNone/>
+              <a:tabLst/>
+            </a:pPr>
+            <a:endParaRPr kumimoji="0" lang="nl-NL" sz="1600" b="0" i="0" u="none" strike="noStrike" cap="none" normalizeH="0" baseline="0" dirty="0" err="1">
+              <a:ln>
+                <a:noFill/>
+              </a:ln>
+              <a:solidFill>
+                <a:srgbClr val="FFFFFF"/>
+              </a:solidFill>
+              <a:effectLst/>
+              <a:latin typeface="+mn-lt"/>
+              <a:ea typeface="ＭＳ Ｐゴシック" pitchFamily="-80" charset="-128"/>
+            </a:endParaRPr>
+          </a:p>
+        </p:txBody>
+      </p:sp>
+      <p:sp>
+        <p:nvSpPr>
+          <p:cNvPr id="13" name="TextBox 12">
+            <a:extLst>
+              <a:ext uri="{FF2B5EF4-FFF2-40B4-BE49-F238E27FC236}">
+                <a16:creationId xmlns:a16="http://schemas.microsoft.com/office/drawing/2014/main" id="{363B2F3C-3EC3-6A6B-D561-221AE3D85088}"/>
+              </a:ext>
+            </a:extLst>
+          </p:cNvPr>
+          <p:cNvSpPr txBox="1"/>
+          <p:nvPr/>
+        </p:nvSpPr>
+        <p:spPr>
+          <a:xfrm>
+            <a:off x="1054646" y="6075041"/>
+            <a:ext cx="720080" cy="246221"/>
+          </a:xfrm>
+          <a:prstGeom prst="rect">
+            <a:avLst/>
+          </a:prstGeom>
+          <a:noFill/>
+        </p:spPr>
+        <p:txBody>
+          <a:bodyPr wrap="square" lIns="0" tIns="0" rIns="0" bIns="0" rtlCol="0">
+            <a:spAutoFit/>
+          </a:bodyPr>
+          <a:lstStyle/>
+          <a:p>
+            <a:pPr algn="ctr">
+              <a:spcBef>
+                <a:spcPts val="432"/>
+              </a:spcBef>
+            </a:pPr>
+            <a:r>
+              <a:rPr lang="en-US" dirty="0">
+                <a:solidFill>
+                  <a:srgbClr val="990000"/>
+                </a:solidFill>
+                <a:latin typeface="+mn-lt"/>
+              </a:rPr>
+              <a:t>Scope</a:t>
+            </a:r>
+            <a:endParaRPr lang="nl-NL" dirty="0" err="1">
+              <a:solidFill>
+                <a:srgbClr val="990000"/>
+              </a:solidFill>
+              <a:latin typeface="+mn-lt"/>
+            </a:endParaRPr>
+          </a:p>
+        </p:txBody>
+      </p:sp>
+      <p:sp>
+        <p:nvSpPr>
+          <p:cNvPr id="14" name="TextBox 13">
+            <a:extLst>
+              <a:ext uri="{FF2B5EF4-FFF2-40B4-BE49-F238E27FC236}">
+                <a16:creationId xmlns:a16="http://schemas.microsoft.com/office/drawing/2014/main" id="{AA875649-3972-CDF7-E039-8420370BA651}"/>
+              </a:ext>
+            </a:extLst>
+          </p:cNvPr>
+          <p:cNvSpPr txBox="1"/>
+          <p:nvPr/>
+        </p:nvSpPr>
+        <p:spPr>
+          <a:xfrm>
+            <a:off x="2206774" y="6075041"/>
+            <a:ext cx="720080" cy="246221"/>
+          </a:xfrm>
+          <a:prstGeom prst="rect">
+            <a:avLst/>
+          </a:prstGeom>
+          <a:noFill/>
+        </p:spPr>
+        <p:txBody>
+          <a:bodyPr wrap="square" lIns="0" tIns="0" rIns="0" bIns="0" rtlCol="0">
+            <a:spAutoFit/>
+          </a:bodyPr>
+          <a:lstStyle/>
+          <a:p>
+            <a:pPr algn="ctr">
+              <a:spcBef>
+                <a:spcPts val="432"/>
+              </a:spcBef>
+            </a:pPr>
+            <a:r>
+              <a:rPr lang="en-US" dirty="0">
+                <a:solidFill>
+                  <a:srgbClr val="990000"/>
+                </a:solidFill>
+                <a:latin typeface="+mn-lt"/>
+              </a:rPr>
+              <a:t>Data</a:t>
+            </a:r>
+            <a:endParaRPr lang="nl-NL" dirty="0" err="1">
+              <a:solidFill>
+                <a:srgbClr val="990000"/>
+              </a:solidFill>
+              <a:latin typeface="+mn-lt"/>
+            </a:endParaRPr>
+          </a:p>
+        </p:txBody>
+      </p:sp>
+      <p:sp>
+        <p:nvSpPr>
+          <p:cNvPr id="15" name="TextBox 14">
+            <a:extLst>
+              <a:ext uri="{FF2B5EF4-FFF2-40B4-BE49-F238E27FC236}">
+                <a16:creationId xmlns:a16="http://schemas.microsoft.com/office/drawing/2014/main" id="{7D3CF538-81CA-96E2-D188-A1247C82DDB9}"/>
+              </a:ext>
+            </a:extLst>
+          </p:cNvPr>
+          <p:cNvSpPr txBox="1"/>
+          <p:nvPr/>
+        </p:nvSpPr>
+        <p:spPr>
+          <a:xfrm>
+            <a:off x="3358902" y="6075040"/>
+            <a:ext cx="720080" cy="246221"/>
+          </a:xfrm>
+          <a:prstGeom prst="rect">
+            <a:avLst/>
+          </a:prstGeom>
+          <a:noFill/>
+        </p:spPr>
+        <p:txBody>
+          <a:bodyPr wrap="square" lIns="0" tIns="0" rIns="0" bIns="0" rtlCol="0">
+            <a:spAutoFit/>
+          </a:bodyPr>
+          <a:lstStyle/>
+          <a:p>
+            <a:pPr algn="ctr">
+              <a:spcBef>
+                <a:spcPts val="432"/>
+              </a:spcBef>
+            </a:pPr>
+            <a:r>
+              <a:rPr lang="en-US" dirty="0">
+                <a:solidFill>
+                  <a:srgbClr val="990000"/>
+                </a:solidFill>
+                <a:latin typeface="+mn-lt"/>
+              </a:rPr>
+              <a:t>FFNN</a:t>
+            </a:r>
+            <a:endParaRPr lang="nl-NL" dirty="0" err="1">
+              <a:solidFill>
+                <a:srgbClr val="990000"/>
+              </a:solidFill>
+              <a:latin typeface="+mn-lt"/>
+            </a:endParaRPr>
+          </a:p>
+        </p:txBody>
+      </p:sp>
+      <p:sp>
+        <p:nvSpPr>
+          <p:cNvPr id="16" name="TextBox 15">
+            <a:extLst>
+              <a:ext uri="{FF2B5EF4-FFF2-40B4-BE49-F238E27FC236}">
+                <a16:creationId xmlns:a16="http://schemas.microsoft.com/office/drawing/2014/main" id="{1B1673EB-08DB-8628-C310-CB479D96A776}"/>
+              </a:ext>
+            </a:extLst>
+          </p:cNvPr>
+          <p:cNvSpPr txBox="1"/>
+          <p:nvPr/>
+        </p:nvSpPr>
+        <p:spPr>
+          <a:xfrm>
+            <a:off x="4512940" y="6075040"/>
+            <a:ext cx="720080" cy="246221"/>
+          </a:xfrm>
+          <a:prstGeom prst="rect">
+            <a:avLst/>
+          </a:prstGeom>
+          <a:noFill/>
+        </p:spPr>
+        <p:txBody>
+          <a:bodyPr wrap="square" lIns="0" tIns="0" rIns="0" bIns="0" rtlCol="0">
+            <a:spAutoFit/>
+          </a:bodyPr>
+          <a:lstStyle/>
+          <a:p>
+            <a:pPr algn="ctr">
+              <a:spcBef>
+                <a:spcPts val="432"/>
+              </a:spcBef>
+            </a:pPr>
+            <a:r>
+              <a:rPr lang="en-US" dirty="0">
+                <a:solidFill>
+                  <a:srgbClr val="990000"/>
+                </a:solidFill>
+                <a:latin typeface="+mn-lt"/>
+              </a:rPr>
+              <a:t>MLDM</a:t>
+            </a:r>
+            <a:endParaRPr lang="nl-NL" dirty="0" err="1">
+              <a:solidFill>
+                <a:srgbClr val="990000"/>
+              </a:solidFill>
+              <a:latin typeface="+mn-lt"/>
+            </a:endParaRPr>
+          </a:p>
+        </p:txBody>
+      </p:sp>
+      <p:sp>
+        <p:nvSpPr>
+          <p:cNvPr id="17" name="TextBox 16">
+            <a:extLst>
+              <a:ext uri="{FF2B5EF4-FFF2-40B4-BE49-F238E27FC236}">
+                <a16:creationId xmlns:a16="http://schemas.microsoft.com/office/drawing/2014/main" id="{637D7D33-671C-63C3-81B9-341E2A6FD8BC}"/>
+              </a:ext>
+            </a:extLst>
+          </p:cNvPr>
+          <p:cNvSpPr txBox="1"/>
+          <p:nvPr/>
+        </p:nvSpPr>
+        <p:spPr>
+          <a:xfrm>
+            <a:off x="5638825" y="6075040"/>
+            <a:ext cx="720080" cy="246221"/>
+          </a:xfrm>
+          <a:prstGeom prst="rect">
+            <a:avLst/>
+          </a:prstGeom>
+          <a:noFill/>
+        </p:spPr>
+        <p:txBody>
+          <a:bodyPr wrap="square" lIns="0" tIns="0" rIns="0" bIns="0" rtlCol="0">
+            <a:spAutoFit/>
+          </a:bodyPr>
+          <a:lstStyle/>
+          <a:p>
+            <a:pPr algn="ctr">
+              <a:spcBef>
+                <a:spcPts val="432"/>
+              </a:spcBef>
+            </a:pPr>
+            <a:r>
+              <a:rPr lang="en-US" dirty="0">
+                <a:solidFill>
+                  <a:srgbClr val="990000"/>
+                </a:solidFill>
+                <a:latin typeface="+mn-lt"/>
+              </a:rPr>
+              <a:t>LSTM</a:t>
+            </a:r>
+            <a:endParaRPr lang="nl-NL" dirty="0" err="1">
+              <a:solidFill>
+                <a:srgbClr val="990000"/>
+              </a:solidFill>
+              <a:latin typeface="+mn-lt"/>
+            </a:endParaRPr>
+          </a:p>
+        </p:txBody>
+      </p:sp>
+      <p:sp>
+        <p:nvSpPr>
+          <p:cNvPr id="18" name="TextBox 17">
+            <a:extLst>
+              <a:ext uri="{FF2B5EF4-FFF2-40B4-BE49-F238E27FC236}">
+                <a16:creationId xmlns:a16="http://schemas.microsoft.com/office/drawing/2014/main" id="{02A66749-E3BC-8D58-3947-ACD80CB36568}"/>
+              </a:ext>
+            </a:extLst>
+          </p:cNvPr>
+          <p:cNvSpPr txBox="1"/>
+          <p:nvPr/>
+        </p:nvSpPr>
+        <p:spPr>
+          <a:xfrm>
+            <a:off x="6817196" y="6075040"/>
+            <a:ext cx="720080" cy="492443"/>
+          </a:xfrm>
+          <a:prstGeom prst="rect">
+            <a:avLst/>
+          </a:prstGeom>
+          <a:noFill/>
+        </p:spPr>
+        <p:txBody>
+          <a:bodyPr wrap="square" lIns="0" tIns="0" rIns="0" bIns="0" rtlCol="0">
+            <a:spAutoFit/>
+          </a:bodyPr>
+          <a:lstStyle/>
+          <a:p>
+            <a:pPr algn="ctr">
+              <a:spcBef>
+                <a:spcPts val="432"/>
+              </a:spcBef>
+            </a:pPr>
+            <a:r>
+              <a:rPr lang="en-US" dirty="0">
+                <a:solidFill>
+                  <a:srgbClr val="990000"/>
+                </a:solidFill>
+                <a:latin typeface="+mn-lt"/>
+              </a:rPr>
+              <a:t>Further Plans</a:t>
+            </a:r>
+            <a:endParaRPr lang="nl-NL" dirty="0" err="1">
+              <a:solidFill>
+                <a:srgbClr val="990000"/>
+              </a:solidFill>
+              <a:latin typeface="+mn-lt"/>
+            </a:endParaRPr>
+          </a:p>
+        </p:txBody>
+      </p:sp>
+    </p:spTree>
+    <p:extLst>
+      <p:ext uri="{BB962C8B-B14F-4D97-AF65-F5344CB8AC3E}">
+        <p14:creationId xmlns:p14="http://schemas.microsoft.com/office/powerpoint/2010/main" val="3173100887"/>
+      </p:ext>
+    </p:extLst>
+  </p:cSld>
+  <p:clrMapOvr>
+    <a:masterClrMapping/>
+  </p:clrMapOvr>
+</p:sld>
+</file>
+
+<file path=ppt/slides/slide7.xml><?xml version="1.0" encoding="utf-8"?>
+<p:sld xmlns:a="http://schemas.openxmlformats.org/drawingml/2006/main" xmlns:r="http://schemas.openxmlformats.org/officeDocument/2006/relationships" xmlns:p="http://schemas.openxmlformats.org/presentationml/2006/main">
+  <p:cSld>
+    <p:spTree>
+      <p:nvGrpSpPr>
+        <p:cNvPr id="1" name=""/>
+        <p:cNvGrpSpPr/>
+        <p:nvPr/>
+      </p:nvGrpSpPr>
+      <p:grpSpPr>
+        <a:xfrm>
+          <a:off x="0" y="0"/>
+          <a:ext cx="0" cy="0"/>
+          <a:chOff x="0" y="0"/>
+          <a:chExt cx="0" cy="0"/>
+        </a:xfrm>
+      </p:grpSpPr>
+      <p:sp>
+        <p:nvSpPr>
+          <p:cNvPr id="2" name="Title 1">
+            <a:extLst>
+              <a:ext uri="{FF2B5EF4-FFF2-40B4-BE49-F238E27FC236}">
                 <a16:creationId xmlns:a16="http://schemas.microsoft.com/office/drawing/2014/main" id="{5241E114-141C-499A-8D76-AD728009E9CF}"/>
               </a:ext>
             </a:extLst>
@@ -12795,7 +13684,7 @@
             <a:fld id="{103EA872-A674-449B-A120-B97244F8E91D}" type="slidenum">
               <a:rPr lang="en-GB" smtClean="0"/>
               <a:pPr/>
-              <a:t>6</a:t>
+              <a:t>7</a:t>
             </a:fld>
             <a:endParaRPr lang="en-GB" dirty="0"/>
           </a:p>
@@ -13614,7 +14503,7 @@
 </p:sld>
 </file>
 
-<file path=ppt/slides/slide7.xml><?xml version="1.0" encoding="utf-8"?>
+<file path=ppt/slides/slide8.xml><?xml version="1.0" encoding="utf-8"?>
 <p:sld xmlns:a="http://schemas.openxmlformats.org/drawingml/2006/main" xmlns:r="http://schemas.openxmlformats.org/officeDocument/2006/relationships" xmlns:p="http://schemas.openxmlformats.org/presentationml/2006/main">
   <p:cSld>
     <p:spTree>
@@ -13684,7 +14573,7 @@
             <a:fld id="{103EA872-A674-449B-A120-B97244F8E91D}" type="slidenum">
               <a:rPr lang="en-GB" smtClean="0"/>
               <a:pPr/>
-              <a:t>7</a:t>
+              <a:t>8</a:t>
             </a:fld>
             <a:endParaRPr lang="en-GB" dirty="0"/>
           </a:p>
@@ -14574,7 +15463,7 @@
 </p:sld>
 </file>
 
-<file path=ppt/slides/slide8.xml><?xml version="1.0" encoding="utf-8"?>
+<file path=ppt/slides/slide9.xml><?xml version="1.0" encoding="utf-8"?>
 <p:sld xmlns:a="http://schemas.openxmlformats.org/drawingml/2006/main" xmlns:r="http://schemas.openxmlformats.org/officeDocument/2006/relationships" xmlns:p="http://schemas.openxmlformats.org/presentationml/2006/main">
   <p:cSld>
     <p:spTree>
@@ -14697,7 +15586,7 @@
             <a:fld id="{103EA872-A674-449B-A120-B97244F8E91D}" type="slidenum">
               <a:rPr lang="en-GB" smtClean="0"/>
               <a:pPr/>
-              <a:t>8</a:t>
+              <a:t>9</a:t>
             </a:fld>
             <a:endParaRPr lang="en-GB" dirty="0"/>
           </a:p>
@@ -16386,11 +17275,11 @@
 </file>
 
 <file path=customXml/item1.xml><?xml version="1.0" encoding="utf-8"?>
-<TemplafyFormConfiguration><![CDATA[{"formFields":[{"required":false,"helpTexts":{"prefix":"","postfix":""},"spacing":{},"type":"datePicker","name":"Date","label":"Date","fullyQualifiedName":"Date"},{"required":false,"placeholder":"","lines":0,"helpTexts":{"prefix":"","postfix":""},"spacing":{},"type":"textBox","name":"PresentationTitle","label":"Presentation title","fullyQualifiedName":"PresentationTitle"}],"formDataEntries":[{"name":"Date","value":"IuW0XXvkihAeaFR+oasw5g=="}]}]]></TemplafyFormConfiguration>
+<TemplafyTemplateConfiguration><![CDATA[{"elementsMetadata":[{"type":"shape","id":"200fc201-9004-4215-ada7-b2360008bfe0","elementConfiguration":{"binding":"UserProfile.Offices.Workarea_{{DocumentLanguage}}","disableUpdates":false,"type":"text"}},{"type":"shape","id":"70d15748-2402-426d-938e-9ee9c7ffcb44","elementConfiguration":{"format":"{{DateFormats.GeneralDate}}","binding":"Form.Date","disableUpdates":false,"type":"date"}},{"type":"shape","id":"c5d933f3-13ee-4215-923c-4dec843af19c","elementConfiguration":{"binding":"Form.PresentationTitle","disableUpdates":false,"type":"text"}}],"transformationConfigurations":[{"language":"{{DocumentLanguage}}","disableUpdates":false,"type":"proofingLanguage"}],"templateName":"","templateDescription":"","enableDocumentContentUpdater":true,"version":"1.2"}]]></TemplafyTemplateConfiguration>
 </file>
 
 <file path=customXml/item2.xml><?xml version="1.0" encoding="utf-8"?>
-<TemplafySlideFormConfiguration><![CDATA[{"formFields":[],"formDataEntries":[]}]]></TemplafySlideFormConfiguration>
+<TemplafySlideTemplateConfiguration><![CDATA[{"documentContentValidatorConfiguration":{"enableDocumentContentValidator":false,"documentContentValidatorVersion":0},"elementsMetadata":[],"slideId":"636957680393408390","enableDocumentContentUpdater":true,"version":"1.2"}]]></TemplafySlideTemplateConfiguration>
 </file>
 
 <file path=customXml/item3.xml><?xml version="1.0" encoding="utf-8"?>
@@ -16398,11 +17287,11 @@
 </file>
 
 <file path=customXml/item4.xml><?xml version="1.0" encoding="utf-8"?>
-<TemplafySlideTemplateConfiguration><![CDATA[{"documentContentValidatorConfiguration":{"enableDocumentContentValidator":false,"documentContentValidatorVersion":0},"elementsMetadata":[],"slideId":"636957680393408390","enableDocumentContentUpdater":true,"version":"1.2"}]]></TemplafySlideTemplateConfiguration>
+<TemplafySlideFormConfiguration><![CDATA[{"formFields":[],"formDataEntries":[]}]]></TemplafySlideFormConfiguration>
 </file>
 
 <file path=customXml/item5.xml><?xml version="1.0" encoding="utf-8"?>
-<TemplafyTemplateConfiguration><![CDATA[{"elementsMetadata":[{"type":"shape","id":"200fc201-9004-4215-ada7-b2360008bfe0","elementConfiguration":{"binding":"UserProfile.Offices.Workarea_{{DocumentLanguage}}","disableUpdates":false,"type":"text"}},{"type":"shape","id":"70d15748-2402-426d-938e-9ee9c7ffcb44","elementConfiguration":{"format":"{{DateFormats.GeneralDate}}","binding":"Form.Date","disableUpdates":false,"type":"date"}},{"type":"shape","id":"c5d933f3-13ee-4215-923c-4dec843af19c","elementConfiguration":{"binding":"Form.PresentationTitle","disableUpdates":false,"type":"text"}}],"transformationConfigurations":[{"language":"{{DocumentLanguage}}","disableUpdates":false,"type":"proofingLanguage"}],"templateName":"","templateDescription":"","enableDocumentContentUpdater":true,"version":"1.2"}]]></TemplafyTemplateConfiguration>
+<TemplafyFormConfiguration><![CDATA[{"formFields":[{"required":false,"helpTexts":{"prefix":"","postfix":""},"spacing":{},"type":"datePicker","name":"Date","label":"Date","fullyQualifiedName":"Date"},{"required":false,"placeholder":"","lines":0,"helpTexts":{"prefix":"","postfix":""},"spacing":{},"type":"textBox","name":"PresentationTitle","label":"Presentation title","fullyQualifiedName":"PresentationTitle"}],"formDataEntries":[{"name":"Date","value":"IuW0XXvkihAeaFR+oasw5g=="}]}]]></TemplafyFormConfiguration>
 </file>
 
 <file path=customXml/item6.xml><?xml version="1.0" encoding="utf-8"?>
@@ -16410,13 +17299,13 @@
 </file>
 
 <file path=customXml/itemProps1.xml><?xml version="1.0" encoding="utf-8"?>
-<ds:datastoreItem xmlns:ds="http://schemas.openxmlformats.org/officeDocument/2006/customXml" ds:itemID="{43763224-B85A-4B53-A86A-261D26A71C30}">
+<ds:datastoreItem xmlns:ds="http://schemas.openxmlformats.org/officeDocument/2006/customXml" ds:itemID="{1334258C-C3E7-4029-A615-C886A240FB15}">
   <ds:schemaRefs/>
 </ds:datastoreItem>
 </file>
 
 <file path=customXml/itemProps2.xml><?xml version="1.0" encoding="utf-8"?>
-<ds:datastoreItem xmlns:ds="http://schemas.openxmlformats.org/officeDocument/2006/customXml" ds:itemID="{9587AFF5-BFB0-40A3-85CA-ADEED7540807}">
+<ds:datastoreItem xmlns:ds="http://schemas.openxmlformats.org/officeDocument/2006/customXml" ds:itemID="{6B8AD017-B053-4E30-93B9-B28A44CEC3A4}">
   <ds:schemaRefs/>
 </ds:datastoreItem>
 </file>
@@ -16428,13 +17317,13 @@
 </file>
 
 <file path=customXml/itemProps4.xml><?xml version="1.0" encoding="utf-8"?>
-<ds:datastoreItem xmlns:ds="http://schemas.openxmlformats.org/officeDocument/2006/customXml" ds:itemID="{6B8AD017-B053-4E30-93B9-B28A44CEC3A4}">
+<ds:datastoreItem xmlns:ds="http://schemas.openxmlformats.org/officeDocument/2006/customXml" ds:itemID="{9587AFF5-BFB0-40A3-85CA-ADEED7540807}">
   <ds:schemaRefs/>
 </ds:datastoreItem>
 </file>
 
 <file path=customXml/itemProps5.xml><?xml version="1.0" encoding="utf-8"?>
-<ds:datastoreItem xmlns:ds="http://schemas.openxmlformats.org/officeDocument/2006/customXml" ds:itemID="{1334258C-C3E7-4029-A615-C886A240FB15}">
+<ds:datastoreItem xmlns:ds="http://schemas.openxmlformats.org/officeDocument/2006/customXml" ds:itemID="{43763224-B85A-4B53-A86A-261D26A71C30}">
   <ds:schemaRefs/>
 </ds:datastoreItem>
 </file>
